--- a/client/UI/UI.pptx
+++ b/client/UI/UI.pptx
@@ -5,16 +5,15 @@
     <p:sldMasterId id="2147483648" r:id="rId1"/>
   </p:sldMasterIdLst>
   <p:notesMasterIdLst>
-    <p:notesMasterId r:id="rId9"/>
+    <p:notesMasterId r:id="rId8"/>
   </p:notesMasterIdLst>
   <p:sldIdLst>
     <p:sldId id="259" r:id="rId2"/>
     <p:sldId id="258" r:id="rId3"/>
     <p:sldId id="261" r:id="rId4"/>
     <p:sldId id="263" r:id="rId5"/>
-    <p:sldId id="266" r:id="rId6"/>
-    <p:sldId id="264" r:id="rId7"/>
-    <p:sldId id="265" r:id="rId8"/>
+    <p:sldId id="264" r:id="rId6"/>
+    <p:sldId id="265" r:id="rId7"/>
   </p:sldIdLst>
   <p:sldSz cx="6858000" cy="9144000" type="screen4x3"/>
   <p:notesSz cx="6858000" cy="9144000"/>
@@ -199,7 +198,7 @@
             <a:fld id="{6CB782D2-A261-4730-B1CD-5DE0860CDF7E}" type="datetimeFigureOut">
               <a:rPr kumimoji="1" lang="ja-JP" altLang="en-US" smtClean="0"/>
               <a:pPr/>
-              <a:t>2013/3/13</a:t>
+              <a:t>2013/3/14</a:t>
             </a:fld>
             <a:endParaRPr kumimoji="1" lang="ja-JP" altLang="en-US"/>
           </a:p>
@@ -1057,11 +1056,15 @@
           <a:p>
             <a:r>
               <a:rPr lang="ja-JP" altLang="en-US" sz="1800" dirty="0" smtClean="0"/>
-              <a:t>⑤カメラ</a:t>
+              <a:t>⑥</a:t>
+            </a:r>
+            <a:r>
+              <a:rPr lang="en-US" altLang="ja-JP" sz="1800" dirty="0" smtClean="0"/>
+              <a:t>SNS</a:t>
             </a:r>
             <a:r>
               <a:rPr lang="ja-JP" altLang="en-US" sz="1800" dirty="0" smtClean="0"/>
-              <a:t>画面</a:t>
+              <a:t>アカウント選択画面</a:t>
             </a:r>
             <a:endParaRPr lang="en-US" altLang="ja-JP" sz="1800" dirty="0" smtClean="0"/>
           </a:p>
@@ -1150,15 +1153,15 @@
           <a:p>
             <a:r>
               <a:rPr lang="ja-JP" altLang="en-US" sz="1800" dirty="0" smtClean="0"/>
-              <a:t>⑥</a:t>
+              <a:t>画面⑦</a:t>
             </a:r>
             <a:r>
               <a:rPr lang="en-US" altLang="ja-JP" sz="1800" dirty="0" smtClean="0"/>
-              <a:t>SNS</a:t>
+              <a:t>Topic</a:t>
             </a:r>
             <a:r>
               <a:rPr lang="ja-JP" altLang="en-US" sz="1800" dirty="0" smtClean="0"/>
-              <a:t>アカウント選択画面</a:t>
+              <a:t>一覧画面</a:t>
             </a:r>
             <a:endParaRPr lang="en-US" altLang="ja-JP" sz="1800" dirty="0" smtClean="0"/>
           </a:p>
@@ -1186,107 +1189,6 @@
               <a:rPr kumimoji="1" lang="ja-JP" altLang="en-US" smtClean="0"/>
               <a:pPr/>
               <a:t>6</a:t>
-            </a:fld>
-            <a:endParaRPr kumimoji="1" lang="ja-JP" altLang="en-US"/>
-          </a:p>
-        </p:txBody>
-      </p:sp>
-    </p:spTree>
-  </p:cSld>
-  <p:clrMapOvr>
-    <a:masterClrMapping/>
-  </p:clrMapOvr>
-</p:notes>
-</file>
-
-<file path=ppt/notesSlides/notesSlide7.xml><?xml version="1.0" encoding="utf-8"?>
-<p:notes xmlns:a="http://schemas.openxmlformats.org/drawingml/2006/main" xmlns:r="http://schemas.openxmlformats.org/officeDocument/2006/relationships" xmlns:p="http://schemas.openxmlformats.org/presentationml/2006/main">
-  <p:cSld>
-    <p:spTree>
-      <p:nvGrpSpPr>
-        <p:cNvPr id="1" name=""/>
-        <p:cNvGrpSpPr/>
-        <p:nvPr/>
-      </p:nvGrpSpPr>
-      <p:grpSpPr>
-        <a:xfrm>
-          <a:off x="0" y="0"/>
-          <a:ext cx="0" cy="0"/>
-          <a:chOff x="0" y="0"/>
-          <a:chExt cx="0" cy="0"/>
-        </a:xfrm>
-      </p:grpSpPr>
-      <p:sp>
-        <p:nvSpPr>
-          <p:cNvPr id="2" name="スライド イメージ プレースホルダ 1"/>
-          <p:cNvSpPr>
-            <a:spLocks noGrp="1" noRot="1" noChangeAspect="1"/>
-          </p:cNvSpPr>
-          <p:nvPr>
-            <p:ph type="sldImg"/>
-          </p:nvPr>
-        </p:nvSpPr>
-        <p:spPr/>
-      </p:sp>
-      <p:sp>
-        <p:nvSpPr>
-          <p:cNvPr id="3" name="ノート プレースホルダ 2"/>
-          <p:cNvSpPr>
-            <a:spLocks noGrp="1"/>
-          </p:cNvSpPr>
-          <p:nvPr>
-            <p:ph type="body" idx="1"/>
-          </p:nvPr>
-        </p:nvSpPr>
-        <p:spPr/>
-        <p:txBody>
-          <a:bodyPr>
-            <a:normAutofit lnSpcReduction="10000"/>
-          </a:bodyPr>
-          <a:lstStyle/>
-          <a:p>
-            <a:r>
-              <a:rPr lang="ja-JP" altLang="en-US" sz="1800" dirty="0" smtClean="0"/>
-              <a:t>画面</a:t>
-            </a:r>
-            <a:r>
-              <a:rPr lang="ja-JP" altLang="en-US" sz="1800" dirty="0" smtClean="0"/>
-              <a:t>⑦</a:t>
-            </a:r>
-            <a:r>
-              <a:rPr lang="en-US" altLang="ja-JP" sz="1800" dirty="0" smtClean="0"/>
-              <a:t>Topic</a:t>
-            </a:r>
-            <a:r>
-              <a:rPr lang="ja-JP" altLang="en-US" sz="1800" dirty="0" smtClean="0"/>
-              <a:t>一覧画面</a:t>
-            </a:r>
-            <a:endParaRPr lang="en-US" altLang="ja-JP" sz="1800" dirty="0" smtClean="0"/>
-          </a:p>
-          <a:p>
-            <a:endParaRPr lang="en-US" altLang="ja-JP" sz="1800" dirty="0" smtClean="0"/>
-          </a:p>
-        </p:txBody>
-      </p:sp>
-      <p:sp>
-        <p:nvSpPr>
-          <p:cNvPr id="4" name="スライド番号プレースホルダ 3"/>
-          <p:cNvSpPr>
-            <a:spLocks noGrp="1"/>
-          </p:cNvSpPr>
-          <p:nvPr>
-            <p:ph type="sldNum" sz="quarter" idx="10"/>
-          </p:nvPr>
-        </p:nvSpPr>
-        <p:spPr/>
-        <p:txBody>
-          <a:bodyPr/>
-          <a:lstStyle/>
-          <a:p>
-            <a:fld id="{BA871DDF-D14D-477B-B801-AFB41A39A4DB}" type="slidenum">
-              <a:rPr kumimoji="1" lang="ja-JP" altLang="en-US" smtClean="0"/>
-              <a:pPr/>
-              <a:t>7</a:t>
             </a:fld>
             <a:endParaRPr kumimoji="1" lang="ja-JP" altLang="en-US"/>
           </a:p>
@@ -1482,7 +1384,7 @@
             <a:fld id="{8CC0D75B-0053-42EA-80F5-0CA201F86BEB}" type="datetimeFigureOut">
               <a:rPr kumimoji="1" lang="ja-JP" altLang="en-US" smtClean="0"/>
               <a:pPr/>
-              <a:t>2013/3/13</a:t>
+              <a:t>2013/3/14</a:t>
             </a:fld>
             <a:endParaRPr kumimoji="1" lang="ja-JP" altLang="en-US"/>
           </a:p>
@@ -1681,7 +1583,7 @@
             <a:fld id="{8CC0D75B-0053-42EA-80F5-0CA201F86BEB}" type="datetimeFigureOut">
               <a:rPr kumimoji="1" lang="ja-JP" altLang="en-US" smtClean="0"/>
               <a:pPr/>
-              <a:t>2013/3/13</a:t>
+              <a:t>2013/3/14</a:t>
             </a:fld>
             <a:endParaRPr kumimoji="1" lang="ja-JP" altLang="en-US"/>
           </a:p>
@@ -1890,7 +1792,7 @@
             <a:fld id="{8CC0D75B-0053-42EA-80F5-0CA201F86BEB}" type="datetimeFigureOut">
               <a:rPr kumimoji="1" lang="ja-JP" altLang="en-US" smtClean="0"/>
               <a:pPr/>
-              <a:t>2013/3/13</a:t>
+              <a:t>2013/3/14</a:t>
             </a:fld>
             <a:endParaRPr kumimoji="1" lang="ja-JP" altLang="en-US"/>
           </a:p>
@@ -2089,7 +1991,7 @@
             <a:fld id="{8CC0D75B-0053-42EA-80F5-0CA201F86BEB}" type="datetimeFigureOut">
               <a:rPr kumimoji="1" lang="ja-JP" altLang="en-US" smtClean="0"/>
               <a:pPr/>
-              <a:t>2013/3/13</a:t>
+              <a:t>2013/3/14</a:t>
             </a:fld>
             <a:endParaRPr kumimoji="1" lang="ja-JP" altLang="en-US"/>
           </a:p>
@@ -2332,7 +2234,7 @@
             <a:fld id="{8CC0D75B-0053-42EA-80F5-0CA201F86BEB}" type="datetimeFigureOut">
               <a:rPr kumimoji="1" lang="ja-JP" altLang="en-US" smtClean="0"/>
               <a:pPr/>
-              <a:t>2013/3/13</a:t>
+              <a:t>2013/3/14</a:t>
             </a:fld>
             <a:endParaRPr kumimoji="1" lang="ja-JP" altLang="en-US"/>
           </a:p>
@@ -2681,7 +2583,7 @@
             <a:fld id="{8CC0D75B-0053-42EA-80F5-0CA201F86BEB}" type="datetimeFigureOut">
               <a:rPr kumimoji="1" lang="ja-JP" altLang="en-US" smtClean="0"/>
               <a:pPr/>
-              <a:t>2013/3/13</a:t>
+              <a:t>2013/3/14</a:t>
             </a:fld>
             <a:endParaRPr kumimoji="1" lang="ja-JP" altLang="en-US"/>
           </a:p>
@@ -3164,7 +3066,7 @@
             <a:fld id="{8CC0D75B-0053-42EA-80F5-0CA201F86BEB}" type="datetimeFigureOut">
               <a:rPr kumimoji="1" lang="ja-JP" altLang="en-US" smtClean="0"/>
               <a:pPr/>
-              <a:t>2013/3/13</a:t>
+              <a:t>2013/3/14</a:t>
             </a:fld>
             <a:endParaRPr kumimoji="1" lang="ja-JP" altLang="en-US"/>
           </a:p>
@@ -3279,7 +3181,7 @@
             <a:fld id="{8CC0D75B-0053-42EA-80F5-0CA201F86BEB}" type="datetimeFigureOut">
               <a:rPr kumimoji="1" lang="ja-JP" altLang="en-US" smtClean="0"/>
               <a:pPr/>
-              <a:t>2013/3/13</a:t>
+              <a:t>2013/3/14</a:t>
             </a:fld>
             <a:endParaRPr kumimoji="1" lang="ja-JP" altLang="en-US"/>
           </a:p>
@@ -3380,7 +3282,7 @@
             <a:fld id="{8CC0D75B-0053-42EA-80F5-0CA201F86BEB}" type="datetimeFigureOut">
               <a:rPr kumimoji="1" lang="ja-JP" altLang="en-US" smtClean="0"/>
               <a:pPr/>
-              <a:t>2013/3/13</a:t>
+              <a:t>2013/3/14</a:t>
             </a:fld>
             <a:endParaRPr kumimoji="1" lang="ja-JP" altLang="en-US"/>
           </a:p>
@@ -3704,7 +3606,7 @@
             <a:fld id="{8CC0D75B-0053-42EA-80F5-0CA201F86BEB}" type="datetimeFigureOut">
               <a:rPr kumimoji="1" lang="ja-JP" altLang="en-US" smtClean="0"/>
               <a:pPr/>
-              <a:t>2013/3/13</a:t>
+              <a:t>2013/3/14</a:t>
             </a:fld>
             <a:endParaRPr kumimoji="1" lang="ja-JP" altLang="en-US"/>
           </a:p>
@@ -3954,7 +3856,7 @@
             <a:fld id="{8CC0D75B-0053-42EA-80F5-0CA201F86BEB}" type="datetimeFigureOut">
               <a:rPr kumimoji="1" lang="ja-JP" altLang="en-US" smtClean="0"/>
               <a:pPr/>
-              <a:t>2013/3/13</a:t>
+              <a:t>2013/3/14</a:t>
             </a:fld>
             <a:endParaRPr kumimoji="1" lang="ja-JP" altLang="en-US"/>
           </a:p>
@@ -4205,7 +4107,7 @@
             <a:fld id="{8CC0D75B-0053-42EA-80F5-0CA201F86BEB}" type="datetimeFigureOut">
               <a:rPr kumimoji="1" lang="ja-JP" altLang="en-US" smtClean="0"/>
               <a:pPr/>
-              <a:t>2013/3/13</a:t>
+              <a:t>2013/3/14</a:t>
             </a:fld>
             <a:endParaRPr kumimoji="1" lang="ja-JP" altLang="en-US"/>
           </a:p>
@@ -5025,7 +4927,7 @@
         </p:nvSpPr>
         <p:spPr>
           <a:xfrm>
-            <a:off x="692696" y="4499992"/>
+            <a:off x="692696" y="4860032"/>
             <a:ext cx="1656184" cy="576064"/>
           </a:xfrm>
           <a:prstGeom prst="roundRect">
@@ -5054,10 +4956,6 @@
             <a:r>
               <a:rPr kumimoji="1" lang="ja-JP" altLang="en-US" sz="2400" dirty="0" smtClean="0"/>
               <a:t>～</a:t>
-            </a:r>
-            <a:r>
-              <a:rPr kumimoji="1" lang="en-US" altLang="ja-JP" sz="2400" dirty="0" smtClean="0"/>
-              <a:t>×</a:t>
             </a:r>
             <a:endParaRPr kumimoji="1" lang="ja-JP" altLang="en-US" sz="2400" dirty="0"/>
           </a:p>
@@ -5333,7 +5231,7 @@
         </p:nvSpPr>
         <p:spPr>
           <a:xfrm>
-            <a:off x="2492896" y="4499992"/>
+            <a:off x="2492896" y="4860032"/>
             <a:ext cx="1656184" cy="576064"/>
           </a:xfrm>
           <a:prstGeom prst="roundRect">
@@ -5363,10 +5261,6 @@
               <a:rPr kumimoji="1" lang="ja-JP" altLang="en-US" sz="2400" dirty="0" smtClean="0"/>
               <a:t>～</a:t>
             </a:r>
-            <a:r>
-              <a:rPr kumimoji="1" lang="en-US" altLang="ja-JP" sz="2400" dirty="0" smtClean="0"/>
-              <a:t>×</a:t>
-            </a:r>
             <a:endParaRPr kumimoji="1" lang="ja-JP" altLang="en-US" sz="2400" dirty="0"/>
           </a:p>
         </p:txBody>
@@ -5379,7 +5273,7 @@
         </p:nvSpPr>
         <p:spPr>
           <a:xfrm>
-            <a:off x="4365104" y="4499992"/>
+            <a:off x="4365104" y="4860032"/>
             <a:ext cx="1656184" cy="576064"/>
           </a:xfrm>
           <a:prstGeom prst="roundRect">
@@ -5407,17 +5301,6 @@
             <a:r>
               <a:rPr kumimoji="1" lang="ja-JP" altLang="en-US" sz="2400" dirty="0" smtClean="0"/>
               <a:t>～</a:t>
-            </a:r>
-            <a:r>
-              <a:rPr lang="ja-JP" altLang="en-US" sz="2400" dirty="0" smtClean="0">
-                <a:solidFill>
-                  <a:schemeClr val="accent2">
-                    <a:lumMod val="60000"/>
-                    <a:lumOff val="40000"/>
-                  </a:schemeClr>
-                </a:solidFill>
-              </a:rPr>
-              <a:t>＋</a:t>
             </a:r>
             <a:endParaRPr kumimoji="1" lang="ja-JP" altLang="en-US" sz="2400" dirty="0">
               <a:solidFill>
@@ -5643,6 +5526,88 @@
               </a:rPr>
               <a:t>)</a:t>
             </a:r>
+          </a:p>
+        </p:txBody>
+      </p:sp>
+      <p:sp>
+        <p:nvSpPr>
+          <p:cNvPr id="27" name="テキスト ボックス 26"/>
+          <p:cNvSpPr txBox="1"/>
+          <p:nvPr/>
+        </p:nvSpPr>
+        <p:spPr>
+          <a:xfrm>
+            <a:off x="27384" y="3995936"/>
+            <a:ext cx="6858000" cy="830997"/>
+          </a:xfrm>
+          <a:prstGeom prst="rect">
+            <a:avLst/>
+          </a:prstGeom>
+          <a:noFill/>
+        </p:spPr>
+        <p:txBody>
+          <a:bodyPr wrap="square" rtlCol="0">
+            <a:spAutoFit/>
+          </a:bodyPr>
+          <a:lstStyle/>
+          <a:p>
+            <a:pPr algn="ctr"/>
+            <a:r>
+              <a:rPr kumimoji="1" lang="ja-JP" altLang="en-US" sz="2400" b="1" dirty="0" smtClean="0"/>
+              <a:t>キーフレーズ一覧</a:t>
+            </a:r>
+            <a:r>
+              <a:rPr kumimoji="1" lang="en-US" altLang="ja-JP" sz="2400" b="1" dirty="0" smtClean="0"/>
+              <a:t/>
+            </a:r>
+            <a:br>
+              <a:rPr kumimoji="1" lang="en-US" altLang="ja-JP" sz="2400" b="1" dirty="0" smtClean="0"/>
+            </a:br>
+            <a:r>
+              <a:rPr kumimoji="1" lang="ja-JP" altLang="en-US" sz="2400" b="1" dirty="0" smtClean="0">
+                <a:solidFill>
+                  <a:srgbClr val="93CDDD"/>
+                </a:solidFill>
+              </a:rPr>
+              <a:t>■</a:t>
+            </a:r>
+            <a:r>
+              <a:rPr kumimoji="1" lang="ja-JP" altLang="en-US" sz="2400" b="1" dirty="0" smtClean="0"/>
+              <a:t>登録　</a:t>
+            </a:r>
+            <a:r>
+              <a:rPr kumimoji="1" lang="ja-JP" altLang="en-US" sz="2400" b="1" dirty="0" smtClean="0">
+                <a:solidFill>
+                  <a:schemeClr val="accent5">
+                    <a:lumMod val="75000"/>
+                  </a:schemeClr>
+                </a:solidFill>
+              </a:rPr>
+              <a:t>■</a:t>
+            </a:r>
+            <a:r>
+              <a:rPr lang="ja-JP" altLang="en-US" sz="2400" b="1" dirty="0" smtClean="0"/>
+              <a:t>削除</a:t>
+            </a:r>
+            <a:r>
+              <a:rPr kumimoji="1" lang="en-US" altLang="ja-JP" sz="2400" b="1" dirty="0" smtClean="0"/>
+              <a:t>(</a:t>
+            </a:r>
+            <a:r>
+              <a:rPr kumimoji="1" lang="ja-JP" altLang="en-US" sz="2400" b="1" dirty="0" smtClean="0"/>
+              <a:t>タップすると切り替わります</a:t>
+            </a:r>
+            <a:r>
+              <a:rPr kumimoji="1" lang="en-US" altLang="ja-JP" sz="2400" b="1" dirty="0" smtClean="0"/>
+              <a:t>)</a:t>
+            </a:r>
+            <a:endParaRPr kumimoji="1" lang="ja-JP" altLang="en-US" sz="2400" b="1" dirty="0">
+              <a:solidFill>
+                <a:schemeClr val="accent5">
+                  <a:lumMod val="75000"/>
+                </a:schemeClr>
+              </a:solidFill>
+            </a:endParaRPr>
           </a:p>
         </p:txBody>
       </p:sp>
@@ -6602,6 +6567,10 @@
           <a:prstGeom prst="rect">
             <a:avLst/>
           </a:prstGeom>
+          <a:noFill/>
+          <a:ln>
+            <a:noFill/>
+          </a:ln>
         </p:spPr>
       </p:pic>
       <p:pic>
@@ -6716,8 +6685,8 @@
         </p:nvSpPr>
         <p:spPr>
           <a:xfrm>
-            <a:off x="404664" y="1907704"/>
-            <a:ext cx="4248472" cy="954107"/>
+            <a:off x="548680" y="1816532"/>
+            <a:ext cx="6048672" cy="523220"/>
           </a:xfrm>
           <a:prstGeom prst="rect">
             <a:avLst/>
@@ -6746,14 +6715,7 @@
             </a:r>
             <a:r>
               <a:rPr kumimoji="1" lang="ja-JP" altLang="en-US" sz="2800" dirty="0" smtClean="0"/>
-              <a:t>度キャンセルした</a:t>
-            </a:r>
-            <a:endParaRPr kumimoji="1" lang="en-US" altLang="ja-JP" sz="2800" dirty="0" smtClean="0"/>
-          </a:p>
-          <a:p>
-            <a:r>
-              <a:rPr kumimoji="1" lang="ja-JP" altLang="en-US" sz="2800" dirty="0" smtClean="0"/>
-              <a:t>キーワードを</a:t>
+              <a:t>度キャンセルしたキーワードを</a:t>
             </a:r>
             <a:r>
               <a:rPr lang="ja-JP" altLang="en-US" sz="2800" dirty="0" smtClean="0"/>
@@ -6771,7 +6733,7 @@
         </p:nvSpPr>
         <p:spPr>
           <a:xfrm>
-            <a:off x="404664" y="3347864"/>
+            <a:off x="1772816" y="3563888"/>
             <a:ext cx="3888432" cy="523220"/>
           </a:xfrm>
           <a:prstGeom prst="rect">
@@ -6815,7 +6777,7 @@
         </p:nvSpPr>
         <p:spPr>
           <a:xfrm>
-            <a:off x="620688" y="4067944"/>
+            <a:off x="1988840" y="4283968"/>
             <a:ext cx="1296144" cy="1152128"/>
           </a:xfrm>
           <a:prstGeom prst="roundRect">
@@ -6868,7 +6830,7 @@
         </p:nvSpPr>
         <p:spPr>
           <a:xfrm>
-            <a:off x="2132856" y="4067944"/>
+            <a:off x="3501008" y="4283968"/>
             <a:ext cx="1296144" cy="1152128"/>
           </a:xfrm>
           <a:prstGeom prst="roundRect">
@@ -7077,7 +7039,7 @@
         </p:nvSpPr>
         <p:spPr>
           <a:xfrm>
-            <a:off x="2852936" y="4707305"/>
+            <a:off x="4221088" y="4923329"/>
             <a:ext cx="504056" cy="584775"/>
           </a:xfrm>
           <a:prstGeom prst="rect">
@@ -7186,6 +7148,482 @@
           </a:prstGeom>
         </p:spPr>
       </p:pic>
+      <p:grpSp>
+        <p:nvGrpSpPr>
+          <p:cNvPr id="26" name="グループ化 25"/>
+          <p:cNvGrpSpPr/>
+          <p:nvPr/>
+        </p:nvGrpSpPr>
+        <p:grpSpPr>
+          <a:xfrm>
+            <a:off x="2348880" y="2411760"/>
+            <a:ext cx="2376264" cy="648072"/>
+            <a:chOff x="2348880" y="2411760"/>
+            <a:chExt cx="2376264" cy="648072"/>
+          </a:xfrm>
+        </p:grpSpPr>
+        <p:sp>
+          <p:nvSpPr>
+            <p:cNvPr id="18" name="角丸四角形 17"/>
+            <p:cNvSpPr/>
+            <p:nvPr/>
+          </p:nvSpPr>
+          <p:spPr>
+            <a:xfrm>
+              <a:off x="2348880" y="2411760"/>
+              <a:ext cx="2376264" cy="648072"/>
+            </a:xfrm>
+            <a:prstGeom prst="roundRect">
+              <a:avLst/>
+            </a:prstGeom>
+            <a:blipFill>
+              <a:blip r:embed="rId8" cstate="print"/>
+              <a:stretch>
+                <a:fillRect/>
+              </a:stretch>
+            </a:blipFill>
+            <a:ln>
+              <a:noFill/>
+            </a:ln>
+          </p:spPr>
+          <p:style>
+            <a:lnRef idx="2">
+              <a:schemeClr val="accent1">
+                <a:shade val="50000"/>
+              </a:schemeClr>
+            </a:lnRef>
+            <a:fillRef idx="1">
+              <a:schemeClr val="accent1"/>
+            </a:fillRef>
+            <a:effectRef idx="0">
+              <a:schemeClr val="accent1"/>
+            </a:effectRef>
+            <a:fontRef idx="minor">
+              <a:schemeClr val="lt1"/>
+            </a:fontRef>
+          </p:style>
+          <p:txBody>
+            <a:bodyPr rtlCol="0" anchor="ctr"/>
+            <a:lstStyle/>
+            <a:p>
+              <a:pPr algn="ctr"/>
+              <a:r>
+                <a:rPr kumimoji="1" lang="ja-JP" altLang="en-US" dirty="0" smtClean="0"/>
+                <a:t>　　　　　　　　　</a:t>
+              </a:r>
+              <a:r>
+                <a:rPr kumimoji="1" lang="en-US" altLang="ja-JP" dirty="0" smtClean="0"/>
+                <a:t>OFF</a:t>
+              </a:r>
+              <a:endParaRPr kumimoji="1" lang="ja-JP" altLang="en-US" dirty="0" smtClean="0"/>
+            </a:p>
+          </p:txBody>
+        </p:sp>
+        <p:sp>
+          <p:nvSpPr>
+            <p:cNvPr id="19" name="角丸四角形 18"/>
+            <p:cNvSpPr/>
+            <p:nvPr/>
+          </p:nvSpPr>
+          <p:spPr>
+            <a:xfrm>
+              <a:off x="2348880" y="2411760"/>
+              <a:ext cx="1296144" cy="648072"/>
+            </a:xfrm>
+            <a:prstGeom prst="roundRect">
+              <a:avLst/>
+            </a:prstGeom>
+            <a:blipFill>
+              <a:blip r:embed="rId9" cstate="print"/>
+              <a:stretch>
+                <a:fillRect/>
+              </a:stretch>
+            </a:blipFill>
+            <a:ln>
+              <a:noFill/>
+            </a:ln>
+          </p:spPr>
+          <p:style>
+            <a:lnRef idx="2">
+              <a:schemeClr val="accent1">
+                <a:shade val="50000"/>
+              </a:schemeClr>
+            </a:lnRef>
+            <a:fillRef idx="1">
+              <a:schemeClr val="accent1"/>
+            </a:fillRef>
+            <a:effectRef idx="0">
+              <a:schemeClr val="accent1"/>
+            </a:effectRef>
+            <a:fontRef idx="minor">
+              <a:schemeClr val="lt1"/>
+            </a:fontRef>
+          </p:style>
+          <p:txBody>
+            <a:bodyPr rtlCol="0" anchor="ctr"/>
+            <a:lstStyle/>
+            <a:p>
+              <a:pPr algn="ctr"/>
+              <a:r>
+                <a:rPr kumimoji="1" lang="en-US" altLang="ja-JP" dirty="0" smtClean="0"/>
+                <a:t>ON</a:t>
+              </a:r>
+              <a:endParaRPr kumimoji="1" lang="ja-JP" altLang="en-US" dirty="0" smtClean="0"/>
+            </a:p>
+          </p:txBody>
+        </p:sp>
+      </p:grpSp>
+      <p:sp>
+        <p:nvSpPr>
+          <p:cNvPr id="20" name="円形吹き出し 19"/>
+          <p:cNvSpPr/>
+          <p:nvPr/>
+        </p:nvSpPr>
+        <p:spPr>
+          <a:xfrm>
+            <a:off x="7461448" y="0"/>
+            <a:ext cx="4608512" cy="1872208"/>
+          </a:xfrm>
+          <a:prstGeom prst="wedgeEllipseCallout">
+            <a:avLst>
+              <a:gd name="adj1" fmla="val -69549"/>
+              <a:gd name="adj2" fmla="val 69517"/>
+            </a:avLst>
+          </a:prstGeom>
+          <a:solidFill>
+            <a:schemeClr val="tx2">
+              <a:lumMod val="20000"/>
+              <a:lumOff val="80000"/>
+            </a:schemeClr>
+          </a:solidFill>
+          <a:ln>
+            <a:noFill/>
+          </a:ln>
+        </p:spPr>
+        <p:style>
+          <a:lnRef idx="2">
+            <a:schemeClr val="accent1">
+              <a:shade val="50000"/>
+            </a:schemeClr>
+          </a:lnRef>
+          <a:fillRef idx="1">
+            <a:schemeClr val="accent1"/>
+          </a:fillRef>
+          <a:effectRef idx="0">
+            <a:schemeClr val="accent1"/>
+          </a:effectRef>
+          <a:fontRef idx="minor">
+            <a:schemeClr val="lt1"/>
+          </a:fontRef>
+        </p:style>
+        <p:txBody>
+          <a:bodyPr rtlCol="0" anchor="ctr"/>
+          <a:lstStyle/>
+          <a:p>
+            <a:pPr algn="ctr"/>
+            <a:r>
+              <a:rPr lang="en-US" altLang="ja-JP" dirty="0" smtClean="0">
+                <a:solidFill>
+                  <a:schemeClr val="tx1"/>
+                </a:solidFill>
+              </a:rPr>
+              <a:t>ON</a:t>
+            </a:r>
+            <a:r>
+              <a:rPr lang="ja-JP" altLang="en-US" dirty="0" smtClean="0">
+                <a:solidFill>
+                  <a:schemeClr val="tx1"/>
+                </a:solidFill>
+              </a:rPr>
+              <a:t>と</a:t>
+            </a:r>
+            <a:r>
+              <a:rPr lang="en-US" altLang="ja-JP" dirty="0" smtClean="0">
+                <a:solidFill>
+                  <a:schemeClr val="tx1"/>
+                </a:solidFill>
+              </a:rPr>
+              <a:t>OFF</a:t>
+            </a:r>
+            <a:r>
+              <a:rPr lang="ja-JP" altLang="en-US" dirty="0" smtClean="0">
+                <a:solidFill>
+                  <a:schemeClr val="tx1"/>
+                </a:solidFill>
+              </a:rPr>
+              <a:t>の画像があって</a:t>
+            </a:r>
+            <a:endParaRPr lang="en-US" altLang="ja-JP" dirty="0" smtClean="0">
+              <a:solidFill>
+                <a:schemeClr val="tx1"/>
+              </a:solidFill>
+            </a:endParaRPr>
+          </a:p>
+          <a:p>
+            <a:pPr algn="ctr"/>
+            <a:r>
+              <a:rPr lang="ja-JP" altLang="en-US" dirty="0" smtClean="0">
+                <a:solidFill>
+                  <a:schemeClr val="tx1"/>
+                </a:solidFill>
+              </a:rPr>
+              <a:t>タップすると</a:t>
+            </a:r>
+            <a:r>
+              <a:rPr lang="ja-JP" altLang="en-US" dirty="0" smtClean="0">
+                <a:solidFill>
+                  <a:schemeClr val="tx1"/>
+                </a:solidFill>
+              </a:rPr>
+              <a:t>切り替わる</a:t>
+            </a:r>
+            <a:endParaRPr lang="en-US" altLang="ja-JP" dirty="0" smtClean="0">
+              <a:solidFill>
+                <a:schemeClr val="tx1"/>
+              </a:solidFill>
+            </a:endParaRPr>
+          </a:p>
+        </p:txBody>
+      </p:sp>
+      <p:sp>
+        <p:nvSpPr>
+          <p:cNvPr id="21" name="正方形/長方形 20"/>
+          <p:cNvSpPr/>
+          <p:nvPr/>
+        </p:nvSpPr>
+        <p:spPr>
+          <a:xfrm>
+            <a:off x="404664" y="1619672"/>
+            <a:ext cx="6192688" cy="1656184"/>
+          </a:xfrm>
+          <a:prstGeom prst="rect">
+            <a:avLst/>
+          </a:prstGeom>
+          <a:noFill/>
+          <a:ln>
+            <a:solidFill>
+              <a:schemeClr val="bg1"/>
+            </a:solidFill>
+          </a:ln>
+        </p:spPr>
+        <p:style>
+          <a:lnRef idx="2">
+            <a:schemeClr val="accent1">
+              <a:shade val="50000"/>
+            </a:schemeClr>
+          </a:lnRef>
+          <a:fillRef idx="1">
+            <a:schemeClr val="accent1"/>
+          </a:fillRef>
+          <a:effectRef idx="0">
+            <a:schemeClr val="accent1"/>
+          </a:effectRef>
+          <a:fontRef idx="minor">
+            <a:schemeClr val="lt1"/>
+          </a:fontRef>
+        </p:style>
+        <p:txBody>
+          <a:bodyPr rtlCol="0" anchor="ctr"/>
+          <a:lstStyle/>
+          <a:p>
+            <a:pPr algn="ctr"/>
+            <a:endParaRPr kumimoji="1" lang="ja-JP" altLang="en-US" dirty="0" smtClean="0"/>
+          </a:p>
+        </p:txBody>
+      </p:sp>
+      <p:sp>
+        <p:nvSpPr>
+          <p:cNvPr id="22" name="円形吹き出し 21"/>
+          <p:cNvSpPr/>
+          <p:nvPr/>
+        </p:nvSpPr>
+        <p:spPr>
+          <a:xfrm>
+            <a:off x="7613848" y="2411760"/>
+            <a:ext cx="2367880" cy="1872208"/>
+          </a:xfrm>
+          <a:prstGeom prst="wedgeEllipseCallout">
+            <a:avLst>
+              <a:gd name="adj1" fmla="val -88538"/>
+              <a:gd name="adj2" fmla="val -9380"/>
+            </a:avLst>
+          </a:prstGeom>
+          <a:solidFill>
+            <a:schemeClr val="tx2">
+              <a:lumMod val="20000"/>
+              <a:lumOff val="80000"/>
+            </a:schemeClr>
+          </a:solidFill>
+          <a:ln>
+            <a:noFill/>
+          </a:ln>
+        </p:spPr>
+        <p:style>
+          <a:lnRef idx="2">
+            <a:schemeClr val="accent1">
+              <a:shade val="50000"/>
+            </a:schemeClr>
+          </a:lnRef>
+          <a:fillRef idx="1">
+            <a:schemeClr val="accent1"/>
+          </a:fillRef>
+          <a:effectRef idx="0">
+            <a:schemeClr val="accent1"/>
+          </a:effectRef>
+          <a:fontRef idx="minor">
+            <a:schemeClr val="lt1"/>
+          </a:fontRef>
+        </p:style>
+        <p:txBody>
+          <a:bodyPr rtlCol="0" anchor="ctr"/>
+          <a:lstStyle/>
+          <a:p>
+            <a:pPr algn="ctr"/>
+            <a:r>
+              <a:rPr lang="ja-JP" altLang="en-US" dirty="0" smtClean="0">
+                <a:solidFill>
+                  <a:schemeClr val="tx1"/>
+                </a:solidFill>
+              </a:rPr>
+              <a:t>枠</a:t>
+            </a:r>
+            <a:r>
+              <a:rPr lang="en-US" altLang="ja-JP" dirty="0" smtClean="0">
+                <a:solidFill>
+                  <a:schemeClr val="tx1"/>
+                </a:solidFill>
+              </a:rPr>
+              <a:t>(</a:t>
+            </a:r>
+            <a:r>
+              <a:rPr lang="ja-JP" altLang="en-US" dirty="0" smtClean="0">
+                <a:solidFill>
+                  <a:schemeClr val="tx1"/>
+                </a:solidFill>
+              </a:rPr>
+              <a:t>画像</a:t>
+            </a:r>
+            <a:r>
+              <a:rPr lang="en-US" altLang="ja-JP" dirty="0" smtClean="0">
+                <a:solidFill>
+                  <a:schemeClr val="tx1"/>
+                </a:solidFill>
+              </a:rPr>
+              <a:t>)</a:t>
+            </a:r>
+          </a:p>
+        </p:txBody>
+      </p:sp>
+      <p:sp>
+        <p:nvSpPr>
+          <p:cNvPr id="24" name="正方形/長方形 23"/>
+          <p:cNvSpPr/>
+          <p:nvPr/>
+        </p:nvSpPr>
+        <p:spPr>
+          <a:xfrm>
+            <a:off x="404664" y="3491880"/>
+            <a:ext cx="6192688" cy="2160240"/>
+          </a:xfrm>
+          <a:prstGeom prst="rect">
+            <a:avLst/>
+          </a:prstGeom>
+          <a:noFill/>
+          <a:ln>
+            <a:solidFill>
+              <a:schemeClr val="bg1"/>
+            </a:solidFill>
+          </a:ln>
+        </p:spPr>
+        <p:style>
+          <a:lnRef idx="2">
+            <a:schemeClr val="accent1">
+              <a:shade val="50000"/>
+            </a:schemeClr>
+          </a:lnRef>
+          <a:fillRef idx="1">
+            <a:schemeClr val="accent1"/>
+          </a:fillRef>
+          <a:effectRef idx="0">
+            <a:schemeClr val="accent1"/>
+          </a:effectRef>
+          <a:fontRef idx="minor">
+            <a:schemeClr val="lt1"/>
+          </a:fontRef>
+        </p:style>
+        <p:txBody>
+          <a:bodyPr rtlCol="0" anchor="ctr"/>
+          <a:lstStyle/>
+          <a:p>
+            <a:pPr algn="ctr"/>
+            <a:endParaRPr kumimoji="1" lang="ja-JP" altLang="en-US" dirty="0" smtClean="0"/>
+          </a:p>
+        </p:txBody>
+      </p:sp>
+      <p:sp>
+        <p:nvSpPr>
+          <p:cNvPr id="27" name="円形吹き出し 26"/>
+          <p:cNvSpPr/>
+          <p:nvPr/>
+        </p:nvSpPr>
+        <p:spPr>
+          <a:xfrm>
+            <a:off x="5805264" y="4572000"/>
+            <a:ext cx="2367880" cy="1872208"/>
+          </a:xfrm>
+          <a:prstGeom prst="wedgeEllipseCallout">
+            <a:avLst>
+              <a:gd name="adj1" fmla="val -88538"/>
+              <a:gd name="adj2" fmla="val -9380"/>
+            </a:avLst>
+          </a:prstGeom>
+          <a:solidFill>
+            <a:schemeClr val="tx2">
+              <a:lumMod val="20000"/>
+              <a:lumOff val="80000"/>
+            </a:schemeClr>
+          </a:solidFill>
+          <a:ln>
+            <a:noFill/>
+          </a:ln>
+        </p:spPr>
+        <p:style>
+          <a:lnRef idx="2">
+            <a:schemeClr val="accent1">
+              <a:shade val="50000"/>
+            </a:schemeClr>
+          </a:lnRef>
+          <a:fillRef idx="1">
+            <a:schemeClr val="accent1"/>
+          </a:fillRef>
+          <a:effectRef idx="0">
+            <a:schemeClr val="accent1"/>
+          </a:effectRef>
+          <a:fontRef idx="minor">
+            <a:schemeClr val="lt1"/>
+          </a:fontRef>
+        </p:style>
+        <p:txBody>
+          <a:bodyPr rtlCol="0" anchor="ctr"/>
+          <a:lstStyle/>
+          <a:p>
+            <a:pPr algn="ctr"/>
+            <a:r>
+              <a:rPr lang="ja-JP" altLang="en-US" dirty="0" smtClean="0">
+                <a:solidFill>
+                  <a:schemeClr val="tx1"/>
+                </a:solidFill>
+              </a:rPr>
+              <a:t>登録していない場合暗い</a:t>
+            </a:r>
+            <a:endParaRPr lang="en-US" altLang="ja-JP" dirty="0" smtClean="0">
+              <a:solidFill>
+                <a:schemeClr val="tx1"/>
+              </a:solidFill>
+            </a:endParaRPr>
+          </a:p>
+        </p:txBody>
+      </p:sp>
     </p:spTree>
   </p:cSld>
   <p:clrMapOvr>
@@ -7417,8 +7855,8 @@
         </p:nvSpPr>
         <p:spPr>
           <a:xfrm>
-            <a:off x="1196752" y="899592"/>
-            <a:ext cx="4680520" cy="461665"/>
+            <a:off x="27384" y="467544"/>
+            <a:ext cx="6858000" cy="830997"/>
           </a:xfrm>
           <a:prstGeom prst="rect">
             <a:avLst/>
@@ -7431,11 +7869,67 @@
           </a:bodyPr>
           <a:lstStyle/>
           <a:p>
+            <a:pPr algn="ctr"/>
             <a:r>
               <a:rPr kumimoji="1" lang="ja-JP" altLang="en-US" sz="2400" b="1" dirty="0" smtClean="0"/>
-              <a:t>以下のフレーズが見つかりました。</a:t>
-            </a:r>
-            <a:endParaRPr kumimoji="1" lang="ja-JP" altLang="en-US" sz="2400" b="1" dirty="0"/>
+              <a:t>以下のフレーズが見つかりました</a:t>
+            </a:r>
+            <a:r>
+              <a:rPr kumimoji="1" lang="ja-JP" altLang="en-US" sz="2400" b="1" dirty="0" smtClean="0"/>
+              <a:t>。</a:t>
+            </a:r>
+            <a:r>
+              <a:rPr kumimoji="1" lang="en-US" altLang="ja-JP" sz="2400" b="1" dirty="0" smtClean="0"/>
+              <a:t/>
+            </a:r>
+            <a:br>
+              <a:rPr kumimoji="1" lang="en-US" altLang="ja-JP" sz="2400" b="1" dirty="0" smtClean="0"/>
+            </a:br>
+            <a:r>
+              <a:rPr kumimoji="1" lang="ja-JP" altLang="en-US" sz="2400" b="1" dirty="0" smtClean="0">
+                <a:solidFill>
+                  <a:srgbClr val="93CDDD"/>
+                </a:solidFill>
+              </a:rPr>
+              <a:t>■</a:t>
+            </a:r>
+            <a:r>
+              <a:rPr kumimoji="1" lang="ja-JP" altLang="en-US" sz="2400" b="1" dirty="0" smtClean="0"/>
+              <a:t>登録　</a:t>
+            </a:r>
+            <a:r>
+              <a:rPr kumimoji="1" lang="ja-JP" altLang="en-US" sz="2400" b="1" dirty="0" smtClean="0">
+                <a:solidFill>
+                  <a:schemeClr val="accent5">
+                    <a:lumMod val="75000"/>
+                  </a:schemeClr>
+                </a:solidFill>
+              </a:rPr>
+              <a:t>■</a:t>
+            </a:r>
+            <a:r>
+              <a:rPr kumimoji="1" lang="ja-JP" altLang="en-US" sz="2400" b="1" dirty="0" smtClean="0"/>
+              <a:t>登録しない</a:t>
+            </a:r>
+            <a:r>
+              <a:rPr kumimoji="1" lang="en-US" altLang="ja-JP" sz="2400" b="1" dirty="0" smtClean="0"/>
+              <a:t>(</a:t>
+            </a:r>
+            <a:r>
+              <a:rPr kumimoji="1" lang="ja-JP" altLang="en-US" sz="2400" b="1" dirty="0" smtClean="0"/>
+              <a:t>タップすると切り替わります</a:t>
+            </a:r>
+            <a:r>
+              <a:rPr kumimoji="1" lang="en-US" altLang="ja-JP" sz="2400" b="1" dirty="0" smtClean="0"/>
+              <a:t>)</a:t>
+            </a:r>
+            <a:endParaRPr kumimoji="1" lang="ja-JP" altLang="en-US" sz="2400" b="1" dirty="0">
+              <a:solidFill>
+                <a:schemeClr val="accent5">
+                  <a:lumMod val="75000"/>
+                </a:schemeClr>
+              </a:solidFill>
+            </a:endParaRPr>
           </a:p>
         </p:txBody>
       </p:sp>
@@ -7448,6 +7942,45 @@
         <p:spPr>
           <a:xfrm>
             <a:off x="692696" y="1619672"/>
+            <a:ext cx="1656184" cy="576064"/>
+          </a:xfrm>
+          <a:prstGeom prst="roundRect">
+            <a:avLst/>
+          </a:prstGeom>
+          <a:solidFill>
+            <a:srgbClr val="93CDDD"/>
+          </a:solidFill>
+          <a:ln>
+            <a:noFill/>
+          </a:ln>
+        </p:spPr>
+        <p:txBody>
+          <a:bodyPr wrap="square" rtlCol="0">
+            <a:noAutofit/>
+          </a:bodyPr>
+          <a:lstStyle/>
+          <a:p>
+            <a:r>
+              <a:rPr kumimoji="1" lang="ja-JP" altLang="en-US" sz="2400" dirty="0" smtClean="0"/>
+              <a:t>～～</a:t>
+            </a:r>
+            <a:r>
+              <a:rPr kumimoji="1" lang="ja-JP" altLang="en-US" sz="2400" dirty="0" smtClean="0"/>
+              <a:t>～</a:t>
+            </a:r>
+            <a:endParaRPr kumimoji="1" lang="ja-JP" altLang="en-US" sz="2400" dirty="0"/>
+          </a:p>
+        </p:txBody>
+      </p:sp>
+      <p:sp>
+        <p:nvSpPr>
+          <p:cNvPr id="14" name="テキスト ボックス 13"/>
+          <p:cNvSpPr txBox="1"/>
+          <p:nvPr/>
+        </p:nvSpPr>
+        <p:spPr>
+          <a:xfrm>
+            <a:off x="2492896" y="1619672"/>
             <a:ext cx="1656184" cy="576064"/>
           </a:xfrm>
           <a:prstGeom prst="roundRect">
@@ -7477,56 +8010,6 @@
               <a:rPr kumimoji="1" lang="ja-JP" altLang="en-US" sz="2400" dirty="0" smtClean="0"/>
               <a:t>～</a:t>
             </a:r>
-            <a:r>
-              <a:rPr kumimoji="1" lang="en-US" altLang="ja-JP" sz="2400" dirty="0" smtClean="0"/>
-              <a:t>×</a:t>
-            </a:r>
-            <a:endParaRPr kumimoji="1" lang="ja-JP" altLang="en-US" sz="2400" dirty="0"/>
-          </a:p>
-        </p:txBody>
-      </p:sp>
-      <p:sp>
-        <p:nvSpPr>
-          <p:cNvPr id="14" name="テキスト ボックス 13"/>
-          <p:cNvSpPr txBox="1"/>
-          <p:nvPr/>
-        </p:nvSpPr>
-        <p:spPr>
-          <a:xfrm>
-            <a:off x="2492896" y="1619672"/>
-            <a:ext cx="1656184" cy="576064"/>
-          </a:xfrm>
-          <a:prstGeom prst="roundRect">
-            <a:avLst/>
-          </a:prstGeom>
-          <a:solidFill>
-            <a:schemeClr val="accent5">
-              <a:lumMod val="60000"/>
-              <a:lumOff val="40000"/>
-            </a:schemeClr>
-          </a:solidFill>
-          <a:ln>
-            <a:noFill/>
-          </a:ln>
-        </p:spPr>
-        <p:txBody>
-          <a:bodyPr wrap="square" rtlCol="0">
-            <a:noAutofit/>
-          </a:bodyPr>
-          <a:lstStyle/>
-          <a:p>
-            <a:r>
-              <a:rPr kumimoji="1" lang="ja-JP" altLang="en-US" sz="2400" dirty="0" smtClean="0"/>
-              <a:t>～～</a:t>
-            </a:r>
-            <a:r>
-              <a:rPr kumimoji="1" lang="ja-JP" altLang="en-US" sz="2400" dirty="0" smtClean="0"/>
-              <a:t>～</a:t>
-            </a:r>
-            <a:r>
-              <a:rPr kumimoji="1" lang="en-US" altLang="ja-JP" sz="2400" dirty="0" smtClean="0"/>
-              <a:t>×</a:t>
-            </a:r>
             <a:endParaRPr kumimoji="1" lang="ja-JP" altLang="en-US" sz="2400" dirty="0"/>
           </a:p>
         </p:txBody>
@@ -7567,17 +8050,6 @@
             <a:r>
               <a:rPr kumimoji="1" lang="ja-JP" altLang="en-US" sz="2400" dirty="0" smtClean="0"/>
               <a:t>～</a:t>
-            </a:r>
-            <a:r>
-              <a:rPr lang="ja-JP" altLang="en-US" sz="2400" dirty="0" smtClean="0">
-                <a:solidFill>
-                  <a:schemeClr val="accent2">
-                    <a:lumMod val="60000"/>
-                    <a:lumOff val="40000"/>
-                  </a:schemeClr>
-                </a:solidFill>
-              </a:rPr>
-              <a:t>＋</a:t>
             </a:r>
             <a:endParaRPr kumimoji="1" lang="ja-JP" altLang="en-US" sz="2400" dirty="0">
               <a:solidFill>
@@ -7622,6 +8094,1645 @@
           <a:chExt cx="0" cy="0"/>
         </a:xfrm>
       </p:grpSpPr>
+      <p:sp>
+        <p:nvSpPr>
+          <p:cNvPr id="36" name="正方形/長方形 35"/>
+          <p:cNvSpPr/>
+          <p:nvPr/>
+        </p:nvSpPr>
+        <p:spPr>
+          <a:xfrm>
+            <a:off x="2204864" y="7956376"/>
+            <a:ext cx="2736304" cy="936104"/>
+          </a:xfrm>
+          <a:prstGeom prst="rect">
+            <a:avLst/>
+          </a:prstGeom>
+          <a:blipFill>
+            <a:blip r:embed="rId3" cstate="print"/>
+            <a:stretch>
+              <a:fillRect/>
+            </a:stretch>
+          </a:blipFill>
+          <a:ln>
+            <a:noFill/>
+          </a:ln>
+        </p:spPr>
+        <p:style>
+          <a:lnRef idx="2">
+            <a:schemeClr val="accent1">
+              <a:shade val="50000"/>
+            </a:schemeClr>
+          </a:lnRef>
+          <a:fillRef idx="1">
+            <a:schemeClr val="accent1"/>
+          </a:fillRef>
+          <a:effectRef idx="0">
+            <a:schemeClr val="accent1"/>
+          </a:effectRef>
+          <a:fontRef idx="minor">
+            <a:schemeClr val="lt1"/>
+          </a:fontRef>
+        </p:style>
+        <p:txBody>
+          <a:bodyPr rtlCol="0" anchor="ctr"/>
+          <a:lstStyle/>
+          <a:p>
+            <a:pPr algn="ctr"/>
+            <a:r>
+              <a:rPr lang="en-US" altLang="ja-JP" sz="3600" dirty="0" smtClean="0"/>
+              <a:t>OK</a:t>
+            </a:r>
+            <a:endParaRPr kumimoji="1" lang="ja-JP" altLang="en-US" sz="3600" dirty="0"/>
+          </a:p>
+        </p:txBody>
+      </p:sp>
+      <p:sp>
+        <p:nvSpPr>
+          <p:cNvPr id="22" name="テキスト ボックス 21"/>
+          <p:cNvSpPr txBox="1"/>
+          <p:nvPr/>
+        </p:nvSpPr>
+        <p:spPr>
+          <a:xfrm>
+            <a:off x="692696" y="179512"/>
+            <a:ext cx="5661248" cy="461665"/>
+          </a:xfrm>
+          <a:prstGeom prst="rect">
+            <a:avLst/>
+          </a:prstGeom>
+          <a:noFill/>
+        </p:spPr>
+        <p:txBody>
+          <a:bodyPr wrap="square" rtlCol="0">
+            <a:spAutoFit/>
+          </a:bodyPr>
+          <a:lstStyle/>
+          <a:p>
+            <a:r>
+              <a:rPr lang="ja-JP" altLang="en-US" sz="2400" b="1" dirty="0" smtClean="0"/>
+              <a:t>どのアカウントから話題をさがしますか</a:t>
+            </a:r>
+            <a:r>
+              <a:rPr lang="en-US" altLang="ja-JP" sz="2400" b="1" dirty="0" smtClean="0"/>
+              <a:t>?</a:t>
+            </a:r>
+            <a:endParaRPr kumimoji="1" lang="ja-JP" altLang="en-US" sz="2400" b="1" dirty="0"/>
+          </a:p>
+        </p:txBody>
+      </p:sp>
+      <p:sp>
+        <p:nvSpPr>
+          <p:cNvPr id="32" name="正方形/長方形 31"/>
+          <p:cNvSpPr/>
+          <p:nvPr/>
+        </p:nvSpPr>
+        <p:spPr>
+          <a:xfrm>
+            <a:off x="404664" y="2699792"/>
+            <a:ext cx="692696" cy="720080"/>
+          </a:xfrm>
+          <a:prstGeom prst="rect">
+            <a:avLst/>
+          </a:prstGeom>
+          <a:blipFill>
+            <a:blip r:embed="rId4" cstate="print"/>
+            <a:stretch>
+              <a:fillRect/>
+            </a:stretch>
+          </a:blipFill>
+          <a:ln>
+            <a:noFill/>
+          </a:ln>
+        </p:spPr>
+        <p:style>
+          <a:lnRef idx="2">
+            <a:schemeClr val="accent1">
+              <a:shade val="50000"/>
+            </a:schemeClr>
+          </a:lnRef>
+          <a:fillRef idx="1">
+            <a:schemeClr val="accent1"/>
+          </a:fillRef>
+          <a:effectRef idx="0">
+            <a:schemeClr val="accent1"/>
+          </a:effectRef>
+          <a:fontRef idx="minor">
+            <a:schemeClr val="lt1"/>
+          </a:fontRef>
+        </p:style>
+        <p:txBody>
+          <a:bodyPr rtlCol="0" anchor="ctr"/>
+          <a:lstStyle/>
+          <a:p>
+            <a:pPr algn="ctr"/>
+            <a:r>
+              <a:rPr kumimoji="1" lang="en-US" altLang="ja-JP" dirty="0" smtClean="0"/>
+              <a:t>FB</a:t>
+            </a:r>
+          </a:p>
+          <a:p>
+            <a:pPr algn="ctr"/>
+            <a:r>
+              <a:rPr kumimoji="1" lang="ja-JP" altLang="en-US" dirty="0" smtClean="0"/>
+              <a:t>ロゴ</a:t>
+            </a:r>
+            <a:endParaRPr kumimoji="1" lang="ja-JP" altLang="en-US" dirty="0"/>
+          </a:p>
+        </p:txBody>
+      </p:sp>
+      <p:sp>
+        <p:nvSpPr>
+          <p:cNvPr id="33" name="正方形/長方形 32"/>
+          <p:cNvSpPr/>
+          <p:nvPr/>
+        </p:nvSpPr>
+        <p:spPr>
+          <a:xfrm>
+            <a:off x="432048" y="1115616"/>
+            <a:ext cx="620688" cy="648072"/>
+          </a:xfrm>
+          <a:prstGeom prst="rect">
+            <a:avLst/>
+          </a:prstGeom>
+          <a:blipFill>
+            <a:blip r:embed="rId5" cstate="print"/>
+            <a:stretch>
+              <a:fillRect/>
+            </a:stretch>
+          </a:blipFill>
+          <a:ln>
+            <a:noFill/>
+          </a:ln>
+        </p:spPr>
+        <p:style>
+          <a:lnRef idx="2">
+            <a:schemeClr val="accent1">
+              <a:shade val="50000"/>
+            </a:schemeClr>
+          </a:lnRef>
+          <a:fillRef idx="1">
+            <a:schemeClr val="accent1"/>
+          </a:fillRef>
+          <a:effectRef idx="0">
+            <a:schemeClr val="accent1"/>
+          </a:effectRef>
+          <a:fontRef idx="minor">
+            <a:schemeClr val="lt1"/>
+          </a:fontRef>
+        </p:style>
+        <p:txBody>
+          <a:bodyPr rtlCol="0" anchor="ctr"/>
+          <a:lstStyle/>
+          <a:p>
+            <a:pPr algn="ctr"/>
+            <a:r>
+              <a:rPr kumimoji="1" lang="en-US" altLang="ja-JP" dirty="0" smtClean="0"/>
+              <a:t>TW</a:t>
+            </a:r>
+          </a:p>
+          <a:p>
+            <a:pPr algn="ctr"/>
+            <a:r>
+              <a:rPr lang="ja-JP" altLang="en-US" dirty="0" smtClean="0"/>
+              <a:t>ロゴ</a:t>
+            </a:r>
+            <a:endParaRPr kumimoji="1" lang="ja-JP" altLang="en-US" dirty="0"/>
+          </a:p>
+        </p:txBody>
+      </p:sp>
+      <p:sp>
+        <p:nvSpPr>
+          <p:cNvPr id="39" name="正方形/長方形 38"/>
+          <p:cNvSpPr/>
+          <p:nvPr/>
+        </p:nvSpPr>
+        <p:spPr>
+          <a:xfrm>
+            <a:off x="1484784" y="6300192"/>
+            <a:ext cx="1368152" cy="1224136"/>
+          </a:xfrm>
+          <a:prstGeom prst="rect">
+            <a:avLst/>
+          </a:prstGeom>
+        </p:spPr>
+        <p:style>
+          <a:lnRef idx="2">
+            <a:schemeClr val="accent1">
+              <a:shade val="50000"/>
+            </a:schemeClr>
+          </a:lnRef>
+          <a:fillRef idx="1">
+            <a:schemeClr val="accent1"/>
+          </a:fillRef>
+          <a:effectRef idx="0">
+            <a:schemeClr val="accent1"/>
+          </a:effectRef>
+          <a:fontRef idx="minor">
+            <a:schemeClr val="lt1"/>
+          </a:fontRef>
+        </p:style>
+        <p:txBody>
+          <a:bodyPr rtlCol="0" anchor="ctr"/>
+          <a:lstStyle/>
+          <a:p>
+            <a:pPr algn="ctr"/>
+            <a:r>
+              <a:rPr kumimoji="1" lang="ja-JP" altLang="en-US" dirty="0" smtClean="0"/>
+              <a:t>アカウント</a:t>
+            </a:r>
+            <a:endParaRPr kumimoji="1" lang="en-US" altLang="ja-JP" dirty="0" smtClean="0"/>
+          </a:p>
+          <a:p>
+            <a:pPr algn="ctr"/>
+            <a:r>
+              <a:rPr lang="ja-JP" altLang="en-US" dirty="0" smtClean="0"/>
+              <a:t>プロフィール画像</a:t>
+            </a:r>
+            <a:endParaRPr kumimoji="1" lang="ja-JP" altLang="en-US" dirty="0"/>
+          </a:p>
+        </p:txBody>
+      </p:sp>
+      <p:sp>
+        <p:nvSpPr>
+          <p:cNvPr id="40" name="正方形/長方形 39"/>
+          <p:cNvSpPr/>
+          <p:nvPr/>
+        </p:nvSpPr>
+        <p:spPr>
+          <a:xfrm>
+            <a:off x="1484784" y="4644008"/>
+            <a:ext cx="1368152" cy="1224136"/>
+          </a:xfrm>
+          <a:prstGeom prst="rect">
+            <a:avLst/>
+          </a:prstGeom>
+        </p:spPr>
+        <p:style>
+          <a:lnRef idx="2">
+            <a:schemeClr val="accent1">
+              <a:shade val="50000"/>
+            </a:schemeClr>
+          </a:lnRef>
+          <a:fillRef idx="1">
+            <a:schemeClr val="accent1"/>
+          </a:fillRef>
+          <a:effectRef idx="0">
+            <a:schemeClr val="accent1"/>
+          </a:effectRef>
+          <a:fontRef idx="minor">
+            <a:schemeClr val="lt1"/>
+          </a:fontRef>
+        </p:style>
+        <p:txBody>
+          <a:bodyPr rtlCol="0" anchor="ctr"/>
+          <a:lstStyle/>
+          <a:p>
+            <a:pPr algn="ctr"/>
+            <a:r>
+              <a:rPr kumimoji="1" lang="ja-JP" altLang="en-US" dirty="0" smtClean="0"/>
+              <a:t>アカウント</a:t>
+            </a:r>
+            <a:endParaRPr kumimoji="1" lang="en-US" altLang="ja-JP" dirty="0" smtClean="0"/>
+          </a:p>
+          <a:p>
+            <a:pPr algn="ctr"/>
+            <a:r>
+              <a:rPr lang="ja-JP" altLang="en-US" dirty="0" smtClean="0"/>
+              <a:t>プロフィール画像</a:t>
+            </a:r>
+            <a:endParaRPr kumimoji="1" lang="ja-JP" altLang="en-US" dirty="0"/>
+          </a:p>
+        </p:txBody>
+      </p:sp>
+      <p:sp>
+        <p:nvSpPr>
+          <p:cNvPr id="46" name="正方形/長方形 45"/>
+          <p:cNvSpPr/>
+          <p:nvPr/>
+        </p:nvSpPr>
+        <p:spPr>
+          <a:xfrm>
+            <a:off x="1340768" y="2843808"/>
+            <a:ext cx="1872208" cy="1440160"/>
+          </a:xfrm>
+          <a:prstGeom prst="rect">
+            <a:avLst/>
+          </a:prstGeom>
+          <a:solidFill>
+            <a:schemeClr val="tx2">
+              <a:lumMod val="20000"/>
+              <a:lumOff val="80000"/>
+            </a:schemeClr>
+          </a:solidFill>
+          <a:ln>
+            <a:noFill/>
+          </a:ln>
+        </p:spPr>
+        <p:style>
+          <a:lnRef idx="2">
+            <a:schemeClr val="accent1">
+              <a:shade val="50000"/>
+            </a:schemeClr>
+          </a:lnRef>
+          <a:fillRef idx="1">
+            <a:schemeClr val="accent1"/>
+          </a:fillRef>
+          <a:effectRef idx="0">
+            <a:schemeClr val="accent1"/>
+          </a:effectRef>
+          <a:fontRef idx="minor">
+            <a:schemeClr val="lt1"/>
+          </a:fontRef>
+        </p:style>
+        <p:txBody>
+          <a:bodyPr rtlCol="0" anchor="ctr"/>
+          <a:lstStyle/>
+          <a:p>
+            <a:pPr algn="ctr"/>
+            <a:endParaRPr kumimoji="1" lang="ja-JP" altLang="en-US" dirty="0">
+              <a:solidFill>
+                <a:schemeClr val="accent1">
+                  <a:lumMod val="20000"/>
+                  <a:lumOff val="80000"/>
+                </a:schemeClr>
+              </a:solidFill>
+            </a:endParaRPr>
+          </a:p>
+        </p:txBody>
+      </p:sp>
+      <p:sp>
+        <p:nvSpPr>
+          <p:cNvPr id="44" name="円形吹き出し 43"/>
+          <p:cNvSpPr/>
+          <p:nvPr/>
+        </p:nvSpPr>
+        <p:spPr>
+          <a:xfrm>
+            <a:off x="-4347864" y="6804248"/>
+            <a:ext cx="3456384" cy="1296144"/>
+          </a:xfrm>
+          <a:prstGeom prst="wedgeEllipseCallout">
+            <a:avLst>
+              <a:gd name="adj1" fmla="val 111169"/>
+              <a:gd name="adj2" fmla="val -21275"/>
+            </a:avLst>
+          </a:prstGeom>
+          <a:solidFill>
+            <a:schemeClr val="tx2">
+              <a:lumMod val="20000"/>
+              <a:lumOff val="80000"/>
+            </a:schemeClr>
+          </a:solidFill>
+          <a:ln>
+            <a:noFill/>
+          </a:ln>
+        </p:spPr>
+        <p:style>
+          <a:lnRef idx="2">
+            <a:schemeClr val="accent1">
+              <a:shade val="50000"/>
+            </a:schemeClr>
+          </a:lnRef>
+          <a:fillRef idx="1">
+            <a:schemeClr val="accent1"/>
+          </a:fillRef>
+          <a:effectRef idx="0">
+            <a:schemeClr val="accent1"/>
+          </a:effectRef>
+          <a:fontRef idx="minor">
+            <a:schemeClr val="lt1"/>
+          </a:fontRef>
+        </p:style>
+        <p:txBody>
+          <a:bodyPr rtlCol="0" anchor="ctr"/>
+          <a:lstStyle/>
+          <a:p>
+            <a:pPr algn="ctr"/>
+            <a:r>
+              <a:rPr kumimoji="1" lang="ja-JP" altLang="en-US" dirty="0" smtClean="0">
+                <a:solidFill>
+                  <a:schemeClr val="tx1"/>
+                </a:solidFill>
+              </a:rPr>
+              <a:t>もしたくさん居たら</a:t>
+            </a:r>
+            <a:endParaRPr kumimoji="1" lang="en-US" altLang="ja-JP" dirty="0" smtClean="0">
+              <a:solidFill>
+                <a:schemeClr val="tx1"/>
+              </a:solidFill>
+            </a:endParaRPr>
+          </a:p>
+          <a:p>
+            <a:pPr algn="ctr"/>
+            <a:r>
+              <a:rPr lang="ja-JP" altLang="en-US" dirty="0" smtClean="0">
+                <a:solidFill>
+                  <a:schemeClr val="tx1"/>
+                </a:solidFill>
+              </a:rPr>
+              <a:t>縦</a:t>
+            </a:r>
+            <a:r>
+              <a:rPr kumimoji="1" lang="ja-JP" altLang="en-US" dirty="0" smtClean="0">
+                <a:solidFill>
+                  <a:schemeClr val="tx1"/>
+                </a:solidFill>
+              </a:rPr>
+              <a:t>にスクロール</a:t>
+            </a:r>
+            <a:endParaRPr kumimoji="1" lang="ja-JP" altLang="en-US" dirty="0">
+              <a:solidFill>
+                <a:schemeClr val="tx1"/>
+              </a:solidFill>
+            </a:endParaRPr>
+          </a:p>
+        </p:txBody>
+      </p:sp>
+      <p:sp>
+        <p:nvSpPr>
+          <p:cNvPr id="45" name="円形吹き出し 44"/>
+          <p:cNvSpPr/>
+          <p:nvPr/>
+        </p:nvSpPr>
+        <p:spPr>
+          <a:xfrm>
+            <a:off x="-3555776" y="899592"/>
+            <a:ext cx="2664296" cy="1872208"/>
+          </a:xfrm>
+          <a:prstGeom prst="wedgeEllipseCallout">
+            <a:avLst>
+              <a:gd name="adj1" fmla="val 86410"/>
+              <a:gd name="adj2" fmla="val -9066"/>
+            </a:avLst>
+          </a:prstGeom>
+          <a:solidFill>
+            <a:schemeClr val="tx2">
+              <a:lumMod val="20000"/>
+              <a:lumOff val="80000"/>
+            </a:schemeClr>
+          </a:solidFill>
+          <a:ln>
+            <a:noFill/>
+          </a:ln>
+        </p:spPr>
+        <p:style>
+          <a:lnRef idx="2">
+            <a:schemeClr val="accent1">
+              <a:shade val="50000"/>
+            </a:schemeClr>
+          </a:lnRef>
+          <a:fillRef idx="1">
+            <a:schemeClr val="accent1"/>
+          </a:fillRef>
+          <a:effectRef idx="0">
+            <a:schemeClr val="accent1"/>
+          </a:effectRef>
+          <a:fontRef idx="minor">
+            <a:schemeClr val="lt1"/>
+          </a:fontRef>
+        </p:style>
+        <p:txBody>
+          <a:bodyPr rtlCol="0" anchor="ctr"/>
+          <a:lstStyle/>
+          <a:p>
+            <a:pPr algn="ctr"/>
+            <a:r>
+              <a:rPr lang="en-US" altLang="ja-JP" dirty="0" smtClean="0">
+                <a:solidFill>
+                  <a:schemeClr val="tx1"/>
+                </a:solidFill>
+              </a:rPr>
+              <a:t>Twitter</a:t>
+            </a:r>
+            <a:r>
+              <a:rPr lang="ja-JP" altLang="en-US" dirty="0" smtClean="0">
+                <a:solidFill>
+                  <a:schemeClr val="tx1"/>
+                </a:solidFill>
+              </a:rPr>
+              <a:t>見つかった場合は一番上に</a:t>
+            </a:r>
+            <a:endParaRPr lang="en-US" altLang="ja-JP" dirty="0" smtClean="0">
+              <a:solidFill>
+                <a:schemeClr val="tx1"/>
+              </a:solidFill>
+            </a:endParaRPr>
+          </a:p>
+        </p:txBody>
+      </p:sp>
+      <p:sp>
+        <p:nvSpPr>
+          <p:cNvPr id="37" name="正方形/長方形 36"/>
+          <p:cNvSpPr/>
+          <p:nvPr/>
+        </p:nvSpPr>
+        <p:spPr>
+          <a:xfrm>
+            <a:off x="1556792" y="2915816"/>
+            <a:ext cx="1368152" cy="1224136"/>
+          </a:xfrm>
+          <a:prstGeom prst="rect">
+            <a:avLst/>
+          </a:prstGeom>
+        </p:spPr>
+        <p:style>
+          <a:lnRef idx="2">
+            <a:schemeClr val="accent1">
+              <a:shade val="50000"/>
+            </a:schemeClr>
+          </a:lnRef>
+          <a:fillRef idx="1">
+            <a:schemeClr val="accent1"/>
+          </a:fillRef>
+          <a:effectRef idx="0">
+            <a:schemeClr val="accent1"/>
+          </a:effectRef>
+          <a:fontRef idx="minor">
+            <a:schemeClr val="lt1"/>
+          </a:fontRef>
+        </p:style>
+        <p:txBody>
+          <a:bodyPr rtlCol="0" anchor="ctr"/>
+          <a:lstStyle/>
+          <a:p>
+            <a:pPr algn="ctr"/>
+            <a:r>
+              <a:rPr kumimoji="1" lang="ja-JP" altLang="en-US" dirty="0" smtClean="0"/>
+              <a:t>アカウント</a:t>
+            </a:r>
+            <a:endParaRPr kumimoji="1" lang="en-US" altLang="ja-JP" dirty="0" smtClean="0"/>
+          </a:p>
+          <a:p>
+            <a:pPr algn="ctr"/>
+            <a:r>
+              <a:rPr lang="ja-JP" altLang="en-US" dirty="0" smtClean="0"/>
+              <a:t>プロフィール画像</a:t>
+            </a:r>
+            <a:endParaRPr kumimoji="1" lang="ja-JP" altLang="en-US" dirty="0"/>
+          </a:p>
+        </p:txBody>
+      </p:sp>
+      <p:sp>
+        <p:nvSpPr>
+          <p:cNvPr id="47" name="正方形/長方形 46"/>
+          <p:cNvSpPr/>
+          <p:nvPr/>
+        </p:nvSpPr>
+        <p:spPr>
+          <a:xfrm>
+            <a:off x="1556792" y="1259632"/>
+            <a:ext cx="1368152" cy="1224136"/>
+          </a:xfrm>
+          <a:prstGeom prst="rect">
+            <a:avLst/>
+          </a:prstGeom>
+        </p:spPr>
+        <p:style>
+          <a:lnRef idx="2">
+            <a:schemeClr val="accent1">
+              <a:shade val="50000"/>
+            </a:schemeClr>
+          </a:lnRef>
+          <a:fillRef idx="1">
+            <a:schemeClr val="accent1"/>
+          </a:fillRef>
+          <a:effectRef idx="0">
+            <a:schemeClr val="accent1"/>
+          </a:effectRef>
+          <a:fontRef idx="minor">
+            <a:schemeClr val="lt1"/>
+          </a:fontRef>
+        </p:style>
+        <p:txBody>
+          <a:bodyPr rtlCol="0" anchor="ctr"/>
+          <a:lstStyle/>
+          <a:p>
+            <a:pPr algn="ctr"/>
+            <a:r>
+              <a:rPr kumimoji="1" lang="ja-JP" altLang="en-US" dirty="0" smtClean="0"/>
+              <a:t>アカウント</a:t>
+            </a:r>
+            <a:endParaRPr kumimoji="1" lang="en-US" altLang="ja-JP" dirty="0" smtClean="0"/>
+          </a:p>
+          <a:p>
+            <a:pPr algn="ctr"/>
+            <a:r>
+              <a:rPr lang="ja-JP" altLang="en-US" dirty="0" smtClean="0"/>
+              <a:t>プロフィール画像</a:t>
+            </a:r>
+            <a:endParaRPr kumimoji="1" lang="ja-JP" altLang="en-US" dirty="0"/>
+          </a:p>
+        </p:txBody>
+      </p:sp>
+      <p:sp>
+        <p:nvSpPr>
+          <p:cNvPr id="19" name="正方形/長方形 18"/>
+          <p:cNvSpPr/>
+          <p:nvPr/>
+        </p:nvSpPr>
+        <p:spPr>
+          <a:xfrm>
+            <a:off x="260648" y="971600"/>
+            <a:ext cx="6192688" cy="1656184"/>
+          </a:xfrm>
+          <a:prstGeom prst="rect">
+            <a:avLst/>
+          </a:prstGeom>
+          <a:noFill/>
+          <a:ln>
+            <a:solidFill>
+              <a:schemeClr val="bg1"/>
+            </a:solidFill>
+          </a:ln>
+        </p:spPr>
+        <p:style>
+          <a:lnRef idx="2">
+            <a:schemeClr val="accent1">
+              <a:shade val="50000"/>
+            </a:schemeClr>
+          </a:lnRef>
+          <a:fillRef idx="1">
+            <a:schemeClr val="accent1"/>
+          </a:fillRef>
+          <a:effectRef idx="0">
+            <a:schemeClr val="accent1"/>
+          </a:effectRef>
+          <a:fontRef idx="minor">
+            <a:schemeClr val="lt1"/>
+          </a:fontRef>
+        </p:style>
+        <p:txBody>
+          <a:bodyPr rtlCol="0" anchor="ctr"/>
+          <a:lstStyle/>
+          <a:p>
+            <a:pPr algn="ctr"/>
+            <a:endParaRPr kumimoji="1" lang="ja-JP" altLang="en-US" dirty="0" smtClean="0"/>
+          </a:p>
+        </p:txBody>
+      </p:sp>
+      <p:sp>
+        <p:nvSpPr>
+          <p:cNvPr id="20" name="円形吹き出し 19"/>
+          <p:cNvSpPr/>
+          <p:nvPr/>
+        </p:nvSpPr>
+        <p:spPr>
+          <a:xfrm>
+            <a:off x="7461448" y="0"/>
+            <a:ext cx="2664296" cy="1872208"/>
+          </a:xfrm>
+          <a:prstGeom prst="wedgeEllipseCallout">
+            <a:avLst>
+              <a:gd name="adj1" fmla="val -85193"/>
+              <a:gd name="adj2" fmla="val 72335"/>
+            </a:avLst>
+          </a:prstGeom>
+          <a:solidFill>
+            <a:schemeClr val="tx2">
+              <a:lumMod val="20000"/>
+              <a:lumOff val="80000"/>
+            </a:schemeClr>
+          </a:solidFill>
+          <a:ln>
+            <a:noFill/>
+          </a:ln>
+        </p:spPr>
+        <p:style>
+          <a:lnRef idx="2">
+            <a:schemeClr val="accent1">
+              <a:shade val="50000"/>
+            </a:schemeClr>
+          </a:lnRef>
+          <a:fillRef idx="1">
+            <a:schemeClr val="accent1"/>
+          </a:fillRef>
+          <a:effectRef idx="0">
+            <a:schemeClr val="accent1"/>
+          </a:effectRef>
+          <a:fontRef idx="minor">
+            <a:schemeClr val="lt1"/>
+          </a:fontRef>
+        </p:style>
+        <p:txBody>
+          <a:bodyPr rtlCol="0" anchor="ctr"/>
+          <a:lstStyle/>
+          <a:p>
+            <a:pPr algn="ctr"/>
+            <a:r>
+              <a:rPr lang="ja-JP" altLang="en-US" dirty="0" smtClean="0">
+                <a:solidFill>
+                  <a:schemeClr val="tx1"/>
+                </a:solidFill>
+              </a:rPr>
+              <a:t>枠</a:t>
+            </a:r>
+            <a:endParaRPr lang="en-US" altLang="ja-JP" dirty="0" smtClean="0">
+              <a:solidFill>
+                <a:schemeClr val="tx1"/>
+              </a:solidFill>
+            </a:endParaRPr>
+          </a:p>
+          <a:p>
+            <a:pPr algn="ctr"/>
+            <a:r>
+              <a:rPr lang="en-US" altLang="ja-JP" dirty="0" smtClean="0">
+                <a:solidFill>
+                  <a:schemeClr val="tx1"/>
+                </a:solidFill>
+              </a:rPr>
+              <a:t>(</a:t>
+            </a:r>
+            <a:r>
+              <a:rPr lang="ja-JP" altLang="en-US" dirty="0" smtClean="0">
+                <a:solidFill>
+                  <a:schemeClr val="tx1"/>
+                </a:solidFill>
+              </a:rPr>
+              <a:t>画像を使いたい</a:t>
+            </a:r>
+            <a:r>
+              <a:rPr lang="en-US" altLang="ja-JP" dirty="0" smtClean="0">
+                <a:solidFill>
+                  <a:schemeClr val="tx1"/>
+                </a:solidFill>
+              </a:rPr>
+              <a:t>)</a:t>
+            </a:r>
+            <a:endParaRPr lang="en-US" altLang="ja-JP" dirty="0" smtClean="0">
+              <a:solidFill>
+                <a:schemeClr val="tx1"/>
+              </a:solidFill>
+            </a:endParaRPr>
+          </a:p>
+        </p:txBody>
+      </p:sp>
+      <p:sp>
+        <p:nvSpPr>
+          <p:cNvPr id="21" name="正方形/長方形 20"/>
+          <p:cNvSpPr/>
+          <p:nvPr/>
+        </p:nvSpPr>
+        <p:spPr>
+          <a:xfrm>
+            <a:off x="260648" y="2699792"/>
+            <a:ext cx="6192688" cy="5040560"/>
+          </a:xfrm>
+          <a:prstGeom prst="rect">
+            <a:avLst/>
+          </a:prstGeom>
+          <a:noFill/>
+          <a:ln>
+            <a:solidFill>
+              <a:schemeClr val="bg1"/>
+            </a:solidFill>
+          </a:ln>
+        </p:spPr>
+        <p:style>
+          <a:lnRef idx="2">
+            <a:schemeClr val="accent1">
+              <a:shade val="50000"/>
+            </a:schemeClr>
+          </a:lnRef>
+          <a:fillRef idx="1">
+            <a:schemeClr val="accent1"/>
+          </a:fillRef>
+          <a:effectRef idx="0">
+            <a:schemeClr val="accent1"/>
+          </a:effectRef>
+          <a:fontRef idx="minor">
+            <a:schemeClr val="lt1"/>
+          </a:fontRef>
+        </p:style>
+        <p:txBody>
+          <a:bodyPr rtlCol="0" anchor="ctr"/>
+          <a:lstStyle/>
+          <a:p>
+            <a:pPr algn="ctr"/>
+            <a:endParaRPr kumimoji="1" lang="ja-JP" altLang="en-US" dirty="0" smtClean="0"/>
+          </a:p>
+        </p:txBody>
+      </p:sp>
+      <p:sp>
+        <p:nvSpPr>
+          <p:cNvPr id="23" name="正方形/長方形 22"/>
+          <p:cNvSpPr/>
+          <p:nvPr/>
+        </p:nvSpPr>
+        <p:spPr>
+          <a:xfrm>
+            <a:off x="6237312" y="2699792"/>
+            <a:ext cx="188640" cy="4968552"/>
+          </a:xfrm>
+          <a:prstGeom prst="rect">
+            <a:avLst/>
+          </a:prstGeom>
+          <a:solidFill>
+            <a:schemeClr val="bg1"/>
+          </a:solidFill>
+        </p:spPr>
+        <p:style>
+          <a:lnRef idx="2">
+            <a:schemeClr val="accent1">
+              <a:shade val="50000"/>
+            </a:schemeClr>
+          </a:lnRef>
+          <a:fillRef idx="1">
+            <a:schemeClr val="accent1"/>
+          </a:fillRef>
+          <a:effectRef idx="0">
+            <a:schemeClr val="accent1"/>
+          </a:effectRef>
+          <a:fontRef idx="minor">
+            <a:schemeClr val="lt1"/>
+          </a:fontRef>
+        </p:style>
+        <p:txBody>
+          <a:bodyPr rtlCol="0" anchor="ctr"/>
+          <a:lstStyle/>
+          <a:p>
+            <a:pPr algn="ctr"/>
+            <a:endParaRPr kumimoji="1" lang="ja-JP" altLang="en-US"/>
+          </a:p>
+        </p:txBody>
+      </p:sp>
+      <p:sp>
+        <p:nvSpPr>
+          <p:cNvPr id="24" name="円/楕円 23"/>
+          <p:cNvSpPr/>
+          <p:nvPr/>
+        </p:nvSpPr>
+        <p:spPr>
+          <a:xfrm>
+            <a:off x="6165304" y="2771800"/>
+            <a:ext cx="312688" cy="258122"/>
+          </a:xfrm>
+          <a:prstGeom prst="ellipse">
+            <a:avLst/>
+          </a:prstGeom>
+          <a:solidFill>
+            <a:schemeClr val="tx1">
+              <a:lumMod val="50000"/>
+              <a:lumOff val="50000"/>
+            </a:schemeClr>
+          </a:solidFill>
+          <a:ln>
+            <a:noFill/>
+          </a:ln>
+        </p:spPr>
+        <p:style>
+          <a:lnRef idx="2">
+            <a:schemeClr val="accent1">
+              <a:shade val="50000"/>
+            </a:schemeClr>
+          </a:lnRef>
+          <a:fillRef idx="1">
+            <a:schemeClr val="accent1"/>
+          </a:fillRef>
+          <a:effectRef idx="0">
+            <a:schemeClr val="accent1"/>
+          </a:effectRef>
+          <a:fontRef idx="minor">
+            <a:schemeClr val="lt1"/>
+          </a:fontRef>
+        </p:style>
+        <p:txBody>
+          <a:bodyPr rtlCol="0" anchor="ctr"/>
+          <a:lstStyle/>
+          <a:p>
+            <a:pPr algn="ctr"/>
+            <a:endParaRPr kumimoji="1" lang="ja-JP" altLang="en-US"/>
+          </a:p>
+        </p:txBody>
+      </p:sp>
+      <p:sp>
+        <p:nvSpPr>
+          <p:cNvPr id="25" name="円形吹き出し 24"/>
+          <p:cNvSpPr/>
+          <p:nvPr/>
+        </p:nvSpPr>
+        <p:spPr>
+          <a:xfrm>
+            <a:off x="7749480" y="2195736"/>
+            <a:ext cx="2664296" cy="1872208"/>
+          </a:xfrm>
+          <a:prstGeom prst="wedgeEllipseCallout">
+            <a:avLst>
+              <a:gd name="adj1" fmla="val -94488"/>
+              <a:gd name="adj2" fmla="val -2961"/>
+            </a:avLst>
+          </a:prstGeom>
+          <a:solidFill>
+            <a:schemeClr val="tx2">
+              <a:lumMod val="20000"/>
+              <a:lumOff val="80000"/>
+            </a:schemeClr>
+          </a:solidFill>
+          <a:ln>
+            <a:noFill/>
+          </a:ln>
+        </p:spPr>
+        <p:style>
+          <a:lnRef idx="2">
+            <a:schemeClr val="accent1">
+              <a:shade val="50000"/>
+            </a:schemeClr>
+          </a:lnRef>
+          <a:fillRef idx="1">
+            <a:schemeClr val="accent1"/>
+          </a:fillRef>
+          <a:effectRef idx="0">
+            <a:schemeClr val="accent1"/>
+          </a:effectRef>
+          <a:fontRef idx="minor">
+            <a:schemeClr val="lt1"/>
+          </a:fontRef>
+        </p:style>
+        <p:txBody>
+          <a:bodyPr rtlCol="0" anchor="ctr"/>
+          <a:lstStyle/>
+          <a:p>
+            <a:pPr algn="ctr"/>
+            <a:r>
+              <a:rPr lang="ja-JP" altLang="en-US" dirty="0" smtClean="0">
+                <a:solidFill>
+                  <a:schemeClr val="tx1"/>
+                </a:solidFill>
+              </a:rPr>
+              <a:t>スクロールバー</a:t>
+            </a:r>
+            <a:endParaRPr lang="en-US" altLang="ja-JP" dirty="0" smtClean="0">
+              <a:solidFill>
+                <a:schemeClr val="tx1"/>
+              </a:solidFill>
+            </a:endParaRPr>
+          </a:p>
+        </p:txBody>
+      </p:sp>
+      <p:sp>
+        <p:nvSpPr>
+          <p:cNvPr id="26" name="円形吹き出し 25"/>
+          <p:cNvSpPr/>
+          <p:nvPr/>
+        </p:nvSpPr>
+        <p:spPr>
+          <a:xfrm>
+            <a:off x="-4419872" y="8495928"/>
+            <a:ext cx="3456384" cy="1296144"/>
+          </a:xfrm>
+          <a:prstGeom prst="wedgeEllipseCallout">
+            <a:avLst>
+              <a:gd name="adj1" fmla="val 89674"/>
+              <a:gd name="adj2" fmla="val 31636"/>
+            </a:avLst>
+          </a:prstGeom>
+          <a:solidFill>
+            <a:schemeClr val="tx2">
+              <a:lumMod val="20000"/>
+              <a:lumOff val="80000"/>
+            </a:schemeClr>
+          </a:solidFill>
+          <a:ln>
+            <a:noFill/>
+          </a:ln>
+        </p:spPr>
+        <p:style>
+          <a:lnRef idx="2">
+            <a:schemeClr val="accent1">
+              <a:shade val="50000"/>
+            </a:schemeClr>
+          </a:lnRef>
+          <a:fillRef idx="1">
+            <a:schemeClr val="accent1"/>
+          </a:fillRef>
+          <a:effectRef idx="0">
+            <a:schemeClr val="accent1"/>
+          </a:effectRef>
+          <a:fontRef idx="minor">
+            <a:schemeClr val="lt1"/>
+          </a:fontRef>
+        </p:style>
+        <p:txBody>
+          <a:bodyPr rtlCol="0" anchor="ctr"/>
+          <a:lstStyle/>
+          <a:p>
+            <a:pPr algn="ctr"/>
+            <a:r>
+              <a:rPr lang="ja-JP" altLang="en-US" dirty="0" smtClean="0">
+                <a:solidFill>
+                  <a:schemeClr val="tx1"/>
+                </a:solidFill>
+              </a:rPr>
+              <a:t>端末の戻るボタンで</a:t>
+            </a:r>
+            <a:endParaRPr lang="en-US" altLang="ja-JP" dirty="0" smtClean="0">
+              <a:solidFill>
+                <a:schemeClr val="tx1"/>
+              </a:solidFill>
+            </a:endParaRPr>
+          </a:p>
+          <a:p>
+            <a:pPr algn="ctr"/>
+            <a:r>
+              <a:rPr kumimoji="1" lang="ja-JP" altLang="en-US" dirty="0" smtClean="0">
+                <a:solidFill>
+                  <a:schemeClr val="tx1"/>
+                </a:solidFill>
+              </a:rPr>
+              <a:t>話題検索画面に戻る</a:t>
+            </a:r>
+            <a:endParaRPr kumimoji="1" lang="en-US" altLang="ja-JP" dirty="0" smtClean="0">
+              <a:solidFill>
+                <a:schemeClr val="tx1"/>
+              </a:solidFill>
+            </a:endParaRPr>
+          </a:p>
+        </p:txBody>
+      </p:sp>
+      <p:sp>
+        <p:nvSpPr>
+          <p:cNvPr id="27" name="正方形/長方形 26"/>
+          <p:cNvSpPr/>
+          <p:nvPr/>
+        </p:nvSpPr>
+        <p:spPr>
+          <a:xfrm>
+            <a:off x="1196752" y="2771800"/>
+            <a:ext cx="4824536" cy="1584176"/>
+          </a:xfrm>
+          <a:prstGeom prst="rect">
+            <a:avLst/>
+          </a:prstGeom>
+          <a:noFill/>
+          <a:ln>
+            <a:solidFill>
+              <a:schemeClr val="tx1"/>
+            </a:solidFill>
+          </a:ln>
+        </p:spPr>
+        <p:style>
+          <a:lnRef idx="2">
+            <a:schemeClr val="accent1">
+              <a:shade val="50000"/>
+            </a:schemeClr>
+          </a:lnRef>
+          <a:fillRef idx="1">
+            <a:schemeClr val="accent1"/>
+          </a:fillRef>
+          <a:effectRef idx="0">
+            <a:schemeClr val="accent1"/>
+          </a:effectRef>
+          <a:fontRef idx="minor">
+            <a:schemeClr val="lt1"/>
+          </a:fontRef>
+        </p:style>
+        <p:txBody>
+          <a:bodyPr rtlCol="0" anchor="ctr"/>
+          <a:lstStyle/>
+          <a:p>
+            <a:pPr algn="ctr"/>
+            <a:endParaRPr kumimoji="1" lang="ja-JP" altLang="en-US" sz="2000" dirty="0" smtClean="0"/>
+          </a:p>
+        </p:txBody>
+      </p:sp>
+      <p:sp>
+        <p:nvSpPr>
+          <p:cNvPr id="28" name="正方形/長方形 27"/>
+          <p:cNvSpPr/>
+          <p:nvPr/>
+        </p:nvSpPr>
+        <p:spPr>
+          <a:xfrm>
+            <a:off x="1196752" y="4427984"/>
+            <a:ext cx="4824536" cy="1584176"/>
+          </a:xfrm>
+          <a:prstGeom prst="rect">
+            <a:avLst/>
+          </a:prstGeom>
+          <a:noFill/>
+          <a:ln>
+            <a:solidFill>
+              <a:schemeClr val="tx1"/>
+            </a:solidFill>
+          </a:ln>
+        </p:spPr>
+        <p:style>
+          <a:lnRef idx="2">
+            <a:schemeClr val="accent1">
+              <a:shade val="50000"/>
+            </a:schemeClr>
+          </a:lnRef>
+          <a:fillRef idx="1">
+            <a:schemeClr val="accent1"/>
+          </a:fillRef>
+          <a:effectRef idx="0">
+            <a:schemeClr val="accent1"/>
+          </a:effectRef>
+          <a:fontRef idx="minor">
+            <a:schemeClr val="lt1"/>
+          </a:fontRef>
+        </p:style>
+        <p:txBody>
+          <a:bodyPr rtlCol="0" anchor="ctr"/>
+          <a:lstStyle/>
+          <a:p>
+            <a:pPr algn="ctr"/>
+            <a:endParaRPr kumimoji="1" lang="ja-JP" altLang="en-US" dirty="0" smtClean="0"/>
+          </a:p>
+        </p:txBody>
+      </p:sp>
+      <p:sp>
+        <p:nvSpPr>
+          <p:cNvPr id="29" name="正方形/長方形 28"/>
+          <p:cNvSpPr/>
+          <p:nvPr/>
+        </p:nvSpPr>
+        <p:spPr>
+          <a:xfrm>
+            <a:off x="1196752" y="6084168"/>
+            <a:ext cx="4824536" cy="1584176"/>
+          </a:xfrm>
+          <a:prstGeom prst="rect">
+            <a:avLst/>
+          </a:prstGeom>
+          <a:noFill/>
+          <a:ln>
+            <a:solidFill>
+              <a:schemeClr val="tx1"/>
+            </a:solidFill>
+          </a:ln>
+        </p:spPr>
+        <p:style>
+          <a:lnRef idx="2">
+            <a:schemeClr val="accent1">
+              <a:shade val="50000"/>
+            </a:schemeClr>
+          </a:lnRef>
+          <a:fillRef idx="1">
+            <a:schemeClr val="accent1"/>
+          </a:fillRef>
+          <a:effectRef idx="0">
+            <a:schemeClr val="accent1"/>
+          </a:effectRef>
+          <a:fontRef idx="minor">
+            <a:schemeClr val="lt1"/>
+          </a:fontRef>
+        </p:style>
+        <p:txBody>
+          <a:bodyPr rtlCol="0" anchor="ctr"/>
+          <a:lstStyle/>
+          <a:p>
+            <a:pPr algn="ctr"/>
+            <a:endParaRPr kumimoji="1" lang="ja-JP" altLang="en-US" dirty="0" smtClean="0"/>
+          </a:p>
+        </p:txBody>
+      </p:sp>
+      <p:sp>
+        <p:nvSpPr>
+          <p:cNvPr id="30" name="正方形/長方形 29"/>
+          <p:cNvSpPr/>
+          <p:nvPr/>
+        </p:nvSpPr>
+        <p:spPr>
+          <a:xfrm>
+            <a:off x="5085184" y="3851920"/>
+            <a:ext cx="864096" cy="432048"/>
+          </a:xfrm>
+          <a:prstGeom prst="rect">
+            <a:avLst/>
+          </a:prstGeom>
+          <a:blipFill>
+            <a:blip r:embed="rId6" cstate="print"/>
+            <a:stretch>
+              <a:fillRect/>
+            </a:stretch>
+          </a:blipFill>
+          <a:ln>
+            <a:noFill/>
+          </a:ln>
+        </p:spPr>
+        <p:style>
+          <a:lnRef idx="2">
+            <a:schemeClr val="accent1">
+              <a:shade val="50000"/>
+            </a:schemeClr>
+          </a:lnRef>
+          <a:fillRef idx="1">
+            <a:schemeClr val="accent1"/>
+          </a:fillRef>
+          <a:effectRef idx="0">
+            <a:schemeClr val="accent1"/>
+          </a:effectRef>
+          <a:fontRef idx="minor">
+            <a:schemeClr val="lt1"/>
+          </a:fontRef>
+        </p:style>
+        <p:txBody>
+          <a:bodyPr rtlCol="0" anchor="ctr"/>
+          <a:lstStyle/>
+          <a:p>
+            <a:pPr algn="ctr"/>
+            <a:r>
+              <a:rPr kumimoji="1" lang="ja-JP" altLang="en-US" dirty="0" smtClean="0"/>
+              <a:t>詳細</a:t>
+            </a:r>
+            <a:endParaRPr kumimoji="1" lang="en-US" altLang="ja-JP" dirty="0" smtClean="0"/>
+          </a:p>
+        </p:txBody>
+      </p:sp>
+      <p:sp>
+        <p:nvSpPr>
+          <p:cNvPr id="52" name="円形吹き出し 51"/>
+          <p:cNvSpPr/>
+          <p:nvPr/>
+        </p:nvSpPr>
+        <p:spPr>
+          <a:xfrm>
+            <a:off x="-3195736" y="4427984"/>
+            <a:ext cx="2664296" cy="1872208"/>
+          </a:xfrm>
+          <a:prstGeom prst="wedgeEllipseCallout">
+            <a:avLst>
+              <a:gd name="adj1" fmla="val 263972"/>
+              <a:gd name="adj2" fmla="val -62316"/>
+            </a:avLst>
+          </a:prstGeom>
+          <a:solidFill>
+            <a:schemeClr val="tx2">
+              <a:lumMod val="20000"/>
+              <a:lumOff val="80000"/>
+            </a:schemeClr>
+          </a:solidFill>
+          <a:ln>
+            <a:noFill/>
+          </a:ln>
+        </p:spPr>
+        <p:style>
+          <a:lnRef idx="2">
+            <a:schemeClr val="accent1">
+              <a:shade val="50000"/>
+            </a:schemeClr>
+          </a:lnRef>
+          <a:fillRef idx="1">
+            <a:schemeClr val="accent1"/>
+          </a:fillRef>
+          <a:effectRef idx="0">
+            <a:schemeClr val="accent1"/>
+          </a:effectRef>
+          <a:fontRef idx="minor">
+            <a:schemeClr val="lt1"/>
+          </a:fontRef>
+        </p:style>
+        <p:txBody>
+          <a:bodyPr rtlCol="0" anchor="ctr"/>
+          <a:lstStyle/>
+          <a:p>
+            <a:pPr algn="ctr"/>
+            <a:r>
+              <a:rPr lang="ja-JP" altLang="en-US" dirty="0" smtClean="0">
+                <a:solidFill>
+                  <a:schemeClr val="tx1"/>
+                </a:solidFill>
+              </a:rPr>
+              <a:t>ブラウザを開き</a:t>
+            </a:r>
+            <a:endParaRPr lang="en-US" altLang="ja-JP" dirty="0" smtClean="0">
+              <a:solidFill>
+                <a:schemeClr val="tx1"/>
+              </a:solidFill>
+            </a:endParaRPr>
+          </a:p>
+          <a:p>
+            <a:pPr algn="ctr"/>
+            <a:r>
+              <a:rPr lang="ja-JP" altLang="en-US" dirty="0" smtClean="0">
+                <a:solidFill>
+                  <a:schemeClr val="tx1"/>
+                </a:solidFill>
+              </a:rPr>
+              <a:t>その人の</a:t>
+            </a:r>
+            <a:r>
+              <a:rPr lang="en-US" altLang="ja-JP" dirty="0" err="1" smtClean="0">
+                <a:solidFill>
+                  <a:schemeClr val="tx1"/>
+                </a:solidFill>
+              </a:rPr>
+              <a:t>facebook</a:t>
+            </a:r>
+            <a:r>
+              <a:rPr lang="ja-JP" altLang="en-US" dirty="0" smtClean="0">
+                <a:solidFill>
+                  <a:schemeClr val="tx1"/>
+                </a:solidFill>
+              </a:rPr>
+              <a:t>へ。</a:t>
+            </a:r>
+            <a:endParaRPr lang="en-US" altLang="ja-JP" dirty="0" smtClean="0">
+              <a:solidFill>
+                <a:schemeClr val="tx1"/>
+              </a:solidFill>
+            </a:endParaRPr>
+          </a:p>
+          <a:p>
+            <a:pPr algn="ctr"/>
+            <a:r>
+              <a:rPr lang="ja-JP" altLang="en-US" dirty="0" smtClean="0">
+                <a:solidFill>
+                  <a:schemeClr val="tx1"/>
+                </a:solidFill>
+              </a:rPr>
+              <a:t>詳細を見れる</a:t>
+            </a:r>
+            <a:endParaRPr lang="en-US" altLang="ja-JP" dirty="0" smtClean="0">
+              <a:solidFill>
+                <a:schemeClr val="tx1"/>
+              </a:solidFill>
+            </a:endParaRPr>
+          </a:p>
+        </p:txBody>
+      </p:sp>
+      <p:sp>
+        <p:nvSpPr>
+          <p:cNvPr id="31" name="正方形/長方形 30"/>
+          <p:cNvSpPr/>
+          <p:nvPr/>
+        </p:nvSpPr>
+        <p:spPr>
+          <a:xfrm>
+            <a:off x="5085184" y="5508104"/>
+            <a:ext cx="864096" cy="432048"/>
+          </a:xfrm>
+          <a:prstGeom prst="rect">
+            <a:avLst/>
+          </a:prstGeom>
+          <a:blipFill>
+            <a:blip r:embed="rId6" cstate="print"/>
+            <a:stretch>
+              <a:fillRect/>
+            </a:stretch>
+          </a:blipFill>
+          <a:ln>
+            <a:noFill/>
+          </a:ln>
+        </p:spPr>
+        <p:style>
+          <a:lnRef idx="2">
+            <a:schemeClr val="accent1">
+              <a:shade val="50000"/>
+            </a:schemeClr>
+          </a:lnRef>
+          <a:fillRef idx="1">
+            <a:schemeClr val="accent1"/>
+          </a:fillRef>
+          <a:effectRef idx="0">
+            <a:schemeClr val="accent1"/>
+          </a:effectRef>
+          <a:fontRef idx="minor">
+            <a:schemeClr val="lt1"/>
+          </a:fontRef>
+        </p:style>
+        <p:txBody>
+          <a:bodyPr rtlCol="0" anchor="ctr"/>
+          <a:lstStyle/>
+          <a:p>
+            <a:pPr algn="ctr"/>
+            <a:r>
+              <a:rPr kumimoji="1" lang="ja-JP" altLang="en-US" dirty="0" smtClean="0"/>
+              <a:t>詳細</a:t>
+            </a:r>
+            <a:endParaRPr kumimoji="1" lang="en-US" altLang="ja-JP" dirty="0" smtClean="0"/>
+          </a:p>
+        </p:txBody>
+      </p:sp>
+      <p:sp>
+        <p:nvSpPr>
+          <p:cNvPr id="34" name="正方形/長方形 33"/>
+          <p:cNvSpPr/>
+          <p:nvPr/>
+        </p:nvSpPr>
+        <p:spPr>
+          <a:xfrm>
+            <a:off x="5085184" y="7164288"/>
+            <a:ext cx="864096" cy="432048"/>
+          </a:xfrm>
+          <a:prstGeom prst="rect">
+            <a:avLst/>
+          </a:prstGeom>
+          <a:blipFill>
+            <a:blip r:embed="rId6" cstate="print"/>
+            <a:stretch>
+              <a:fillRect/>
+            </a:stretch>
+          </a:blipFill>
+          <a:ln>
+            <a:noFill/>
+          </a:ln>
+        </p:spPr>
+        <p:style>
+          <a:lnRef idx="2">
+            <a:schemeClr val="accent1">
+              <a:shade val="50000"/>
+            </a:schemeClr>
+          </a:lnRef>
+          <a:fillRef idx="1">
+            <a:schemeClr val="accent1"/>
+          </a:fillRef>
+          <a:effectRef idx="0">
+            <a:schemeClr val="accent1"/>
+          </a:effectRef>
+          <a:fontRef idx="minor">
+            <a:schemeClr val="lt1"/>
+          </a:fontRef>
+        </p:style>
+        <p:txBody>
+          <a:bodyPr rtlCol="0" anchor="ctr"/>
+          <a:lstStyle/>
+          <a:p>
+            <a:pPr algn="ctr"/>
+            <a:r>
+              <a:rPr kumimoji="1" lang="ja-JP" altLang="en-US" dirty="0" smtClean="0"/>
+              <a:t>詳細</a:t>
+            </a:r>
+            <a:endParaRPr kumimoji="1" lang="en-US" altLang="ja-JP" dirty="0" smtClean="0"/>
+          </a:p>
+        </p:txBody>
+      </p:sp>
+      <p:sp>
+        <p:nvSpPr>
+          <p:cNvPr id="35" name="円形吹き出し 34"/>
+          <p:cNvSpPr/>
+          <p:nvPr/>
+        </p:nvSpPr>
+        <p:spPr>
+          <a:xfrm>
+            <a:off x="-4995936" y="2555776"/>
+            <a:ext cx="2664296" cy="1872208"/>
+          </a:xfrm>
+          <a:prstGeom prst="wedgeEllipseCallout">
+            <a:avLst>
+              <a:gd name="adj1" fmla="val 177511"/>
+              <a:gd name="adj2" fmla="val 16581"/>
+            </a:avLst>
+          </a:prstGeom>
+          <a:solidFill>
+            <a:schemeClr val="tx2">
+              <a:lumMod val="20000"/>
+              <a:lumOff val="80000"/>
+            </a:schemeClr>
+          </a:solidFill>
+          <a:ln>
+            <a:noFill/>
+          </a:ln>
+        </p:spPr>
+        <p:style>
+          <a:lnRef idx="2">
+            <a:schemeClr val="accent1">
+              <a:shade val="50000"/>
+            </a:schemeClr>
+          </a:lnRef>
+          <a:fillRef idx="1">
+            <a:schemeClr val="accent1"/>
+          </a:fillRef>
+          <a:effectRef idx="0">
+            <a:schemeClr val="accent1"/>
+          </a:effectRef>
+          <a:fontRef idx="minor">
+            <a:schemeClr val="lt1"/>
+          </a:fontRef>
+        </p:style>
+        <p:txBody>
+          <a:bodyPr rtlCol="0" anchor="ctr"/>
+          <a:lstStyle/>
+          <a:p>
+            <a:pPr algn="ctr"/>
+            <a:r>
+              <a:rPr lang="ja-JP" altLang="en-US" dirty="0" smtClean="0">
+                <a:solidFill>
+                  <a:schemeClr val="tx1"/>
+                </a:solidFill>
+              </a:rPr>
+              <a:t>ロングプレスで選択</a:t>
+            </a:r>
+            <a:endParaRPr lang="en-US" altLang="ja-JP" dirty="0" smtClean="0">
+              <a:solidFill>
+                <a:schemeClr val="tx1"/>
+              </a:solidFill>
+            </a:endParaRPr>
+          </a:p>
+        </p:txBody>
+      </p:sp>
+      <p:sp>
+        <p:nvSpPr>
+          <p:cNvPr id="38" name="テキスト ボックス 37"/>
+          <p:cNvSpPr txBox="1"/>
+          <p:nvPr/>
+        </p:nvSpPr>
+        <p:spPr>
+          <a:xfrm>
+            <a:off x="2132856" y="539552"/>
+            <a:ext cx="5661248" cy="461665"/>
+          </a:xfrm>
+          <a:prstGeom prst="rect">
+            <a:avLst/>
+          </a:prstGeom>
+          <a:noFill/>
+        </p:spPr>
+        <p:txBody>
+          <a:bodyPr wrap="square" rtlCol="0">
+            <a:spAutoFit/>
+          </a:bodyPr>
+          <a:lstStyle/>
+          <a:p>
+            <a:r>
+              <a:rPr lang="en-US" altLang="ja-JP" sz="2400" b="1" dirty="0" smtClean="0"/>
+              <a:t>(</a:t>
+            </a:r>
+            <a:r>
+              <a:rPr lang="ja-JP" altLang="en-US" sz="2400" b="1" dirty="0" smtClean="0"/>
+              <a:t>長押しで選択</a:t>
+            </a:r>
+            <a:r>
+              <a:rPr lang="en-US" altLang="ja-JP" sz="2400" b="1" dirty="0" smtClean="0"/>
+              <a:t>)</a:t>
+            </a:r>
+            <a:endParaRPr kumimoji="1" lang="ja-JP" altLang="en-US" sz="2400" b="1" dirty="0"/>
+          </a:p>
+        </p:txBody>
+      </p:sp>
+      <p:sp>
+        <p:nvSpPr>
+          <p:cNvPr id="42" name="テキスト ボックス 41"/>
+          <p:cNvSpPr txBox="1"/>
+          <p:nvPr/>
+        </p:nvSpPr>
+        <p:spPr>
+          <a:xfrm>
+            <a:off x="3212976" y="2915816"/>
+            <a:ext cx="2376264" cy="1200329"/>
+          </a:xfrm>
+          <a:prstGeom prst="rect">
+            <a:avLst/>
+          </a:prstGeom>
+          <a:noFill/>
+        </p:spPr>
+        <p:txBody>
+          <a:bodyPr wrap="square" rtlCol="0">
+            <a:spAutoFit/>
+          </a:bodyPr>
+          <a:lstStyle/>
+          <a:p>
+            <a:r>
+              <a:rPr kumimoji="1" lang="ja-JP" altLang="en-US" dirty="0" smtClean="0"/>
+              <a:t>名前　</a:t>
+            </a:r>
+            <a:r>
+              <a:rPr kumimoji="1" lang="en-US" altLang="ja-JP" dirty="0" smtClean="0"/>
+              <a:t>(</a:t>
+            </a:r>
+            <a:r>
+              <a:rPr kumimoji="1" lang="ja-JP" altLang="en-US" dirty="0" smtClean="0"/>
+              <a:t>名前</a:t>
+            </a:r>
+            <a:r>
+              <a:rPr kumimoji="1" lang="en-US" altLang="ja-JP" dirty="0" smtClean="0"/>
+              <a:t>)</a:t>
+            </a:r>
+          </a:p>
+          <a:p>
+            <a:r>
+              <a:rPr kumimoji="1" lang="ja-JP" altLang="en-US" dirty="0" smtClean="0"/>
+              <a:t>国</a:t>
+            </a:r>
+            <a:r>
+              <a:rPr lang="ja-JP" altLang="en-US" dirty="0" smtClean="0"/>
+              <a:t>　</a:t>
+            </a:r>
+            <a:r>
+              <a:rPr lang="ja-JP" altLang="en-US" dirty="0" smtClean="0"/>
+              <a:t>　　</a:t>
+            </a:r>
+            <a:r>
+              <a:rPr lang="en-US" altLang="ja-JP" dirty="0" smtClean="0"/>
+              <a:t>(</a:t>
+            </a:r>
+            <a:r>
+              <a:rPr lang="ja-JP" altLang="en-US" dirty="0" smtClean="0"/>
+              <a:t>国</a:t>
+            </a:r>
+            <a:r>
+              <a:rPr lang="en-US" altLang="ja-JP" dirty="0" smtClean="0"/>
+              <a:t>)</a:t>
+            </a:r>
+          </a:p>
+          <a:p>
+            <a:endParaRPr kumimoji="1" lang="en-US" altLang="ja-JP" dirty="0" smtClean="0"/>
+          </a:p>
+          <a:p>
+            <a:endParaRPr kumimoji="1" lang="ja-JP" altLang="en-US" dirty="0"/>
+          </a:p>
+        </p:txBody>
+      </p:sp>
     </p:spTree>
   </p:cSld>
   <p:clrMapOvr>
@@ -7656,14 +9767,57 @@
       </p:grpSpPr>
       <p:sp>
         <p:nvSpPr>
-          <p:cNvPr id="36" name="正方形/長方形 35"/>
+          <p:cNvPr id="66" name="正方形/長方形 65"/>
           <p:cNvSpPr/>
           <p:nvPr/>
         </p:nvSpPr>
         <p:spPr>
           <a:xfrm>
-            <a:off x="2204864" y="7812360"/>
-            <a:ext cx="2736304" cy="936104"/>
+            <a:off x="6597352" y="827584"/>
+            <a:ext cx="260648" cy="8316416"/>
+          </a:xfrm>
+          <a:prstGeom prst="rect">
+            <a:avLst/>
+          </a:prstGeom>
+          <a:solidFill>
+            <a:schemeClr val="bg1"/>
+          </a:solidFill>
+        </p:spPr>
+        <p:style>
+          <a:lnRef idx="2">
+            <a:schemeClr val="accent1">
+              <a:shade val="50000"/>
+            </a:schemeClr>
+          </a:lnRef>
+          <a:fillRef idx="1">
+            <a:schemeClr val="accent1"/>
+          </a:fillRef>
+          <a:effectRef idx="0">
+            <a:schemeClr val="accent1"/>
+          </a:effectRef>
+          <a:fontRef idx="minor">
+            <a:schemeClr val="lt1"/>
+          </a:fontRef>
+        </p:style>
+        <p:txBody>
+          <a:bodyPr rtlCol="0" anchor="ctr"/>
+          <a:lstStyle/>
+          <a:p>
+            <a:pPr algn="ctr"/>
+            <a:endParaRPr kumimoji="1" lang="ja-JP" altLang="en-US"/>
+          </a:p>
+        </p:txBody>
+      </p:sp>
+      <p:sp>
+        <p:nvSpPr>
+          <p:cNvPr id="10" name="正方形/長方形 9"/>
+          <p:cNvSpPr/>
+          <p:nvPr/>
+        </p:nvSpPr>
+        <p:spPr>
+          <a:xfrm>
+            <a:off x="-243408" y="0"/>
+            <a:ext cx="7362056" cy="792088"/>
           </a:xfrm>
           <a:prstGeom prst="rect">
             <a:avLst/>
@@ -7675,7 +9829,9 @@
             </a:stretch>
           </a:blipFill>
           <a:ln>
-            <a:noFill/>
+            <a:solidFill>
+              <a:srgbClr val="9A7266"/>
+            </a:solidFill>
           </a:ln>
         </p:spPr>
         <p:style>
@@ -7699,1215 +9855,7 @@
           <a:lstStyle/>
           <a:p>
             <a:pPr algn="ctr"/>
-            <a:r>
-              <a:rPr lang="en-US" altLang="ja-JP" sz="3600" dirty="0" smtClean="0"/>
-              <a:t>OK</a:t>
-            </a:r>
-            <a:endParaRPr kumimoji="1" lang="ja-JP" altLang="en-US" sz="3600" dirty="0"/>
-          </a:p>
-        </p:txBody>
-      </p:sp>
-      <p:sp>
-        <p:nvSpPr>
-          <p:cNvPr id="22" name="テキスト ボックス 21"/>
-          <p:cNvSpPr txBox="1"/>
-          <p:nvPr/>
-        </p:nvSpPr>
-        <p:spPr>
-          <a:xfrm>
-            <a:off x="692696" y="251520"/>
-            <a:ext cx="5661248" cy="461665"/>
-          </a:xfrm>
-          <a:prstGeom prst="rect">
-            <a:avLst/>
-          </a:prstGeom>
-          <a:noFill/>
-        </p:spPr>
-        <p:txBody>
-          <a:bodyPr wrap="square" rtlCol="0">
-            <a:spAutoFit/>
-          </a:bodyPr>
-          <a:lstStyle/>
-          <a:p>
-            <a:r>
-              <a:rPr lang="ja-JP" altLang="en-US" sz="2400" b="1" dirty="0" smtClean="0"/>
-              <a:t>どのアカウントから話題をさがしますか</a:t>
-            </a:r>
-            <a:r>
-              <a:rPr lang="en-US" altLang="ja-JP" sz="2400" b="1" dirty="0" smtClean="0"/>
-              <a:t>?</a:t>
-            </a:r>
-            <a:endParaRPr kumimoji="1" lang="ja-JP" altLang="en-US" sz="2400" b="1" dirty="0"/>
-          </a:p>
-        </p:txBody>
-      </p:sp>
-      <p:sp>
-        <p:nvSpPr>
-          <p:cNvPr id="32" name="正方形/長方形 31"/>
-          <p:cNvSpPr/>
-          <p:nvPr/>
-        </p:nvSpPr>
-        <p:spPr>
-          <a:xfrm>
-            <a:off x="0" y="1979712"/>
-            <a:ext cx="692696" cy="720080"/>
-          </a:xfrm>
-          <a:prstGeom prst="rect">
-            <a:avLst/>
-          </a:prstGeom>
-        </p:spPr>
-        <p:style>
-          <a:lnRef idx="2">
-            <a:schemeClr val="accent1">
-              <a:shade val="50000"/>
-            </a:schemeClr>
-          </a:lnRef>
-          <a:fillRef idx="1">
-            <a:schemeClr val="accent1"/>
-          </a:fillRef>
-          <a:effectRef idx="0">
-            <a:schemeClr val="accent1"/>
-          </a:effectRef>
-          <a:fontRef idx="minor">
-            <a:schemeClr val="lt1"/>
-          </a:fontRef>
-        </p:style>
-        <p:txBody>
-          <a:bodyPr rtlCol="0" anchor="ctr"/>
-          <a:lstStyle/>
-          <a:p>
-            <a:pPr algn="ctr"/>
-            <a:r>
-              <a:rPr kumimoji="1" lang="en-US" altLang="ja-JP" dirty="0" smtClean="0"/>
-              <a:t>FB</a:t>
-            </a:r>
-          </a:p>
-          <a:p>
-            <a:pPr algn="ctr"/>
-            <a:r>
-              <a:rPr kumimoji="1" lang="ja-JP" altLang="en-US" dirty="0" smtClean="0"/>
-              <a:t>ロゴ</a:t>
-            </a:r>
             <a:endParaRPr kumimoji="1" lang="ja-JP" altLang="en-US" dirty="0"/>
-          </a:p>
-        </p:txBody>
-      </p:sp>
-      <p:sp>
-        <p:nvSpPr>
-          <p:cNvPr id="33" name="正方形/長方形 32"/>
-          <p:cNvSpPr/>
-          <p:nvPr/>
-        </p:nvSpPr>
-        <p:spPr>
-          <a:xfrm>
-            <a:off x="0" y="3491880"/>
-            <a:ext cx="620688" cy="648072"/>
-          </a:xfrm>
-          <a:prstGeom prst="rect">
-            <a:avLst/>
-          </a:prstGeom>
-        </p:spPr>
-        <p:style>
-          <a:lnRef idx="2">
-            <a:schemeClr val="accent1">
-              <a:shade val="50000"/>
-            </a:schemeClr>
-          </a:lnRef>
-          <a:fillRef idx="1">
-            <a:schemeClr val="accent1"/>
-          </a:fillRef>
-          <a:effectRef idx="0">
-            <a:schemeClr val="accent1"/>
-          </a:effectRef>
-          <a:fontRef idx="minor">
-            <a:schemeClr val="lt1"/>
-          </a:fontRef>
-        </p:style>
-        <p:txBody>
-          <a:bodyPr rtlCol="0" anchor="ctr"/>
-          <a:lstStyle/>
-          <a:p>
-            <a:pPr algn="ctr"/>
-            <a:r>
-              <a:rPr kumimoji="1" lang="en-US" altLang="ja-JP" dirty="0" smtClean="0"/>
-              <a:t>TW</a:t>
-            </a:r>
-          </a:p>
-          <a:p>
-            <a:pPr algn="ctr"/>
-            <a:r>
-              <a:rPr lang="ja-JP" altLang="en-US" dirty="0" smtClean="0"/>
-              <a:t>ロゴ</a:t>
-            </a:r>
-            <a:endParaRPr kumimoji="1" lang="ja-JP" altLang="en-US" dirty="0"/>
-          </a:p>
-        </p:txBody>
-      </p:sp>
-      <p:sp>
-        <p:nvSpPr>
-          <p:cNvPr id="39" name="正方形/長方形 38"/>
-          <p:cNvSpPr/>
-          <p:nvPr/>
-        </p:nvSpPr>
-        <p:spPr>
-          <a:xfrm>
-            <a:off x="3501008" y="1691680"/>
-            <a:ext cx="1368152" cy="1224136"/>
-          </a:xfrm>
-          <a:prstGeom prst="rect">
-            <a:avLst/>
-          </a:prstGeom>
-        </p:spPr>
-        <p:style>
-          <a:lnRef idx="2">
-            <a:schemeClr val="accent1">
-              <a:shade val="50000"/>
-            </a:schemeClr>
-          </a:lnRef>
-          <a:fillRef idx="1">
-            <a:schemeClr val="accent1"/>
-          </a:fillRef>
-          <a:effectRef idx="0">
-            <a:schemeClr val="accent1"/>
-          </a:effectRef>
-          <a:fontRef idx="minor">
-            <a:schemeClr val="lt1"/>
-          </a:fontRef>
-        </p:style>
-        <p:txBody>
-          <a:bodyPr rtlCol="0" anchor="ctr"/>
-          <a:lstStyle/>
-          <a:p>
-            <a:pPr algn="ctr"/>
-            <a:r>
-              <a:rPr kumimoji="1" lang="ja-JP" altLang="en-US" dirty="0" smtClean="0"/>
-              <a:t>アカウント</a:t>
-            </a:r>
-            <a:endParaRPr kumimoji="1" lang="en-US" altLang="ja-JP" dirty="0" smtClean="0"/>
-          </a:p>
-          <a:p>
-            <a:pPr algn="ctr"/>
-            <a:r>
-              <a:rPr lang="ja-JP" altLang="en-US" dirty="0" smtClean="0"/>
-              <a:t>プロフィール画像</a:t>
-            </a:r>
-            <a:endParaRPr kumimoji="1" lang="ja-JP" altLang="en-US" dirty="0"/>
-          </a:p>
-        </p:txBody>
-      </p:sp>
-      <p:sp>
-        <p:nvSpPr>
-          <p:cNvPr id="40" name="正方形/長方形 39"/>
-          <p:cNvSpPr/>
-          <p:nvPr/>
-        </p:nvSpPr>
-        <p:spPr>
-          <a:xfrm>
-            <a:off x="5489848" y="1691680"/>
-            <a:ext cx="1368152" cy="1224136"/>
-          </a:xfrm>
-          <a:prstGeom prst="rect">
-            <a:avLst/>
-          </a:prstGeom>
-        </p:spPr>
-        <p:style>
-          <a:lnRef idx="2">
-            <a:schemeClr val="accent1">
-              <a:shade val="50000"/>
-            </a:schemeClr>
-          </a:lnRef>
-          <a:fillRef idx="1">
-            <a:schemeClr val="accent1"/>
-          </a:fillRef>
-          <a:effectRef idx="0">
-            <a:schemeClr val="accent1"/>
-          </a:effectRef>
-          <a:fontRef idx="minor">
-            <a:schemeClr val="lt1"/>
-          </a:fontRef>
-        </p:style>
-        <p:txBody>
-          <a:bodyPr rtlCol="0" anchor="ctr"/>
-          <a:lstStyle/>
-          <a:p>
-            <a:pPr algn="ctr"/>
-            <a:r>
-              <a:rPr kumimoji="1" lang="ja-JP" altLang="en-US" dirty="0" smtClean="0"/>
-              <a:t>アカウント</a:t>
-            </a:r>
-            <a:endParaRPr kumimoji="1" lang="en-US" altLang="ja-JP" dirty="0" smtClean="0"/>
-          </a:p>
-          <a:p>
-            <a:pPr algn="ctr"/>
-            <a:r>
-              <a:rPr lang="ja-JP" altLang="en-US" dirty="0" smtClean="0"/>
-              <a:t>プロフィール画像</a:t>
-            </a:r>
-            <a:endParaRPr kumimoji="1" lang="ja-JP" altLang="en-US" dirty="0"/>
-          </a:p>
-        </p:txBody>
-      </p:sp>
-      <p:sp>
-        <p:nvSpPr>
-          <p:cNvPr id="46" name="正方形/長方形 45"/>
-          <p:cNvSpPr/>
-          <p:nvPr/>
-        </p:nvSpPr>
-        <p:spPr>
-          <a:xfrm>
-            <a:off x="1124744" y="1619672"/>
-            <a:ext cx="1872208" cy="1440160"/>
-          </a:xfrm>
-          <a:prstGeom prst="rect">
-            <a:avLst/>
-          </a:prstGeom>
-          <a:solidFill>
-            <a:schemeClr val="tx2">
-              <a:lumMod val="20000"/>
-              <a:lumOff val="80000"/>
-            </a:schemeClr>
-          </a:solidFill>
-          <a:ln>
-            <a:noFill/>
-          </a:ln>
-        </p:spPr>
-        <p:style>
-          <a:lnRef idx="2">
-            <a:schemeClr val="accent1">
-              <a:shade val="50000"/>
-            </a:schemeClr>
-          </a:lnRef>
-          <a:fillRef idx="1">
-            <a:schemeClr val="accent1"/>
-          </a:fillRef>
-          <a:effectRef idx="0">
-            <a:schemeClr val="accent1"/>
-          </a:effectRef>
-          <a:fontRef idx="minor">
-            <a:schemeClr val="lt1"/>
-          </a:fontRef>
-        </p:style>
-        <p:txBody>
-          <a:bodyPr rtlCol="0" anchor="ctr"/>
-          <a:lstStyle/>
-          <a:p>
-            <a:pPr algn="ctr"/>
-            <a:endParaRPr kumimoji="1" lang="ja-JP" altLang="en-US" dirty="0">
-              <a:solidFill>
-                <a:schemeClr val="accent1">
-                  <a:lumMod val="20000"/>
-                  <a:lumOff val="80000"/>
-                </a:schemeClr>
-              </a:solidFill>
-            </a:endParaRPr>
-          </a:p>
-        </p:txBody>
-      </p:sp>
-      <p:sp>
-        <p:nvSpPr>
-          <p:cNvPr id="41" name="正方形/長方形 40"/>
-          <p:cNvSpPr/>
-          <p:nvPr/>
-        </p:nvSpPr>
-        <p:spPr>
-          <a:xfrm>
-            <a:off x="7533456" y="1691680"/>
-            <a:ext cx="1368152" cy="1224136"/>
-          </a:xfrm>
-          <a:prstGeom prst="rect">
-            <a:avLst/>
-          </a:prstGeom>
-        </p:spPr>
-        <p:style>
-          <a:lnRef idx="2">
-            <a:schemeClr val="accent1">
-              <a:shade val="50000"/>
-            </a:schemeClr>
-          </a:lnRef>
-          <a:fillRef idx="1">
-            <a:schemeClr val="accent1"/>
-          </a:fillRef>
-          <a:effectRef idx="0">
-            <a:schemeClr val="accent1"/>
-          </a:effectRef>
-          <a:fontRef idx="minor">
-            <a:schemeClr val="lt1"/>
-          </a:fontRef>
-        </p:style>
-        <p:txBody>
-          <a:bodyPr rtlCol="0" anchor="ctr"/>
-          <a:lstStyle/>
-          <a:p>
-            <a:pPr algn="ctr"/>
-            <a:r>
-              <a:rPr kumimoji="1" lang="ja-JP" altLang="en-US" dirty="0" smtClean="0"/>
-              <a:t>アカウント</a:t>
-            </a:r>
-            <a:endParaRPr kumimoji="1" lang="en-US" altLang="ja-JP" dirty="0" smtClean="0"/>
-          </a:p>
-          <a:p>
-            <a:pPr algn="ctr"/>
-            <a:r>
-              <a:rPr lang="ja-JP" altLang="en-US" dirty="0" smtClean="0"/>
-              <a:t>プロフィール画像</a:t>
-            </a:r>
-            <a:endParaRPr kumimoji="1" lang="ja-JP" altLang="en-US" dirty="0"/>
-          </a:p>
-        </p:txBody>
-      </p:sp>
-      <p:sp>
-        <p:nvSpPr>
-          <p:cNvPr id="44" name="円形吹き出し 43"/>
-          <p:cNvSpPr/>
-          <p:nvPr/>
-        </p:nvSpPr>
-        <p:spPr>
-          <a:xfrm>
-            <a:off x="9765704" y="899592"/>
-            <a:ext cx="3456384" cy="1296144"/>
-          </a:xfrm>
-          <a:prstGeom prst="wedgeEllipseCallout">
-            <a:avLst>
-              <a:gd name="adj1" fmla="val -59689"/>
-              <a:gd name="adj2" fmla="val 63970"/>
-            </a:avLst>
-          </a:prstGeom>
-          <a:solidFill>
-            <a:schemeClr val="tx2">
-              <a:lumMod val="20000"/>
-              <a:lumOff val="80000"/>
-            </a:schemeClr>
-          </a:solidFill>
-          <a:ln>
-            <a:noFill/>
-          </a:ln>
-        </p:spPr>
-        <p:style>
-          <a:lnRef idx="2">
-            <a:schemeClr val="accent1">
-              <a:shade val="50000"/>
-            </a:schemeClr>
-          </a:lnRef>
-          <a:fillRef idx="1">
-            <a:schemeClr val="accent1"/>
-          </a:fillRef>
-          <a:effectRef idx="0">
-            <a:schemeClr val="accent1"/>
-          </a:effectRef>
-          <a:fontRef idx="minor">
-            <a:schemeClr val="lt1"/>
-          </a:fontRef>
-        </p:style>
-        <p:txBody>
-          <a:bodyPr rtlCol="0" anchor="ctr"/>
-          <a:lstStyle/>
-          <a:p>
-            <a:pPr algn="ctr"/>
-            <a:r>
-              <a:rPr kumimoji="1" lang="ja-JP" altLang="en-US" dirty="0" smtClean="0">
-                <a:solidFill>
-                  <a:schemeClr val="tx1"/>
-                </a:solidFill>
-              </a:rPr>
-              <a:t>もしたくさん居たら</a:t>
-            </a:r>
-            <a:endParaRPr kumimoji="1" lang="en-US" altLang="ja-JP" dirty="0" smtClean="0">
-              <a:solidFill>
-                <a:schemeClr val="tx1"/>
-              </a:solidFill>
-            </a:endParaRPr>
-          </a:p>
-          <a:p>
-            <a:pPr algn="ctr"/>
-            <a:r>
-              <a:rPr kumimoji="1" lang="ja-JP" altLang="en-US" dirty="0" smtClean="0">
-                <a:solidFill>
-                  <a:schemeClr val="tx1"/>
-                </a:solidFill>
-              </a:rPr>
-              <a:t>横にスワイプできる</a:t>
-            </a:r>
-            <a:endParaRPr kumimoji="1" lang="ja-JP" altLang="en-US" dirty="0">
-              <a:solidFill>
-                <a:schemeClr val="tx1"/>
-              </a:solidFill>
-            </a:endParaRPr>
-          </a:p>
-        </p:txBody>
-      </p:sp>
-      <p:sp>
-        <p:nvSpPr>
-          <p:cNvPr id="45" name="円形吹き出し 44"/>
-          <p:cNvSpPr/>
-          <p:nvPr/>
-        </p:nvSpPr>
-        <p:spPr>
-          <a:xfrm>
-            <a:off x="-3051720" y="827584"/>
-            <a:ext cx="2664296" cy="1872208"/>
-          </a:xfrm>
-          <a:prstGeom prst="wedgeEllipseCallout">
-            <a:avLst>
-              <a:gd name="adj1" fmla="val 82835"/>
-              <a:gd name="adj2" fmla="val 31635"/>
-            </a:avLst>
-          </a:prstGeom>
-          <a:solidFill>
-            <a:schemeClr val="tx2">
-              <a:lumMod val="20000"/>
-              <a:lumOff val="80000"/>
-            </a:schemeClr>
-          </a:solidFill>
-          <a:ln>
-            <a:noFill/>
-          </a:ln>
-        </p:spPr>
-        <p:style>
-          <a:lnRef idx="2">
-            <a:schemeClr val="accent1">
-              <a:shade val="50000"/>
-            </a:schemeClr>
-          </a:lnRef>
-          <a:fillRef idx="1">
-            <a:schemeClr val="accent1"/>
-          </a:fillRef>
-          <a:effectRef idx="0">
-            <a:schemeClr val="accent1"/>
-          </a:effectRef>
-          <a:fontRef idx="minor">
-            <a:schemeClr val="lt1"/>
-          </a:fontRef>
-        </p:style>
-        <p:txBody>
-          <a:bodyPr rtlCol="0" anchor="ctr"/>
-          <a:lstStyle/>
-          <a:p>
-            <a:pPr algn="ctr"/>
-            <a:r>
-              <a:rPr lang="ja-JP" altLang="en-US" dirty="0" smtClean="0">
-                <a:solidFill>
-                  <a:schemeClr val="tx1"/>
-                </a:solidFill>
-              </a:rPr>
-              <a:t>タップ</a:t>
-            </a:r>
-            <a:r>
-              <a:rPr lang="ja-JP" altLang="en-US" dirty="0" smtClean="0">
-                <a:solidFill>
-                  <a:schemeClr val="tx1"/>
-                </a:solidFill>
-              </a:rPr>
-              <a:t>する</a:t>
-            </a:r>
-            <a:r>
-              <a:rPr lang="ja-JP" altLang="en-US" dirty="0" smtClean="0">
-                <a:solidFill>
-                  <a:schemeClr val="tx1"/>
-                </a:solidFill>
-              </a:rPr>
-              <a:t>と</a:t>
-            </a:r>
-            <a:endParaRPr lang="en-US" altLang="ja-JP" dirty="0" smtClean="0">
-              <a:solidFill>
-                <a:schemeClr val="tx1"/>
-              </a:solidFill>
-            </a:endParaRPr>
-          </a:p>
-          <a:p>
-            <a:pPr algn="ctr"/>
-            <a:r>
-              <a:rPr lang="ja-JP" altLang="en-US" dirty="0" smtClean="0">
-                <a:solidFill>
-                  <a:schemeClr val="tx1"/>
-                </a:solidFill>
-              </a:rPr>
-              <a:t>選択状態</a:t>
-            </a:r>
-            <a:endParaRPr lang="en-US" altLang="ja-JP" dirty="0" smtClean="0">
-              <a:solidFill>
-                <a:schemeClr val="tx1"/>
-              </a:solidFill>
-            </a:endParaRPr>
-          </a:p>
-        </p:txBody>
-      </p:sp>
-      <p:sp>
-        <p:nvSpPr>
-          <p:cNvPr id="37" name="正方形/長方形 36"/>
-          <p:cNvSpPr/>
-          <p:nvPr/>
-        </p:nvSpPr>
-        <p:spPr>
-          <a:xfrm>
-            <a:off x="1340768" y="1691680"/>
-            <a:ext cx="1368152" cy="1224136"/>
-          </a:xfrm>
-          <a:prstGeom prst="rect">
-            <a:avLst/>
-          </a:prstGeom>
-        </p:spPr>
-        <p:style>
-          <a:lnRef idx="2">
-            <a:schemeClr val="accent1">
-              <a:shade val="50000"/>
-            </a:schemeClr>
-          </a:lnRef>
-          <a:fillRef idx="1">
-            <a:schemeClr val="accent1"/>
-          </a:fillRef>
-          <a:effectRef idx="0">
-            <a:schemeClr val="accent1"/>
-          </a:effectRef>
-          <a:fontRef idx="minor">
-            <a:schemeClr val="lt1"/>
-          </a:fontRef>
-        </p:style>
-        <p:txBody>
-          <a:bodyPr rtlCol="0" anchor="ctr"/>
-          <a:lstStyle/>
-          <a:p>
-            <a:pPr algn="ctr"/>
-            <a:r>
-              <a:rPr kumimoji="1" lang="ja-JP" altLang="en-US" dirty="0" smtClean="0"/>
-              <a:t>アカウント</a:t>
-            </a:r>
-            <a:endParaRPr kumimoji="1" lang="en-US" altLang="ja-JP" dirty="0" smtClean="0"/>
-          </a:p>
-          <a:p>
-            <a:pPr algn="ctr"/>
-            <a:r>
-              <a:rPr lang="ja-JP" altLang="en-US" dirty="0" smtClean="0"/>
-              <a:t>プロフィール画像</a:t>
-            </a:r>
-            <a:endParaRPr kumimoji="1" lang="ja-JP" altLang="en-US" dirty="0"/>
-          </a:p>
-        </p:txBody>
-      </p:sp>
-      <p:sp>
-        <p:nvSpPr>
-          <p:cNvPr id="47" name="正方形/長方形 46"/>
-          <p:cNvSpPr/>
-          <p:nvPr/>
-        </p:nvSpPr>
-        <p:spPr>
-          <a:xfrm>
-            <a:off x="1340768" y="3131840"/>
-            <a:ext cx="1368152" cy="1224136"/>
-          </a:xfrm>
-          <a:prstGeom prst="rect">
-            <a:avLst/>
-          </a:prstGeom>
-        </p:spPr>
-        <p:style>
-          <a:lnRef idx="2">
-            <a:schemeClr val="accent1">
-              <a:shade val="50000"/>
-            </a:schemeClr>
-          </a:lnRef>
-          <a:fillRef idx="1">
-            <a:schemeClr val="accent1"/>
-          </a:fillRef>
-          <a:effectRef idx="0">
-            <a:schemeClr val="accent1"/>
-          </a:effectRef>
-          <a:fontRef idx="minor">
-            <a:schemeClr val="lt1"/>
-          </a:fontRef>
-        </p:style>
-        <p:txBody>
-          <a:bodyPr rtlCol="0" anchor="ctr"/>
-          <a:lstStyle/>
-          <a:p>
-            <a:pPr algn="ctr"/>
-            <a:r>
-              <a:rPr kumimoji="1" lang="ja-JP" altLang="en-US" dirty="0" smtClean="0"/>
-              <a:t>アカウント</a:t>
-            </a:r>
-            <a:endParaRPr kumimoji="1" lang="en-US" altLang="ja-JP" dirty="0" smtClean="0"/>
-          </a:p>
-          <a:p>
-            <a:pPr algn="ctr"/>
-            <a:r>
-              <a:rPr lang="ja-JP" altLang="en-US" dirty="0" smtClean="0"/>
-              <a:t>プロフィール画像</a:t>
-            </a:r>
-            <a:endParaRPr kumimoji="1" lang="ja-JP" altLang="en-US" dirty="0"/>
-          </a:p>
-        </p:txBody>
-      </p:sp>
-      <p:sp>
-        <p:nvSpPr>
-          <p:cNvPr id="52" name="円形吹き出し 51"/>
-          <p:cNvSpPr/>
-          <p:nvPr/>
-        </p:nvSpPr>
-        <p:spPr>
-          <a:xfrm>
-            <a:off x="-3195736" y="4427984"/>
-            <a:ext cx="2664296" cy="1872208"/>
-          </a:xfrm>
-          <a:prstGeom prst="wedgeEllipseCallout">
-            <a:avLst>
-              <a:gd name="adj1" fmla="val 114296"/>
-              <a:gd name="adj2" fmla="val -69099"/>
-            </a:avLst>
-          </a:prstGeom>
-          <a:solidFill>
-            <a:schemeClr val="tx2">
-              <a:lumMod val="20000"/>
-              <a:lumOff val="80000"/>
-            </a:schemeClr>
-          </a:solidFill>
-          <a:ln>
-            <a:noFill/>
-          </a:ln>
-        </p:spPr>
-        <p:style>
-          <a:lnRef idx="2">
-            <a:schemeClr val="accent1">
-              <a:shade val="50000"/>
-            </a:schemeClr>
-          </a:lnRef>
-          <a:fillRef idx="1">
-            <a:schemeClr val="accent1"/>
-          </a:fillRef>
-          <a:effectRef idx="0">
-            <a:schemeClr val="accent1"/>
-          </a:effectRef>
-          <a:fontRef idx="minor">
-            <a:schemeClr val="lt1"/>
-          </a:fontRef>
-        </p:style>
-        <p:txBody>
-          <a:bodyPr rtlCol="0" anchor="ctr"/>
-          <a:lstStyle/>
-          <a:p>
-            <a:pPr algn="ctr"/>
-            <a:r>
-              <a:rPr lang="ja-JP" altLang="en-US" dirty="0" smtClean="0">
-                <a:solidFill>
-                  <a:schemeClr val="tx1"/>
-                </a:solidFill>
-              </a:rPr>
-              <a:t>ダブルタッチで</a:t>
-            </a:r>
-            <a:endParaRPr lang="en-US" altLang="ja-JP" dirty="0" smtClean="0">
-              <a:solidFill>
-                <a:schemeClr val="tx1"/>
-              </a:solidFill>
-            </a:endParaRPr>
-          </a:p>
-          <a:p>
-            <a:pPr algn="ctr"/>
-            <a:r>
-              <a:rPr lang="ja-JP" altLang="en-US" dirty="0" smtClean="0">
-                <a:solidFill>
-                  <a:schemeClr val="tx1"/>
-                </a:solidFill>
-              </a:rPr>
-              <a:t>アカウント詳細をダイアログにて</a:t>
-            </a:r>
-            <a:endParaRPr lang="en-US" altLang="ja-JP" dirty="0" smtClean="0">
-              <a:solidFill>
-                <a:schemeClr val="tx1"/>
-              </a:solidFill>
-            </a:endParaRPr>
-          </a:p>
-          <a:p>
-            <a:pPr algn="ctr"/>
-            <a:r>
-              <a:rPr lang="ja-JP" altLang="en-US" dirty="0" smtClean="0">
-                <a:solidFill>
-                  <a:schemeClr val="tx1"/>
-                </a:solidFill>
-              </a:rPr>
-              <a:t>見れる</a:t>
-            </a:r>
-            <a:endParaRPr lang="en-US" altLang="ja-JP" dirty="0" smtClean="0">
-              <a:solidFill>
-                <a:schemeClr val="tx1"/>
-              </a:solidFill>
-            </a:endParaRPr>
-          </a:p>
-        </p:txBody>
-      </p:sp>
-      <p:sp>
-        <p:nvSpPr>
-          <p:cNvPr id="53" name="正方形/長方形 52"/>
-          <p:cNvSpPr/>
-          <p:nvPr/>
-        </p:nvSpPr>
-        <p:spPr>
-          <a:xfrm>
-            <a:off x="8829600" y="3419872"/>
-            <a:ext cx="3528392" cy="5544616"/>
-          </a:xfrm>
-          <a:prstGeom prst="rect">
-            <a:avLst/>
-          </a:prstGeom>
-          <a:solidFill>
-            <a:schemeClr val="bg1"/>
-          </a:solidFill>
-          <a:ln>
-            <a:noFill/>
-          </a:ln>
-        </p:spPr>
-        <p:style>
-          <a:lnRef idx="2">
-            <a:schemeClr val="accent1">
-              <a:shade val="50000"/>
-            </a:schemeClr>
-          </a:lnRef>
-          <a:fillRef idx="1">
-            <a:schemeClr val="accent1"/>
-          </a:fillRef>
-          <a:effectRef idx="0">
-            <a:schemeClr val="accent1"/>
-          </a:effectRef>
-          <a:fontRef idx="minor">
-            <a:schemeClr val="lt1"/>
-          </a:fontRef>
-        </p:style>
-        <p:txBody>
-          <a:bodyPr rtlCol="0" anchor="ctr"/>
-          <a:lstStyle/>
-          <a:p>
-            <a:r>
-              <a:rPr kumimoji="1" lang="en-US" altLang="ja-JP" dirty="0" smtClean="0">
-                <a:solidFill>
-                  <a:schemeClr val="tx1"/>
-                </a:solidFill>
-              </a:rPr>
-              <a:t>×</a:t>
-            </a:r>
-          </a:p>
-          <a:p>
-            <a:endParaRPr kumimoji="1" lang="en-US" altLang="ja-JP" dirty="0" smtClean="0">
-              <a:solidFill>
-                <a:schemeClr val="tx1"/>
-              </a:solidFill>
-            </a:endParaRPr>
-          </a:p>
-          <a:p>
-            <a:pPr algn="ctr"/>
-            <a:endParaRPr lang="en-US" altLang="ja-JP" dirty="0" smtClean="0">
-              <a:solidFill>
-                <a:schemeClr val="tx1"/>
-              </a:solidFill>
-            </a:endParaRPr>
-          </a:p>
-          <a:p>
-            <a:pPr algn="ctr"/>
-            <a:endParaRPr kumimoji="1" lang="en-US" altLang="ja-JP" dirty="0" smtClean="0">
-              <a:solidFill>
-                <a:schemeClr val="tx1"/>
-              </a:solidFill>
-            </a:endParaRPr>
-          </a:p>
-          <a:p>
-            <a:pPr algn="ctr"/>
-            <a:endParaRPr lang="en-US" altLang="ja-JP" dirty="0" smtClean="0">
-              <a:solidFill>
-                <a:schemeClr val="tx1"/>
-              </a:solidFill>
-            </a:endParaRPr>
-          </a:p>
-          <a:p>
-            <a:pPr algn="ctr"/>
-            <a:endParaRPr kumimoji="1" lang="en-US" altLang="ja-JP" dirty="0" smtClean="0">
-              <a:solidFill>
-                <a:schemeClr val="tx1"/>
-              </a:solidFill>
-            </a:endParaRPr>
-          </a:p>
-          <a:p>
-            <a:pPr algn="ctr"/>
-            <a:endParaRPr lang="en-US" altLang="ja-JP" dirty="0" smtClean="0">
-              <a:solidFill>
-                <a:schemeClr val="tx1"/>
-              </a:solidFill>
-            </a:endParaRPr>
-          </a:p>
-          <a:p>
-            <a:pPr algn="ctr"/>
-            <a:endParaRPr kumimoji="1" lang="en-US" altLang="ja-JP" dirty="0" smtClean="0">
-              <a:solidFill>
-                <a:schemeClr val="tx1"/>
-              </a:solidFill>
-            </a:endParaRPr>
-          </a:p>
-          <a:p>
-            <a:pPr algn="ctr"/>
-            <a:endParaRPr lang="en-US" altLang="ja-JP" dirty="0" smtClean="0">
-              <a:solidFill>
-                <a:schemeClr val="tx1"/>
-              </a:solidFill>
-            </a:endParaRPr>
-          </a:p>
-          <a:p>
-            <a:pPr algn="ctr"/>
-            <a:endParaRPr kumimoji="1" lang="en-US" altLang="ja-JP" dirty="0" smtClean="0">
-              <a:solidFill>
-                <a:schemeClr val="tx1"/>
-              </a:solidFill>
-            </a:endParaRPr>
-          </a:p>
-          <a:p>
-            <a:pPr algn="ctr"/>
-            <a:endParaRPr lang="en-US" altLang="ja-JP" dirty="0" smtClean="0">
-              <a:solidFill>
-                <a:schemeClr val="tx1"/>
-              </a:solidFill>
-            </a:endParaRPr>
-          </a:p>
-          <a:p>
-            <a:pPr algn="ctr"/>
-            <a:endParaRPr kumimoji="1" lang="en-US" altLang="ja-JP" dirty="0" smtClean="0">
-              <a:solidFill>
-                <a:schemeClr val="tx1"/>
-              </a:solidFill>
-            </a:endParaRPr>
-          </a:p>
-          <a:p>
-            <a:pPr algn="ctr"/>
-            <a:endParaRPr lang="en-US" altLang="ja-JP" dirty="0" smtClean="0">
-              <a:solidFill>
-                <a:schemeClr val="tx1"/>
-              </a:solidFill>
-            </a:endParaRPr>
-          </a:p>
-          <a:p>
-            <a:pPr algn="ctr"/>
-            <a:endParaRPr kumimoji="1" lang="en-US" altLang="ja-JP" dirty="0" smtClean="0">
-              <a:solidFill>
-                <a:schemeClr val="tx1"/>
-              </a:solidFill>
-            </a:endParaRPr>
-          </a:p>
-          <a:p>
-            <a:pPr algn="ctr"/>
-            <a:endParaRPr lang="en-US" altLang="ja-JP" dirty="0" smtClean="0">
-              <a:solidFill>
-                <a:schemeClr val="tx1"/>
-              </a:solidFill>
-            </a:endParaRPr>
-          </a:p>
-          <a:p>
-            <a:pPr algn="ctr"/>
-            <a:endParaRPr kumimoji="1" lang="en-US" altLang="ja-JP" dirty="0" smtClean="0">
-              <a:solidFill>
-                <a:schemeClr val="tx1"/>
-              </a:solidFill>
-            </a:endParaRPr>
-          </a:p>
-          <a:p>
-            <a:pPr algn="ctr"/>
-            <a:endParaRPr lang="en-US" altLang="ja-JP" dirty="0" smtClean="0">
-              <a:solidFill>
-                <a:schemeClr val="tx1"/>
-              </a:solidFill>
-            </a:endParaRPr>
-          </a:p>
-          <a:p>
-            <a:pPr algn="ctr"/>
-            <a:endParaRPr kumimoji="1" lang="en-US" altLang="ja-JP" dirty="0" smtClean="0">
-              <a:solidFill>
-                <a:schemeClr val="tx1"/>
-              </a:solidFill>
-            </a:endParaRPr>
-          </a:p>
-          <a:p>
-            <a:pPr algn="ctr"/>
-            <a:r>
-              <a:rPr kumimoji="1" lang="ja-JP" altLang="en-US" dirty="0" smtClean="0">
-                <a:solidFill>
-                  <a:schemeClr val="tx1"/>
-                </a:solidFill>
-              </a:rPr>
-              <a:t>詳細ダイアログ</a:t>
-            </a:r>
-            <a:endParaRPr kumimoji="1" lang="ja-JP" altLang="en-US" dirty="0">
-              <a:solidFill>
-                <a:schemeClr val="tx1"/>
-              </a:solidFill>
-            </a:endParaRPr>
-          </a:p>
-        </p:txBody>
-      </p:sp>
-      <p:sp>
-        <p:nvSpPr>
-          <p:cNvPr id="54" name="正方形/長方形 53"/>
-          <p:cNvSpPr/>
-          <p:nvPr/>
-        </p:nvSpPr>
-        <p:spPr>
-          <a:xfrm>
-            <a:off x="9117632" y="3923928"/>
-            <a:ext cx="1080120" cy="1008112"/>
-          </a:xfrm>
-          <a:prstGeom prst="rect">
-            <a:avLst/>
-          </a:prstGeom>
-        </p:spPr>
-        <p:style>
-          <a:lnRef idx="2">
-            <a:schemeClr val="accent1">
-              <a:shade val="50000"/>
-            </a:schemeClr>
-          </a:lnRef>
-          <a:fillRef idx="1">
-            <a:schemeClr val="accent1"/>
-          </a:fillRef>
-          <a:effectRef idx="0">
-            <a:schemeClr val="accent1"/>
-          </a:effectRef>
-          <a:fontRef idx="minor">
-            <a:schemeClr val="lt1"/>
-          </a:fontRef>
-        </p:style>
-        <p:txBody>
-          <a:bodyPr rtlCol="0" anchor="ctr"/>
-          <a:lstStyle/>
-          <a:p>
-            <a:pPr algn="ctr"/>
-            <a:r>
-              <a:rPr kumimoji="1" lang="ja-JP" altLang="en-US" dirty="0" smtClean="0"/>
-              <a:t>プロフィール画像</a:t>
-            </a:r>
-            <a:endParaRPr kumimoji="1" lang="ja-JP" altLang="en-US" dirty="0"/>
-          </a:p>
-        </p:txBody>
-      </p:sp>
-      <p:sp>
-        <p:nvSpPr>
-          <p:cNvPr id="55" name="テキスト ボックス 54"/>
-          <p:cNvSpPr txBox="1"/>
-          <p:nvPr/>
-        </p:nvSpPr>
-        <p:spPr>
-          <a:xfrm>
-            <a:off x="10485784" y="3923928"/>
-            <a:ext cx="864096" cy="830997"/>
-          </a:xfrm>
-          <a:prstGeom prst="rect">
-            <a:avLst/>
-          </a:prstGeom>
-          <a:noFill/>
-        </p:spPr>
-        <p:txBody>
-          <a:bodyPr wrap="square" rtlCol="0">
-            <a:spAutoFit/>
-          </a:bodyPr>
-          <a:lstStyle/>
-          <a:p>
-            <a:r>
-              <a:rPr kumimoji="1" lang="ja-JP" altLang="en-US" sz="2400" dirty="0" smtClean="0"/>
-              <a:t>名前</a:t>
-            </a:r>
-            <a:endParaRPr kumimoji="1" lang="en-US" altLang="ja-JP" sz="2400" dirty="0" smtClean="0"/>
-          </a:p>
-          <a:p>
-            <a:r>
-              <a:rPr lang="en-US" altLang="ja-JP" sz="2400" dirty="0" smtClean="0"/>
-              <a:t>ID</a:t>
-            </a:r>
-            <a:endParaRPr kumimoji="1" lang="ja-JP" altLang="en-US" sz="2400" dirty="0"/>
-          </a:p>
-        </p:txBody>
-      </p:sp>
-      <p:sp>
-        <p:nvSpPr>
-          <p:cNvPr id="56" name="テキスト ボックス 55"/>
-          <p:cNvSpPr txBox="1"/>
-          <p:nvPr/>
-        </p:nvSpPr>
-        <p:spPr>
-          <a:xfrm>
-            <a:off x="9189640" y="5364088"/>
-            <a:ext cx="2736304" cy="646331"/>
-          </a:xfrm>
-          <a:prstGeom prst="rect">
-            <a:avLst/>
-          </a:prstGeom>
-          <a:noFill/>
-        </p:spPr>
-        <p:txBody>
-          <a:bodyPr wrap="square" rtlCol="0">
-            <a:spAutoFit/>
-          </a:bodyPr>
-          <a:lstStyle/>
-          <a:p>
-            <a:r>
-              <a:rPr kumimoji="1" lang="ja-JP" altLang="en-US" dirty="0" smtClean="0"/>
-              <a:t>プロフィール情報</a:t>
-            </a:r>
-            <a:endParaRPr kumimoji="1" lang="en-US" altLang="ja-JP" dirty="0" smtClean="0"/>
-          </a:p>
-          <a:p>
-            <a:endParaRPr kumimoji="1" lang="en-US" altLang="ja-JP" dirty="0" smtClean="0"/>
-          </a:p>
-        </p:txBody>
-      </p:sp>
-    </p:spTree>
-  </p:cSld>
-  <p:clrMapOvr>
-    <a:masterClrMapping/>
-  </p:clrMapOvr>
-  <p:timing>
-    <p:tnLst>
-      <p:par>
-        <p:cTn id="1" dur="indefinite" restart="never" nodeType="tmRoot"/>
-      </p:par>
-    </p:tnLst>
-  </p:timing>
-</p:sld>
-</file>
-
-<file path=ppt/slides/slide7.xml><?xml version="1.0" encoding="utf-8"?>
-<p:sld xmlns:a="http://schemas.openxmlformats.org/drawingml/2006/main" xmlns:r="http://schemas.openxmlformats.org/officeDocument/2006/relationships" xmlns:p="http://schemas.openxmlformats.org/presentationml/2006/main">
-  <p:cSld>
-    <p:spTree>
-      <p:nvGrpSpPr>
-        <p:cNvPr id="1" name=""/>
-        <p:cNvGrpSpPr/>
-        <p:nvPr/>
-      </p:nvGrpSpPr>
-      <p:grpSpPr>
-        <a:xfrm>
-          <a:off x="0" y="0"/>
-          <a:ext cx="0" cy="0"/>
-          <a:chOff x="0" y="0"/>
-          <a:chExt cx="0" cy="0"/>
-        </a:xfrm>
-      </p:grpSpPr>
-      <p:sp>
-        <p:nvSpPr>
-          <p:cNvPr id="66" name="正方形/長方形 65"/>
-          <p:cNvSpPr/>
-          <p:nvPr/>
-        </p:nvSpPr>
-        <p:spPr>
-          <a:xfrm>
-            <a:off x="6597352" y="827584"/>
-            <a:ext cx="260648" cy="8316416"/>
-          </a:xfrm>
-          <a:prstGeom prst="rect">
-            <a:avLst/>
-          </a:prstGeom>
-          <a:solidFill>
-            <a:schemeClr val="bg1"/>
-          </a:solidFill>
-        </p:spPr>
-        <p:style>
-          <a:lnRef idx="2">
-            <a:schemeClr val="accent1">
-              <a:shade val="50000"/>
-            </a:schemeClr>
-          </a:lnRef>
-          <a:fillRef idx="1">
-            <a:schemeClr val="accent1"/>
-          </a:fillRef>
-          <a:effectRef idx="0">
-            <a:schemeClr val="accent1"/>
-          </a:effectRef>
-          <a:fontRef idx="minor">
-            <a:schemeClr val="lt1"/>
-          </a:fontRef>
-        </p:style>
-        <p:txBody>
-          <a:bodyPr rtlCol="0" anchor="ctr"/>
-          <a:lstStyle/>
-          <a:p>
-            <a:pPr algn="ctr"/>
-            <a:endParaRPr kumimoji="1" lang="ja-JP" altLang="en-US"/>
-          </a:p>
-        </p:txBody>
-      </p:sp>
-      <p:sp>
-        <p:nvSpPr>
-          <p:cNvPr id="10" name="正方形/長方形 9"/>
-          <p:cNvSpPr/>
-          <p:nvPr/>
-        </p:nvSpPr>
-        <p:spPr>
-          <a:xfrm>
-            <a:off x="-243408" y="0"/>
-            <a:ext cx="7362056" cy="792088"/>
-          </a:xfrm>
-          <a:prstGeom prst="rect">
-            <a:avLst/>
-          </a:prstGeom>
-          <a:solidFill>
-            <a:srgbClr val="76584E"/>
-          </a:solidFill>
-          <a:ln>
-            <a:solidFill>
-              <a:srgbClr val="9A7266"/>
-            </a:solidFill>
-          </a:ln>
-        </p:spPr>
-        <p:style>
-          <a:lnRef idx="2">
-            <a:schemeClr val="accent1">
-              <a:shade val="50000"/>
-            </a:schemeClr>
-          </a:lnRef>
-          <a:fillRef idx="1">
-            <a:schemeClr val="accent1"/>
-          </a:fillRef>
-          <a:effectRef idx="0">
-            <a:schemeClr val="accent1"/>
-          </a:effectRef>
-          <a:fontRef idx="minor">
-            <a:schemeClr val="lt1"/>
-          </a:fontRef>
-        </p:style>
-        <p:txBody>
-          <a:bodyPr rtlCol="0" anchor="ctr"/>
-          <a:lstStyle/>
-          <a:p>
-            <a:pPr algn="ctr"/>
-            <a:endParaRPr kumimoji="1" lang="ja-JP" altLang="en-US" dirty="0"/>
-          </a:p>
-        </p:txBody>
-      </p:sp>
-      <p:sp>
-        <p:nvSpPr>
-          <p:cNvPr id="28" name="テキスト ボックス 27"/>
-          <p:cNvSpPr txBox="1"/>
-          <p:nvPr/>
-        </p:nvSpPr>
-        <p:spPr>
-          <a:xfrm>
-            <a:off x="4941168" y="251520"/>
-            <a:ext cx="1656184" cy="400110"/>
-          </a:xfrm>
-          <a:prstGeom prst="rect">
-            <a:avLst/>
-          </a:prstGeom>
-          <a:solidFill>
-            <a:srgbClr val="9A7266"/>
-          </a:solidFill>
-        </p:spPr>
-        <p:txBody>
-          <a:bodyPr wrap="square" rtlCol="0">
-            <a:spAutoFit/>
-          </a:bodyPr>
-          <a:lstStyle/>
-          <a:p>
-            <a:r>
-              <a:rPr kumimoji="1" lang="ja-JP" altLang="en-US" sz="2000" dirty="0" smtClean="0">
-                <a:solidFill>
-                  <a:schemeClr val="bg1"/>
-                </a:solidFill>
-              </a:rPr>
-              <a:t>ホーム</a:t>
-            </a:r>
-            <a:endParaRPr kumimoji="1" lang="ja-JP" altLang="en-US" sz="2000" dirty="0">
-              <a:solidFill>
-                <a:schemeClr val="bg1"/>
-              </a:solidFill>
-            </a:endParaRPr>
           </a:p>
         </p:txBody>
       </p:sp>
@@ -8956,7 +9904,7 @@
         </p:grpSpPr>
         <p:sp>
           <p:nvSpPr>
-            <p:cNvPr id="55" name="正方形/長方形 54"/>
+            <p:cNvPr id="55" name="角丸四角形 54"/>
             <p:cNvSpPr/>
             <p:nvPr/>
           </p:nvSpPr>
@@ -8965,9 +9913,15 @@
               <a:off x="548680" y="3491880"/>
               <a:ext cx="5832648" cy="2448272"/>
             </a:xfrm>
-            <a:prstGeom prst="rect">
+            <a:prstGeom prst="roundRect">
               <a:avLst/>
             </a:prstGeom>
+            <a:solidFill>
+              <a:schemeClr val="bg1"/>
+            </a:solidFill>
+            <a:ln>
+              <a:noFill/>
+            </a:ln>
           </p:spPr>
           <p:style>
             <a:lnRef idx="2">
@@ -9128,7 +10082,7 @@
           </p:nvSpPr>
           <p:spPr>
             <a:xfrm>
-              <a:off x="908720" y="5266555"/>
+              <a:off x="908720" y="5266556"/>
               <a:ext cx="5112568" cy="559724"/>
             </a:xfrm>
             <a:prstGeom prst="rect">
@@ -9144,16 +10098,60 @@
             <a:p>
               <a:r>
                 <a:rPr lang="ja-JP" altLang="en-US" sz="2000" dirty="0" smtClean="0"/>
-                <a:t>記事内容。</a:t>
+                <a:t>記事内容</a:t>
+              </a:r>
+              <a:r>
+                <a:rPr lang="ja-JP" altLang="en-US" sz="2000" dirty="0" smtClean="0"/>
+                <a:t>。</a:t>
+              </a:r>
+              <a:r>
+                <a:rPr lang="en-US" altLang="ja-JP" sz="2000" dirty="0" smtClean="0"/>
+                <a:t>(</a:t>
+              </a:r>
+              <a:r>
+                <a:rPr lang="ja-JP" altLang="en-US" sz="2000" dirty="0" smtClean="0"/>
+                <a:t>長かったらもっと見る</a:t>
+              </a:r>
+              <a:r>
+                <a:rPr lang="ja-JP" altLang="en-US" sz="2000" dirty="0" err="1" smtClean="0"/>
+                <a:t>で</a:t>
+              </a:r>
+              <a:r>
+                <a:rPr lang="ja-JP" altLang="en-US" sz="2000" dirty="0" smtClean="0"/>
+                <a:t>全文</a:t>
+              </a:r>
+              <a:r>
+                <a:rPr lang="en-US" altLang="ja-JP" sz="2000" dirty="0" smtClean="0"/>
+                <a:t>)</a:t>
               </a:r>
               <a:endParaRPr lang="en-US" altLang="ja-JP" sz="2000" dirty="0" smtClean="0"/>
             </a:p>
             <a:p>
               <a:r>
-                <a:rPr kumimoji="1" lang="ja-JP" altLang="en-US" sz="2000" dirty="0" smtClean="0"/>
-                <a:t>長ければ、もっと見るボタンで全文読める。</a:t>
+                <a:rPr lang="en-US" altLang="ja-JP" sz="2000" dirty="0" smtClean="0"/>
+                <a:t>	</a:t>
               </a:r>
-              <a:endParaRPr kumimoji="1" lang="ja-JP" altLang="en-US" sz="2000" dirty="0"/>
+              <a:r>
+                <a:rPr lang="en-US" altLang="ja-JP" sz="2000" dirty="0" smtClean="0"/>
+                <a:t>	</a:t>
+              </a:r>
+              <a:r>
+                <a:rPr lang="ja-JP" altLang="en-US" sz="2000" dirty="0" smtClean="0">
+                  <a:solidFill>
+                    <a:schemeClr val="accent1">
+                      <a:lumMod val="75000"/>
+                    </a:schemeClr>
+                  </a:solidFill>
+                </a:rPr>
+                <a:t>･･･もっと見る</a:t>
+              </a:r>
+              <a:endParaRPr kumimoji="1" lang="ja-JP" altLang="en-US" sz="2000" dirty="0">
+                <a:solidFill>
+                  <a:schemeClr val="accent1">
+                    <a:lumMod val="75000"/>
+                  </a:schemeClr>
+                </a:solidFill>
+              </a:endParaRPr>
             </a:p>
           </p:txBody>
         </p:sp>
@@ -9174,7 +10172,7 @@
         </p:grpSpPr>
         <p:sp>
           <p:nvSpPr>
-            <p:cNvPr id="60" name="正方形/長方形 59"/>
+            <p:cNvPr id="60" name="角丸四角形 59"/>
             <p:cNvSpPr/>
             <p:nvPr/>
           </p:nvSpPr>
@@ -9183,9 +10181,15 @@
               <a:off x="548680" y="3389866"/>
               <a:ext cx="5832648" cy="2448272"/>
             </a:xfrm>
-            <a:prstGeom prst="rect">
+            <a:prstGeom prst="roundRect">
               <a:avLst/>
             </a:prstGeom>
+            <a:solidFill>
+              <a:schemeClr val="bg1"/>
+            </a:solidFill>
+            <a:ln>
+              <a:noFill/>
+            </a:ln>
           </p:spPr>
           <p:style>
             <a:lnRef idx="2">
@@ -9266,8 +10270,8 @@
           </p:nvSpPr>
           <p:spPr>
             <a:xfrm>
-              <a:off x="1147352" y="4307968"/>
-              <a:ext cx="4873936" cy="707885"/>
+              <a:off x="1003336" y="4205957"/>
+              <a:ext cx="4873936" cy="1002838"/>
             </a:xfrm>
             <a:prstGeom prst="rect">
               <a:avLst/>
@@ -9287,10 +10291,6 @@
               <a:endParaRPr lang="en-US" altLang="ja-JP" sz="2000" dirty="0" smtClean="0"/>
             </a:p>
             <a:p>
-              <a:r>
-                <a:rPr kumimoji="1" lang="ja-JP" altLang="en-US" sz="2000" dirty="0" smtClean="0"/>
-                <a:t>長ければ、もっと見るボタンで全文読める。</a:t>
-              </a:r>
               <a:endParaRPr kumimoji="1" lang="ja-JP" altLang="en-US" sz="2000" dirty="0"/>
             </a:p>
           </p:txBody>
@@ -9502,6 +10502,322 @@
           <a:p>
             <a:pPr algn="ctr"/>
             <a:endParaRPr kumimoji="1" lang="ja-JP" altLang="en-US"/>
+          </a:p>
+        </p:txBody>
+      </p:sp>
+      <p:sp>
+        <p:nvSpPr>
+          <p:cNvPr id="21" name="角丸四角形 20"/>
+          <p:cNvSpPr/>
+          <p:nvPr/>
+        </p:nvSpPr>
+        <p:spPr>
+          <a:xfrm>
+            <a:off x="5661248" y="0"/>
+            <a:ext cx="792088" cy="755576"/>
+          </a:xfrm>
+          <a:prstGeom prst="roundRect">
+            <a:avLst/>
+          </a:prstGeom>
+          <a:blipFill>
+            <a:blip r:embed="rId4" cstate="print"/>
+            <a:stretch>
+              <a:fillRect/>
+            </a:stretch>
+          </a:blipFill>
+          <a:ln>
+            <a:noFill/>
+          </a:ln>
+        </p:spPr>
+        <p:style>
+          <a:lnRef idx="2">
+            <a:schemeClr val="accent1">
+              <a:shade val="50000"/>
+            </a:schemeClr>
+          </a:lnRef>
+          <a:fillRef idx="1">
+            <a:schemeClr val="accent1"/>
+          </a:fillRef>
+          <a:effectRef idx="0">
+            <a:schemeClr val="accent1"/>
+          </a:effectRef>
+          <a:fontRef idx="minor">
+            <a:schemeClr val="lt1"/>
+          </a:fontRef>
+        </p:style>
+        <p:txBody>
+          <a:bodyPr rtlCol="0" anchor="ctr"/>
+          <a:lstStyle/>
+          <a:p>
+            <a:pPr algn="ctr"/>
+            <a:endParaRPr kumimoji="1" lang="ja-JP" altLang="en-US" dirty="0" smtClean="0"/>
+          </a:p>
+        </p:txBody>
+      </p:sp>
+      <p:grpSp>
+        <p:nvGrpSpPr>
+          <p:cNvPr id="20" name="グループ化 19"/>
+          <p:cNvGrpSpPr/>
+          <p:nvPr/>
+        </p:nvGrpSpPr>
+        <p:grpSpPr>
+          <a:xfrm>
+            <a:off x="5733256" y="107504"/>
+            <a:ext cx="648072" cy="539552"/>
+            <a:chOff x="5733256" y="0"/>
+            <a:chExt cx="648072" cy="539552"/>
+          </a:xfrm>
+        </p:grpSpPr>
+        <p:sp>
+          <p:nvSpPr>
+            <p:cNvPr id="18" name="二等辺三角形 17"/>
+            <p:cNvSpPr/>
+            <p:nvPr/>
+          </p:nvSpPr>
+          <p:spPr>
+            <a:xfrm>
+              <a:off x="5733256" y="0"/>
+              <a:ext cx="648072" cy="251520"/>
+            </a:xfrm>
+            <a:prstGeom prst="triangle">
+              <a:avLst/>
+            </a:prstGeom>
+            <a:solidFill>
+              <a:schemeClr val="bg1"/>
+            </a:solidFill>
+            <a:ln>
+              <a:noFill/>
+            </a:ln>
+          </p:spPr>
+          <p:style>
+            <a:lnRef idx="2">
+              <a:schemeClr val="accent1">
+                <a:shade val="50000"/>
+              </a:schemeClr>
+            </a:lnRef>
+            <a:fillRef idx="1">
+              <a:schemeClr val="accent1"/>
+            </a:fillRef>
+            <a:effectRef idx="0">
+              <a:schemeClr val="accent1"/>
+            </a:effectRef>
+            <a:fontRef idx="minor">
+              <a:schemeClr val="lt1"/>
+            </a:fontRef>
+          </p:style>
+          <p:txBody>
+            <a:bodyPr rtlCol="0" anchor="ctr"/>
+            <a:lstStyle/>
+            <a:p>
+              <a:pPr algn="ctr"/>
+              <a:endParaRPr kumimoji="1" lang="ja-JP" altLang="en-US" dirty="0" smtClean="0"/>
+            </a:p>
+          </p:txBody>
+        </p:sp>
+        <p:sp>
+          <p:nvSpPr>
+            <p:cNvPr id="19" name="正方形/長方形 18"/>
+            <p:cNvSpPr/>
+            <p:nvPr/>
+          </p:nvSpPr>
+          <p:spPr>
+            <a:xfrm>
+              <a:off x="5877272" y="179512"/>
+              <a:ext cx="360040" cy="360040"/>
+            </a:xfrm>
+            <a:prstGeom prst="rect">
+              <a:avLst/>
+            </a:prstGeom>
+            <a:solidFill>
+              <a:schemeClr val="bg1"/>
+            </a:solidFill>
+            <a:ln>
+              <a:noFill/>
+            </a:ln>
+          </p:spPr>
+          <p:style>
+            <a:lnRef idx="2">
+              <a:schemeClr val="accent1">
+                <a:shade val="50000"/>
+              </a:schemeClr>
+            </a:lnRef>
+            <a:fillRef idx="1">
+              <a:schemeClr val="accent1"/>
+            </a:fillRef>
+            <a:effectRef idx="0">
+              <a:schemeClr val="accent1"/>
+            </a:effectRef>
+            <a:fontRef idx="minor">
+              <a:schemeClr val="lt1"/>
+            </a:fontRef>
+          </p:style>
+          <p:txBody>
+            <a:bodyPr rtlCol="0" anchor="ctr"/>
+            <a:lstStyle/>
+            <a:p>
+              <a:pPr algn="ctr"/>
+              <a:endParaRPr kumimoji="1" lang="ja-JP" altLang="en-US" dirty="0" smtClean="0"/>
+            </a:p>
+          </p:txBody>
+        </p:sp>
+      </p:grpSp>
+      <p:sp>
+        <p:nvSpPr>
+          <p:cNvPr id="22" name="円形吹き出し 21"/>
+          <p:cNvSpPr/>
+          <p:nvPr/>
+        </p:nvSpPr>
+        <p:spPr>
+          <a:xfrm>
+            <a:off x="8181528" y="251520"/>
+            <a:ext cx="3312368" cy="1872208"/>
+          </a:xfrm>
+          <a:prstGeom prst="wedgeEllipseCallout">
+            <a:avLst>
+              <a:gd name="adj1" fmla="val -98731"/>
+              <a:gd name="adj2" fmla="val -24068"/>
+            </a:avLst>
+          </a:prstGeom>
+          <a:solidFill>
+            <a:schemeClr val="tx2">
+              <a:lumMod val="20000"/>
+              <a:lumOff val="80000"/>
+            </a:schemeClr>
+          </a:solidFill>
+          <a:ln>
+            <a:noFill/>
+          </a:ln>
+        </p:spPr>
+        <p:style>
+          <a:lnRef idx="2">
+            <a:schemeClr val="accent1">
+              <a:shade val="50000"/>
+            </a:schemeClr>
+          </a:lnRef>
+          <a:fillRef idx="1">
+            <a:schemeClr val="accent1"/>
+          </a:fillRef>
+          <a:effectRef idx="0">
+            <a:schemeClr val="accent1"/>
+          </a:effectRef>
+          <a:fontRef idx="minor">
+            <a:schemeClr val="lt1"/>
+          </a:fontRef>
+        </p:style>
+        <p:txBody>
+          <a:bodyPr rtlCol="0" anchor="ctr"/>
+          <a:lstStyle/>
+          <a:p>
+            <a:pPr algn="ctr"/>
+            <a:r>
+              <a:rPr lang="ja-JP" altLang="en-US" dirty="0" smtClean="0">
+                <a:solidFill>
+                  <a:schemeClr val="tx1"/>
+                </a:solidFill>
+              </a:rPr>
+              <a:t>ホームへ戻る</a:t>
+            </a:r>
+            <a:endParaRPr lang="en-US" altLang="ja-JP" dirty="0" smtClean="0">
+              <a:solidFill>
+                <a:schemeClr val="tx1"/>
+              </a:solidFill>
+            </a:endParaRPr>
+          </a:p>
+        </p:txBody>
+      </p:sp>
+      <p:sp>
+        <p:nvSpPr>
+          <p:cNvPr id="23" name="円形吹き出し 22"/>
+          <p:cNvSpPr/>
+          <p:nvPr/>
+        </p:nvSpPr>
+        <p:spPr>
+          <a:xfrm>
+            <a:off x="-3987824" y="179512"/>
+            <a:ext cx="3312368" cy="1872208"/>
+          </a:xfrm>
+          <a:prstGeom prst="wedgeEllipseCallout">
+            <a:avLst>
+              <a:gd name="adj1" fmla="val 92916"/>
+              <a:gd name="adj2" fmla="val 105547"/>
+            </a:avLst>
+          </a:prstGeom>
+          <a:solidFill>
+            <a:schemeClr val="tx2">
+              <a:lumMod val="20000"/>
+              <a:lumOff val="80000"/>
+            </a:schemeClr>
+          </a:solidFill>
+          <a:ln>
+            <a:noFill/>
+          </a:ln>
+        </p:spPr>
+        <p:style>
+          <a:lnRef idx="2">
+            <a:schemeClr val="accent1">
+              <a:shade val="50000"/>
+            </a:schemeClr>
+          </a:lnRef>
+          <a:fillRef idx="1">
+            <a:schemeClr val="accent1"/>
+          </a:fillRef>
+          <a:effectRef idx="0">
+            <a:schemeClr val="accent1"/>
+          </a:effectRef>
+          <a:fontRef idx="minor">
+            <a:schemeClr val="lt1"/>
+          </a:fontRef>
+        </p:style>
+        <p:txBody>
+          <a:bodyPr rtlCol="0" anchor="ctr"/>
+          <a:lstStyle/>
+          <a:p>
+            <a:pPr algn="ctr"/>
+            <a:r>
+              <a:rPr lang="ja-JP" altLang="en-US" dirty="0" smtClean="0">
+                <a:solidFill>
+                  <a:schemeClr val="tx1"/>
+                </a:solidFill>
+              </a:rPr>
+              <a:t>出来れば画像</a:t>
+            </a:r>
+            <a:endParaRPr lang="en-US" altLang="ja-JP" dirty="0" smtClean="0">
+              <a:solidFill>
+                <a:schemeClr val="tx1"/>
+              </a:solidFill>
+            </a:endParaRPr>
+          </a:p>
+          <a:p>
+            <a:pPr algn="ctr"/>
+            <a:r>
+              <a:rPr lang="en-US" altLang="ja-JP" dirty="0" smtClean="0">
+                <a:solidFill>
+                  <a:schemeClr val="tx1"/>
+                </a:solidFill>
+              </a:rPr>
+              <a:t>(</a:t>
+            </a:r>
+            <a:r>
+              <a:rPr lang="ja-JP" altLang="en-US" dirty="0" smtClean="0">
+                <a:solidFill>
+                  <a:schemeClr val="tx1"/>
+                </a:solidFill>
+              </a:rPr>
+              <a:t>大きさは調整</a:t>
+            </a:r>
+            <a:r>
+              <a:rPr lang="en-US" altLang="ja-JP" dirty="0" smtClean="0">
+                <a:solidFill>
+                  <a:schemeClr val="tx1"/>
+                </a:solidFill>
+              </a:rPr>
+              <a:t>)</a:t>
+            </a:r>
+            <a:endParaRPr lang="en-US" altLang="ja-JP" dirty="0" smtClean="0">
+              <a:solidFill>
+                <a:schemeClr val="tx1"/>
+              </a:solidFill>
+            </a:endParaRPr>
           </a:p>
         </p:txBody>
       </p:sp>
@@ -9798,7 +11114,43 @@
       </a:bgFillStyleLst>
     </a:fmtScheme>
   </a:themeElements>
-  <a:objectDefaults/>
+  <a:objectDefaults>
+    <a:spDef>
+      <a:spPr>
+        <a:blipFill>
+          <a:blip xmlns:r="http://schemas.openxmlformats.org/officeDocument/2006/relationships" r:embed="rId1" cstate="print"/>
+          <a:stretch>
+            <a:fillRect/>
+          </a:stretch>
+        </a:blipFill>
+        <a:ln>
+          <a:noFill/>
+        </a:ln>
+      </a:spPr>
+      <a:bodyPr rtlCol="0" anchor="ctr"/>
+      <a:lstStyle>
+        <a:defPPr algn="ctr">
+          <a:defRPr dirty="0" smtClean="0"/>
+        </a:defPPr>
+      </a:lstStyle>
+      <a:style>
+        <a:lnRef idx="2">
+          <a:schemeClr val="accent1">
+            <a:shade val="50000"/>
+          </a:schemeClr>
+        </a:lnRef>
+        <a:fillRef idx="1">
+          <a:schemeClr val="accent1"/>
+        </a:fillRef>
+        <a:effectRef idx="0">
+          <a:schemeClr val="accent1"/>
+        </a:effectRef>
+        <a:fontRef idx="minor">
+          <a:schemeClr val="lt1"/>
+        </a:fontRef>
+      </a:style>
+    </a:spDef>
+  </a:objectDefaults>
   <a:extraClrSchemeLst/>
 </a:theme>
 </file>

--- a/client/UI/UI.pptx
+++ b/client/UI/UI.pptx
@@ -401,7 +401,7 @@
     </p:spTree>
     <p:extLst>
       <p:ext uri="{BB962C8B-B14F-4D97-AF65-F5344CB8AC3E}">
-        <p14:creationId xmlns="" xmlns:p14="http://schemas.microsoft.com/office/powerpoint/2010/main" val="1965218484"/>
+        <p14:creationId xmlns:p14="http://schemas.microsoft.com/office/powerpoint/2010/main" xmlns="" val="1965218484"/>
       </p:ext>
     </p:extLst>
   </p:cSld>
@@ -548,12 +548,137 @@
           <a:lstStyle/>
           <a:p>
             <a:r>
+              <a:rPr lang="ja-JP" altLang="en-US" sz="1800" smtClean="0"/>
+              <a:t>・画面</a:t>
+            </a:r>
+            <a:endParaRPr lang="ja-JP" altLang="en-US" sz="1800" dirty="0" smtClean="0"/>
+          </a:p>
+          <a:p>
+            <a:endParaRPr lang="ja-JP" altLang="en-US" sz="1800" dirty="0" smtClean="0"/>
+          </a:p>
+          <a:p>
+            <a:r>
+              <a:rPr lang="ja-JP" altLang="en-US" sz="1800" dirty="0" smtClean="0"/>
+              <a:t>*背景画像について</a:t>
+            </a:r>
+          </a:p>
+          <a:p>
+            <a:r>
+              <a:rPr lang="ja-JP" altLang="en-US" sz="1800" dirty="0" smtClean="0"/>
+              <a:t>全画面</a:t>
+            </a:r>
+            <a:r>
+              <a:rPr lang="en-US" altLang="ja-JP" sz="1800" dirty="0" smtClean="0"/>
+              <a:t>background.png</a:t>
+            </a:r>
+            <a:r>
+              <a:rPr lang="ja-JP" altLang="en-US" sz="1800" dirty="0" smtClean="0"/>
+              <a:t>を使用します。</a:t>
+            </a:r>
+          </a:p>
+          <a:p>
+            <a:endParaRPr lang="ja-JP" altLang="en-US" sz="1800" dirty="0" smtClean="0"/>
+          </a:p>
+          <a:p>
+            <a:r>
+              <a:rPr lang="ja-JP" altLang="en-US" sz="1800" dirty="0" smtClean="0"/>
+              <a:t>*タブについて</a:t>
+            </a:r>
+          </a:p>
+          <a:p>
+            <a:r>
+              <a:rPr lang="ja-JP" altLang="en-US" sz="1800" dirty="0" smtClean="0"/>
+              <a:t>話題検索には</a:t>
+            </a:r>
+            <a:r>
+              <a:rPr lang="en-US" altLang="ja-JP" sz="1800" dirty="0" smtClean="0"/>
+              <a:t>tab_topic_search.png</a:t>
+            </a:r>
+          </a:p>
+          <a:p>
+            <a:r>
+              <a:rPr lang="ja-JP" altLang="en-US" sz="1800" dirty="0" smtClean="0"/>
+              <a:t>キーフレーズ管理には</a:t>
+            </a:r>
+            <a:r>
+              <a:rPr lang="en-US" altLang="ja-JP" sz="1800" dirty="0" smtClean="0"/>
+              <a:t>tab_key_phrase_ctrl.png</a:t>
+            </a:r>
+          </a:p>
+          <a:p>
+            <a:r>
+              <a:rPr lang="ja-JP" altLang="en-US" sz="1800" dirty="0" smtClean="0"/>
+              <a:t>設定には</a:t>
+            </a:r>
+            <a:r>
+              <a:rPr lang="en-US" altLang="ja-JP" sz="1800" dirty="0" smtClean="0"/>
+              <a:t>tab_set.png</a:t>
+            </a:r>
+          </a:p>
+          <a:p>
+            <a:endParaRPr lang="en-US" altLang="ja-JP" sz="1800" dirty="0" smtClean="0"/>
+          </a:p>
+          <a:p>
+            <a:r>
+              <a:rPr lang="en-US" altLang="ja-JP" sz="1800" dirty="0" smtClean="0"/>
+              <a:t>*</a:t>
+            </a:r>
+            <a:r>
+              <a:rPr lang="ja-JP" altLang="en-US" sz="1800" dirty="0" smtClean="0"/>
+              <a:t>木目ボタンについて</a:t>
+            </a:r>
+          </a:p>
+          <a:p>
+            <a:r>
+              <a:rPr lang="ja-JP" altLang="en-US" sz="1800" dirty="0" smtClean="0"/>
+              <a:t>押されていない時は</a:t>
+            </a:r>
+            <a:r>
+              <a:rPr lang="en-US" altLang="ja-JP" sz="1800" dirty="0" smtClean="0"/>
+              <a:t>btn_background.png</a:t>
+            </a:r>
+          </a:p>
+          <a:p>
+            <a:r>
+              <a:rPr lang="ja-JP" altLang="en-US" sz="1800" dirty="0" smtClean="0"/>
+              <a:t>押されている時は</a:t>
+            </a:r>
+            <a:r>
+              <a:rPr lang="en-US" altLang="ja-JP" sz="1800" dirty="0" smtClean="0"/>
+              <a:t>btn_backgroud_tap.png</a:t>
+            </a:r>
+          </a:p>
+          <a:p>
+            <a:endParaRPr lang="en-US" altLang="ja-JP" sz="1800" dirty="0" smtClean="0"/>
+          </a:p>
+          <a:p>
+            <a:endParaRPr lang="en-US" altLang="ja-JP" sz="1800" dirty="0" smtClean="0"/>
+          </a:p>
+          <a:p>
+            <a:r>
               <a:rPr lang="ja-JP" altLang="en-US" sz="1800" dirty="0" smtClean="0"/>
               <a:t>①キーフレーズ管理画面</a:t>
             </a:r>
           </a:p>
           <a:p>
             <a:r>
+              <a:rPr lang="en-US" altLang="ja-JP" sz="1800" dirty="0" smtClean="0"/>
+              <a:t>(</a:t>
+            </a:r>
+            <a:r>
+              <a:rPr lang="ja-JP" altLang="en-US" sz="1800" dirty="0" smtClean="0"/>
+              <a:t>タブのキーフレーズ管理をタップするとこの画面に</a:t>
+            </a:r>
+            <a:r>
+              <a:rPr lang="en-US" altLang="ja-JP" sz="1800" dirty="0" smtClean="0"/>
+              <a:t>)</a:t>
+            </a:r>
+          </a:p>
+          <a:p>
+            <a:endParaRPr lang="en-US" altLang="ja-JP" sz="1800" dirty="0" smtClean="0"/>
+          </a:p>
+          <a:p>
+            <a:r>
               <a:rPr lang="ja-JP" altLang="en-US" sz="1800" dirty="0" smtClean="0"/>
               <a:t>・カラーコード</a:t>
             </a:r>
@@ -714,7 +839,7 @@
             <a:endParaRPr lang="en-US" altLang="ja-JP" sz="1800" dirty="0" smtClean="0"/>
           </a:p>
           <a:p>
-            <a:endParaRPr lang="en-US" altLang="ja-JP" sz="1800" dirty="0" smtClean="0"/>
+            <a:endParaRPr lang="ja-JP" altLang="en-US" sz="1800" dirty="0" smtClean="0"/>
           </a:p>
         </p:txBody>
       </p:sp>
@@ -800,6 +925,136 @@
               <a:rPr lang="ja-JP" altLang="en-US" sz="1800" dirty="0" smtClean="0"/>
               <a:t>②話題検索画面</a:t>
             </a:r>
+          </a:p>
+          <a:p>
+            <a:r>
+              <a:rPr lang="en-US" altLang="ja-JP" sz="1800" dirty="0" smtClean="0"/>
+              <a:t>(</a:t>
+            </a:r>
+            <a:r>
+              <a:rPr lang="ja-JP" altLang="en-US" sz="1800" dirty="0" smtClean="0"/>
+              <a:t>タブの話題検索をタップするとこの画面に</a:t>
+            </a:r>
+            <a:r>
+              <a:rPr lang="en-US" altLang="ja-JP" sz="1800" dirty="0" smtClean="0"/>
+              <a:t>)</a:t>
+            </a:r>
+          </a:p>
+          <a:p>
+            <a:endParaRPr lang="en-US" altLang="ja-JP" sz="1800" dirty="0" smtClean="0"/>
+          </a:p>
+          <a:p>
+            <a:r>
+              <a:rPr lang="ja-JP" altLang="en-US" sz="1800" dirty="0" smtClean="0"/>
+              <a:t>・画像</a:t>
+            </a:r>
+          </a:p>
+          <a:p>
+            <a:r>
+              <a:rPr lang="en-US" altLang="ja-JP" sz="1800" dirty="0" smtClean="0"/>
+              <a:t>｢</a:t>
+            </a:r>
+            <a:r>
+              <a:rPr lang="ja-JP" altLang="en-US" sz="1800" dirty="0" smtClean="0"/>
+              <a:t>カメラを名刺で読み込む</a:t>
+            </a:r>
+            <a:r>
+              <a:rPr lang="en-US" altLang="ja-JP" sz="1800" dirty="0" smtClean="0"/>
+              <a:t>｣</a:t>
+            </a:r>
+            <a:r>
+              <a:rPr lang="ja-JP" altLang="en-US" sz="1800" dirty="0" smtClean="0"/>
+              <a:t>ボタンにあるカメラアイコンは、</a:t>
+            </a:r>
+            <a:r>
+              <a:rPr lang="en-US" altLang="ja-JP" sz="1800" dirty="0" smtClean="0"/>
+              <a:t>camera.png(</a:t>
+            </a:r>
+            <a:r>
+              <a:rPr lang="ja-JP" altLang="en-US" sz="1800" dirty="0" smtClean="0"/>
+              <a:t>押されている時は</a:t>
+            </a:r>
+            <a:r>
+              <a:rPr lang="en-US" altLang="ja-JP" sz="1800" dirty="0" smtClean="0"/>
+              <a:t>camera_tap.png)</a:t>
+            </a:r>
+            <a:r>
+              <a:rPr lang="ja-JP" altLang="en-US" sz="1800" dirty="0" smtClean="0"/>
+              <a:t>を使用</a:t>
+            </a:r>
+          </a:p>
+          <a:p>
+            <a:endParaRPr lang="ja-JP" altLang="en-US" sz="1800" dirty="0" smtClean="0"/>
+          </a:p>
+          <a:p>
+            <a:r>
+              <a:rPr lang="ja-JP" altLang="en-US" sz="1800" dirty="0" smtClean="0"/>
+              <a:t>・カラーコード</a:t>
+            </a:r>
+          </a:p>
+          <a:p>
+            <a:r>
+              <a:rPr lang="ja-JP" altLang="en-US" sz="1800" dirty="0" smtClean="0"/>
+              <a:t>*タブ	</a:t>
+            </a:r>
+            <a:r>
+              <a:rPr lang="en-US" altLang="ja-JP" sz="1800" dirty="0" smtClean="0"/>
+              <a:t>#402B20	(</a:t>
+            </a:r>
+            <a:r>
+              <a:rPr lang="ja-JP" altLang="en-US" sz="1800" dirty="0" smtClean="0"/>
+              <a:t>話題検索は　</a:t>
+            </a:r>
+            <a:r>
+              <a:rPr lang="en-US" altLang="ja-JP" sz="1800" dirty="0" smtClean="0"/>
+              <a:t>#260D00 ) </a:t>
+            </a:r>
+          </a:p>
+          <a:p>
+            <a:r>
+              <a:rPr lang="en-US" altLang="ja-JP" sz="1800" dirty="0" smtClean="0"/>
+              <a:t>*</a:t>
+            </a:r>
+            <a:r>
+              <a:rPr lang="ja-JP" altLang="en-US" sz="1800" dirty="0" smtClean="0"/>
+              <a:t>文字</a:t>
+            </a:r>
+          </a:p>
+          <a:p>
+            <a:r>
+              <a:rPr lang="ja-JP" altLang="en-US" sz="1800" dirty="0" smtClean="0"/>
+              <a:t>ボタンに書かれている文字は白 </a:t>
+            </a:r>
+            <a:r>
+              <a:rPr lang="en-US" altLang="ja-JP" sz="1800" dirty="0" smtClean="0"/>
+              <a:t>#FFFFFF(</a:t>
+            </a:r>
+            <a:r>
+              <a:rPr lang="ja-JP" altLang="en-US" sz="1800" dirty="0" smtClean="0"/>
+              <a:t>押ボタンが押されている時は</a:t>
+            </a:r>
+            <a:r>
+              <a:rPr lang="en-US" altLang="ja-JP" sz="1800" dirty="0" smtClean="0"/>
+              <a:t>#202020)</a:t>
+            </a:r>
+          </a:p>
+          <a:p>
+            <a:r>
+              <a:rPr lang="ja-JP" altLang="en-US" sz="1800" dirty="0" smtClean="0"/>
+              <a:t>その他の文字は黒　</a:t>
+            </a:r>
+            <a:r>
+              <a:rPr lang="en-US" altLang="ja-JP" sz="1800" dirty="0" smtClean="0"/>
+              <a:t>#000000</a:t>
+            </a:r>
+          </a:p>
+          <a:p>
+            <a:endParaRPr lang="en-US" altLang="ja-JP" sz="1800" dirty="0" smtClean="0"/>
+          </a:p>
+          <a:p>
+            <a:endParaRPr lang="en-US" altLang="ja-JP" sz="1800" dirty="0" smtClean="0"/>
+          </a:p>
+          <a:p>
             <a:endParaRPr lang="en-US" altLang="ja-JP" sz="1800" dirty="0" smtClean="0"/>
           </a:p>
         </p:txBody>
@@ -884,8 +1139,170 @@
           <a:p>
             <a:r>
               <a:rPr kumimoji="1" lang="ja-JP" altLang="en-US" sz="1800" dirty="0" smtClean="0"/>
-              <a:t>画面③設定画面</a:t>
-            </a:r>
+              <a:t>③設定画面</a:t>
+            </a:r>
+          </a:p>
+          <a:p>
+            <a:r>
+              <a:rPr kumimoji="1" lang="en-US" altLang="ja-JP" sz="1800" dirty="0" smtClean="0"/>
+              <a:t>(</a:t>
+            </a:r>
+            <a:r>
+              <a:rPr kumimoji="1" lang="ja-JP" altLang="en-US" sz="1800" dirty="0" smtClean="0"/>
+              <a:t>タブの設定をタップするとこの画面に</a:t>
+            </a:r>
+            <a:r>
+              <a:rPr kumimoji="1" lang="en-US" altLang="ja-JP" sz="1800" dirty="0" smtClean="0"/>
+              <a:t>)</a:t>
+            </a:r>
+          </a:p>
+          <a:p>
+            <a:r>
+              <a:rPr kumimoji="1" lang="ja-JP" altLang="en-US" sz="1800" dirty="0" smtClean="0"/>
+              <a:t>・画像</a:t>
+            </a:r>
+          </a:p>
+          <a:p>
+            <a:r>
+              <a:rPr kumimoji="1" lang="en-US" altLang="ja-JP" sz="1800" dirty="0" smtClean="0"/>
+              <a:t>(</a:t>
+            </a:r>
+            <a:r>
+              <a:rPr kumimoji="1" lang="ja-JP" altLang="en-US" sz="1800" dirty="0" smtClean="0"/>
+              <a:t>！！まだ作成していません</a:t>
+            </a:r>
+            <a:r>
+              <a:rPr kumimoji="1" lang="en-US" altLang="ja-JP" sz="1800" dirty="0" smtClean="0"/>
+              <a:t>)</a:t>
+            </a:r>
+          </a:p>
+          <a:p>
+            <a:r>
+              <a:rPr kumimoji="1" lang="en-US" altLang="ja-JP" sz="1800" dirty="0" smtClean="0"/>
+              <a:t>ON/OFF</a:t>
+            </a:r>
+            <a:r>
+              <a:rPr kumimoji="1" lang="ja-JP" altLang="en-US" sz="1800" dirty="0" smtClean="0"/>
+              <a:t>ボタンには </a:t>
+            </a:r>
+            <a:r>
+              <a:rPr kumimoji="1" lang="en-US" altLang="ja-JP" sz="1800" dirty="0" smtClean="0"/>
+              <a:t>switch_on.png</a:t>
+            </a:r>
+            <a:r>
+              <a:rPr kumimoji="1" lang="ja-JP" altLang="en-US" sz="1800" dirty="0" err="1" smtClean="0"/>
+              <a:t>、</a:t>
+            </a:r>
+            <a:r>
+              <a:rPr kumimoji="1" lang="en-US" altLang="ja-JP" sz="1800" dirty="0" smtClean="0"/>
+              <a:t>switch_off.png</a:t>
+            </a:r>
+            <a:r>
+              <a:rPr kumimoji="1" lang="ja-JP" altLang="en-US" sz="1800" dirty="0" smtClean="0"/>
+              <a:t>を使用</a:t>
+            </a:r>
+          </a:p>
+          <a:p>
+            <a:r>
+              <a:rPr kumimoji="1" lang="en-US" altLang="ja-JP" sz="1800" dirty="0" smtClean="0"/>
+              <a:t>SNS</a:t>
+            </a:r>
+            <a:r>
+              <a:rPr kumimoji="1" lang="ja-JP" altLang="en-US" sz="1800" dirty="0" smtClean="0"/>
+              <a:t>アカウントを登録アイコンは、</a:t>
+            </a:r>
+          </a:p>
+          <a:p>
+            <a:r>
+              <a:rPr kumimoji="1" lang="ja-JP" altLang="en-US" sz="1800" dirty="0" smtClean="0"/>
+              <a:t>登録されている場合、ボタンの背景を</a:t>
+            </a:r>
+            <a:r>
+              <a:rPr kumimoji="1" lang="en-US" altLang="ja-JP" sz="1800" dirty="0" smtClean="0"/>
+              <a:t>btn_background.png</a:t>
+            </a:r>
+            <a:r>
+              <a:rPr kumimoji="1" lang="ja-JP" altLang="en-US" sz="1800" dirty="0" smtClean="0"/>
+              <a:t>にして</a:t>
+            </a:r>
+          </a:p>
+          <a:p>
+            <a:r>
+              <a:rPr kumimoji="1" lang="ja-JP" altLang="en-US" sz="1800" dirty="0" smtClean="0"/>
+              <a:t>その上に</a:t>
+            </a:r>
+            <a:r>
+              <a:rPr kumimoji="1" lang="en-US" altLang="ja-JP" sz="1800" dirty="0" err="1" smtClean="0"/>
+              <a:t>Facebook</a:t>
+            </a:r>
+            <a:r>
+              <a:rPr kumimoji="1" lang="ja-JP" altLang="en-US" sz="1800" dirty="0" smtClean="0"/>
+              <a:t>アイコン、</a:t>
+            </a:r>
+            <a:r>
+              <a:rPr kumimoji="1" lang="en-US" altLang="ja-JP" sz="1800" dirty="0" smtClean="0"/>
+              <a:t>Twitter</a:t>
+            </a:r>
+            <a:r>
+              <a:rPr kumimoji="1" lang="ja-JP" altLang="en-US" sz="1800" dirty="0" smtClean="0"/>
+              <a:t>アイコン画像を載せる感じ</a:t>
+            </a:r>
+            <a:r>
+              <a:rPr kumimoji="1" lang="en-US" altLang="ja-JP" sz="1800" dirty="0" smtClean="0"/>
+              <a:t>?</a:t>
+            </a:r>
+          </a:p>
+          <a:p>
+            <a:r>
+              <a:rPr kumimoji="1" lang="en-US" altLang="ja-JP" sz="1800" dirty="0" smtClean="0"/>
+              <a:t>facebook_icon.png	twitter_icon.png</a:t>
+            </a:r>
+          </a:p>
+          <a:p>
+            <a:endParaRPr kumimoji="1" lang="en-US" altLang="ja-JP" sz="1800" dirty="0" smtClean="0"/>
+          </a:p>
+          <a:p>
+            <a:r>
+              <a:rPr kumimoji="1" lang="ja-JP" altLang="en-US" sz="1800" dirty="0" smtClean="0"/>
+              <a:t>登録されていない場合ボタン背景</a:t>
+            </a:r>
+            <a:r>
+              <a:rPr kumimoji="1" lang="en-US" altLang="ja-JP" sz="1800" dirty="0" smtClean="0"/>
+              <a:t>btn_background_tap.png</a:t>
+            </a:r>
+          </a:p>
+          <a:p>
+            <a:r>
+              <a:rPr kumimoji="1" lang="ja-JP" altLang="en-US" sz="1800" dirty="0" smtClean="0"/>
+              <a:t>アイコンは</a:t>
+            </a:r>
+          </a:p>
+          <a:p>
+            <a:r>
+              <a:rPr kumimoji="1" lang="en-US" altLang="ja-JP" sz="1800" dirty="0" smtClean="0"/>
+              <a:t>facebook_icon_tap.png	twitter_icon_tap.png</a:t>
+            </a:r>
+          </a:p>
+          <a:p>
+            <a:endParaRPr kumimoji="1" lang="en-US" altLang="ja-JP" sz="1800" dirty="0" smtClean="0"/>
+          </a:p>
+          <a:p>
+            <a:r>
+              <a:rPr kumimoji="1" lang="ja-JP" altLang="en-US" sz="1800" dirty="0" smtClean="0"/>
+              <a:t>・カラーコード</a:t>
+            </a:r>
+          </a:p>
+          <a:p>
+            <a:r>
+              <a:rPr kumimoji="1" lang="ja-JP" altLang="en-US" sz="1800" dirty="0" smtClean="0"/>
+              <a:t>文字　黒</a:t>
+            </a:r>
+            <a:r>
+              <a:rPr kumimoji="1" lang="en-US" altLang="ja-JP" sz="1800" dirty="0" smtClean="0"/>
+              <a:t>#000000</a:t>
+            </a:r>
+          </a:p>
+          <a:p>
             <a:endParaRPr kumimoji="1" lang="en-US" altLang="ja-JP" sz="1800" dirty="0" smtClean="0"/>
           </a:p>
         </p:txBody>
@@ -972,6 +1389,22 @@
               <a:rPr lang="ja-JP" altLang="en-US" sz="1800" dirty="0" smtClean="0"/>
               <a:t>④キーフレーズ抽出完了画面</a:t>
             </a:r>
+          </a:p>
+          <a:p>
+            <a:r>
+              <a:rPr lang="en-US" altLang="ja-JP" sz="1800" dirty="0" smtClean="0"/>
+              <a:t>(</a:t>
+            </a:r>
+            <a:r>
+              <a:rPr lang="ja-JP" altLang="en-US" sz="1800" dirty="0" smtClean="0"/>
+              <a:t>ダイアログ③の後、キーフレーズが見つかったらこの画面に</a:t>
+            </a:r>
+            <a:r>
+              <a:rPr lang="en-US" altLang="ja-JP" sz="1800" dirty="0" smtClean="0"/>
+              <a:t>)</a:t>
+            </a:r>
+          </a:p>
+          <a:p>
             <a:endParaRPr lang="en-US" altLang="ja-JP" sz="1800" dirty="0" smtClean="0"/>
           </a:p>
         </p:txBody>
@@ -1056,17 +1489,30 @@
           <a:p>
             <a:r>
               <a:rPr lang="ja-JP" altLang="en-US" sz="1800" dirty="0" smtClean="0"/>
-              <a:t>⑥</a:t>
-            </a:r>
+              <a:t>⑤カメラ画面</a:t>
+            </a:r>
+          </a:p>
+          <a:p>
             <a:r>
               <a:rPr lang="en-US" altLang="ja-JP" sz="1800" dirty="0" smtClean="0"/>
-              <a:t>SNS</a:t>
+              <a:t>(</a:t>
             </a:r>
             <a:r>
               <a:rPr lang="ja-JP" altLang="en-US" sz="1800" dirty="0" smtClean="0"/>
-              <a:t>アカウント選択画面</a:t>
-            </a:r>
-            <a:endParaRPr lang="en-US" altLang="ja-JP" sz="1800" dirty="0" smtClean="0"/>
+              <a:t>話題画面にて、入力事項が</a:t>
+            </a:r>
+            <a:r>
+              <a:rPr lang="en-US" altLang="ja-JP" sz="1800" dirty="0" smtClean="0"/>
+              <a:t>1</a:t>
+            </a:r>
+            <a:r>
+              <a:rPr lang="ja-JP" altLang="en-US" sz="1800" dirty="0" smtClean="0"/>
+              <a:t>つでも書かれていて、話題を探すボタンを押すとこの画面に</a:t>
+            </a:r>
+            <a:r>
+              <a:rPr lang="en-US" altLang="ja-JP" sz="1800" dirty="0" smtClean="0"/>
+              <a:t>)</a:t>
+            </a:r>
           </a:p>
           <a:p>
             <a:endParaRPr lang="en-US" altLang="ja-JP" sz="1800" dirty="0" smtClean="0"/>
@@ -4951,11 +5397,7 @@
           <a:p>
             <a:r>
               <a:rPr kumimoji="1" lang="ja-JP" altLang="en-US" sz="2400" dirty="0" smtClean="0"/>
-              <a:t>～～</a:t>
-            </a:r>
-            <a:r>
-              <a:rPr kumimoji="1" lang="ja-JP" altLang="en-US" sz="2400" dirty="0" smtClean="0"/>
-              <a:t>～</a:t>
+              <a:t>～～～</a:t>
             </a:r>
             <a:endParaRPr kumimoji="1" lang="ja-JP" altLang="en-US" sz="2400" dirty="0"/>
           </a:p>
@@ -5255,11 +5697,7 @@
           <a:p>
             <a:r>
               <a:rPr kumimoji="1" lang="ja-JP" altLang="en-US" sz="2400" dirty="0" smtClean="0"/>
-              <a:t>～～</a:t>
-            </a:r>
-            <a:r>
-              <a:rPr kumimoji="1" lang="ja-JP" altLang="en-US" sz="2400" dirty="0" smtClean="0"/>
-              <a:t>～</a:t>
+              <a:t>～～～</a:t>
             </a:r>
             <a:endParaRPr kumimoji="1" lang="ja-JP" altLang="en-US" sz="2400" dirty="0"/>
           </a:p>
@@ -5296,11 +5734,7 @@
           <a:p>
             <a:r>
               <a:rPr kumimoji="1" lang="ja-JP" altLang="en-US" sz="2400" dirty="0" smtClean="0"/>
-              <a:t>～～</a:t>
-            </a:r>
-            <a:r>
-              <a:rPr kumimoji="1" lang="ja-JP" altLang="en-US" sz="2400" dirty="0" smtClean="0"/>
-              <a:t>～</a:t>
+              <a:t>～～～</a:t>
             </a:r>
             <a:endParaRPr kumimoji="1" lang="ja-JP" altLang="en-US" sz="2400" dirty="0">
               <a:solidFill>
@@ -7367,15 +7801,7 @@
                   <a:schemeClr val="tx1"/>
                 </a:solidFill>
               </a:rPr>
-              <a:t>タップすると</a:t>
-            </a:r>
-            <a:r>
-              <a:rPr lang="ja-JP" altLang="en-US" dirty="0" smtClean="0">
-                <a:solidFill>
-                  <a:schemeClr val="tx1"/>
-                </a:solidFill>
-              </a:rPr>
-              <a:t>切り替わる</a:t>
+              <a:t>タップすると切り替わる</a:t>
             </a:r>
             <a:endParaRPr lang="en-US" altLang="ja-JP" dirty="0" smtClean="0">
               <a:solidFill>
@@ -7872,11 +8298,7 @@
             <a:pPr algn="ctr"/>
             <a:r>
               <a:rPr kumimoji="1" lang="ja-JP" altLang="en-US" sz="2400" b="1" dirty="0" smtClean="0"/>
-              <a:t>以下のフレーズが見つかりました</a:t>
-            </a:r>
-            <a:r>
-              <a:rPr kumimoji="1" lang="ja-JP" altLang="en-US" sz="2400" b="1" dirty="0" smtClean="0"/>
-              <a:t>。</a:t>
+              <a:t>以下のフレーズが見つかりました。</a:t>
             </a:r>
             <a:r>
               <a:rPr kumimoji="1" lang="en-US" altLang="ja-JP" sz="2400" b="1" dirty="0" smtClean="0"/>
@@ -7962,11 +8384,7 @@
           <a:p>
             <a:r>
               <a:rPr kumimoji="1" lang="ja-JP" altLang="en-US" sz="2400" dirty="0" smtClean="0"/>
-              <a:t>～～</a:t>
-            </a:r>
-            <a:r>
-              <a:rPr kumimoji="1" lang="ja-JP" altLang="en-US" sz="2400" dirty="0" smtClean="0"/>
-              <a:t>～</a:t>
+              <a:t>～～～</a:t>
             </a:r>
             <a:endParaRPr kumimoji="1" lang="ja-JP" altLang="en-US" sz="2400" dirty="0"/>
           </a:p>
@@ -8004,11 +8422,7 @@
           <a:p>
             <a:r>
               <a:rPr kumimoji="1" lang="ja-JP" altLang="en-US" sz="2400" dirty="0" smtClean="0"/>
-              <a:t>～～</a:t>
-            </a:r>
-            <a:r>
-              <a:rPr kumimoji="1" lang="ja-JP" altLang="en-US" sz="2400" dirty="0" smtClean="0"/>
-              <a:t>～</a:t>
+              <a:t>～～～</a:t>
             </a:r>
             <a:endParaRPr kumimoji="1" lang="ja-JP" altLang="en-US" sz="2400" dirty="0"/>
           </a:p>
@@ -8045,11 +8459,7 @@
           <a:p>
             <a:r>
               <a:rPr kumimoji="1" lang="ja-JP" altLang="en-US" sz="2400" dirty="0" smtClean="0"/>
-              <a:t>～～</a:t>
-            </a:r>
-            <a:r>
-              <a:rPr kumimoji="1" lang="ja-JP" altLang="en-US" sz="2400" dirty="0" smtClean="0"/>
-              <a:t>～</a:t>
+              <a:t>～～～</a:t>
             </a:r>
             <a:endParaRPr kumimoji="1" lang="ja-JP" altLang="en-US" sz="2400" dirty="0">
               <a:solidFill>
@@ -8189,7 +8599,7 @@
         </p:nvSpPr>
         <p:spPr>
           <a:xfrm>
-            <a:off x="404664" y="2699792"/>
+            <a:off x="764704" y="2699792"/>
             <a:ext cx="692696" cy="720080"/>
           </a:xfrm>
           <a:prstGeom prst="rect">
@@ -8249,7 +8659,7 @@
         </p:nvSpPr>
         <p:spPr>
           <a:xfrm>
-            <a:off x="432048" y="1115616"/>
+            <a:off x="792088" y="1115616"/>
             <a:ext cx="620688" cy="648072"/>
           </a:xfrm>
           <a:prstGeom prst="rect">
@@ -8309,7 +8719,7 @@
         </p:nvSpPr>
         <p:spPr>
           <a:xfrm>
-            <a:off x="1484784" y="6300192"/>
+            <a:off x="2132856" y="6300192"/>
             <a:ext cx="1368152" cy="1224136"/>
           </a:xfrm>
           <a:prstGeom prst="rect">
@@ -8361,7 +8771,7 @@
         </p:nvSpPr>
         <p:spPr>
           <a:xfrm>
-            <a:off x="1484784" y="4644008"/>
+            <a:off x="2132856" y="4644008"/>
             <a:ext cx="1368152" cy="1224136"/>
           </a:xfrm>
           <a:prstGeom prst="rect">
@@ -8413,7 +8823,7 @@
         </p:nvSpPr>
         <p:spPr>
           <a:xfrm>
-            <a:off x="1340768" y="2843808"/>
+            <a:off x="1988840" y="2843808"/>
             <a:ext cx="1872208" cy="1440160"/>
           </a:xfrm>
           <a:prstGeom prst="rect">
@@ -8629,7 +9039,7 @@
         </p:nvSpPr>
         <p:spPr>
           <a:xfrm>
-            <a:off x="1556792" y="2915816"/>
+            <a:off x="2204864" y="2915816"/>
             <a:ext cx="1368152" cy="1224136"/>
           </a:xfrm>
           <a:prstGeom prst="rect">
@@ -8681,7 +9091,7 @@
         </p:nvSpPr>
         <p:spPr>
           <a:xfrm>
-            <a:off x="1556792" y="1259632"/>
+            <a:off x="2132856" y="1259632"/>
             <a:ext cx="1368152" cy="1224136"/>
           </a:xfrm>
           <a:prstGeom prst="rect">
@@ -8733,8 +9143,8 @@
         </p:nvSpPr>
         <p:spPr>
           <a:xfrm>
-            <a:off x="260648" y="971600"/>
-            <a:ext cx="6192688" cy="1656184"/>
+            <a:off x="548680" y="971600"/>
+            <a:ext cx="5832648" cy="1656184"/>
           </a:xfrm>
           <a:prstGeom prst="rect">
             <a:avLst/>
@@ -8859,11 +9269,6 @@
               </a:rPr>
               <a:t>)</a:t>
             </a:r>
-            <a:endParaRPr lang="en-US" altLang="ja-JP" dirty="0" smtClean="0">
-              <a:solidFill>
-                <a:schemeClr val="tx1"/>
-              </a:solidFill>
-            </a:endParaRPr>
           </a:p>
         </p:txBody>
       </p:sp>
@@ -8875,8 +9280,8 @@
         </p:nvSpPr>
         <p:spPr>
           <a:xfrm>
-            <a:off x="260648" y="2699792"/>
-            <a:ext cx="6192688" cy="5040560"/>
+            <a:off x="548680" y="2699792"/>
+            <a:ext cx="5832648" cy="5040560"/>
           </a:xfrm>
           <a:prstGeom prst="rect">
             <a:avLst/>
@@ -9157,8 +9562,8 @@
         </p:nvSpPr>
         <p:spPr>
           <a:xfrm>
-            <a:off x="1196752" y="2771800"/>
-            <a:ext cx="4824536" cy="1584176"/>
+            <a:off x="1844824" y="2771800"/>
+            <a:ext cx="4032448" cy="1584176"/>
           </a:xfrm>
           <a:prstGeom prst="rect">
             <a:avLst/>
@@ -9203,8 +9608,8 @@
         </p:nvSpPr>
         <p:spPr>
           <a:xfrm>
-            <a:off x="1196752" y="4427984"/>
-            <a:ext cx="4824536" cy="1584176"/>
+            <a:off x="1844824" y="4427984"/>
+            <a:ext cx="4032448" cy="1584176"/>
           </a:xfrm>
           <a:prstGeom prst="rect">
             <a:avLst/>
@@ -9249,8 +9654,8 @@
         </p:nvSpPr>
         <p:spPr>
           <a:xfrm>
-            <a:off x="1196752" y="6084168"/>
-            <a:ext cx="4824536" cy="1584176"/>
+            <a:off x="1844824" y="6084168"/>
+            <a:ext cx="4032448" cy="1584176"/>
           </a:xfrm>
           <a:prstGeom prst="rect">
             <a:avLst/>
@@ -9295,7 +9700,7 @@
         </p:nvSpPr>
         <p:spPr>
           <a:xfrm>
-            <a:off x="5085184" y="3851920"/>
+            <a:off x="4365104" y="3851920"/>
             <a:ext cx="864096" cy="432048"/>
           </a:xfrm>
           <a:prstGeom prst="rect">
@@ -9460,7 +9865,7 @@
         </p:nvSpPr>
         <p:spPr>
           <a:xfrm>
-            <a:off x="5085184" y="5508104"/>
+            <a:off x="4437112" y="5508104"/>
             <a:ext cx="864096" cy="432048"/>
           </a:xfrm>
           <a:prstGeom prst="rect">
@@ -9513,7 +9918,7 @@
         </p:nvSpPr>
         <p:spPr>
           <a:xfrm>
-            <a:off x="5085184" y="7164288"/>
+            <a:off x="4437112" y="7164288"/>
             <a:ext cx="864096" cy="432048"/>
           </a:xfrm>
           <a:prstGeom prst="rect">
@@ -9668,8 +10073,8 @@
         </p:nvSpPr>
         <p:spPr>
           <a:xfrm>
-            <a:off x="3212976" y="2915816"/>
-            <a:ext cx="2376264" cy="1200329"/>
+            <a:off x="4077072" y="2915816"/>
+            <a:ext cx="2376264" cy="1477328"/>
           </a:xfrm>
           <a:prstGeom prst="rect">
             <a:avLst/>
@@ -9701,16 +10106,39 @@
           </a:p>
           <a:p>
             <a:r>
+              <a:rPr lang="ja-JP" altLang="en-US" dirty="0" smtClean="0"/>
+              <a:t>性別　</a:t>
+            </a:r>
+            <a:r>
+              <a:rPr lang="en-US" altLang="ja-JP" dirty="0" smtClean="0"/>
+              <a:t>(</a:t>
+            </a:r>
+            <a:r>
+              <a:rPr lang="ja-JP" altLang="en-US" dirty="0" smtClean="0"/>
+              <a:t>男</a:t>
+            </a:r>
+            <a:r>
+              <a:rPr lang="en-US" altLang="ja-JP" dirty="0" smtClean="0"/>
+              <a:t>or</a:t>
+            </a:r>
+            <a:r>
+              <a:rPr lang="ja-JP" altLang="en-US" dirty="0" smtClean="0"/>
+              <a:t>女</a:t>
+            </a:r>
+            <a:r>
+              <a:rPr lang="en-US" altLang="ja-JP" dirty="0" smtClean="0"/>
+              <a:t>)</a:t>
+            </a:r>
+            <a:endParaRPr kumimoji="1" lang="en-US" altLang="ja-JP" dirty="0" smtClean="0"/>
+          </a:p>
+          <a:p>
+            <a:r>
               <a:rPr kumimoji="1" lang="ja-JP" altLang="en-US" dirty="0" smtClean="0"/>
               <a:t>国</a:t>
             </a:r>
             <a:r>
               <a:rPr lang="ja-JP" altLang="en-US" dirty="0" smtClean="0"/>
-              <a:t>　</a:t>
-            </a:r>
-            <a:r>
-              <a:rPr lang="ja-JP" altLang="en-US" dirty="0" smtClean="0"/>
-              <a:t>　　</a:t>
+              <a:t>　　　</a:t>
             </a:r>
             <a:r>
               <a:rPr lang="en-US" altLang="ja-JP" dirty="0" smtClean="0"/>
@@ -9945,86 +10373,6 @@
             <a:p>
               <a:pPr algn="ctr"/>
               <a:endParaRPr kumimoji="1" lang="ja-JP" altLang="en-US" sz="2000"/>
-            </a:p>
-          </p:txBody>
-        </p:sp>
-        <p:sp>
-          <p:nvSpPr>
-            <p:cNvPr id="54" name="正方形/長方形 53"/>
-            <p:cNvSpPr/>
-            <p:nvPr/>
-          </p:nvSpPr>
-          <p:spPr>
-            <a:xfrm>
-              <a:off x="836712" y="3833499"/>
-              <a:ext cx="5184576" cy="1366477"/>
-            </a:xfrm>
-            <a:prstGeom prst="rect">
-              <a:avLst/>
-            </a:prstGeom>
-            <a:solidFill>
-              <a:schemeClr val="tx2">
-                <a:lumMod val="20000"/>
-                <a:lumOff val="80000"/>
-              </a:schemeClr>
-            </a:solidFill>
-            <a:ln>
-              <a:noFill/>
-            </a:ln>
-          </p:spPr>
-          <p:style>
-            <a:lnRef idx="2">
-              <a:schemeClr val="accent1">
-                <a:shade val="50000"/>
-              </a:schemeClr>
-            </a:lnRef>
-            <a:fillRef idx="1">
-              <a:schemeClr val="accent1"/>
-            </a:fillRef>
-            <a:effectRef idx="0">
-              <a:schemeClr val="accent1"/>
-            </a:effectRef>
-            <a:fontRef idx="minor">
-              <a:schemeClr val="lt1"/>
-            </a:fontRef>
-          </p:style>
-          <p:txBody>
-            <a:bodyPr rtlCol="0" anchor="ctr"/>
-            <a:lstStyle/>
-            <a:p>
-              <a:pPr algn="ctr"/>
-              <a:r>
-                <a:rPr lang="ja-JP" altLang="en-US" sz="2000" dirty="0" smtClean="0">
-                  <a:solidFill>
-                    <a:schemeClr val="tx1"/>
-                  </a:solidFill>
-                </a:rPr>
-                <a:t>写真</a:t>
-              </a:r>
-              <a:r>
-                <a:rPr lang="en-US" altLang="ja-JP" sz="2000" dirty="0" smtClean="0">
-                  <a:solidFill>
-                    <a:schemeClr val="tx1"/>
-                  </a:solidFill>
-                </a:rPr>
-                <a:t>(</a:t>
-              </a:r>
-              <a:r>
-                <a:rPr lang="ja-JP" altLang="en-US" sz="2000" dirty="0" smtClean="0">
-                  <a:solidFill>
-                    <a:schemeClr val="tx1"/>
-                  </a:solidFill>
-                </a:rPr>
-                <a:t>記事に載っていた場合</a:t>
-              </a:r>
-              <a:r>
-                <a:rPr lang="en-US" altLang="ja-JP" sz="2000" dirty="0" smtClean="0">
-                  <a:solidFill>
-                    <a:schemeClr val="tx1"/>
-                  </a:solidFill>
-                </a:rPr>
-                <a:t>)</a:t>
-              </a:r>
             </a:p>
           </p:txBody>
         </p:sp>
@@ -10082,8 +10430,8 @@
           </p:nvSpPr>
           <p:spPr>
             <a:xfrm>
-              <a:off x="908720" y="5266556"/>
-              <a:ext cx="5112568" cy="559724"/>
+              <a:off x="836712" y="3890436"/>
+              <a:ext cx="5112568" cy="2019873"/>
             </a:xfrm>
             <a:prstGeom prst="rect">
               <a:avLst/>
@@ -10104,6 +10452,9 @@
                 <a:rPr lang="ja-JP" altLang="en-US" sz="2000" dirty="0" smtClean="0"/>
                 <a:t>。</a:t>
               </a:r>
+              <a:endParaRPr lang="en-US" altLang="ja-JP" sz="2000" dirty="0" smtClean="0"/>
+            </a:p>
+            <a:p>
               <a:r>
                 <a:rPr lang="en-US" altLang="ja-JP" sz="2000" dirty="0" smtClean="0"/>
                 <a:t>(</a:t>
@@ -10124,16 +10475,26 @@
                 <a:rPr lang="en-US" altLang="ja-JP" sz="2000" dirty="0" smtClean="0"/>
                 <a:t>)</a:t>
               </a:r>
+            </a:p>
+            <a:p>
+              <a:endParaRPr lang="en-US" altLang="ja-JP" sz="2000" dirty="0" smtClean="0"/>
+            </a:p>
+            <a:p>
+              <a:endParaRPr lang="en-US" altLang="ja-JP" sz="2000" dirty="0" smtClean="0"/>
+            </a:p>
+            <a:p>
+              <a:endParaRPr lang="en-US" altLang="ja-JP" sz="2000" dirty="0" smtClean="0"/>
+            </a:p>
+            <a:p>
+              <a:endParaRPr lang="en-US" altLang="ja-JP" sz="2000" dirty="0" smtClean="0"/>
+            </a:p>
+            <a:p>
               <a:endParaRPr lang="en-US" altLang="ja-JP" sz="2000" dirty="0" smtClean="0"/>
             </a:p>
             <a:p>
               <a:r>
                 <a:rPr lang="en-US" altLang="ja-JP" sz="2000" dirty="0" smtClean="0"/>
-                <a:t>	</a:t>
-              </a:r>
-              <a:r>
-                <a:rPr lang="en-US" altLang="ja-JP" sz="2000" dirty="0" smtClean="0"/>
-                <a:t>	</a:t>
+                <a:t>		</a:t>
               </a:r>
               <a:r>
                 <a:rPr lang="ja-JP" altLang="en-US" sz="2000" dirty="0" smtClean="0">
@@ -10733,7 +11094,7 @@
         </p:nvSpPr>
         <p:spPr>
           <a:xfrm>
-            <a:off x="-3987824" y="179512"/>
+            <a:off x="-3987824" y="251520"/>
             <a:ext cx="3312368" cy="1872208"/>
           </a:xfrm>
           <a:prstGeom prst="wedgeEllipseCallout">
@@ -10813,11 +11174,6 @@
               </a:rPr>
               <a:t>)</a:t>
             </a:r>
-            <a:endParaRPr lang="en-US" altLang="ja-JP" dirty="0" smtClean="0">
-              <a:solidFill>
-                <a:schemeClr val="tx1"/>
-              </a:solidFill>
-            </a:endParaRPr>
           </a:p>
         </p:txBody>
       </p:sp>

--- a/client/UI/UI.pptx
+++ b/client/UI/UI.pptx
@@ -5,15 +5,16 @@
     <p:sldMasterId id="2147483648" r:id="rId1"/>
   </p:sldMasterIdLst>
   <p:notesMasterIdLst>
-    <p:notesMasterId r:id="rId8"/>
+    <p:notesMasterId r:id="rId9"/>
   </p:notesMasterIdLst>
   <p:sldIdLst>
     <p:sldId id="267" r:id="rId2"/>
-    <p:sldId id="264" r:id="rId3"/>
-    <p:sldId id="265" r:id="rId4"/>
-    <p:sldId id="261" r:id="rId5"/>
-    <p:sldId id="266" r:id="rId6"/>
-    <p:sldId id="263" r:id="rId7"/>
+    <p:sldId id="268" r:id="rId3"/>
+    <p:sldId id="264" r:id="rId4"/>
+    <p:sldId id="265" r:id="rId5"/>
+    <p:sldId id="261" r:id="rId6"/>
+    <p:sldId id="266" r:id="rId7"/>
+    <p:sldId id="263" r:id="rId8"/>
   </p:sldIdLst>
   <p:sldSz cx="6858000" cy="9144000" type="screen4x3"/>
   <p:notesSz cx="6858000" cy="9144000"/>
@@ -549,8 +550,31 @@
           <a:p>
             <a:r>
               <a:rPr lang="ja-JP" altLang="en-US" sz="1800" dirty="0" smtClean="0"/>
-              <a:t>①話題検索画面</a:t>
-            </a:r>
+              <a:t>全画面共通</a:t>
+            </a:r>
+            <a:endParaRPr lang="en-US" altLang="ja-JP" sz="1800" dirty="0" smtClean="0"/>
+          </a:p>
+          <a:p>
+            <a:r>
+              <a:rPr lang="ja-JP" altLang="en-US" sz="1800" dirty="0" smtClean="0"/>
+              <a:t>背景画像 </a:t>
+            </a:r>
+            <a:r>
+              <a:rPr lang="en-US" altLang="ja-JP" sz="1800" dirty="0" smtClean="0"/>
+              <a:t>background.png</a:t>
+            </a:r>
+          </a:p>
+          <a:p>
+            <a:r>
+              <a:rPr lang="ja-JP" altLang="en-US" sz="1800" dirty="0" smtClean="0"/>
+              <a:t>タイトルバー　</a:t>
+            </a:r>
+            <a:r>
+              <a:rPr lang="en-US" altLang="ja-JP" sz="1800" dirty="0" smtClean="0"/>
+              <a:t>title_bar.png</a:t>
+            </a:r>
+          </a:p>
+          <a:p>
             <a:endParaRPr lang="en-US" altLang="ja-JP" sz="1800" dirty="0" smtClean="0"/>
           </a:p>
         </p:txBody>
@@ -635,8 +659,135 @@
           <a:p>
             <a:r>
               <a:rPr lang="ja-JP" altLang="en-US" sz="1800" dirty="0" smtClean="0"/>
-              <a:t>②アカウント選択画面</a:t>
-            </a:r>
+              <a:t>①話題検索</a:t>
+            </a:r>
+            <a:r>
+              <a:rPr lang="ja-JP" altLang="en-US" sz="1800" dirty="0" smtClean="0"/>
+              <a:t>画面</a:t>
+            </a:r>
+            <a:endParaRPr lang="en-US" altLang="ja-JP" sz="1800" dirty="0" smtClean="0"/>
+          </a:p>
+          <a:p>
+            <a:r>
+              <a:rPr lang="ja-JP" altLang="en-US" sz="1800" dirty="0" smtClean="0"/>
+              <a:t>*歯車ボタン</a:t>
+            </a:r>
+            <a:r>
+              <a:rPr lang="en-US" altLang="ja-JP" sz="1800" dirty="0" smtClean="0"/>
+              <a:t>	</a:t>
+            </a:r>
+            <a:r>
+              <a:rPr lang="ja-JP" altLang="en-US" sz="1800" dirty="0" smtClean="0"/>
+              <a:t>押されていないとき　</a:t>
+            </a:r>
+            <a:r>
+              <a:rPr lang="en-US" altLang="ja-JP" sz="1800" dirty="0" smtClean="0"/>
+              <a:t>set.png</a:t>
+            </a:r>
+          </a:p>
+          <a:p>
+            <a:r>
+              <a:rPr lang="en-US" altLang="ja-JP" sz="1800" dirty="0" smtClean="0"/>
+              <a:t>	</a:t>
+            </a:r>
+            <a:r>
+              <a:rPr lang="ja-JP" altLang="en-US" sz="1800" dirty="0" smtClean="0"/>
+              <a:t>押されているとき</a:t>
+            </a:r>
+            <a:r>
+              <a:rPr lang="en-US" altLang="ja-JP" sz="1800" baseline="0" dirty="0" smtClean="0"/>
+              <a:t>     set_tap.png</a:t>
+            </a:r>
+          </a:p>
+          <a:p>
+            <a:r>
+              <a:rPr lang="ja-JP" altLang="en-US" sz="1800" dirty="0" smtClean="0"/>
+              <a:t>*フェイスブックアイコン</a:t>
+            </a:r>
+            <a:r>
+              <a:rPr lang="en-US" altLang="ja-JP" sz="1800" dirty="0" smtClean="0"/>
+              <a:t>	facebook_icon.png</a:t>
+            </a:r>
+          </a:p>
+          <a:p>
+            <a:r>
+              <a:rPr lang="ja-JP" altLang="en-US" sz="1800" dirty="0" smtClean="0"/>
+              <a:t>*ツイッターアイコン</a:t>
+            </a:r>
+            <a:r>
+              <a:rPr lang="en-US" altLang="ja-JP" sz="1800" dirty="0" smtClean="0"/>
+              <a:t>	twitter_icon.png</a:t>
+            </a:r>
+          </a:p>
+          <a:p>
+            <a:r>
+              <a:rPr lang="ja-JP" altLang="en-US" sz="1800" dirty="0" smtClean="0"/>
+              <a:t>*木目ボタン</a:t>
+            </a:r>
+            <a:r>
+              <a:rPr lang="en-US" altLang="ja-JP" sz="1800" dirty="0" smtClean="0"/>
+              <a:t>	</a:t>
+            </a:r>
+            <a:r>
+              <a:rPr lang="ja-JP" altLang="en-US" sz="1800" dirty="0" smtClean="0"/>
+              <a:t>押されていない時 </a:t>
+            </a:r>
+            <a:r>
+              <a:rPr lang="en-US" altLang="ja-JP" sz="1800" dirty="0" smtClean="0"/>
+              <a:t>btn_background.png</a:t>
+            </a:r>
+          </a:p>
+          <a:p>
+            <a:r>
+              <a:rPr lang="en-US" altLang="ja-JP" sz="1800" dirty="0" smtClean="0"/>
+              <a:t>	</a:t>
+            </a:r>
+            <a:r>
+              <a:rPr lang="ja-JP" altLang="en-US" sz="1800" dirty="0" smtClean="0"/>
+              <a:t>押されている時    </a:t>
+            </a:r>
+            <a:r>
+              <a:rPr lang="en-US" altLang="ja-JP" sz="1800" dirty="0" smtClean="0"/>
+              <a:t>btn_background_tap.png</a:t>
+            </a:r>
+          </a:p>
+          <a:p>
+            <a:r>
+              <a:rPr lang="en-US" altLang="ja-JP" sz="1800" dirty="0" smtClean="0"/>
+              <a:t>*</a:t>
+            </a:r>
+            <a:r>
+              <a:rPr lang="ja-JP" altLang="en-US" sz="1800" dirty="0" smtClean="0"/>
+              <a:t>カメラ</a:t>
+            </a:r>
+            <a:r>
+              <a:rPr lang="en-US" altLang="ja-JP" sz="1800" dirty="0" smtClean="0"/>
+              <a:t>	</a:t>
+            </a:r>
+            <a:r>
+              <a:rPr lang="ja-JP" altLang="en-US" sz="1800" dirty="0" smtClean="0"/>
+              <a:t>押されていない時 </a:t>
+            </a:r>
+            <a:r>
+              <a:rPr lang="en-US" altLang="ja-JP" sz="1800" dirty="0" smtClean="0"/>
+              <a:t>camera.png</a:t>
+            </a:r>
+          </a:p>
+          <a:p>
+            <a:r>
+              <a:rPr lang="en-US" altLang="ja-JP" sz="1800" dirty="0" smtClean="0"/>
+              <a:t>	</a:t>
+            </a:r>
+            <a:r>
+              <a:rPr lang="ja-JP" altLang="en-US" sz="1800" dirty="0" smtClean="0"/>
+              <a:t>押されている時</a:t>
+            </a:r>
+            <a:r>
+              <a:rPr lang="en-US" altLang="ja-JP" sz="1800" dirty="0" smtClean="0"/>
+              <a:t>	    camera_tap.png</a:t>
+            </a:r>
+          </a:p>
+          <a:p>
             <a:endParaRPr lang="en-US" altLang="ja-JP" sz="1800" dirty="0" smtClean="0"/>
           </a:p>
         </p:txBody>
@@ -661,7 +812,7 @@
               <a:pPr/>
               <a:t>2</a:t>
             </a:fld>
-            <a:endParaRPr kumimoji="1" lang="ja-JP" altLang="en-US"/>
+            <a:endParaRPr kumimoji="1" lang="ja-JP" altLang="en-US" dirty="0"/>
           </a:p>
         </p:txBody>
       </p:sp>
@@ -721,15 +872,74 @@
           <a:p>
             <a:r>
               <a:rPr lang="ja-JP" altLang="en-US" sz="1800" dirty="0" smtClean="0"/>
-              <a:t>③</a:t>
-            </a:r>
+              <a:t>②アカウント</a:t>
+            </a:r>
+            <a:r>
+              <a:rPr lang="ja-JP" altLang="en-US" sz="1800" dirty="0" smtClean="0"/>
+              <a:t>選択画面</a:t>
+            </a:r>
+            <a:endParaRPr lang="en-US" altLang="ja-JP" sz="1800" dirty="0" smtClean="0"/>
+          </a:p>
+          <a:p>
             <a:r>
               <a:rPr lang="en-US" altLang="ja-JP" sz="1800" dirty="0" smtClean="0"/>
-              <a:t>Topic</a:t>
+              <a:t>*</a:t>
             </a:r>
             <a:r>
               <a:rPr lang="ja-JP" altLang="en-US" sz="1800" dirty="0" smtClean="0"/>
-              <a:t>一覧画面</a:t>
+              <a:t>戻るボタン</a:t>
+            </a:r>
+            <a:r>
+              <a:rPr lang="en-US" altLang="ja-JP" sz="1800" dirty="0" smtClean="0"/>
+              <a:t>	</a:t>
+            </a:r>
+            <a:r>
+              <a:rPr lang="ja-JP" altLang="en-US" sz="1800" dirty="0" smtClean="0"/>
+              <a:t>押されていない時　</a:t>
+            </a:r>
+            <a:r>
+              <a:rPr lang="en-US" altLang="ja-JP" sz="1800" dirty="0" smtClean="0"/>
+              <a:t>return.png</a:t>
+            </a:r>
+          </a:p>
+          <a:p>
+            <a:r>
+              <a:rPr lang="en-US" altLang="ja-JP" sz="1800" dirty="0" smtClean="0"/>
+              <a:t>	</a:t>
+            </a:r>
+            <a:r>
+              <a:rPr lang="ja-JP" altLang="en-US" sz="1800" dirty="0" smtClean="0"/>
+              <a:t>押されている時</a:t>
+            </a:r>
+            <a:r>
+              <a:rPr lang="en-US" altLang="ja-JP" sz="1800" dirty="0" smtClean="0"/>
+              <a:t>	</a:t>
+            </a:r>
+            <a:r>
+              <a:rPr lang="ja-JP" altLang="en-US" sz="1800" dirty="0" smtClean="0"/>
+              <a:t>　　</a:t>
+            </a:r>
+            <a:r>
+              <a:rPr lang="en-US" altLang="ja-JP" sz="1800" dirty="0" smtClean="0"/>
+              <a:t>return_tap.png</a:t>
+            </a:r>
+          </a:p>
+          <a:p>
+            <a:r>
+              <a:rPr lang="en-US" altLang="ja-JP" sz="1800" dirty="0" smtClean="0"/>
+              <a:t>*</a:t>
+            </a:r>
+          </a:p>
+          <a:p>
+            <a:r>
+              <a:rPr lang="en-US" altLang="ja-JP" sz="1800" dirty="0" smtClean="0"/>
+              <a:t>*</a:t>
+            </a:r>
+          </a:p>
+          <a:p>
+            <a:r>
+              <a:rPr lang="en-US" altLang="ja-JP" sz="1800" dirty="0" smtClean="0"/>
+              <a:t>*</a:t>
             </a:r>
             <a:endParaRPr lang="en-US" altLang="ja-JP" sz="1800" dirty="0" smtClean="0"/>
           </a:p>
@@ -809,15 +1019,23 @@
         <p:spPr/>
         <p:txBody>
           <a:bodyPr>
-            <a:normAutofit/>
+            <a:normAutofit lnSpcReduction="10000"/>
           </a:bodyPr>
           <a:lstStyle/>
           <a:p>
             <a:r>
-              <a:rPr kumimoji="1" lang="ja-JP" altLang="en-US" sz="1800" dirty="0" smtClean="0"/>
-              <a:t>④設定画面</a:t>
-            </a:r>
-            <a:endParaRPr kumimoji="1" lang="en-US" altLang="ja-JP" sz="1800" dirty="0" smtClean="0"/>
+              <a:rPr lang="ja-JP" altLang="en-US" sz="1800" dirty="0" smtClean="0"/>
+              <a:t>③</a:t>
+            </a:r>
+            <a:r>
+              <a:rPr lang="en-US" altLang="ja-JP" sz="1800" dirty="0" smtClean="0"/>
+              <a:t>Topic</a:t>
+            </a:r>
+            <a:r>
+              <a:rPr lang="ja-JP" altLang="en-US" sz="1800" dirty="0" smtClean="0"/>
+              <a:t>一覧画面</a:t>
+            </a:r>
+            <a:endParaRPr lang="en-US" altLang="ja-JP" sz="1800" dirty="0" smtClean="0"/>
           </a:p>
         </p:txBody>
       </p:sp>
@@ -895,14 +1113,15 @@
         <p:spPr/>
         <p:txBody>
           <a:bodyPr>
-            <a:normAutofit lnSpcReduction="10000"/>
+            <a:normAutofit/>
           </a:bodyPr>
           <a:lstStyle/>
           <a:p>
             <a:r>
-              <a:rPr lang="ja-JP" altLang="en-US" sz="1800" dirty="0" smtClean="0"/>
-              <a:t>⑤キーフレーズ管理画面</a:t>
-            </a:r>
+              <a:rPr kumimoji="1" lang="ja-JP" altLang="en-US" sz="1800" dirty="0" smtClean="0"/>
+              <a:t>④設定画面</a:t>
+            </a:r>
+            <a:endParaRPr kumimoji="1" lang="en-US" altLang="ja-JP" sz="1800" dirty="0" smtClean="0"/>
           </a:p>
         </p:txBody>
       </p:sp>
@@ -926,7 +1145,7 @@
               <a:pPr/>
               <a:t>5</a:t>
             </a:fld>
-            <a:endParaRPr kumimoji="1" lang="ja-JP" altLang="en-US" dirty="0"/>
+            <a:endParaRPr kumimoji="1" lang="ja-JP" altLang="en-US"/>
           </a:p>
         </p:txBody>
       </p:sp>
@@ -986,9 +1205,8 @@
           <a:p>
             <a:r>
               <a:rPr lang="ja-JP" altLang="en-US" sz="1800" dirty="0" smtClean="0"/>
-              <a:t>⑥抽出されたキーフレーズ一覧画面</a:t>
-            </a:r>
-            <a:endParaRPr lang="en-US" altLang="ja-JP" sz="1800" dirty="0" smtClean="0"/>
+              <a:t>⑤キーフレーズ管理画面</a:t>
+            </a:r>
           </a:p>
         </p:txBody>
       </p:sp>
@@ -1011,6 +1229,92 @@
               <a:rPr kumimoji="1" lang="ja-JP" altLang="en-US" smtClean="0"/>
               <a:pPr/>
               <a:t>6</a:t>
+            </a:fld>
+            <a:endParaRPr kumimoji="1" lang="ja-JP" altLang="en-US" dirty="0"/>
+          </a:p>
+        </p:txBody>
+      </p:sp>
+    </p:spTree>
+  </p:cSld>
+  <p:clrMapOvr>
+    <a:masterClrMapping/>
+  </p:clrMapOvr>
+</p:notes>
+</file>
+
+<file path=ppt/notesSlides/notesSlide7.xml><?xml version="1.0" encoding="utf-8"?>
+<p:notes xmlns:a="http://schemas.openxmlformats.org/drawingml/2006/main" xmlns:r="http://schemas.openxmlformats.org/officeDocument/2006/relationships" xmlns:p="http://schemas.openxmlformats.org/presentationml/2006/main">
+  <p:cSld>
+    <p:spTree>
+      <p:nvGrpSpPr>
+        <p:cNvPr id="1" name=""/>
+        <p:cNvGrpSpPr/>
+        <p:nvPr/>
+      </p:nvGrpSpPr>
+      <p:grpSpPr>
+        <a:xfrm>
+          <a:off x="0" y="0"/>
+          <a:ext cx="0" cy="0"/>
+          <a:chOff x="0" y="0"/>
+          <a:chExt cx="0" cy="0"/>
+        </a:xfrm>
+      </p:grpSpPr>
+      <p:sp>
+        <p:nvSpPr>
+          <p:cNvPr id="2" name="スライド イメージ プレースホルダ 1"/>
+          <p:cNvSpPr>
+            <a:spLocks noGrp="1" noRot="1" noChangeAspect="1"/>
+          </p:cNvSpPr>
+          <p:nvPr>
+            <p:ph type="sldImg"/>
+          </p:nvPr>
+        </p:nvSpPr>
+        <p:spPr/>
+      </p:sp>
+      <p:sp>
+        <p:nvSpPr>
+          <p:cNvPr id="3" name="ノート プレースホルダ 2"/>
+          <p:cNvSpPr>
+            <a:spLocks noGrp="1"/>
+          </p:cNvSpPr>
+          <p:nvPr>
+            <p:ph type="body" idx="1"/>
+          </p:nvPr>
+        </p:nvSpPr>
+        <p:spPr/>
+        <p:txBody>
+          <a:bodyPr>
+            <a:normAutofit lnSpcReduction="10000"/>
+          </a:bodyPr>
+          <a:lstStyle/>
+          <a:p>
+            <a:r>
+              <a:rPr lang="ja-JP" altLang="en-US" sz="1800" dirty="0" smtClean="0"/>
+              <a:t>⑥抽出されたキーフレーズ一覧画面</a:t>
+            </a:r>
+            <a:endParaRPr lang="en-US" altLang="ja-JP" sz="1800" dirty="0" smtClean="0"/>
+          </a:p>
+        </p:txBody>
+      </p:sp>
+      <p:sp>
+        <p:nvSpPr>
+          <p:cNvPr id="4" name="スライド番号プレースホルダ 3"/>
+          <p:cNvSpPr>
+            <a:spLocks noGrp="1"/>
+          </p:cNvSpPr>
+          <p:nvPr>
+            <p:ph type="sldNum" sz="quarter" idx="10"/>
+          </p:nvPr>
+        </p:nvSpPr>
+        <p:spPr/>
+        <p:txBody>
+          <a:bodyPr/>
+          <a:lstStyle/>
+          <a:p>
+            <a:fld id="{BA871DDF-D14D-477B-B801-AFB41A39A4DB}" type="slidenum">
+              <a:rPr kumimoji="1" lang="ja-JP" altLang="en-US" smtClean="0"/>
+              <a:pPr/>
+              <a:t>7</a:t>
             </a:fld>
             <a:endParaRPr kumimoji="1" lang="ja-JP" altLang="en-US"/>
           </a:p>
@@ -4351,6 +4655,87 @@
       </p:grpSpPr>
       <p:sp>
         <p:nvSpPr>
+          <p:cNvPr id="32" name="正方形/長方形 31"/>
+          <p:cNvSpPr/>
+          <p:nvPr/>
+        </p:nvSpPr>
+        <p:spPr>
+          <a:xfrm>
+            <a:off x="-891480" y="-36512"/>
+            <a:ext cx="8424936" cy="936104"/>
+          </a:xfrm>
+          <a:prstGeom prst="rect">
+            <a:avLst/>
+          </a:prstGeom>
+          <a:blipFill>
+            <a:blip r:embed="rId3" cstate="print"/>
+            <a:stretch>
+              <a:fillRect/>
+            </a:stretch>
+          </a:blipFill>
+          <a:ln>
+            <a:noFill/>
+          </a:ln>
+        </p:spPr>
+        <p:style>
+          <a:lnRef idx="2">
+            <a:schemeClr val="accent1">
+              <a:shade val="50000"/>
+            </a:schemeClr>
+          </a:lnRef>
+          <a:fillRef idx="1">
+            <a:schemeClr val="accent1"/>
+          </a:fillRef>
+          <a:effectRef idx="0">
+            <a:schemeClr val="accent1"/>
+          </a:effectRef>
+          <a:fontRef idx="minor">
+            <a:schemeClr val="lt1"/>
+          </a:fontRef>
+        </p:style>
+        <p:txBody>
+          <a:bodyPr rtlCol="0" anchor="ctr"/>
+          <a:lstStyle/>
+          <a:p>
+            <a:pPr algn="ctr"/>
+            <a:endParaRPr lang="en-US" altLang="ja-JP" dirty="0" smtClean="0"/>
+          </a:p>
+        </p:txBody>
+      </p:sp>
+    </p:spTree>
+  </p:cSld>
+  <p:clrMapOvr>
+    <a:masterClrMapping/>
+  </p:clrMapOvr>
+  <p:timing>
+    <p:tnLst>
+      <p:par>
+        <p:cTn id="1" dur="indefinite" restart="never" nodeType="tmRoot"/>
+      </p:par>
+    </p:tnLst>
+  </p:timing>
+</p:sld>
+</file>
+
+<file path=ppt/slides/slide2.xml><?xml version="1.0" encoding="utf-8"?>
+<p:sld xmlns:a="http://schemas.openxmlformats.org/drawingml/2006/main" xmlns:r="http://schemas.openxmlformats.org/officeDocument/2006/relationships" xmlns:p="http://schemas.openxmlformats.org/presentationml/2006/main">
+  <p:cSld>
+    <p:spTree>
+      <p:nvGrpSpPr>
+        <p:cNvPr id="1" name=""/>
+        <p:cNvGrpSpPr/>
+        <p:nvPr/>
+      </p:nvGrpSpPr>
+      <p:grpSpPr>
+        <a:xfrm>
+          <a:off x="0" y="0"/>
+          <a:ext cx="0" cy="0"/>
+          <a:chOff x="0" y="0"/>
+          <a:chExt cx="0" cy="0"/>
+        </a:xfrm>
+      </p:grpSpPr>
+      <p:sp>
+        <p:nvSpPr>
           <p:cNvPr id="35" name="角丸四角形 34"/>
           <p:cNvSpPr/>
           <p:nvPr/>
@@ -4496,8 +4881,8 @@
         </p:blipFill>
         <p:spPr>
           <a:xfrm>
-            <a:off x="4687416" y="6910536"/>
-            <a:ext cx="685800" cy="685800"/>
+            <a:off x="4797152" y="6876256"/>
+            <a:ext cx="757808" cy="757808"/>
           </a:xfrm>
           <a:prstGeom prst="rect">
             <a:avLst/>
@@ -4557,32 +4942,6 @@
           </a:p>
         </p:txBody>
       </p:sp>
-      <p:pic>
-        <p:nvPicPr>
-          <p:cNvPr id="44" name="図 43" descr="14.png"/>
-          <p:cNvPicPr>
-            <a:picLocks noChangeAspect="1"/>
-          </p:cNvPicPr>
-          <p:nvPr/>
-        </p:nvPicPr>
-        <p:blipFill>
-          <a:blip r:embed="rId5" cstate="print">
-            <a:lum bright="70000" contrast="-70000"/>
-          </a:blip>
-          <a:stretch>
-            <a:fillRect/>
-          </a:stretch>
-        </p:blipFill>
-        <p:spPr>
-          <a:xfrm>
-            <a:off x="5886400" y="0"/>
-            <a:ext cx="827584" cy="827584"/>
-          </a:xfrm>
-          <a:prstGeom prst="rect">
-            <a:avLst/>
-          </a:prstGeom>
-        </p:spPr>
-      </p:pic>
       <p:sp>
         <p:nvSpPr>
           <p:cNvPr id="21" name="テキスト ボックス 20"/>
@@ -4910,7 +5269,7 @@
                   </a:schemeClr>
                 </a:solidFill>
               </a:rPr>
-              <a:t>Myouji</a:t>
+              <a:t>Last_name</a:t>
             </a:r>
             <a:endParaRPr kumimoji="1" lang="ja-JP" altLang="en-US" sz="2800" dirty="0">
               <a:solidFill>
@@ -4957,9 +5316,9 @@
                   </a:schemeClr>
                 </a:solidFill>
               </a:rPr>
-              <a:t>Namae</a:t>
-            </a:r>
-            <a:endParaRPr kumimoji="1" lang="ja-JP" altLang="en-US" sz="2800" dirty="0">
+              <a:t>First_name</a:t>
+            </a:r>
+            <a:endParaRPr lang="en-US" altLang="ja-JP" sz="2800" dirty="0" smtClean="0">
               <a:solidFill>
                 <a:schemeClr val="bg1">
                   <a:lumMod val="65000"/>
@@ -5176,21 +5535,26 @@
           <p:nvPr/>
         </p:nvPicPr>
         <p:blipFill>
-          <a:blip r:embed="rId6" cstate="print">
-            <a:lum contrast="10000"/>
-          </a:blip>
+          <a:blip r:embed="rId5" cstate="print"/>
           <a:stretch>
             <a:fillRect/>
           </a:stretch>
         </p:blipFill>
         <p:spPr>
           <a:xfrm>
-            <a:off x="2060848" y="971600"/>
-            <a:ext cx="2664296" cy="1224136"/>
+            <a:off x="2060848" y="1130738"/>
+            <a:ext cx="2664296" cy="905860"/>
           </a:xfrm>
           <a:prstGeom prst="rect">
             <a:avLst/>
           </a:prstGeom>
+          <a:effectLst>
+            <a:outerShdw blurRad="63500" sx="102000" sy="102000" algn="ctr" rotWithShape="0">
+              <a:prstClr val="black">
+                <a:alpha val="40000"/>
+              </a:prstClr>
+            </a:outerShdw>
+          </a:effectLst>
         </p:spPr>
       </p:pic>
       <p:pic>
@@ -5202,21 +5566,26 @@
           <p:nvPr/>
         </p:nvPicPr>
         <p:blipFill>
-          <a:blip r:embed="rId7" cstate="print">
-            <a:lum contrast="20000"/>
-          </a:blip>
+          <a:blip r:embed="rId6" cstate="print"/>
           <a:stretch>
             <a:fillRect/>
           </a:stretch>
         </p:blipFill>
         <p:spPr>
           <a:xfrm>
-            <a:off x="2060848" y="4395980"/>
-            <a:ext cx="2664296" cy="1184132"/>
+            <a:off x="2060848" y="4535116"/>
+            <a:ext cx="2664296" cy="905860"/>
           </a:xfrm>
           <a:prstGeom prst="rect">
             <a:avLst/>
           </a:prstGeom>
+          <a:effectLst>
+            <a:outerShdw blurRad="63500" sx="102000" sy="102000" algn="ctr" rotWithShape="0">
+              <a:prstClr val="black">
+                <a:alpha val="40000"/>
+              </a:prstClr>
+            </a:outerShdw>
+          </a:effectLst>
         </p:spPr>
       </p:pic>
       <p:sp>
@@ -5242,12 +5611,12 @@
           <a:lstStyle/>
           <a:p>
             <a:r>
-              <a:rPr kumimoji="1" lang="en-US" altLang="ja-JP" sz="3600" dirty="0" err="1" smtClean="0">
+              <a:rPr lang="ja-JP" altLang="en-US" sz="3600" dirty="0" smtClean="0">
                 <a:solidFill>
                   <a:schemeClr val="bg1"/>
                 </a:solidFill>
               </a:rPr>
-              <a:t>Topick</a:t>
+              <a:t>話題検索</a:t>
             </a:r>
             <a:endParaRPr kumimoji="1" lang="ja-JP" altLang="en-US" sz="3600" dirty="0">
               <a:solidFill>
@@ -5257,6 +5626,96 @@
           </a:p>
         </p:txBody>
       </p:sp>
+      <p:grpSp>
+        <p:nvGrpSpPr>
+          <p:cNvPr id="27" name="グループ化 26"/>
+          <p:cNvGrpSpPr/>
+          <p:nvPr/>
+        </p:nvGrpSpPr>
+        <p:grpSpPr>
+          <a:xfrm>
+            <a:off x="5760640" y="35496"/>
+            <a:ext cx="1052736" cy="827584"/>
+            <a:chOff x="5805264" y="971600"/>
+            <a:chExt cx="1052736" cy="827584"/>
+          </a:xfrm>
+        </p:grpSpPr>
+        <p:sp>
+          <p:nvSpPr>
+            <p:cNvPr id="26" name="角丸四角形 25"/>
+            <p:cNvSpPr/>
+            <p:nvPr/>
+          </p:nvSpPr>
+          <p:spPr>
+            <a:xfrm>
+              <a:off x="5805264" y="971600"/>
+              <a:ext cx="1052736" cy="827584"/>
+            </a:xfrm>
+            <a:prstGeom prst="roundRect">
+              <a:avLst/>
+            </a:prstGeom>
+            <a:blipFill>
+              <a:blip r:embed="rId7" cstate="print"/>
+              <a:stretch>
+                <a:fillRect/>
+              </a:stretch>
+            </a:blipFill>
+            <a:ln>
+              <a:noFill/>
+            </a:ln>
+          </p:spPr>
+          <p:style>
+            <a:lnRef idx="2">
+              <a:schemeClr val="accent1">
+                <a:shade val="50000"/>
+              </a:schemeClr>
+            </a:lnRef>
+            <a:fillRef idx="1">
+              <a:schemeClr val="accent1"/>
+            </a:fillRef>
+            <a:effectRef idx="0">
+              <a:schemeClr val="accent1"/>
+            </a:effectRef>
+            <a:fontRef idx="minor">
+              <a:schemeClr val="lt1"/>
+            </a:fontRef>
+          </p:style>
+          <p:txBody>
+            <a:bodyPr rtlCol="0" anchor="ctr"/>
+            <a:lstStyle/>
+            <a:p>
+              <a:pPr algn="ctr"/>
+              <a:endParaRPr kumimoji="1" lang="ja-JP" altLang="en-US" dirty="0" smtClean="0"/>
+            </a:p>
+          </p:txBody>
+        </p:sp>
+        <p:pic>
+          <p:nvPicPr>
+            <p:cNvPr id="44" name="図 43" descr="14.png"/>
+            <p:cNvPicPr>
+              <a:picLocks noChangeAspect="1"/>
+            </p:cNvPicPr>
+            <p:nvPr/>
+          </p:nvPicPr>
+          <p:blipFill>
+            <a:blip r:embed="rId8" cstate="print">
+              <a:lum bright="100000" contrast="-70000"/>
+            </a:blip>
+            <a:stretch>
+              <a:fillRect/>
+            </a:stretch>
+          </p:blipFill>
+          <p:spPr>
+            <a:xfrm>
+              <a:off x="5993904" y="1115616"/>
+              <a:ext cx="648072" cy="648072"/>
+            </a:xfrm>
+            <a:prstGeom prst="rect">
+              <a:avLst/>
+            </a:prstGeom>
+          </p:spPr>
+        </p:pic>
+      </p:grpSp>
     </p:spTree>
   </p:cSld>
   <p:clrMapOvr>
@@ -5272,7 +5731,7 @@
 </p:sld>
 </file>
 
-<file path=ppt/slides/slide2.xml><?xml version="1.0" encoding="utf-8"?>
+<file path=ppt/slides/slide3.xml><?xml version="1.0" encoding="utf-8"?>
 <p:sld xmlns:a="http://schemas.openxmlformats.org/drawingml/2006/main" xmlns:r="http://schemas.openxmlformats.org/officeDocument/2006/relationships" xmlns:p="http://schemas.openxmlformats.org/presentationml/2006/main">
   <p:cSld>
     <p:spTree>
@@ -5289,6 +5748,102 @@
           <a:chExt cx="0" cy="0"/>
         </a:xfrm>
       </p:grpSpPr>
+      <p:pic>
+        <p:nvPicPr>
+          <p:cNvPr id="49" name="図 48" descr="1.png"/>
+          <p:cNvPicPr>
+            <a:picLocks noChangeAspect="1"/>
+          </p:cNvPicPr>
+          <p:nvPr/>
+        </p:nvPicPr>
+        <p:blipFill>
+          <a:blip r:embed="rId3" cstate="print"/>
+          <a:stretch>
+            <a:fillRect/>
+          </a:stretch>
+        </p:blipFill>
+        <p:spPr>
+          <a:xfrm>
+            <a:off x="1340768" y="6605888"/>
+            <a:ext cx="4305436" cy="1782536"/>
+          </a:xfrm>
+          <a:prstGeom prst="rect">
+            <a:avLst/>
+          </a:prstGeom>
+        </p:spPr>
+      </p:pic>
+      <p:pic>
+        <p:nvPicPr>
+          <p:cNvPr id="48" name="図 47" descr="1.png"/>
+          <p:cNvPicPr>
+            <a:picLocks noChangeAspect="1"/>
+          </p:cNvPicPr>
+          <p:nvPr/>
+        </p:nvPicPr>
+        <p:blipFill>
+          <a:blip r:embed="rId3" cstate="print"/>
+          <a:stretch>
+            <a:fillRect/>
+          </a:stretch>
+        </p:blipFill>
+        <p:spPr>
+          <a:xfrm>
+            <a:off x="1340768" y="4949704"/>
+            <a:ext cx="4305435" cy="1782536"/>
+          </a:xfrm>
+          <a:prstGeom prst="rect">
+            <a:avLst/>
+          </a:prstGeom>
+        </p:spPr>
+      </p:pic>
+      <p:pic>
+        <p:nvPicPr>
+          <p:cNvPr id="41" name="図 40" descr="4.png"/>
+          <p:cNvPicPr>
+            <a:picLocks noChangeAspect="1"/>
+          </p:cNvPicPr>
+          <p:nvPr/>
+        </p:nvPicPr>
+        <p:blipFill>
+          <a:blip r:embed="rId4" cstate="print"/>
+          <a:stretch>
+            <a:fillRect/>
+          </a:stretch>
+        </p:blipFill>
+        <p:spPr>
+          <a:xfrm>
+            <a:off x="1412776" y="3398659"/>
+            <a:ext cx="4320480" cy="1677397"/>
+          </a:xfrm>
+          <a:prstGeom prst="rect">
+            <a:avLst/>
+          </a:prstGeom>
+        </p:spPr>
+      </p:pic>
+      <p:pic>
+        <p:nvPicPr>
+          <p:cNvPr id="37" name="図 36" descr="1.png"/>
+          <p:cNvPicPr>
+            <a:picLocks noChangeAspect="1"/>
+          </p:cNvPicPr>
+          <p:nvPr/>
+        </p:nvPicPr>
+        <p:blipFill>
+          <a:blip r:embed="rId3" cstate="print"/>
+          <a:stretch>
+            <a:fillRect/>
+          </a:stretch>
+        </p:blipFill>
+        <p:spPr>
+          <a:xfrm>
+            <a:off x="1427821" y="1754687"/>
+            <a:ext cx="4305435" cy="1782536"/>
+          </a:xfrm>
+          <a:prstGeom prst="rect">
+            <a:avLst/>
+          </a:prstGeom>
+        </p:spPr>
+      </p:pic>
       <p:sp>
         <p:nvSpPr>
           <p:cNvPr id="36" name="正方形/長方形 35"/>
@@ -5304,7 +5859,7 @@
             <a:avLst/>
           </a:prstGeom>
           <a:blipFill>
-            <a:blip r:embed="rId3" cstate="print"/>
+            <a:blip r:embed="rId5" cstate="print"/>
             <a:stretch>
               <a:fillRect/>
             </a:stretch>
@@ -5312,6 +5867,13 @@
           <a:ln>
             <a:noFill/>
           </a:ln>
+          <a:effectLst>
+            <a:outerShdw blurRad="63500" sx="102000" sy="102000" algn="ctr" rotWithShape="0">
+              <a:prstClr val="black">
+                <a:alpha val="40000"/>
+              </a:prstClr>
+            </a:outerShdw>
+          </a:effectLst>
         </p:spPr>
         <p:style>
           <a:lnRef idx="2">
@@ -5366,7 +5928,7 @@
           <a:p>
             <a:pPr algn="ctr"/>
             <a:r>
-              <a:rPr lang="ja-JP" altLang="en-US" sz="2400" b="1" dirty="0" smtClean="0">
+              <a:rPr lang="ja-JP" altLang="en-US" sz="2400" dirty="0" smtClean="0">
                 <a:solidFill>
                   <a:schemeClr val="tx1">
                     <a:lumMod val="75000"/>
@@ -5377,7 +5939,7 @@
               <a:t>どのアカウントから話題をさがしますか</a:t>
             </a:r>
             <a:r>
-              <a:rPr lang="en-US" altLang="ja-JP" sz="2400" b="1" dirty="0" smtClean="0">
+              <a:rPr lang="en-US" altLang="ja-JP" sz="2400" dirty="0" smtClean="0">
                 <a:solidFill>
                   <a:schemeClr val="tx1">
                     <a:lumMod val="75000"/>
@@ -5391,7 +5953,7 @@
           <a:p>
             <a:pPr algn="ctr"/>
             <a:r>
-              <a:rPr lang="en-US" altLang="ja-JP" sz="2400" b="1" dirty="0" smtClean="0">
+              <a:rPr lang="en-US" altLang="ja-JP" sz="2400" dirty="0" smtClean="0">
                 <a:solidFill>
                   <a:schemeClr val="tx1">
                     <a:lumMod val="75000"/>
@@ -5402,7 +5964,7 @@
               <a:t>(</a:t>
             </a:r>
             <a:r>
-              <a:rPr lang="ja-JP" altLang="en-US" sz="2400" b="1" dirty="0" smtClean="0">
+              <a:rPr lang="ja-JP" altLang="en-US" sz="2400" dirty="0" smtClean="0">
                 <a:solidFill>
                   <a:schemeClr val="tx1">
                     <a:lumMod val="75000"/>
@@ -5413,7 +5975,7 @@
               <a:t>長押しで選択</a:t>
             </a:r>
             <a:r>
-              <a:rPr lang="en-US" altLang="ja-JP" sz="2400" b="1" dirty="0" smtClean="0">
+              <a:rPr lang="en-US" altLang="ja-JP" sz="2400" dirty="0" smtClean="0">
                 <a:solidFill>
                   <a:schemeClr val="tx1">
                     <a:lumMod val="75000"/>
@@ -5423,7 +5985,7 @@
               </a:rPr>
               <a:t>)</a:t>
             </a:r>
-            <a:endParaRPr lang="ja-JP" altLang="en-US" sz="2400" b="1" dirty="0" smtClean="0">
+            <a:endParaRPr lang="ja-JP" altLang="en-US" sz="2400" dirty="0" smtClean="0">
               <a:solidFill>
                 <a:schemeClr val="tx1">
                   <a:lumMod val="75000"/>
@@ -5434,126 +5996,6 @@
           </a:p>
           <a:p>
             <a:endParaRPr kumimoji="1" lang="ja-JP" altLang="en-US" sz="2400" b="1" dirty="0"/>
-          </a:p>
-        </p:txBody>
-      </p:sp>
-      <p:sp>
-        <p:nvSpPr>
-          <p:cNvPr id="32" name="正方形/長方形 31"/>
-          <p:cNvSpPr/>
-          <p:nvPr/>
-        </p:nvSpPr>
-        <p:spPr>
-          <a:xfrm>
-            <a:off x="692696" y="3347864"/>
-            <a:ext cx="578938" cy="635365"/>
-          </a:xfrm>
-          <a:prstGeom prst="rect">
-            <a:avLst/>
-          </a:prstGeom>
-          <a:blipFill>
-            <a:blip r:embed="rId4" cstate="print"/>
-            <a:stretch>
-              <a:fillRect/>
-            </a:stretch>
-          </a:blipFill>
-          <a:ln>
-            <a:noFill/>
-          </a:ln>
-        </p:spPr>
-        <p:style>
-          <a:lnRef idx="2">
-            <a:schemeClr val="accent1">
-              <a:shade val="50000"/>
-            </a:schemeClr>
-          </a:lnRef>
-          <a:fillRef idx="1">
-            <a:schemeClr val="accent1"/>
-          </a:fillRef>
-          <a:effectRef idx="0">
-            <a:schemeClr val="accent1"/>
-          </a:effectRef>
-          <a:fontRef idx="minor">
-            <a:schemeClr val="lt1"/>
-          </a:fontRef>
-        </p:style>
-        <p:txBody>
-          <a:bodyPr rtlCol="0" anchor="ctr"/>
-          <a:lstStyle/>
-          <a:p>
-            <a:pPr algn="ctr"/>
-            <a:r>
-              <a:rPr kumimoji="1" lang="en-US" altLang="ja-JP" dirty="0" smtClean="0"/>
-              <a:t>FB</a:t>
-            </a:r>
-          </a:p>
-          <a:p>
-            <a:pPr algn="ctr"/>
-            <a:r>
-              <a:rPr kumimoji="1" lang="ja-JP" altLang="en-US" dirty="0" smtClean="0"/>
-              <a:t>ロゴ</a:t>
-            </a:r>
-            <a:endParaRPr kumimoji="1" lang="ja-JP" altLang="en-US" dirty="0"/>
-          </a:p>
-        </p:txBody>
-      </p:sp>
-      <p:sp>
-        <p:nvSpPr>
-          <p:cNvPr id="33" name="正方形/長方形 32"/>
-          <p:cNvSpPr/>
-          <p:nvPr/>
-        </p:nvSpPr>
-        <p:spPr>
-          <a:xfrm>
-            <a:off x="648072" y="1835696"/>
-            <a:ext cx="620688" cy="648072"/>
-          </a:xfrm>
-          <a:prstGeom prst="rect">
-            <a:avLst/>
-          </a:prstGeom>
-          <a:blipFill>
-            <a:blip r:embed="rId5" cstate="print"/>
-            <a:stretch>
-              <a:fillRect/>
-            </a:stretch>
-          </a:blipFill>
-          <a:ln>
-            <a:noFill/>
-          </a:ln>
-        </p:spPr>
-        <p:style>
-          <a:lnRef idx="2">
-            <a:schemeClr val="accent1">
-              <a:shade val="50000"/>
-            </a:schemeClr>
-          </a:lnRef>
-          <a:fillRef idx="1">
-            <a:schemeClr val="accent1"/>
-          </a:fillRef>
-          <a:effectRef idx="0">
-            <a:schemeClr val="accent1"/>
-          </a:effectRef>
-          <a:fontRef idx="minor">
-            <a:schemeClr val="lt1"/>
-          </a:fontRef>
-        </p:style>
-        <p:txBody>
-          <a:bodyPr rtlCol="0" anchor="ctr"/>
-          <a:lstStyle/>
-          <a:p>
-            <a:pPr algn="ctr"/>
-            <a:r>
-              <a:rPr kumimoji="1" lang="en-US" altLang="ja-JP" dirty="0" smtClean="0"/>
-              <a:t>TW</a:t>
-            </a:r>
-          </a:p>
-          <a:p>
-            <a:pPr algn="ctr"/>
-            <a:r>
-              <a:rPr lang="ja-JP" altLang="en-US" dirty="0" smtClean="0"/>
-              <a:t>ロゴ</a:t>
-            </a:r>
-            <a:endParaRPr kumimoji="1" lang="ja-JP" altLang="en-US" dirty="0"/>
           </a:p>
         </p:txBody>
       </p:sp>
@@ -5726,7 +6168,7 @@
         <p:spPr>
           <a:xfrm>
             <a:off x="6162430" y="1763688"/>
-            <a:ext cx="45719" cy="6480720"/>
+            <a:ext cx="74882" cy="6480720"/>
           </a:xfrm>
           <a:prstGeom prst="rect">
             <a:avLst/>
@@ -6137,44 +6579,12 @@
         </p:nvGrpSpPr>
         <p:grpSpPr>
           <a:xfrm>
-            <a:off x="1484784" y="3325792"/>
-            <a:ext cx="4104456" cy="1822272"/>
-            <a:chOff x="1484784" y="5364088"/>
-            <a:chExt cx="4104456" cy="1822272"/>
+            <a:off x="1700808" y="3563888"/>
+            <a:ext cx="3282166" cy="1656184"/>
+            <a:chOff x="1700808" y="5530176"/>
+            <a:chExt cx="3282166" cy="1656184"/>
           </a:xfrm>
         </p:grpSpPr>
-        <p:pic>
-          <p:nvPicPr>
-            <p:cNvPr id="50" name="図 49" descr="22.png"/>
-            <p:cNvPicPr>
-              <a:picLocks noChangeAspect="1"/>
-            </p:cNvPicPr>
-            <p:nvPr/>
-          </p:nvPicPr>
-          <p:blipFill>
-            <a:blip r:embed="rId6" cstate="print">
-              <a:duotone>
-                <a:prstClr val="black"/>
-                <a:schemeClr val="accent5">
-                  <a:tint val="45000"/>
-                  <a:satMod val="400000"/>
-                </a:schemeClr>
-              </a:duotone>
-            </a:blip>
-            <a:stretch>
-              <a:fillRect/>
-            </a:stretch>
-          </p:blipFill>
-          <p:spPr>
-            <a:xfrm>
-              <a:off x="1484784" y="5364088"/>
-              <a:ext cx="4104456" cy="1440160"/>
-            </a:xfrm>
-            <a:prstGeom prst="rect">
-              <a:avLst/>
-            </a:prstGeom>
-          </p:spPr>
-        </p:pic>
         <p:sp>
           <p:nvSpPr>
             <p:cNvPr id="42" name="テキスト ボックス 41"/>
@@ -6339,7 +6749,7 @@
             <a:avLst/>
           </a:prstGeom>
           <a:blipFill>
-            <a:blip r:embed="rId7" cstate="print"/>
+            <a:blip r:embed="rId6" cstate="print"/>
             <a:stretch>
               <a:fillRect/>
             </a:stretch>
@@ -6347,6 +6757,13 @@
           <a:ln>
             <a:noFill/>
           </a:ln>
+          <a:effectLst>
+            <a:outerShdw blurRad="63500" sx="102000" sy="102000" algn="ctr" rotWithShape="0">
+              <a:prstClr val="black">
+                <a:alpha val="40000"/>
+              </a:prstClr>
+            </a:outerShdw>
+          </a:effectLst>
         </p:spPr>
         <p:style>
           <a:lnRef idx="2">
@@ -6385,36 +6802,12 @@
         </p:nvGrpSpPr>
         <p:grpSpPr>
           <a:xfrm>
-            <a:off x="1484784" y="5004048"/>
-            <a:ext cx="4104456" cy="1822272"/>
-            <a:chOff x="1484784" y="5364088"/>
-            <a:chExt cx="4104456" cy="1822272"/>
+            <a:off x="1700808" y="5170136"/>
+            <a:ext cx="3282166" cy="1656184"/>
+            <a:chOff x="1700808" y="5530176"/>
+            <a:chExt cx="3282166" cy="1656184"/>
           </a:xfrm>
         </p:grpSpPr>
-        <p:pic>
-          <p:nvPicPr>
-            <p:cNvPr id="60" name="図 59" descr="22.png"/>
-            <p:cNvPicPr>
-              <a:picLocks noChangeAspect="1"/>
-            </p:cNvPicPr>
-            <p:nvPr/>
-          </p:nvPicPr>
-          <p:blipFill>
-            <a:blip r:embed="rId6" cstate="print"/>
-            <a:stretch>
-              <a:fillRect/>
-            </a:stretch>
-          </p:blipFill>
-          <p:spPr>
-            <a:xfrm>
-              <a:off x="1484784" y="5364088"/>
-              <a:ext cx="4104456" cy="1440160"/>
-            </a:xfrm>
-            <a:prstGeom prst="rect">
-              <a:avLst/>
-            </a:prstGeom>
-          </p:spPr>
-        </p:pic>
         <p:sp>
           <p:nvSpPr>
             <p:cNvPr id="61" name="テキスト ボックス 60"/>
@@ -6564,97 +6957,58 @@
           </p:txBody>
         </p:sp>
       </p:grpSp>
-      <p:grpSp>
-        <p:nvGrpSpPr>
-          <p:cNvPr id="63" name="グループ化 62"/>
-          <p:cNvGrpSpPr/>
+      <p:sp>
+        <p:nvSpPr>
+          <p:cNvPr id="66" name="正方形/長方形 65"/>
+          <p:cNvSpPr/>
           <p:nvPr/>
-        </p:nvGrpSpPr>
-        <p:grpSpPr>
-          <a:xfrm>
-            <a:off x="1484784" y="1691680"/>
-            <a:ext cx="4104456" cy="1418088"/>
-            <a:chOff x="1484784" y="5364088"/>
-            <a:chExt cx="4104456" cy="1440160"/>
-          </a:xfrm>
-        </p:grpSpPr>
-        <p:pic>
-          <p:nvPicPr>
-            <p:cNvPr id="64" name="図 63" descr="22.png"/>
-            <p:cNvPicPr>
-              <a:picLocks noChangeAspect="1"/>
-            </p:cNvPicPr>
-            <p:nvPr/>
-          </p:nvPicPr>
-          <p:blipFill>
-            <a:blip r:embed="rId6" cstate="print"/>
-            <a:stretch>
-              <a:fillRect/>
-            </a:stretch>
-          </p:blipFill>
-          <p:spPr>
-            <a:xfrm>
-              <a:off x="1484784" y="5364088"/>
-              <a:ext cx="4104456" cy="1440160"/>
-            </a:xfrm>
-            <a:prstGeom prst="rect">
-              <a:avLst/>
-            </a:prstGeom>
-          </p:spPr>
-        </p:pic>
-        <p:sp>
-          <p:nvSpPr>
-            <p:cNvPr id="66" name="正方形/長方形 65"/>
-            <p:cNvSpPr/>
-            <p:nvPr/>
-          </p:nvSpPr>
-          <p:spPr>
-            <a:xfrm>
-              <a:off x="1700808" y="5530176"/>
-              <a:ext cx="1152128" cy="1080120"/>
-            </a:xfrm>
-            <a:prstGeom prst="rect">
-              <a:avLst/>
-            </a:prstGeom>
-          </p:spPr>
-          <p:style>
-            <a:lnRef idx="2">
-              <a:schemeClr val="accent1">
-                <a:shade val="50000"/>
-              </a:schemeClr>
-            </a:lnRef>
-            <a:fillRef idx="1">
-              <a:schemeClr val="accent1"/>
-            </a:fillRef>
-            <a:effectRef idx="0">
-              <a:schemeClr val="accent1"/>
-            </a:effectRef>
-            <a:fontRef idx="minor">
-              <a:schemeClr val="lt1"/>
-            </a:fontRef>
-          </p:style>
-          <p:txBody>
-            <a:bodyPr rtlCol="0" anchor="ctr"/>
-            <a:lstStyle/>
-            <a:p>
-              <a:pPr algn="ctr"/>
-              <a:r>
-                <a:rPr kumimoji="1" lang="ja-JP" altLang="en-US" dirty="0" smtClean="0"/>
-                <a:t>アカウント</a:t>
-              </a:r>
-              <a:endParaRPr kumimoji="1" lang="en-US" altLang="ja-JP" dirty="0" smtClean="0"/>
-            </a:p>
-            <a:p>
-              <a:pPr algn="ctr"/>
-              <a:r>
-                <a:rPr lang="ja-JP" altLang="en-US" dirty="0" smtClean="0"/>
-                <a:t>プロフィール画像</a:t>
-              </a:r>
-              <a:endParaRPr kumimoji="1" lang="ja-JP" altLang="en-US" dirty="0"/>
-            </a:p>
-          </p:txBody>
-        </p:sp>
-      </p:grpSp>
+        </p:nvSpPr>
+        <p:spPr>
+          <a:xfrm>
+            <a:off x="1700808" y="1996266"/>
+            <a:ext cx="1152128" cy="1063566"/>
+          </a:xfrm>
+          <a:prstGeom prst="rect">
+            <a:avLst/>
+          </a:prstGeom>
+        </p:spPr>
+        <p:style>
+          <a:lnRef idx="2">
+            <a:schemeClr val="accent1">
+              <a:shade val="50000"/>
+            </a:schemeClr>
+          </a:lnRef>
+          <a:fillRef idx="1">
+            <a:schemeClr val="accent1"/>
+          </a:fillRef>
+          <a:effectRef idx="0">
+            <a:schemeClr val="accent1"/>
+          </a:effectRef>
+          <a:fontRef idx="minor">
+            <a:schemeClr val="lt1"/>
+          </a:fontRef>
+        </p:style>
+        <p:txBody>
+          <a:bodyPr rtlCol="0" anchor="ctr"/>
+          <a:lstStyle/>
+          <a:p>
+            <a:pPr algn="ctr"/>
+            <a:r>
+              <a:rPr kumimoji="1" lang="ja-JP" altLang="en-US" dirty="0" smtClean="0"/>
+              <a:t>アカウント</a:t>
+            </a:r>
+            <a:endParaRPr kumimoji="1" lang="en-US" altLang="ja-JP" dirty="0" smtClean="0"/>
+          </a:p>
+          <a:p>
+            <a:pPr algn="ctr"/>
+            <a:r>
+              <a:rPr lang="ja-JP" altLang="en-US" dirty="0" smtClean="0"/>
+              <a:t>プロフィール画像</a:t>
+            </a:r>
+            <a:endParaRPr kumimoji="1" lang="ja-JP" altLang="en-US" dirty="0"/>
+          </a:p>
+        </p:txBody>
+      </p:sp>
       <p:grpSp>
         <p:nvGrpSpPr>
           <p:cNvPr id="67" name="グループ化 66"/>
@@ -6663,36 +7017,12 @@
         </p:nvGrpSpPr>
         <p:grpSpPr>
           <a:xfrm>
-            <a:off x="1484784" y="6660232"/>
-            <a:ext cx="4104456" cy="1822272"/>
-            <a:chOff x="1484784" y="5364088"/>
-            <a:chExt cx="4104456" cy="1822272"/>
+            <a:off x="1700808" y="6826320"/>
+            <a:ext cx="3282166" cy="1656184"/>
+            <a:chOff x="1700808" y="5530176"/>
+            <a:chExt cx="3282166" cy="1656184"/>
           </a:xfrm>
         </p:grpSpPr>
-        <p:pic>
-          <p:nvPicPr>
-            <p:cNvPr id="68" name="図 67" descr="22.png"/>
-            <p:cNvPicPr>
-              <a:picLocks noChangeAspect="1"/>
-            </p:cNvPicPr>
-            <p:nvPr/>
-          </p:nvPicPr>
-          <p:blipFill>
-            <a:blip r:embed="rId6" cstate="print"/>
-            <a:stretch>
-              <a:fillRect/>
-            </a:stretch>
-          </p:blipFill>
-          <p:spPr>
-            <a:xfrm>
-              <a:off x="1484784" y="5364088"/>
-              <a:ext cx="4104456" cy="1440160"/>
-            </a:xfrm>
-            <a:prstGeom prst="rect">
-              <a:avLst/>
-            </a:prstGeom>
-          </p:spPr>
-        </p:pic>
         <p:sp>
           <p:nvSpPr>
             <p:cNvPr id="69" name="テキスト ボックス 68"/>
@@ -6857,7 +7187,359 @@
             <a:avLst/>
           </a:prstGeom>
           <a:blipFill>
-            <a:blip r:embed="rId7" cstate="print"/>
+            <a:blip r:embed="rId6" cstate="print"/>
+            <a:stretch>
+              <a:fillRect/>
+            </a:stretch>
+          </a:blipFill>
+          <a:ln>
+            <a:noFill/>
+          </a:ln>
+          <a:effectLst>
+            <a:outerShdw blurRad="63500" sx="102000" sy="102000" algn="ctr" rotWithShape="0">
+              <a:prstClr val="black">
+                <a:alpha val="40000"/>
+              </a:prstClr>
+            </a:outerShdw>
+          </a:effectLst>
+        </p:spPr>
+        <p:style>
+          <a:lnRef idx="2">
+            <a:schemeClr val="accent1">
+              <a:shade val="50000"/>
+            </a:schemeClr>
+          </a:lnRef>
+          <a:fillRef idx="1">
+            <a:schemeClr val="accent1"/>
+          </a:fillRef>
+          <a:effectRef idx="0">
+            <a:schemeClr val="accent1"/>
+          </a:effectRef>
+          <a:fontRef idx="minor">
+            <a:schemeClr val="lt1"/>
+          </a:fontRef>
+        </p:style>
+        <p:txBody>
+          <a:bodyPr rtlCol="0" anchor="ctr"/>
+          <a:lstStyle/>
+          <a:p>
+            <a:pPr algn="ctr"/>
+            <a:r>
+              <a:rPr kumimoji="1" lang="ja-JP" altLang="en-US" dirty="0" smtClean="0"/>
+              <a:t>詳細</a:t>
+            </a:r>
+            <a:endParaRPr kumimoji="1" lang="en-US" altLang="ja-JP" dirty="0" smtClean="0"/>
+          </a:p>
+        </p:txBody>
+      </p:sp>
+      <p:sp>
+        <p:nvSpPr>
+          <p:cNvPr id="72" name="正方形/長方形 71"/>
+          <p:cNvSpPr/>
+          <p:nvPr/>
+        </p:nvSpPr>
+        <p:spPr>
+          <a:xfrm>
+            <a:off x="4941168" y="6804248"/>
+            <a:ext cx="432048" cy="1008112"/>
+          </a:xfrm>
+          <a:prstGeom prst="rect">
+            <a:avLst/>
+          </a:prstGeom>
+          <a:blipFill>
+            <a:blip r:embed="rId6" cstate="print"/>
+            <a:stretch>
+              <a:fillRect/>
+            </a:stretch>
+          </a:blipFill>
+          <a:ln>
+            <a:noFill/>
+          </a:ln>
+          <a:effectLst>
+            <a:outerShdw blurRad="63500" sx="102000" sy="102000" algn="ctr" rotWithShape="0">
+              <a:prstClr val="black">
+                <a:alpha val="40000"/>
+              </a:prstClr>
+            </a:outerShdw>
+          </a:effectLst>
+        </p:spPr>
+        <p:style>
+          <a:lnRef idx="2">
+            <a:schemeClr val="accent1">
+              <a:shade val="50000"/>
+            </a:schemeClr>
+          </a:lnRef>
+          <a:fillRef idx="1">
+            <a:schemeClr val="accent1"/>
+          </a:fillRef>
+          <a:effectRef idx="0">
+            <a:schemeClr val="accent1"/>
+          </a:effectRef>
+          <a:fontRef idx="minor">
+            <a:schemeClr val="lt1"/>
+          </a:fontRef>
+        </p:style>
+        <p:txBody>
+          <a:bodyPr rtlCol="0" anchor="ctr"/>
+          <a:lstStyle/>
+          <a:p>
+            <a:pPr algn="ctr"/>
+            <a:r>
+              <a:rPr kumimoji="1" lang="ja-JP" altLang="en-US" dirty="0" smtClean="0"/>
+              <a:t>詳細</a:t>
+            </a:r>
+            <a:endParaRPr kumimoji="1" lang="en-US" altLang="ja-JP" dirty="0" smtClean="0"/>
+          </a:p>
+        </p:txBody>
+      </p:sp>
+      <p:grpSp>
+        <p:nvGrpSpPr>
+          <p:cNvPr id="51" name="グループ化 50"/>
+          <p:cNvGrpSpPr/>
+          <p:nvPr/>
+        </p:nvGrpSpPr>
+        <p:grpSpPr>
+          <a:xfrm>
+            <a:off x="648072" y="1835696"/>
+            <a:ext cx="620688" cy="648072"/>
+            <a:chOff x="792088" y="1979712"/>
+            <a:chExt cx="620688" cy="648072"/>
+          </a:xfrm>
+        </p:grpSpPr>
+        <p:sp>
+          <p:nvSpPr>
+            <p:cNvPr id="33" name="角丸四角形 32"/>
+            <p:cNvSpPr/>
+            <p:nvPr/>
+          </p:nvSpPr>
+          <p:spPr>
+            <a:xfrm>
+              <a:off x="792088" y="1979712"/>
+              <a:ext cx="620688" cy="648072"/>
+            </a:xfrm>
+            <a:prstGeom prst="roundRect">
+              <a:avLst/>
+            </a:prstGeom>
+            <a:blipFill>
+              <a:blip r:embed="rId7" cstate="print"/>
+              <a:stretch>
+                <a:fillRect/>
+              </a:stretch>
+            </a:blipFill>
+            <a:ln>
+              <a:noFill/>
+            </a:ln>
+          </p:spPr>
+          <p:style>
+            <a:lnRef idx="2">
+              <a:schemeClr val="accent1">
+                <a:shade val="50000"/>
+              </a:schemeClr>
+            </a:lnRef>
+            <a:fillRef idx="1">
+              <a:schemeClr val="accent1"/>
+            </a:fillRef>
+            <a:effectRef idx="0">
+              <a:schemeClr val="accent1"/>
+            </a:effectRef>
+            <a:fontRef idx="minor">
+              <a:schemeClr val="lt1"/>
+            </a:fontRef>
+          </p:style>
+          <p:txBody>
+            <a:bodyPr rtlCol="0" anchor="ctr"/>
+            <a:lstStyle/>
+            <a:p>
+              <a:pPr algn="ctr"/>
+              <a:endParaRPr kumimoji="1" lang="ja-JP" altLang="en-US" dirty="0"/>
+            </a:p>
+          </p:txBody>
+        </p:sp>
+        <p:pic>
+          <p:nvPicPr>
+            <p:cNvPr id="43" name="図 42" descr="9.png"/>
+            <p:cNvPicPr>
+              <a:picLocks noChangeAspect="1"/>
+            </p:cNvPicPr>
+            <p:nvPr/>
+          </p:nvPicPr>
+          <p:blipFill>
+            <a:blip r:embed="rId8" cstate="print">
+              <a:lum bright="-40000"/>
+            </a:blip>
+            <a:stretch>
+              <a:fillRect/>
+            </a:stretch>
+          </p:blipFill>
+          <p:spPr>
+            <a:xfrm>
+              <a:off x="836712" y="2051720"/>
+              <a:ext cx="504056" cy="504056"/>
+            </a:xfrm>
+            <a:prstGeom prst="roundRect">
+              <a:avLst/>
+            </a:prstGeom>
+            <a:effectLst>
+              <a:outerShdw blurRad="63500" sx="102000" sy="102000" algn="ctr" rotWithShape="0">
+                <a:prstClr val="black">
+                  <a:alpha val="40000"/>
+                </a:prstClr>
+              </a:outerShdw>
+            </a:effectLst>
+          </p:spPr>
+        </p:pic>
+      </p:grpSp>
+      <p:grpSp>
+        <p:nvGrpSpPr>
+          <p:cNvPr id="54" name="グループ化 53"/>
+          <p:cNvGrpSpPr/>
+          <p:nvPr/>
+        </p:nvGrpSpPr>
+        <p:grpSpPr>
+          <a:xfrm>
+            <a:off x="648494" y="3491880"/>
+            <a:ext cx="620266" cy="635365"/>
+            <a:chOff x="720502" y="3491880"/>
+            <a:chExt cx="620266" cy="635365"/>
+          </a:xfrm>
+        </p:grpSpPr>
+        <p:sp>
+          <p:nvSpPr>
+            <p:cNvPr id="32" name="角丸四角形 31"/>
+            <p:cNvSpPr/>
+            <p:nvPr/>
+          </p:nvSpPr>
+          <p:spPr>
+            <a:xfrm>
+              <a:off x="761830" y="3491880"/>
+              <a:ext cx="578938" cy="635365"/>
+            </a:xfrm>
+            <a:prstGeom prst="roundRect">
+              <a:avLst/>
+            </a:prstGeom>
+            <a:blipFill>
+              <a:blip r:embed="rId9" cstate="print"/>
+              <a:stretch>
+                <a:fillRect/>
+              </a:stretch>
+            </a:blipFill>
+            <a:ln>
+              <a:noFill/>
+            </a:ln>
+          </p:spPr>
+          <p:style>
+            <a:lnRef idx="2">
+              <a:schemeClr val="accent1">
+                <a:shade val="50000"/>
+              </a:schemeClr>
+            </a:lnRef>
+            <a:fillRef idx="1">
+              <a:schemeClr val="accent1"/>
+            </a:fillRef>
+            <a:effectRef idx="0">
+              <a:schemeClr val="accent1"/>
+            </a:effectRef>
+            <a:fontRef idx="minor">
+              <a:schemeClr val="lt1"/>
+            </a:fontRef>
+          </p:style>
+          <p:txBody>
+            <a:bodyPr rtlCol="0" anchor="ctr"/>
+            <a:lstStyle/>
+            <a:p>
+              <a:pPr algn="ctr"/>
+              <a:endParaRPr lang="en-US" altLang="ja-JP" dirty="0" smtClean="0"/>
+            </a:p>
+          </p:txBody>
+        </p:sp>
+        <p:pic>
+          <p:nvPicPr>
+            <p:cNvPr id="46" name="図 45" descr="5.png"/>
+            <p:cNvPicPr>
+              <a:picLocks noChangeAspect="1"/>
+            </p:cNvPicPr>
+            <p:nvPr/>
+          </p:nvPicPr>
+          <p:blipFill>
+            <a:blip r:embed="rId10" cstate="print">
+              <a:lum bright="-40000"/>
+            </a:blip>
+            <a:stretch>
+              <a:fillRect/>
+            </a:stretch>
+          </p:blipFill>
+          <p:spPr>
+            <a:xfrm>
+              <a:off x="720502" y="3491880"/>
+              <a:ext cx="548258" cy="620266"/>
+            </a:xfrm>
+            <a:prstGeom prst="roundRect">
+              <a:avLst/>
+            </a:prstGeom>
+            <a:effectLst>
+              <a:outerShdw blurRad="63500" sx="102000" sy="102000" algn="ctr" rotWithShape="0">
+                <a:prstClr val="black">
+                  <a:alpha val="40000"/>
+                </a:prstClr>
+              </a:outerShdw>
+            </a:effectLst>
+          </p:spPr>
+        </p:pic>
+      </p:grpSp>
+      <p:sp>
+        <p:nvSpPr>
+          <p:cNvPr id="47" name="テキスト ボックス 46"/>
+          <p:cNvSpPr txBox="1"/>
+          <p:nvPr/>
+        </p:nvSpPr>
+        <p:spPr>
+          <a:xfrm>
+            <a:off x="1772816" y="107504"/>
+            <a:ext cx="3600400" cy="646331"/>
+          </a:xfrm>
+          <a:prstGeom prst="rect">
+            <a:avLst/>
+          </a:prstGeom>
+          <a:noFill/>
+        </p:spPr>
+        <p:txBody>
+          <a:bodyPr wrap="square" rtlCol="0">
+            <a:spAutoFit/>
+          </a:bodyPr>
+          <a:lstStyle/>
+          <a:p>
+            <a:r>
+              <a:rPr kumimoji="1" lang="ja-JP" altLang="en-US" sz="3600" dirty="0" smtClean="0">
+                <a:solidFill>
+                  <a:schemeClr val="bg1"/>
+                </a:solidFill>
+              </a:rPr>
+              <a:t>アカウント選択</a:t>
+            </a:r>
+            <a:endParaRPr kumimoji="1" lang="ja-JP" altLang="en-US" sz="3600" dirty="0">
+              <a:solidFill>
+                <a:schemeClr val="bg1"/>
+              </a:solidFill>
+            </a:endParaRPr>
+          </a:p>
+        </p:txBody>
+      </p:sp>
+      <p:sp>
+        <p:nvSpPr>
+          <p:cNvPr id="57" name="角丸四角形 56"/>
+          <p:cNvSpPr/>
+          <p:nvPr/>
+        </p:nvSpPr>
+        <p:spPr>
+          <a:xfrm>
+            <a:off x="0" y="0"/>
+            <a:ext cx="1052736" cy="827584"/>
+          </a:xfrm>
+          <a:prstGeom prst="roundRect">
+            <a:avLst/>
+          </a:prstGeom>
+          <a:blipFill>
+            <a:blip r:embed="rId11" cstate="print"/>
             <a:stretch>
               <a:fillRect/>
             </a:stretch>
@@ -6887,771 +7569,21 @@
           <a:lstStyle/>
           <a:p>
             <a:pPr algn="ctr"/>
-            <a:r>
-              <a:rPr kumimoji="1" lang="ja-JP" altLang="en-US" dirty="0" smtClean="0"/>
-              <a:t>詳細</a:t>
-            </a:r>
-            <a:endParaRPr kumimoji="1" lang="en-US" altLang="ja-JP" dirty="0" smtClean="0"/>
-          </a:p>
-        </p:txBody>
-      </p:sp>
-      <p:sp>
-        <p:nvSpPr>
-          <p:cNvPr id="72" name="正方形/長方形 71"/>
-          <p:cNvSpPr/>
-          <p:nvPr/>
-        </p:nvSpPr>
-        <p:spPr>
-          <a:xfrm>
-            <a:off x="4941168" y="6804248"/>
-            <a:ext cx="432048" cy="1008112"/>
-          </a:xfrm>
-          <a:prstGeom prst="rect">
-            <a:avLst/>
-          </a:prstGeom>
-          <a:blipFill>
-            <a:blip r:embed="rId7" cstate="print"/>
-            <a:stretch>
-              <a:fillRect/>
-            </a:stretch>
-          </a:blipFill>
-          <a:ln>
-            <a:noFill/>
-          </a:ln>
-        </p:spPr>
-        <p:style>
-          <a:lnRef idx="2">
-            <a:schemeClr val="accent1">
-              <a:shade val="50000"/>
-            </a:schemeClr>
-          </a:lnRef>
-          <a:fillRef idx="1">
-            <a:schemeClr val="accent1"/>
-          </a:fillRef>
-          <a:effectRef idx="0">
-            <a:schemeClr val="accent1"/>
-          </a:effectRef>
-          <a:fontRef idx="minor">
-            <a:schemeClr val="lt1"/>
-          </a:fontRef>
-        </p:style>
-        <p:txBody>
-          <a:bodyPr rtlCol="0" anchor="ctr"/>
-          <a:lstStyle/>
-          <a:p>
-            <a:pPr algn="ctr"/>
-            <a:r>
-              <a:rPr kumimoji="1" lang="ja-JP" altLang="en-US" dirty="0" smtClean="0"/>
-              <a:t>詳細</a:t>
-            </a:r>
-            <a:endParaRPr kumimoji="1" lang="en-US" altLang="ja-JP" dirty="0" smtClean="0"/>
-          </a:p>
-        </p:txBody>
-      </p:sp>
-    </p:spTree>
-  </p:cSld>
-  <p:clrMapOvr>
-    <a:masterClrMapping/>
-  </p:clrMapOvr>
-  <p:timing>
-    <p:tnLst>
-      <p:par>
-        <p:cTn id="1" dur="indefinite" restart="never" nodeType="tmRoot"/>
-      </p:par>
-    </p:tnLst>
-  </p:timing>
-</p:sld>
-</file>
-
-<file path=ppt/slides/slide3.xml><?xml version="1.0" encoding="utf-8"?>
-<p:sld xmlns:a="http://schemas.openxmlformats.org/drawingml/2006/main" xmlns:r="http://schemas.openxmlformats.org/officeDocument/2006/relationships" xmlns:p="http://schemas.openxmlformats.org/presentationml/2006/main">
-  <p:cSld>
-    <p:spTree>
-      <p:nvGrpSpPr>
-        <p:cNvPr id="1" name=""/>
-        <p:cNvGrpSpPr/>
-        <p:nvPr/>
-      </p:nvGrpSpPr>
-      <p:grpSpPr>
-        <a:xfrm>
-          <a:off x="0" y="0"/>
-          <a:ext cx="0" cy="0"/>
-          <a:chOff x="0" y="0"/>
-          <a:chExt cx="0" cy="0"/>
-        </a:xfrm>
-      </p:grpSpPr>
+            <a:endParaRPr kumimoji="1" lang="ja-JP" altLang="en-US" dirty="0" smtClean="0"/>
+          </a:p>
+        </p:txBody>
+      </p:sp>
       <p:pic>
         <p:nvPicPr>
-          <p:cNvPr id="26" name="図 25" descr="22.png"/>
+          <p:cNvPr id="55" name="図 54" descr="23.png"/>
           <p:cNvPicPr>
             <a:picLocks noChangeAspect="1"/>
           </p:cNvPicPr>
           <p:nvPr/>
         </p:nvPicPr>
         <p:blipFill>
-          <a:blip r:embed="rId3" cstate="print"/>
-          <a:stretch>
-            <a:fillRect/>
-          </a:stretch>
-        </p:blipFill>
-        <p:spPr>
-          <a:xfrm>
-            <a:off x="644062" y="4860032"/>
-            <a:ext cx="5521242" cy="1152128"/>
-          </a:xfrm>
-          <a:prstGeom prst="rect">
-            <a:avLst/>
-          </a:prstGeom>
-        </p:spPr>
-      </p:pic>
-      <p:pic>
-        <p:nvPicPr>
-          <p:cNvPr id="24" name="図 23" descr="22.png"/>
-          <p:cNvPicPr>
-            <a:picLocks noChangeAspect="1"/>
-          </p:cNvPicPr>
-          <p:nvPr/>
-        </p:nvPicPr>
-        <p:blipFill>
-          <a:blip r:embed="rId3" cstate="print"/>
-          <a:stretch>
-            <a:fillRect/>
-          </a:stretch>
-        </p:blipFill>
-        <p:spPr>
-          <a:xfrm>
-            <a:off x="644062" y="1547664"/>
-            <a:ext cx="5521242" cy="3024336"/>
-          </a:xfrm>
-          <a:prstGeom prst="rect">
-            <a:avLst/>
-          </a:prstGeom>
-        </p:spPr>
-      </p:pic>
-      <p:sp>
-        <p:nvSpPr>
-          <p:cNvPr id="66" name="正方形/長方形 65"/>
-          <p:cNvSpPr/>
-          <p:nvPr/>
-        </p:nvSpPr>
-        <p:spPr>
-          <a:xfrm>
-            <a:off x="6813375" y="936104"/>
-            <a:ext cx="45719" cy="8207896"/>
-          </a:xfrm>
-          <a:prstGeom prst="rect">
-            <a:avLst/>
-          </a:prstGeom>
-          <a:solidFill>
-            <a:schemeClr val="bg1"/>
-          </a:solidFill>
-        </p:spPr>
-        <p:style>
-          <a:lnRef idx="2">
-            <a:schemeClr val="accent1">
-              <a:shade val="50000"/>
-            </a:schemeClr>
-          </a:lnRef>
-          <a:fillRef idx="1">
-            <a:schemeClr val="accent1"/>
-          </a:fillRef>
-          <a:effectRef idx="0">
-            <a:schemeClr val="accent1"/>
-          </a:effectRef>
-          <a:fontRef idx="minor">
-            <a:schemeClr val="lt1"/>
-          </a:fontRef>
-        </p:style>
-        <p:txBody>
-          <a:bodyPr rtlCol="0" anchor="ctr"/>
-          <a:lstStyle/>
-          <a:p>
-            <a:pPr algn="ctr"/>
-            <a:endParaRPr kumimoji="1" lang="ja-JP" altLang="en-US"/>
-          </a:p>
-        </p:txBody>
-      </p:sp>
-      <p:sp>
-        <p:nvSpPr>
-          <p:cNvPr id="29" name="正方形/長方形 28"/>
-          <p:cNvSpPr/>
-          <p:nvPr/>
-        </p:nvSpPr>
-        <p:spPr>
-          <a:xfrm>
-            <a:off x="1124744" y="1013991"/>
-            <a:ext cx="4514377" cy="461665"/>
-          </a:xfrm>
-          <a:prstGeom prst="rect">
-            <a:avLst/>
-          </a:prstGeom>
-        </p:spPr>
-        <p:txBody>
-          <a:bodyPr wrap="none">
-            <a:spAutoFit/>
-          </a:bodyPr>
-          <a:lstStyle/>
-          <a:p>
-            <a:r>
-              <a:rPr lang="ja-JP" altLang="en-US" sz="2400" b="1" dirty="0" smtClean="0"/>
-              <a:t>以下のトピックが見つかりました。</a:t>
-            </a:r>
-            <a:endParaRPr lang="ja-JP" altLang="en-US" sz="2400" b="1" dirty="0"/>
-          </a:p>
-        </p:txBody>
-      </p:sp>
-      <p:grpSp>
-        <p:nvGrpSpPr>
-          <p:cNvPr id="58" name="グループ化 57"/>
-          <p:cNvGrpSpPr/>
-          <p:nvPr/>
-        </p:nvGrpSpPr>
-        <p:grpSpPr>
-          <a:xfrm>
-            <a:off x="836712" y="1566725"/>
-            <a:ext cx="5112568" cy="2967531"/>
-            <a:chOff x="836712" y="3563888"/>
-            <a:chExt cx="5112568" cy="2346420"/>
-          </a:xfrm>
-        </p:grpSpPr>
-        <p:sp>
-          <p:nvSpPr>
-            <p:cNvPr id="56" name="テキスト ボックス 55"/>
-            <p:cNvSpPr txBox="1"/>
-            <p:nvPr/>
-          </p:nvSpPr>
-          <p:spPr>
-            <a:xfrm>
-              <a:off x="1052735" y="3563888"/>
-              <a:ext cx="4577521" cy="400110"/>
-            </a:xfrm>
-            <a:prstGeom prst="rect">
-              <a:avLst/>
-            </a:prstGeom>
-            <a:noFill/>
-          </p:spPr>
-          <p:txBody>
-            <a:bodyPr wrap="square" rtlCol="0">
-              <a:spAutoFit/>
-            </a:bodyPr>
-            <a:lstStyle/>
-            <a:p>
-              <a:r>
-                <a:rPr kumimoji="1" lang="ja-JP" altLang="en-US" sz="2000" dirty="0" smtClean="0"/>
-                <a:t>一致したキーフレーズは</a:t>
-              </a:r>
-              <a:r>
-                <a:rPr kumimoji="1" lang="en-US" altLang="ja-JP" sz="2000" dirty="0" smtClean="0"/>
-                <a:t>｢</a:t>
-              </a:r>
-              <a:r>
-                <a:rPr kumimoji="1" lang="ja-JP" altLang="en-US" sz="2000" dirty="0" smtClean="0"/>
-                <a:t>～～～～</a:t>
-              </a:r>
-              <a:r>
-                <a:rPr kumimoji="1" lang="en-US" altLang="ja-JP" sz="2000" dirty="0" smtClean="0"/>
-                <a:t>｣</a:t>
-              </a:r>
-              <a:r>
-                <a:rPr kumimoji="1" lang="ja-JP" altLang="en-US" sz="2000" dirty="0" err="1" smtClean="0"/>
-                <a:t>です</a:t>
-              </a:r>
-              <a:endParaRPr kumimoji="1" lang="ja-JP" altLang="en-US" sz="2000" dirty="0"/>
-            </a:p>
-          </p:txBody>
-        </p:sp>
-        <p:sp>
-          <p:nvSpPr>
-            <p:cNvPr id="57" name="テキスト ボックス 56"/>
-            <p:cNvSpPr txBox="1"/>
-            <p:nvPr/>
-          </p:nvSpPr>
-          <p:spPr>
-            <a:xfrm>
-              <a:off x="836712" y="3890435"/>
-              <a:ext cx="5112568" cy="2019873"/>
-            </a:xfrm>
-            <a:prstGeom prst="rect">
-              <a:avLst/>
-            </a:prstGeom>
-            <a:noFill/>
-          </p:spPr>
-          <p:txBody>
-            <a:bodyPr wrap="square" rtlCol="0">
-              <a:spAutoFit/>
-            </a:bodyPr>
-            <a:lstStyle/>
-            <a:p>
-              <a:r>
-                <a:rPr lang="ja-JP" altLang="en-US" sz="2000" dirty="0" smtClean="0"/>
-                <a:t>記事内容。</a:t>
-              </a:r>
-              <a:endParaRPr lang="en-US" altLang="ja-JP" sz="2000" dirty="0" smtClean="0"/>
-            </a:p>
-            <a:p>
-              <a:r>
-                <a:rPr lang="en-US" altLang="ja-JP" sz="2000" dirty="0" smtClean="0"/>
-                <a:t>(</a:t>
-              </a:r>
-              <a:r>
-                <a:rPr lang="ja-JP" altLang="en-US" sz="2000" dirty="0" smtClean="0"/>
-                <a:t>長かったらもっと見る</a:t>
-              </a:r>
-              <a:r>
-                <a:rPr lang="ja-JP" altLang="en-US" sz="2000" dirty="0" err="1" smtClean="0"/>
-                <a:t>で</a:t>
-              </a:r>
-              <a:r>
-                <a:rPr lang="ja-JP" altLang="en-US" sz="2000" dirty="0" smtClean="0"/>
-                <a:t>全文</a:t>
-              </a:r>
-              <a:r>
-                <a:rPr lang="en-US" altLang="ja-JP" sz="2000" dirty="0" smtClean="0"/>
-                <a:t>)</a:t>
-              </a:r>
-            </a:p>
-            <a:p>
-              <a:endParaRPr lang="en-US" altLang="ja-JP" sz="2000" dirty="0" smtClean="0"/>
-            </a:p>
-            <a:p>
-              <a:r>
-                <a:rPr lang="en-US" altLang="ja-JP" sz="2000" dirty="0" smtClean="0">
-                  <a:solidFill>
-                    <a:schemeClr val="tx2">
-                      <a:lumMod val="60000"/>
-                      <a:lumOff val="40000"/>
-                    </a:schemeClr>
-                  </a:solidFill>
-                </a:rPr>
-                <a:t>URL</a:t>
-              </a:r>
-              <a:r>
-                <a:rPr lang="en-US" altLang="ja-JP" sz="2000" dirty="0" smtClean="0"/>
-                <a:t>(URL</a:t>
-              </a:r>
-              <a:r>
-                <a:rPr lang="ja-JP" altLang="en-US" sz="2000" dirty="0" smtClean="0"/>
-                <a:t>タップでブラウザを開き、そのページへ</a:t>
-              </a:r>
-              <a:r>
-                <a:rPr lang="en-US" altLang="ja-JP" sz="2000" dirty="0" smtClean="0"/>
-                <a:t>) </a:t>
-              </a:r>
-            </a:p>
-            <a:p>
-              <a:endParaRPr lang="en-US" altLang="ja-JP" sz="2000" dirty="0" smtClean="0"/>
-            </a:p>
-            <a:p>
-              <a:r>
-                <a:rPr lang="ja-JP" altLang="en-US" sz="2000" dirty="0" smtClean="0"/>
-                <a:t>･･･</a:t>
-              </a:r>
-              <a:endParaRPr lang="en-US" altLang="ja-JP" sz="2000" dirty="0" smtClean="0"/>
-            </a:p>
-            <a:p>
-              <a:r>
-                <a:rPr lang="en-US" altLang="ja-JP" sz="2000" dirty="0" smtClean="0"/>
-                <a:t>		</a:t>
-              </a:r>
-              <a:r>
-                <a:rPr lang="ja-JP" altLang="en-US" sz="2000" dirty="0" smtClean="0">
-                  <a:solidFill>
-                    <a:schemeClr val="accent1">
-                      <a:lumMod val="75000"/>
-                    </a:schemeClr>
-                  </a:solidFill>
-                </a:rPr>
-                <a:t>もっと見る</a:t>
-              </a:r>
-              <a:endParaRPr kumimoji="1" lang="ja-JP" altLang="en-US" sz="2000" dirty="0">
-                <a:solidFill>
-                  <a:schemeClr val="accent1">
-                    <a:lumMod val="75000"/>
-                  </a:schemeClr>
-                </a:solidFill>
-              </a:endParaRPr>
-            </a:p>
-          </p:txBody>
-        </p:sp>
-      </p:grpSp>
-      <p:grpSp>
-        <p:nvGrpSpPr>
-          <p:cNvPr id="59" name="グループ化 58"/>
-          <p:cNvGrpSpPr/>
-          <p:nvPr/>
-        </p:nvGrpSpPr>
-        <p:grpSpPr>
-          <a:xfrm>
-            <a:off x="1003336" y="4910863"/>
-            <a:ext cx="4873936" cy="1161111"/>
-            <a:chOff x="1003336" y="3563888"/>
-            <a:chExt cx="4873936" cy="1644907"/>
-          </a:xfrm>
-        </p:grpSpPr>
-        <p:sp>
-          <p:nvSpPr>
-            <p:cNvPr id="62" name="テキスト ボックス 61"/>
-            <p:cNvSpPr txBox="1"/>
-            <p:nvPr/>
-          </p:nvSpPr>
-          <p:spPr>
-            <a:xfrm>
-              <a:off x="1052735" y="3563888"/>
-              <a:ext cx="4577521" cy="400110"/>
-            </a:xfrm>
-            <a:prstGeom prst="rect">
-              <a:avLst/>
-            </a:prstGeom>
-            <a:noFill/>
-          </p:spPr>
-          <p:txBody>
-            <a:bodyPr wrap="square" rtlCol="0">
-              <a:spAutoFit/>
-            </a:bodyPr>
-            <a:lstStyle/>
-            <a:p>
-              <a:r>
-                <a:rPr kumimoji="1" lang="ja-JP" altLang="en-US" sz="2000" dirty="0" smtClean="0"/>
-                <a:t>一致したキーフレーズは</a:t>
-              </a:r>
-              <a:r>
-                <a:rPr kumimoji="1" lang="en-US" altLang="ja-JP" sz="2000" dirty="0" smtClean="0"/>
-                <a:t>｢</a:t>
-              </a:r>
-              <a:r>
-                <a:rPr kumimoji="1" lang="ja-JP" altLang="en-US" sz="2000" dirty="0" smtClean="0"/>
-                <a:t>～～～～</a:t>
-              </a:r>
-              <a:r>
-                <a:rPr kumimoji="1" lang="en-US" altLang="ja-JP" sz="2000" dirty="0" smtClean="0"/>
-                <a:t>｣</a:t>
-              </a:r>
-              <a:r>
-                <a:rPr kumimoji="1" lang="ja-JP" altLang="en-US" sz="2000" dirty="0" err="1" smtClean="0"/>
-                <a:t>です</a:t>
-              </a:r>
-              <a:endParaRPr kumimoji="1" lang="ja-JP" altLang="en-US" sz="2000" dirty="0"/>
-            </a:p>
-          </p:txBody>
-        </p:sp>
-        <p:sp>
-          <p:nvSpPr>
-            <p:cNvPr id="63" name="テキスト ボックス 62"/>
-            <p:cNvSpPr txBox="1"/>
-            <p:nvPr/>
-          </p:nvSpPr>
-          <p:spPr>
-            <a:xfrm>
-              <a:off x="1003336" y="4205957"/>
-              <a:ext cx="4873936" cy="1002838"/>
-            </a:xfrm>
-            <a:prstGeom prst="rect">
-              <a:avLst/>
-            </a:prstGeom>
-            <a:noFill/>
-          </p:spPr>
-          <p:txBody>
-            <a:bodyPr wrap="square" rtlCol="0">
-              <a:spAutoFit/>
-            </a:bodyPr>
-            <a:lstStyle/>
-            <a:p>
-              <a:r>
-                <a:rPr lang="ja-JP" altLang="en-US" sz="2000" dirty="0" smtClean="0"/>
-                <a:t>記事内容。</a:t>
-              </a:r>
-              <a:endParaRPr lang="en-US" altLang="ja-JP" sz="2000" dirty="0" smtClean="0"/>
-            </a:p>
-            <a:p>
-              <a:endParaRPr kumimoji="1" lang="ja-JP" altLang="en-US" sz="2000" dirty="0"/>
-            </a:p>
-          </p:txBody>
-        </p:sp>
-      </p:grpSp>
-      <p:sp>
-        <p:nvSpPr>
-          <p:cNvPr id="64" name="円形吹き出し 63"/>
-          <p:cNvSpPr/>
-          <p:nvPr/>
-        </p:nvSpPr>
-        <p:spPr>
-          <a:xfrm>
-            <a:off x="-3699792" y="4572000"/>
-            <a:ext cx="3312368" cy="1872208"/>
-          </a:xfrm>
-          <a:prstGeom prst="wedgeEllipseCallout">
-            <a:avLst>
-              <a:gd name="adj1" fmla="val 147824"/>
-              <a:gd name="adj2" fmla="val 183245"/>
-            </a:avLst>
-          </a:prstGeom>
-          <a:solidFill>
-            <a:schemeClr val="tx2">
-              <a:lumMod val="20000"/>
-              <a:lumOff val="80000"/>
-            </a:schemeClr>
-          </a:solidFill>
-          <a:ln>
-            <a:noFill/>
-          </a:ln>
-        </p:spPr>
-        <p:style>
-          <a:lnRef idx="2">
-            <a:schemeClr val="accent1">
-              <a:shade val="50000"/>
-            </a:schemeClr>
-          </a:lnRef>
-          <a:fillRef idx="1">
-            <a:schemeClr val="accent1"/>
-          </a:fillRef>
-          <a:effectRef idx="0">
-            <a:schemeClr val="accent1"/>
-          </a:effectRef>
-          <a:fontRef idx="minor">
-            <a:schemeClr val="lt1"/>
-          </a:fontRef>
-        </p:style>
-        <p:txBody>
-          <a:bodyPr rtlCol="0" anchor="ctr"/>
-          <a:lstStyle/>
-          <a:p>
-            <a:pPr algn="ctr"/>
-            <a:r>
-              <a:rPr lang="ja-JP" altLang="en-US" dirty="0" smtClean="0">
-                <a:solidFill>
-                  <a:schemeClr val="tx1"/>
-                </a:solidFill>
-              </a:rPr>
-              <a:t>下にスワイプしていく。</a:t>
-            </a:r>
-            <a:endParaRPr lang="en-US" altLang="ja-JP" dirty="0" smtClean="0">
-              <a:solidFill>
-                <a:schemeClr val="tx1"/>
-              </a:solidFill>
-            </a:endParaRPr>
-          </a:p>
-          <a:p>
-            <a:pPr algn="ctr"/>
-            <a:r>
-              <a:rPr lang="ja-JP" altLang="en-US" dirty="0" smtClean="0">
-                <a:solidFill>
-                  <a:schemeClr val="tx1"/>
-                </a:solidFill>
-              </a:rPr>
-              <a:t>読込に時間がかかる場合</a:t>
-            </a:r>
-            <a:endParaRPr lang="en-US" altLang="ja-JP" dirty="0" smtClean="0">
-              <a:solidFill>
-                <a:schemeClr val="tx1"/>
-              </a:solidFill>
-            </a:endParaRPr>
-          </a:p>
-          <a:p>
-            <a:pPr algn="ctr"/>
-            <a:r>
-              <a:rPr lang="ja-JP" altLang="en-US" dirty="0" smtClean="0">
-                <a:solidFill>
-                  <a:schemeClr val="tx1"/>
-                </a:solidFill>
-              </a:rPr>
-              <a:t>下まん中にアクティビティサークル</a:t>
-            </a:r>
-            <a:endParaRPr lang="en-US" altLang="ja-JP" dirty="0" smtClean="0">
-              <a:solidFill>
-                <a:schemeClr val="tx1"/>
-              </a:solidFill>
-            </a:endParaRPr>
-          </a:p>
-        </p:txBody>
-      </p:sp>
-      <p:sp>
-        <p:nvSpPr>
-          <p:cNvPr id="67" name="円形吹き出し 66"/>
-          <p:cNvSpPr/>
-          <p:nvPr/>
-        </p:nvSpPr>
-        <p:spPr>
-          <a:xfrm>
-            <a:off x="8685584" y="4067944"/>
-            <a:ext cx="3312368" cy="1872208"/>
-          </a:xfrm>
-          <a:prstGeom prst="wedgeEllipseCallout">
-            <a:avLst>
-              <a:gd name="adj1" fmla="val -98731"/>
-              <a:gd name="adj2" fmla="val -24068"/>
-            </a:avLst>
-          </a:prstGeom>
-          <a:solidFill>
-            <a:schemeClr val="tx2">
-              <a:lumMod val="20000"/>
-              <a:lumOff val="80000"/>
-            </a:schemeClr>
-          </a:solidFill>
-          <a:ln>
-            <a:noFill/>
-          </a:ln>
-        </p:spPr>
-        <p:style>
-          <a:lnRef idx="2">
-            <a:schemeClr val="accent1">
-              <a:shade val="50000"/>
-            </a:schemeClr>
-          </a:lnRef>
-          <a:fillRef idx="1">
-            <a:schemeClr val="accent1"/>
-          </a:fillRef>
-          <a:effectRef idx="0">
-            <a:schemeClr val="accent1"/>
-          </a:effectRef>
-          <a:fontRef idx="minor">
-            <a:schemeClr val="lt1"/>
-          </a:fontRef>
-        </p:style>
-        <p:txBody>
-          <a:bodyPr rtlCol="0" anchor="ctr"/>
-          <a:lstStyle/>
-          <a:p>
-            <a:pPr algn="ctr"/>
-            <a:r>
-              <a:rPr lang="ja-JP" altLang="en-US" dirty="0" smtClean="0">
-                <a:solidFill>
-                  <a:schemeClr val="tx1"/>
-                </a:solidFill>
-              </a:rPr>
-              <a:t>スクロールバー</a:t>
-            </a:r>
-            <a:endParaRPr lang="en-US" altLang="ja-JP" dirty="0" smtClean="0">
-              <a:solidFill>
-                <a:schemeClr val="tx1"/>
-              </a:solidFill>
-            </a:endParaRPr>
-          </a:p>
-        </p:txBody>
-      </p:sp>
-      <p:sp>
-        <p:nvSpPr>
-          <p:cNvPr id="68" name="円/楕円 67"/>
-          <p:cNvSpPr/>
-          <p:nvPr/>
-        </p:nvSpPr>
-        <p:spPr>
-          <a:xfrm>
-            <a:off x="6525344" y="4139952"/>
-            <a:ext cx="432048" cy="432048"/>
-          </a:xfrm>
-          <a:prstGeom prst="ellipse">
-            <a:avLst/>
-          </a:prstGeom>
-          <a:solidFill>
-            <a:schemeClr val="tx1">
-              <a:lumMod val="50000"/>
-              <a:lumOff val="50000"/>
-            </a:schemeClr>
-          </a:solidFill>
-          <a:ln>
-            <a:noFill/>
-          </a:ln>
-        </p:spPr>
-        <p:style>
-          <a:lnRef idx="2">
-            <a:schemeClr val="accent1">
-              <a:shade val="50000"/>
-            </a:schemeClr>
-          </a:lnRef>
-          <a:fillRef idx="1">
-            <a:schemeClr val="accent1"/>
-          </a:fillRef>
-          <a:effectRef idx="0">
-            <a:schemeClr val="accent1"/>
-          </a:effectRef>
-          <a:fontRef idx="minor">
-            <a:schemeClr val="lt1"/>
-          </a:fontRef>
-        </p:style>
-        <p:txBody>
-          <a:bodyPr rtlCol="0" anchor="ctr"/>
-          <a:lstStyle/>
-          <a:p>
-            <a:pPr algn="ctr"/>
-            <a:endParaRPr kumimoji="1" lang="ja-JP" altLang="en-US"/>
-          </a:p>
-        </p:txBody>
-      </p:sp>
-      <p:sp>
-        <p:nvSpPr>
-          <p:cNvPr id="22" name="円形吹き出し 21"/>
-          <p:cNvSpPr/>
-          <p:nvPr/>
-        </p:nvSpPr>
-        <p:spPr>
-          <a:xfrm>
-            <a:off x="8181528" y="251520"/>
-            <a:ext cx="3312368" cy="1872208"/>
-          </a:xfrm>
-          <a:prstGeom prst="wedgeEllipseCallout">
-            <a:avLst>
-              <a:gd name="adj1" fmla="val -98731"/>
-              <a:gd name="adj2" fmla="val -24068"/>
-            </a:avLst>
-          </a:prstGeom>
-          <a:solidFill>
-            <a:schemeClr val="tx2">
-              <a:lumMod val="20000"/>
-              <a:lumOff val="80000"/>
-            </a:schemeClr>
-          </a:solidFill>
-          <a:ln>
-            <a:noFill/>
-          </a:ln>
-        </p:spPr>
-        <p:style>
-          <a:lnRef idx="2">
-            <a:schemeClr val="accent1">
-              <a:shade val="50000"/>
-            </a:schemeClr>
-          </a:lnRef>
-          <a:fillRef idx="1">
-            <a:schemeClr val="accent1"/>
-          </a:fillRef>
-          <a:effectRef idx="0">
-            <a:schemeClr val="accent1"/>
-          </a:effectRef>
-          <a:fontRef idx="minor">
-            <a:schemeClr val="lt1"/>
-          </a:fontRef>
-        </p:style>
-        <p:txBody>
-          <a:bodyPr rtlCol="0" anchor="ctr"/>
-          <a:lstStyle/>
-          <a:p>
-            <a:pPr algn="ctr"/>
-            <a:r>
-              <a:rPr lang="ja-JP" altLang="en-US" dirty="0" smtClean="0">
-                <a:solidFill>
-                  <a:schemeClr val="tx1"/>
-                </a:solidFill>
-              </a:rPr>
-              <a:t>ホームへ戻る</a:t>
-            </a:r>
-            <a:endParaRPr lang="en-US" altLang="ja-JP" dirty="0" smtClean="0">
-              <a:solidFill>
-                <a:schemeClr val="tx1"/>
-              </a:solidFill>
-            </a:endParaRPr>
-          </a:p>
-        </p:txBody>
-      </p:sp>
-      <p:pic>
-        <p:nvPicPr>
-          <p:cNvPr id="25" name="図 24" descr="18.png"/>
-          <p:cNvPicPr>
-            <a:picLocks noChangeAspect="1"/>
-          </p:cNvPicPr>
-          <p:nvPr/>
-        </p:nvPicPr>
-        <p:blipFill>
-          <a:blip r:embed="rId4" cstate="print">
-            <a:lum bright="70000" contrast="-70000"/>
+          <a:blip r:embed="rId12" cstate="print">
+            <a:lum bright="100000" contrast="2000"/>
           </a:blip>
           <a:stretch>
             <a:fillRect/>
@@ -7659,8 +7591,8 @@
         </p:blipFill>
         <p:spPr>
           <a:xfrm>
-            <a:off x="5977086" y="179512"/>
-            <a:ext cx="648072" cy="648072"/>
+            <a:off x="188640" y="134888"/>
+            <a:ext cx="620688" cy="620688"/>
           </a:xfrm>
           <a:prstGeom prst="rect">
             <a:avLst/>
@@ -7701,34 +7633,21 @@
       </p:grpSpPr>
       <p:sp>
         <p:nvSpPr>
-          <p:cNvPr id="23" name="角丸四角形 22"/>
+          <p:cNvPr id="66" name="正方形/長方形 65"/>
           <p:cNvSpPr/>
           <p:nvPr/>
         </p:nvSpPr>
         <p:spPr>
           <a:xfrm>
-            <a:off x="1700808" y="1475656"/>
-            <a:ext cx="3528392" cy="1944216"/>
-          </a:xfrm>
-          <a:prstGeom prst="roundRect">
+            <a:off x="6813375" y="936104"/>
+            <a:ext cx="45719" cy="8207896"/>
+          </a:xfrm>
+          <a:prstGeom prst="rect">
             <a:avLst/>
           </a:prstGeom>
-          <a:blipFill>
-            <a:blip r:embed="rId3" cstate="print"/>
-            <a:stretch>
-              <a:fillRect/>
-            </a:stretch>
-          </a:blipFill>
-          <a:ln>
-            <a:noFill/>
-          </a:ln>
-          <a:effectLst>
-            <a:outerShdw blurRad="50800" dist="38100" algn="l" rotWithShape="0">
-              <a:prstClr val="black">
-                <a:alpha val="40000"/>
-              </a:prstClr>
-            </a:outerShdw>
-          </a:effectLst>
+          <a:solidFill>
+            <a:schemeClr val="bg1"/>
+          </a:solidFill>
         </p:spPr>
         <p:style>
           <a:lnRef idx="2">
@@ -7751,44 +7670,79 @@
           <a:lstStyle/>
           <a:p>
             <a:pPr algn="ctr"/>
-            <a:r>
-              <a:rPr lang="ja-JP" altLang="en-US" sz="2800" dirty="0" smtClean="0"/>
-              <a:t>キーフレーズを管理</a:t>
-            </a:r>
-            <a:endParaRPr kumimoji="1" lang="ja-JP" altLang="en-US" sz="2800" dirty="0"/>
-          </a:p>
-        </p:txBody>
-      </p:sp>
-      <p:sp>
-        <p:nvSpPr>
-          <p:cNvPr id="21" name="角丸四角形 20"/>
+            <a:endParaRPr kumimoji="1" lang="ja-JP" altLang="en-US"/>
+          </a:p>
+        </p:txBody>
+      </p:sp>
+      <p:sp>
+        <p:nvSpPr>
+          <p:cNvPr id="29" name="正方形/長方形 28"/>
           <p:cNvSpPr/>
           <p:nvPr/>
         </p:nvSpPr>
         <p:spPr>
           <a:xfrm>
-            <a:off x="1772816" y="3923928"/>
-            <a:ext cx="3456384" cy="1152128"/>
-          </a:xfrm>
-          <a:prstGeom prst="roundRect">
+            <a:off x="1124744" y="1013991"/>
+            <a:ext cx="4514377" cy="461665"/>
+          </a:xfrm>
+          <a:prstGeom prst="rect">
             <a:avLst/>
           </a:prstGeom>
-          <a:blipFill>
-            <a:blip r:embed="rId3" cstate="print"/>
-            <a:stretch>
-              <a:fillRect/>
-            </a:stretch>
-          </a:blipFill>
+        </p:spPr>
+        <p:txBody>
+          <a:bodyPr wrap="none">
+            <a:spAutoFit/>
+          </a:bodyPr>
+          <a:lstStyle/>
+          <a:p>
+            <a:r>
+              <a:rPr lang="ja-JP" altLang="en-US" sz="2400" dirty="0" smtClean="0">
+                <a:solidFill>
+                  <a:schemeClr val="tx1">
+                    <a:lumMod val="65000"/>
+                    <a:lumOff val="35000"/>
+                  </a:schemeClr>
+                </a:solidFill>
+              </a:rPr>
+              <a:t>以下のトピックが見つかりました。</a:t>
+            </a:r>
+            <a:endParaRPr lang="ja-JP" altLang="en-US" sz="2400" dirty="0">
+              <a:solidFill>
+                <a:schemeClr val="tx1">
+                  <a:lumMod val="65000"/>
+                  <a:lumOff val="35000"/>
+                </a:schemeClr>
+              </a:solidFill>
+            </a:endParaRPr>
+          </a:p>
+        </p:txBody>
+      </p:sp>
+      <p:sp>
+        <p:nvSpPr>
+          <p:cNvPr id="64" name="円形吹き出し 63"/>
+          <p:cNvSpPr/>
+          <p:nvPr/>
+        </p:nvSpPr>
+        <p:spPr>
+          <a:xfrm>
+            <a:off x="-3699792" y="4572000"/>
+            <a:ext cx="3312368" cy="1872208"/>
+          </a:xfrm>
+          <a:prstGeom prst="wedgeEllipseCallout">
+            <a:avLst>
+              <a:gd name="adj1" fmla="val 147824"/>
+              <a:gd name="adj2" fmla="val 183245"/>
+            </a:avLst>
+          </a:prstGeom>
+          <a:solidFill>
+            <a:schemeClr val="tx2">
+              <a:lumMod val="20000"/>
+              <a:lumOff val="80000"/>
+            </a:schemeClr>
+          </a:solidFill>
           <a:ln>
             <a:noFill/>
           </a:ln>
-          <a:effectLst>
-            <a:outerShdw blurRad="50800" dist="38100" algn="l" rotWithShape="0">
-              <a:prstClr val="black">
-                <a:alpha val="40000"/>
-              </a:prstClr>
-            </a:outerShdw>
-          </a:effectLst>
         </p:spPr>
         <p:style>
           <a:lnRef idx="2">
@@ -7812,47 +7766,79 @@
           <a:p>
             <a:pPr algn="ctr"/>
             <a:r>
-              <a:rPr lang="en-US" altLang="ja-JP" sz="2800" dirty="0" err="1" smtClean="0"/>
-              <a:t>Facebook</a:t>
-            </a:r>
-            <a:r>
-              <a:rPr lang="ja-JP" altLang="en-US" sz="2800" dirty="0" smtClean="0"/>
-              <a:t>を認証</a:t>
-            </a:r>
-            <a:endParaRPr kumimoji="1" lang="ja-JP" altLang="en-US" sz="2800" dirty="0"/>
-          </a:p>
-        </p:txBody>
-      </p:sp>
-      <p:sp>
-        <p:nvSpPr>
-          <p:cNvPr id="18" name="角丸四角形 17"/>
+              <a:rPr lang="ja-JP" altLang="en-US" dirty="0" smtClean="0">
+                <a:solidFill>
+                  <a:schemeClr val="tx1"/>
+                </a:solidFill>
+              </a:rPr>
+              <a:t>下にスワイプしていく。</a:t>
+            </a:r>
+            <a:endParaRPr lang="en-US" altLang="ja-JP" dirty="0" smtClean="0">
+              <a:solidFill>
+                <a:schemeClr val="tx1"/>
+              </a:solidFill>
+            </a:endParaRPr>
+          </a:p>
+          <a:p>
+            <a:pPr algn="ctr"/>
+            <a:r>
+              <a:rPr lang="ja-JP" altLang="en-US" dirty="0" smtClean="0">
+                <a:solidFill>
+                  <a:schemeClr val="tx1"/>
+                </a:solidFill>
+              </a:rPr>
+              <a:t>読込に時間がかかる場合</a:t>
+            </a:r>
+            <a:endParaRPr lang="en-US" altLang="ja-JP" dirty="0" smtClean="0">
+              <a:solidFill>
+                <a:schemeClr val="tx1"/>
+              </a:solidFill>
+            </a:endParaRPr>
+          </a:p>
+          <a:p>
+            <a:pPr algn="ctr"/>
+            <a:r>
+              <a:rPr lang="ja-JP" altLang="en-US" dirty="0" smtClean="0">
+                <a:solidFill>
+                  <a:schemeClr val="tx1"/>
+                </a:solidFill>
+              </a:rPr>
+              <a:t>下まん中にアクティビティサークル</a:t>
+            </a:r>
+            <a:endParaRPr lang="en-US" altLang="ja-JP" dirty="0" smtClean="0">
+              <a:solidFill>
+                <a:schemeClr val="tx1"/>
+              </a:solidFill>
+            </a:endParaRPr>
+          </a:p>
+        </p:txBody>
+      </p:sp>
+      <p:sp>
+        <p:nvSpPr>
+          <p:cNvPr id="67" name="円形吹き出し 66"/>
           <p:cNvSpPr/>
           <p:nvPr/>
         </p:nvSpPr>
         <p:spPr>
           <a:xfrm>
-            <a:off x="1772816" y="5292080"/>
-            <a:ext cx="3456384" cy="1152128"/>
-          </a:xfrm>
-          <a:prstGeom prst="roundRect">
-            <a:avLst/>
+            <a:off x="8685584" y="4067944"/>
+            <a:ext cx="3312368" cy="1872208"/>
+          </a:xfrm>
+          <a:prstGeom prst="wedgeEllipseCallout">
+            <a:avLst>
+              <a:gd name="adj1" fmla="val -98731"/>
+              <a:gd name="adj2" fmla="val -24068"/>
+            </a:avLst>
           </a:prstGeom>
-          <a:blipFill>
-            <a:blip r:embed="rId3" cstate="print"/>
-            <a:stretch>
-              <a:fillRect/>
-            </a:stretch>
-          </a:blipFill>
+          <a:solidFill>
+            <a:schemeClr val="tx2">
+              <a:lumMod val="20000"/>
+              <a:lumOff val="80000"/>
+            </a:schemeClr>
+          </a:solidFill>
           <a:ln>
             <a:noFill/>
           </a:ln>
-          <a:effectLst>
-            <a:outerShdw blurRad="50800" dist="38100" algn="l" rotWithShape="0">
-              <a:prstClr val="black">
-                <a:alpha val="40000"/>
-              </a:prstClr>
-            </a:outerShdw>
-          </a:effectLst>
         </p:spPr>
         <p:style>
           <a:lnRef idx="2">
@@ -7876,55 +7862,730 @@
           <a:p>
             <a:pPr algn="ctr"/>
             <a:r>
-              <a:rPr kumimoji="1" lang="en-US" altLang="ja-JP" sz="2800" dirty="0" smtClean="0"/>
-              <a:t>Twitter</a:t>
-            </a:r>
-            <a:r>
-              <a:rPr kumimoji="1" lang="ja-JP" altLang="en-US" sz="2800" dirty="0" smtClean="0"/>
-              <a:t>を認証</a:t>
-            </a:r>
-            <a:endParaRPr kumimoji="1" lang="ja-JP" altLang="en-US" sz="2800" dirty="0"/>
-          </a:p>
-        </p:txBody>
-      </p:sp>
-      <p:sp>
-        <p:nvSpPr>
-          <p:cNvPr id="9" name="正方形/長方形 8"/>
+              <a:rPr lang="ja-JP" altLang="en-US" dirty="0" smtClean="0">
+                <a:solidFill>
+                  <a:schemeClr val="tx1"/>
+                </a:solidFill>
+              </a:rPr>
+              <a:t>スクロールバー</a:t>
+            </a:r>
+            <a:endParaRPr lang="en-US" altLang="ja-JP" dirty="0" smtClean="0">
+              <a:solidFill>
+                <a:schemeClr val="tx1"/>
+              </a:solidFill>
+            </a:endParaRPr>
+          </a:p>
+        </p:txBody>
+      </p:sp>
+      <p:sp>
+        <p:nvSpPr>
+          <p:cNvPr id="68" name="円/楕円 67"/>
           <p:cNvSpPr/>
           <p:nvPr/>
         </p:nvSpPr>
         <p:spPr>
           <a:xfrm>
-            <a:off x="2882003" y="160348"/>
-            <a:ext cx="902812" cy="523220"/>
+            <a:off x="6525344" y="4139952"/>
+            <a:ext cx="432048" cy="432048"/>
+          </a:xfrm>
+          <a:prstGeom prst="ellipse">
+            <a:avLst/>
+          </a:prstGeom>
+          <a:solidFill>
+            <a:schemeClr val="tx1">
+              <a:lumMod val="50000"/>
+              <a:lumOff val="50000"/>
+            </a:schemeClr>
+          </a:solidFill>
+          <a:ln>
+            <a:noFill/>
+          </a:ln>
+        </p:spPr>
+        <p:style>
+          <a:lnRef idx="2">
+            <a:schemeClr val="accent1">
+              <a:shade val="50000"/>
+            </a:schemeClr>
+          </a:lnRef>
+          <a:fillRef idx="1">
+            <a:schemeClr val="accent1"/>
+          </a:fillRef>
+          <a:effectRef idx="0">
+            <a:schemeClr val="accent1"/>
+          </a:effectRef>
+          <a:fontRef idx="minor">
+            <a:schemeClr val="lt1"/>
+          </a:fontRef>
+        </p:style>
+        <p:txBody>
+          <a:bodyPr rtlCol="0" anchor="ctr"/>
+          <a:lstStyle/>
+          <a:p>
+            <a:pPr algn="ctr"/>
+            <a:endParaRPr kumimoji="1" lang="ja-JP" altLang="en-US"/>
+          </a:p>
+        </p:txBody>
+      </p:sp>
+      <p:sp>
+        <p:nvSpPr>
+          <p:cNvPr id="22" name="円形吹き出し 21"/>
+          <p:cNvSpPr/>
+          <p:nvPr/>
+        </p:nvSpPr>
+        <p:spPr>
+          <a:xfrm>
+            <a:off x="8181528" y="251520"/>
+            <a:ext cx="3312368" cy="1872208"/>
+          </a:xfrm>
+          <a:prstGeom prst="wedgeEllipseCallout">
+            <a:avLst>
+              <a:gd name="adj1" fmla="val -98731"/>
+              <a:gd name="adj2" fmla="val -24068"/>
+            </a:avLst>
+          </a:prstGeom>
+          <a:solidFill>
+            <a:schemeClr val="tx2">
+              <a:lumMod val="20000"/>
+              <a:lumOff val="80000"/>
+            </a:schemeClr>
+          </a:solidFill>
+          <a:ln>
+            <a:noFill/>
+          </a:ln>
+        </p:spPr>
+        <p:style>
+          <a:lnRef idx="2">
+            <a:schemeClr val="accent1">
+              <a:shade val="50000"/>
+            </a:schemeClr>
+          </a:lnRef>
+          <a:fillRef idx="1">
+            <a:schemeClr val="accent1"/>
+          </a:fillRef>
+          <a:effectRef idx="0">
+            <a:schemeClr val="accent1"/>
+          </a:effectRef>
+          <a:fontRef idx="minor">
+            <a:schemeClr val="lt1"/>
+          </a:fontRef>
+        </p:style>
+        <p:txBody>
+          <a:bodyPr rtlCol="0" anchor="ctr"/>
+          <a:lstStyle/>
+          <a:p>
+            <a:pPr algn="ctr"/>
+            <a:r>
+              <a:rPr lang="ja-JP" altLang="en-US" dirty="0" smtClean="0">
+                <a:solidFill>
+                  <a:schemeClr val="tx1"/>
+                </a:solidFill>
+              </a:rPr>
+              <a:t>ホームへ戻る</a:t>
+            </a:r>
+            <a:endParaRPr lang="en-US" altLang="ja-JP" dirty="0" smtClean="0">
+              <a:solidFill>
+                <a:schemeClr val="tx1"/>
+              </a:solidFill>
+            </a:endParaRPr>
+          </a:p>
+        </p:txBody>
+      </p:sp>
+      <p:grpSp>
+        <p:nvGrpSpPr>
+          <p:cNvPr id="21" name="グループ化 20"/>
+          <p:cNvGrpSpPr/>
+          <p:nvPr/>
+        </p:nvGrpSpPr>
+        <p:grpSpPr>
+          <a:xfrm>
+            <a:off x="692696" y="1403648"/>
+            <a:ext cx="5616624" cy="3971349"/>
+            <a:chOff x="720080" y="3613234"/>
+            <a:chExt cx="5445224" cy="4321991"/>
+          </a:xfrm>
+        </p:grpSpPr>
+        <p:pic>
+          <p:nvPicPr>
+            <p:cNvPr id="18" name="図 17" descr="9.png"/>
+            <p:cNvPicPr>
+              <a:picLocks noChangeAspect="1"/>
+            </p:cNvPicPr>
+            <p:nvPr/>
+          </p:nvPicPr>
+          <p:blipFill>
+            <a:blip r:embed="rId3" cstate="print">
+              <a:lum bright="10000"/>
+            </a:blip>
+            <a:stretch>
+              <a:fillRect/>
+            </a:stretch>
+          </p:blipFill>
+          <p:spPr>
+            <a:xfrm>
+              <a:off x="720080" y="3613234"/>
+              <a:ext cx="5373216" cy="4321991"/>
+            </a:xfrm>
+            <a:prstGeom prst="rect">
+              <a:avLst/>
+            </a:prstGeom>
+          </p:spPr>
+        </p:pic>
+        <p:sp>
+          <p:nvSpPr>
+            <p:cNvPr id="19" name="テキスト ボックス 18"/>
+            <p:cNvSpPr txBox="1"/>
+            <p:nvPr/>
+          </p:nvSpPr>
+          <p:spPr>
+            <a:xfrm>
+              <a:off x="1052735" y="3836717"/>
+              <a:ext cx="4577521" cy="506021"/>
+            </a:xfrm>
+            <a:prstGeom prst="rect">
+              <a:avLst/>
+            </a:prstGeom>
+            <a:noFill/>
+          </p:spPr>
+          <p:txBody>
+            <a:bodyPr wrap="square" rtlCol="0">
+              <a:spAutoFit/>
+            </a:bodyPr>
+            <a:lstStyle/>
+            <a:p>
+              <a:r>
+                <a:rPr kumimoji="1" lang="ja-JP" altLang="en-US" sz="2000" dirty="0" smtClean="0"/>
+                <a:t>一致したキーフレーズは</a:t>
+              </a:r>
+              <a:r>
+                <a:rPr kumimoji="1" lang="en-US" altLang="ja-JP" sz="2000" dirty="0" smtClean="0"/>
+                <a:t>｢</a:t>
+              </a:r>
+              <a:r>
+                <a:rPr kumimoji="1" lang="ja-JP" altLang="en-US" sz="2000" dirty="0" smtClean="0"/>
+                <a:t>～～～～</a:t>
+              </a:r>
+              <a:r>
+                <a:rPr kumimoji="1" lang="en-US" altLang="ja-JP" sz="2000" dirty="0" smtClean="0"/>
+                <a:t>｣</a:t>
+              </a:r>
+              <a:r>
+                <a:rPr kumimoji="1" lang="ja-JP" altLang="en-US" sz="2000" dirty="0" err="1" smtClean="0"/>
+                <a:t>です</a:t>
+              </a:r>
+              <a:endParaRPr kumimoji="1" lang="ja-JP" altLang="en-US" sz="2000" dirty="0"/>
+            </a:p>
+          </p:txBody>
+        </p:sp>
+        <p:sp>
+          <p:nvSpPr>
+            <p:cNvPr id="20" name="テキスト ボックス 19"/>
+            <p:cNvSpPr txBox="1"/>
+            <p:nvPr/>
+          </p:nvSpPr>
+          <p:spPr>
+            <a:xfrm>
+              <a:off x="836712" y="4249703"/>
+              <a:ext cx="5328592" cy="2445143"/>
+            </a:xfrm>
+            <a:prstGeom prst="rect">
+              <a:avLst/>
+            </a:prstGeom>
+            <a:noFill/>
+          </p:spPr>
+          <p:txBody>
+            <a:bodyPr wrap="square" rtlCol="0">
+              <a:spAutoFit/>
+            </a:bodyPr>
+            <a:lstStyle/>
+            <a:p>
+              <a:r>
+                <a:rPr lang="ja-JP" altLang="en-US" sz="2000" dirty="0" smtClean="0"/>
+                <a:t>記事内容。</a:t>
+              </a:r>
+              <a:endParaRPr lang="en-US" altLang="ja-JP" sz="2000" dirty="0" smtClean="0"/>
+            </a:p>
+            <a:p>
+              <a:r>
+                <a:rPr lang="en-US" altLang="ja-JP" sz="2000" dirty="0" smtClean="0"/>
+                <a:t>(</a:t>
+              </a:r>
+              <a:r>
+                <a:rPr lang="ja-JP" altLang="en-US" sz="2000" dirty="0" smtClean="0"/>
+                <a:t>長かったらもっと見る</a:t>
+              </a:r>
+              <a:r>
+                <a:rPr lang="ja-JP" altLang="en-US" sz="2000" dirty="0" err="1" smtClean="0"/>
+                <a:t>で</a:t>
+              </a:r>
+              <a:r>
+                <a:rPr lang="ja-JP" altLang="en-US" sz="2000" dirty="0" smtClean="0"/>
+                <a:t>全文</a:t>
+              </a:r>
+              <a:r>
+                <a:rPr lang="en-US" altLang="ja-JP" sz="2000" dirty="0" smtClean="0"/>
+                <a:t>)</a:t>
+              </a:r>
+            </a:p>
+            <a:p>
+              <a:endParaRPr lang="en-US" altLang="ja-JP" sz="2000" dirty="0" smtClean="0"/>
+            </a:p>
+            <a:p>
+              <a:r>
+                <a:rPr lang="en-US" altLang="ja-JP" sz="2000" dirty="0" smtClean="0">
+                  <a:solidFill>
+                    <a:schemeClr val="tx2">
+                      <a:lumMod val="60000"/>
+                      <a:lumOff val="40000"/>
+                    </a:schemeClr>
+                  </a:solidFill>
+                </a:rPr>
+                <a:t>URL</a:t>
+              </a:r>
+              <a:r>
+                <a:rPr lang="en-US" altLang="ja-JP" sz="2000" dirty="0" smtClean="0"/>
+                <a:t>(URL</a:t>
+              </a:r>
+              <a:r>
+                <a:rPr lang="ja-JP" altLang="en-US" sz="2000" dirty="0" smtClean="0"/>
+                <a:t>タップでブラウザを開き、そのページへ</a:t>
+              </a:r>
+              <a:r>
+                <a:rPr lang="en-US" altLang="ja-JP" sz="2000" dirty="0" smtClean="0"/>
+                <a:t>) </a:t>
+              </a:r>
+            </a:p>
+            <a:p>
+              <a:endParaRPr lang="en-US" altLang="ja-JP" sz="2000" dirty="0" smtClean="0"/>
+            </a:p>
+            <a:p>
+              <a:r>
+                <a:rPr lang="ja-JP" altLang="en-US" sz="2000" dirty="0" smtClean="0"/>
+                <a:t>･･･</a:t>
+              </a:r>
+              <a:endParaRPr lang="en-US" altLang="ja-JP" sz="2000" dirty="0" smtClean="0"/>
+            </a:p>
+            <a:p>
+              <a:r>
+                <a:rPr lang="en-US" altLang="ja-JP" sz="2000" dirty="0" smtClean="0"/>
+                <a:t>		</a:t>
+              </a:r>
+              <a:r>
+                <a:rPr lang="ja-JP" altLang="en-US" sz="2000" dirty="0" smtClean="0">
+                  <a:solidFill>
+                    <a:schemeClr val="accent1">
+                      <a:lumMod val="75000"/>
+                    </a:schemeClr>
+                  </a:solidFill>
+                </a:rPr>
+                <a:t>もっと見る</a:t>
+              </a:r>
+              <a:endParaRPr kumimoji="1" lang="ja-JP" altLang="en-US" sz="2000" dirty="0">
+                <a:solidFill>
+                  <a:schemeClr val="accent1">
+                    <a:lumMod val="75000"/>
+                  </a:schemeClr>
+                </a:solidFill>
+              </a:endParaRPr>
+            </a:p>
+          </p:txBody>
+        </p:sp>
+      </p:grpSp>
+      <p:grpSp>
+        <p:nvGrpSpPr>
+          <p:cNvPr id="28" name="グループ化 27"/>
+          <p:cNvGrpSpPr/>
+          <p:nvPr/>
+        </p:nvGrpSpPr>
+        <p:grpSpPr>
+          <a:xfrm>
+            <a:off x="764704" y="4958706"/>
+            <a:ext cx="5445224" cy="4024570"/>
+            <a:chOff x="764704" y="3563889"/>
+            <a:chExt cx="5445224" cy="4379911"/>
+          </a:xfrm>
+        </p:grpSpPr>
+        <p:pic>
+          <p:nvPicPr>
+            <p:cNvPr id="30" name="図 29" descr="9.png"/>
+            <p:cNvPicPr>
+              <a:picLocks noChangeAspect="1"/>
+            </p:cNvPicPr>
+            <p:nvPr/>
+          </p:nvPicPr>
+          <p:blipFill>
+            <a:blip r:embed="rId3" cstate="print">
+              <a:lum bright="10000"/>
+            </a:blip>
+            <a:stretch>
+              <a:fillRect/>
+            </a:stretch>
+          </p:blipFill>
+          <p:spPr>
+            <a:xfrm>
+              <a:off x="764704" y="3563889"/>
+              <a:ext cx="5445224" cy="4379911"/>
+            </a:xfrm>
+            <a:prstGeom prst="rect">
+              <a:avLst/>
+            </a:prstGeom>
+          </p:spPr>
+        </p:pic>
+        <p:sp>
+          <p:nvSpPr>
+            <p:cNvPr id="31" name="テキスト ボックス 30"/>
+            <p:cNvSpPr txBox="1"/>
+            <p:nvPr/>
+          </p:nvSpPr>
+          <p:spPr>
+            <a:xfrm>
+              <a:off x="1052735" y="3836717"/>
+              <a:ext cx="4577521" cy="506021"/>
+            </a:xfrm>
+            <a:prstGeom prst="rect">
+              <a:avLst/>
+            </a:prstGeom>
+            <a:noFill/>
+          </p:spPr>
+          <p:txBody>
+            <a:bodyPr wrap="square" rtlCol="0">
+              <a:spAutoFit/>
+            </a:bodyPr>
+            <a:lstStyle/>
+            <a:p>
+              <a:r>
+                <a:rPr kumimoji="1" lang="ja-JP" altLang="en-US" sz="2000" dirty="0" smtClean="0"/>
+                <a:t>一致したキーフレーズは</a:t>
+              </a:r>
+              <a:r>
+                <a:rPr kumimoji="1" lang="en-US" altLang="ja-JP" sz="2000" dirty="0" smtClean="0"/>
+                <a:t>｢</a:t>
+              </a:r>
+              <a:r>
+                <a:rPr kumimoji="1" lang="ja-JP" altLang="en-US" sz="2000" dirty="0" smtClean="0"/>
+                <a:t>～～～～</a:t>
+              </a:r>
+              <a:r>
+                <a:rPr kumimoji="1" lang="en-US" altLang="ja-JP" sz="2000" dirty="0" smtClean="0"/>
+                <a:t>｣</a:t>
+              </a:r>
+              <a:r>
+                <a:rPr kumimoji="1" lang="ja-JP" altLang="en-US" sz="2000" dirty="0" err="1" smtClean="0"/>
+                <a:t>です</a:t>
+              </a:r>
+              <a:endParaRPr kumimoji="1" lang="ja-JP" altLang="en-US" sz="2000" dirty="0"/>
+            </a:p>
+          </p:txBody>
+        </p:sp>
+        <p:sp>
+          <p:nvSpPr>
+            <p:cNvPr id="32" name="テキスト ボックス 31"/>
+            <p:cNvSpPr txBox="1"/>
+            <p:nvPr/>
+          </p:nvSpPr>
+          <p:spPr>
+            <a:xfrm>
+              <a:off x="836712" y="4249703"/>
+              <a:ext cx="5112568" cy="2554545"/>
+            </a:xfrm>
+            <a:prstGeom prst="rect">
+              <a:avLst/>
+            </a:prstGeom>
+            <a:noFill/>
+          </p:spPr>
+          <p:txBody>
+            <a:bodyPr wrap="square" rtlCol="0">
+              <a:spAutoFit/>
+            </a:bodyPr>
+            <a:lstStyle/>
+            <a:p>
+              <a:r>
+                <a:rPr lang="ja-JP" altLang="en-US" sz="2000" dirty="0" smtClean="0"/>
+                <a:t>記事内容。</a:t>
+              </a:r>
+              <a:endParaRPr lang="en-US" altLang="ja-JP" sz="2000" dirty="0" smtClean="0"/>
+            </a:p>
+            <a:p>
+              <a:r>
+                <a:rPr lang="en-US" altLang="ja-JP" sz="2000" dirty="0" smtClean="0"/>
+                <a:t>(</a:t>
+              </a:r>
+              <a:r>
+                <a:rPr lang="ja-JP" altLang="en-US" sz="2000" dirty="0" smtClean="0"/>
+                <a:t>長かったらもっと見る</a:t>
+              </a:r>
+              <a:r>
+                <a:rPr lang="ja-JP" altLang="en-US" sz="2000" dirty="0" err="1" smtClean="0"/>
+                <a:t>で</a:t>
+              </a:r>
+              <a:r>
+                <a:rPr lang="ja-JP" altLang="en-US" sz="2000" dirty="0" smtClean="0"/>
+                <a:t>全文</a:t>
+              </a:r>
+              <a:r>
+                <a:rPr lang="en-US" altLang="ja-JP" sz="2000" dirty="0" smtClean="0"/>
+                <a:t>)</a:t>
+              </a:r>
+            </a:p>
+            <a:p>
+              <a:endParaRPr lang="en-US" altLang="ja-JP" sz="2000" dirty="0" smtClean="0"/>
+            </a:p>
+            <a:p>
+              <a:r>
+                <a:rPr lang="en-US" altLang="ja-JP" sz="2000" dirty="0" smtClean="0">
+                  <a:solidFill>
+                    <a:schemeClr val="tx2">
+                      <a:lumMod val="60000"/>
+                      <a:lumOff val="40000"/>
+                    </a:schemeClr>
+                  </a:solidFill>
+                </a:rPr>
+                <a:t>URL</a:t>
+              </a:r>
+              <a:r>
+                <a:rPr lang="en-US" altLang="ja-JP" sz="2000" dirty="0" smtClean="0"/>
+                <a:t>(URL</a:t>
+              </a:r>
+              <a:r>
+                <a:rPr lang="ja-JP" altLang="en-US" sz="2000" dirty="0" smtClean="0"/>
+                <a:t>タップでブラウザを開き、そのページへ</a:t>
+              </a:r>
+              <a:r>
+                <a:rPr lang="en-US" altLang="ja-JP" sz="2000" dirty="0" smtClean="0"/>
+                <a:t>) </a:t>
+              </a:r>
+            </a:p>
+            <a:p>
+              <a:endParaRPr lang="en-US" altLang="ja-JP" sz="2000" dirty="0" smtClean="0"/>
+            </a:p>
+            <a:p>
+              <a:r>
+                <a:rPr lang="ja-JP" altLang="en-US" sz="2000" dirty="0" smtClean="0"/>
+                <a:t>･･･</a:t>
+              </a:r>
+              <a:endParaRPr lang="en-US" altLang="ja-JP" sz="2000" dirty="0" smtClean="0"/>
+            </a:p>
+            <a:p>
+              <a:r>
+                <a:rPr lang="en-US" altLang="ja-JP" sz="2000" dirty="0" smtClean="0"/>
+                <a:t>		</a:t>
+              </a:r>
+              <a:r>
+                <a:rPr lang="ja-JP" altLang="en-US" sz="2000" dirty="0" smtClean="0">
+                  <a:solidFill>
+                    <a:schemeClr val="accent1">
+                      <a:lumMod val="75000"/>
+                    </a:schemeClr>
+                  </a:solidFill>
+                </a:rPr>
+                <a:t>もっと見る</a:t>
+              </a:r>
+              <a:endParaRPr kumimoji="1" lang="ja-JP" altLang="en-US" sz="2000" dirty="0">
+                <a:solidFill>
+                  <a:schemeClr val="accent1">
+                    <a:lumMod val="75000"/>
+                  </a:schemeClr>
+                </a:solidFill>
+              </a:endParaRPr>
+            </a:p>
+          </p:txBody>
+        </p:sp>
+      </p:grpSp>
+      <p:sp>
+        <p:nvSpPr>
+          <p:cNvPr id="33" name="テキスト ボックス 32"/>
+          <p:cNvSpPr txBox="1"/>
+          <p:nvPr/>
+        </p:nvSpPr>
+        <p:spPr>
+          <a:xfrm>
+            <a:off x="2636912" y="107504"/>
+            <a:ext cx="2448272" cy="646331"/>
+          </a:xfrm>
+          <a:prstGeom prst="rect">
+            <a:avLst/>
+          </a:prstGeom>
+          <a:noFill/>
+        </p:spPr>
+        <p:txBody>
+          <a:bodyPr wrap="square" rtlCol="0">
+            <a:spAutoFit/>
+          </a:bodyPr>
+          <a:lstStyle/>
+          <a:p>
+            <a:r>
+              <a:rPr kumimoji="1" lang="en-US" altLang="ja-JP" sz="3600" dirty="0" smtClean="0">
+                <a:solidFill>
+                  <a:schemeClr val="bg1"/>
+                </a:solidFill>
+              </a:rPr>
+              <a:t>Topic</a:t>
+            </a:r>
+            <a:r>
+              <a:rPr kumimoji="1" lang="ja-JP" altLang="en-US" sz="3600" dirty="0" smtClean="0">
+                <a:solidFill>
+                  <a:schemeClr val="bg1"/>
+                </a:solidFill>
+              </a:rPr>
+              <a:t>一覧</a:t>
+            </a:r>
+            <a:endParaRPr kumimoji="1" lang="ja-JP" altLang="en-US" sz="3600" dirty="0">
+              <a:solidFill>
+                <a:schemeClr val="bg1"/>
+              </a:solidFill>
+            </a:endParaRPr>
+          </a:p>
+        </p:txBody>
+      </p:sp>
+      <p:sp>
+        <p:nvSpPr>
+          <p:cNvPr id="36" name="角丸四角形 35"/>
+          <p:cNvSpPr/>
+          <p:nvPr/>
+        </p:nvSpPr>
+        <p:spPr>
+          <a:xfrm>
+            <a:off x="0" y="0"/>
+            <a:ext cx="1052736" cy="827584"/>
+          </a:xfrm>
+          <a:prstGeom prst="roundRect">
+            <a:avLst/>
+          </a:prstGeom>
+          <a:blipFill>
+            <a:blip r:embed="rId4" cstate="print"/>
+            <a:stretch>
+              <a:fillRect/>
+            </a:stretch>
+          </a:blipFill>
+          <a:ln>
+            <a:noFill/>
+          </a:ln>
+        </p:spPr>
+        <p:style>
+          <a:lnRef idx="2">
+            <a:schemeClr val="accent1">
+              <a:shade val="50000"/>
+            </a:schemeClr>
+          </a:lnRef>
+          <a:fillRef idx="1">
+            <a:schemeClr val="accent1"/>
+          </a:fillRef>
+          <a:effectRef idx="0">
+            <a:schemeClr val="accent1"/>
+          </a:effectRef>
+          <a:fontRef idx="minor">
+            <a:schemeClr val="lt1"/>
+          </a:fontRef>
+        </p:style>
+        <p:txBody>
+          <a:bodyPr rtlCol="0" anchor="ctr"/>
+          <a:lstStyle/>
+          <a:p>
+            <a:pPr algn="ctr"/>
+            <a:endParaRPr kumimoji="1" lang="ja-JP" altLang="en-US" dirty="0" smtClean="0"/>
+          </a:p>
+        </p:txBody>
+      </p:sp>
+      <p:pic>
+        <p:nvPicPr>
+          <p:cNvPr id="37" name="図 36" descr="23.png"/>
+          <p:cNvPicPr>
+            <a:picLocks noChangeAspect="1"/>
+          </p:cNvPicPr>
+          <p:nvPr/>
+        </p:nvPicPr>
+        <p:blipFill>
+          <a:blip r:embed="rId5" cstate="print">
+            <a:lum bright="100000" contrast="2000"/>
+          </a:blip>
+          <a:stretch>
+            <a:fillRect/>
+          </a:stretch>
+        </p:blipFill>
+        <p:spPr>
+          <a:xfrm>
+            <a:off x="188640" y="134888"/>
+            <a:ext cx="620688" cy="620688"/>
           </a:xfrm>
           <a:prstGeom prst="rect">
             <a:avLst/>
           </a:prstGeom>
         </p:spPr>
-        <p:txBody>
-          <a:bodyPr wrap="none">
-            <a:spAutoFit/>
-          </a:bodyPr>
+      </p:pic>
+      <p:sp>
+        <p:nvSpPr>
+          <p:cNvPr id="38" name="角丸四角形 37"/>
+          <p:cNvSpPr/>
+          <p:nvPr/>
+        </p:nvSpPr>
+        <p:spPr>
+          <a:xfrm>
+            <a:off x="5733256" y="-1016"/>
+            <a:ext cx="1052736" cy="827584"/>
+          </a:xfrm>
+          <a:prstGeom prst="roundRect">
+            <a:avLst/>
+          </a:prstGeom>
+          <a:blipFill>
+            <a:blip r:embed="rId4" cstate="print"/>
+            <a:stretch>
+              <a:fillRect/>
+            </a:stretch>
+          </a:blipFill>
+          <a:ln>
+            <a:noFill/>
+          </a:ln>
+        </p:spPr>
+        <p:style>
+          <a:lnRef idx="2">
+            <a:schemeClr val="accent1">
+              <a:shade val="50000"/>
+            </a:schemeClr>
+          </a:lnRef>
+          <a:fillRef idx="1">
+            <a:schemeClr val="accent1"/>
+          </a:fillRef>
+          <a:effectRef idx="0">
+            <a:schemeClr val="accent1"/>
+          </a:effectRef>
+          <a:fontRef idx="minor">
+            <a:schemeClr val="lt1"/>
+          </a:fontRef>
+        </p:style>
+        <p:txBody>
+          <a:bodyPr rtlCol="0" anchor="ctr"/>
           <a:lstStyle/>
           <a:p>
             <a:pPr algn="ctr"/>
-            <a:r>
-              <a:rPr lang="ja-JP" altLang="en-US" sz="2800" dirty="0" smtClean="0">
-                <a:solidFill>
-                  <a:schemeClr val="bg1"/>
-                </a:solidFill>
-              </a:rPr>
-              <a:t>設定</a:t>
-            </a:r>
-            <a:endParaRPr lang="ja-JP" altLang="en-US" sz="2800" dirty="0">
-              <a:solidFill>
-                <a:schemeClr val="bg1"/>
-              </a:solidFill>
-            </a:endParaRPr>
-          </a:p>
-        </p:txBody>
-      </p:sp>
+            <a:endParaRPr kumimoji="1" lang="ja-JP" altLang="en-US" dirty="0" smtClean="0"/>
+          </a:p>
+        </p:txBody>
+      </p:sp>
+      <p:pic>
+        <p:nvPicPr>
+          <p:cNvPr id="39" name="図 38" descr="18.png"/>
+          <p:cNvPicPr>
+            <a:picLocks noChangeAspect="1"/>
+          </p:cNvPicPr>
+          <p:nvPr/>
+        </p:nvPicPr>
+        <p:blipFill>
+          <a:blip r:embed="rId6" cstate="print">
+            <a:lum bright="100000" contrast="-70000"/>
+          </a:blip>
+          <a:stretch>
+            <a:fillRect/>
+          </a:stretch>
+        </p:blipFill>
+        <p:spPr>
+          <a:xfrm>
+            <a:off x="5841776" y="-36512"/>
+            <a:ext cx="827584" cy="827584"/>
+          </a:xfrm>
+          <a:prstGeom prst="rect">
+            <a:avLst/>
+          </a:prstGeom>
+        </p:spPr>
+      </p:pic>
     </p:spTree>
   </p:cSld>
   <p:clrMapOvr>
@@ -7959,20 +8620,246 @@
       </p:grpSpPr>
       <p:sp>
         <p:nvSpPr>
-          <p:cNvPr id="32" name="正方形/長方形 31"/>
+          <p:cNvPr id="23" name="角丸四角形 22"/>
           <p:cNvSpPr/>
           <p:nvPr/>
         </p:nvSpPr>
         <p:spPr>
           <a:xfrm>
-            <a:off x="4725144" y="1115616"/>
-            <a:ext cx="1296144" cy="648072"/>
-          </a:xfrm>
-          <a:prstGeom prst="rect">
+            <a:off x="1700808" y="1475656"/>
+            <a:ext cx="3528392" cy="1944216"/>
+          </a:xfrm>
+          <a:prstGeom prst="roundRect">
             <a:avLst/>
           </a:prstGeom>
           <a:blipFill>
             <a:blip r:embed="rId3" cstate="print"/>
+            <a:stretch>
+              <a:fillRect/>
+            </a:stretch>
+          </a:blipFill>
+          <a:ln>
+            <a:noFill/>
+          </a:ln>
+          <a:effectLst>
+            <a:outerShdw blurRad="63500" sx="102000" sy="102000" algn="ctr" rotWithShape="0">
+              <a:prstClr val="black">
+                <a:alpha val="40000"/>
+              </a:prstClr>
+            </a:outerShdw>
+          </a:effectLst>
+        </p:spPr>
+        <p:style>
+          <a:lnRef idx="2">
+            <a:schemeClr val="accent1">
+              <a:shade val="50000"/>
+            </a:schemeClr>
+          </a:lnRef>
+          <a:fillRef idx="1">
+            <a:schemeClr val="accent1"/>
+          </a:fillRef>
+          <a:effectRef idx="0">
+            <a:schemeClr val="accent1"/>
+          </a:effectRef>
+          <a:fontRef idx="minor">
+            <a:schemeClr val="lt1"/>
+          </a:fontRef>
+        </p:style>
+        <p:txBody>
+          <a:bodyPr rtlCol="0" anchor="ctr"/>
+          <a:lstStyle/>
+          <a:p>
+            <a:pPr algn="ctr"/>
+            <a:r>
+              <a:rPr lang="ja-JP" altLang="en-US" sz="2800" dirty="0" smtClean="0"/>
+              <a:t>キーフレーズを管理</a:t>
+            </a:r>
+            <a:endParaRPr kumimoji="1" lang="ja-JP" altLang="en-US" sz="2800" dirty="0"/>
+          </a:p>
+        </p:txBody>
+      </p:sp>
+      <p:sp>
+        <p:nvSpPr>
+          <p:cNvPr id="21" name="角丸四角形 20"/>
+          <p:cNvSpPr/>
+          <p:nvPr/>
+        </p:nvSpPr>
+        <p:spPr>
+          <a:xfrm>
+            <a:off x="1772816" y="3923928"/>
+            <a:ext cx="3456384" cy="1152128"/>
+          </a:xfrm>
+          <a:prstGeom prst="roundRect">
+            <a:avLst/>
+          </a:prstGeom>
+          <a:blipFill>
+            <a:blip r:embed="rId3" cstate="print"/>
+            <a:stretch>
+              <a:fillRect/>
+            </a:stretch>
+          </a:blipFill>
+          <a:ln>
+            <a:noFill/>
+          </a:ln>
+          <a:effectLst>
+            <a:outerShdw blurRad="63500" sx="102000" sy="102000" algn="ctr" rotWithShape="0">
+              <a:prstClr val="black">
+                <a:alpha val="40000"/>
+              </a:prstClr>
+            </a:outerShdw>
+          </a:effectLst>
+        </p:spPr>
+        <p:style>
+          <a:lnRef idx="2">
+            <a:schemeClr val="accent1">
+              <a:shade val="50000"/>
+            </a:schemeClr>
+          </a:lnRef>
+          <a:fillRef idx="1">
+            <a:schemeClr val="accent1"/>
+          </a:fillRef>
+          <a:effectRef idx="0">
+            <a:schemeClr val="accent1"/>
+          </a:effectRef>
+          <a:fontRef idx="minor">
+            <a:schemeClr val="lt1"/>
+          </a:fontRef>
+        </p:style>
+        <p:txBody>
+          <a:bodyPr rtlCol="0" anchor="ctr"/>
+          <a:lstStyle/>
+          <a:p>
+            <a:pPr algn="ctr"/>
+            <a:r>
+              <a:rPr lang="en-US" altLang="ja-JP" sz="2800" dirty="0" err="1" smtClean="0"/>
+              <a:t>Facebook</a:t>
+            </a:r>
+            <a:r>
+              <a:rPr lang="ja-JP" altLang="en-US" sz="2800" dirty="0" smtClean="0"/>
+              <a:t>を認証</a:t>
+            </a:r>
+            <a:endParaRPr kumimoji="1" lang="ja-JP" altLang="en-US" sz="2800" dirty="0"/>
+          </a:p>
+        </p:txBody>
+      </p:sp>
+      <p:sp>
+        <p:nvSpPr>
+          <p:cNvPr id="18" name="角丸四角形 17"/>
+          <p:cNvSpPr/>
+          <p:nvPr/>
+        </p:nvSpPr>
+        <p:spPr>
+          <a:xfrm>
+            <a:off x="1772816" y="5292080"/>
+            <a:ext cx="3456384" cy="1152128"/>
+          </a:xfrm>
+          <a:prstGeom prst="roundRect">
+            <a:avLst/>
+          </a:prstGeom>
+          <a:blipFill>
+            <a:blip r:embed="rId3" cstate="print"/>
+            <a:stretch>
+              <a:fillRect/>
+            </a:stretch>
+          </a:blipFill>
+          <a:ln>
+            <a:noFill/>
+          </a:ln>
+          <a:effectLst>
+            <a:outerShdw blurRad="63500" sx="102000" sy="102000" algn="ctr" rotWithShape="0">
+              <a:prstClr val="black">
+                <a:alpha val="40000"/>
+              </a:prstClr>
+            </a:outerShdw>
+          </a:effectLst>
+        </p:spPr>
+        <p:style>
+          <a:lnRef idx="2">
+            <a:schemeClr val="accent1">
+              <a:shade val="50000"/>
+            </a:schemeClr>
+          </a:lnRef>
+          <a:fillRef idx="1">
+            <a:schemeClr val="accent1"/>
+          </a:fillRef>
+          <a:effectRef idx="0">
+            <a:schemeClr val="accent1"/>
+          </a:effectRef>
+          <a:fontRef idx="minor">
+            <a:schemeClr val="lt1"/>
+          </a:fontRef>
+        </p:style>
+        <p:txBody>
+          <a:bodyPr rtlCol="0" anchor="ctr"/>
+          <a:lstStyle/>
+          <a:p>
+            <a:pPr algn="ctr"/>
+            <a:r>
+              <a:rPr kumimoji="1" lang="en-US" altLang="ja-JP" sz="2800" dirty="0" smtClean="0"/>
+              <a:t>Twitter</a:t>
+            </a:r>
+            <a:r>
+              <a:rPr kumimoji="1" lang="ja-JP" altLang="en-US" sz="2800" dirty="0" smtClean="0"/>
+              <a:t>を認証</a:t>
+            </a:r>
+            <a:endParaRPr kumimoji="1" lang="ja-JP" altLang="en-US" sz="2800" dirty="0"/>
+          </a:p>
+        </p:txBody>
+      </p:sp>
+      <p:sp>
+        <p:nvSpPr>
+          <p:cNvPr id="9" name="正方形/長方形 8"/>
+          <p:cNvSpPr/>
+          <p:nvPr/>
+        </p:nvSpPr>
+        <p:spPr>
+          <a:xfrm>
+            <a:off x="2882003" y="160348"/>
+            <a:ext cx="902812" cy="523220"/>
+          </a:xfrm>
+          <a:prstGeom prst="rect">
+            <a:avLst/>
+          </a:prstGeom>
+        </p:spPr>
+        <p:txBody>
+          <a:bodyPr wrap="none">
+            <a:spAutoFit/>
+          </a:bodyPr>
+          <a:lstStyle/>
+          <a:p>
+            <a:pPr algn="ctr"/>
+            <a:r>
+              <a:rPr lang="ja-JP" altLang="en-US" sz="2800" dirty="0" smtClean="0">
+                <a:solidFill>
+                  <a:schemeClr val="bg1"/>
+                </a:solidFill>
+              </a:rPr>
+              <a:t>設定</a:t>
+            </a:r>
+            <a:endParaRPr lang="ja-JP" altLang="en-US" sz="2800" dirty="0">
+              <a:solidFill>
+                <a:schemeClr val="bg1"/>
+              </a:solidFill>
+            </a:endParaRPr>
+          </a:p>
+        </p:txBody>
+      </p:sp>
+      <p:sp>
+        <p:nvSpPr>
+          <p:cNvPr id="12" name="角丸四角形 11"/>
+          <p:cNvSpPr/>
+          <p:nvPr/>
+        </p:nvSpPr>
+        <p:spPr>
+          <a:xfrm>
+            <a:off x="0" y="0"/>
+            <a:ext cx="1052736" cy="827584"/>
+          </a:xfrm>
+          <a:prstGeom prst="roundRect">
+            <a:avLst/>
+          </a:prstGeom>
+          <a:blipFill>
+            <a:blip r:embed="rId4" cstate="print"/>
             <a:stretch>
               <a:fillRect/>
             </a:stretch>
@@ -8002,562 +8889,13 @@
           <a:lstStyle/>
           <a:p>
             <a:pPr algn="ctr"/>
-            <a:r>
-              <a:rPr lang="ja-JP" altLang="en-US" strike="sngStrike" dirty="0" smtClean="0"/>
-              <a:t>検索</a:t>
-            </a:r>
-            <a:endParaRPr kumimoji="1" lang="ja-JP" altLang="en-US" strike="sngStrike" dirty="0"/>
-          </a:p>
-        </p:txBody>
-      </p:sp>
-      <p:sp>
-        <p:nvSpPr>
-          <p:cNvPr id="13" name="テキスト ボックス 12"/>
-          <p:cNvSpPr txBox="1"/>
-          <p:nvPr/>
-        </p:nvSpPr>
-        <p:spPr>
-          <a:xfrm>
-            <a:off x="1340768" y="1115616"/>
-            <a:ext cx="3240360" cy="584775"/>
-          </a:xfrm>
-          <a:prstGeom prst="rect">
-            <a:avLst/>
-          </a:prstGeom>
-          <a:solidFill>
-            <a:schemeClr val="bg1"/>
-          </a:solidFill>
-        </p:spPr>
-        <p:txBody>
-          <a:bodyPr wrap="square" rtlCol="0">
-            <a:spAutoFit/>
-          </a:bodyPr>
-          <a:lstStyle/>
-          <a:p>
-            <a:endParaRPr kumimoji="1" lang="ja-JP" altLang="en-US" sz="3200" dirty="0"/>
-          </a:p>
-        </p:txBody>
-      </p:sp>
-      <p:grpSp>
-        <p:nvGrpSpPr>
-          <p:cNvPr id="16" name="グループ化 15"/>
-          <p:cNvGrpSpPr/>
-          <p:nvPr/>
-        </p:nvGrpSpPr>
-        <p:grpSpPr>
-          <a:xfrm>
-            <a:off x="1700808" y="2051721"/>
-            <a:ext cx="4104456" cy="1152127"/>
-            <a:chOff x="1700808" y="2051721"/>
-            <a:chExt cx="4104456" cy="1152127"/>
-          </a:xfrm>
-        </p:grpSpPr>
-        <p:pic>
-          <p:nvPicPr>
-            <p:cNvPr id="14" name="図 13" descr="22.png"/>
-            <p:cNvPicPr>
-              <a:picLocks noChangeAspect="1"/>
-            </p:cNvPicPr>
-            <p:nvPr/>
-          </p:nvPicPr>
-          <p:blipFill>
-            <a:blip r:embed="rId4" cstate="print"/>
-            <a:stretch>
-              <a:fillRect/>
-            </a:stretch>
-          </p:blipFill>
-          <p:spPr>
-            <a:xfrm>
-              <a:off x="1700808" y="2051721"/>
-              <a:ext cx="4104456" cy="1152127"/>
-            </a:xfrm>
-            <a:prstGeom prst="rect">
-              <a:avLst/>
-            </a:prstGeom>
-          </p:spPr>
-        </p:pic>
-        <p:sp>
-          <p:nvSpPr>
-            <p:cNvPr id="15" name="テキスト ボックス 14"/>
-            <p:cNvSpPr txBox="1"/>
-            <p:nvPr/>
-          </p:nvSpPr>
-          <p:spPr>
-            <a:xfrm>
-              <a:off x="1916832" y="2339752"/>
-              <a:ext cx="3528392" cy="769441"/>
-            </a:xfrm>
-            <a:prstGeom prst="rect">
-              <a:avLst/>
-            </a:prstGeom>
-            <a:noFill/>
-          </p:spPr>
-          <p:txBody>
-            <a:bodyPr wrap="square" rtlCol="0">
-              <a:spAutoFit/>
-            </a:bodyPr>
-            <a:lstStyle/>
-            <a:p>
-              <a:r>
-                <a:rPr kumimoji="1" lang="ja-JP" altLang="en-US" sz="4400" dirty="0" smtClean="0"/>
-                <a:t>　　</a:t>
-              </a:r>
-              <a:r>
-                <a:rPr kumimoji="1" lang="ja-JP" altLang="en-US" sz="4400" dirty="0" err="1" smtClean="0"/>
-                <a:t>ーー</a:t>
-              </a:r>
-              <a:r>
-                <a:rPr kumimoji="1" lang="ja-JP" altLang="en-US" sz="4400" dirty="0" smtClean="0"/>
-                <a:t>　　</a:t>
-              </a:r>
-              <a:r>
-                <a:rPr kumimoji="1" lang="en-US" altLang="ja-JP" sz="4400" dirty="0" smtClean="0"/>
-                <a:t>	×</a:t>
-              </a:r>
-              <a:endParaRPr kumimoji="1" lang="ja-JP" altLang="en-US" sz="4400" dirty="0"/>
-            </a:p>
-          </p:txBody>
-        </p:sp>
-      </p:grpSp>
-      <p:grpSp>
-        <p:nvGrpSpPr>
-          <p:cNvPr id="17" name="グループ化 16"/>
-          <p:cNvGrpSpPr/>
-          <p:nvPr/>
-        </p:nvGrpSpPr>
-        <p:grpSpPr>
-          <a:xfrm>
-            <a:off x="1700808" y="3419872"/>
-            <a:ext cx="4104456" cy="1152127"/>
-            <a:chOff x="1700808" y="2051721"/>
-            <a:chExt cx="4104456" cy="1152127"/>
-          </a:xfrm>
-        </p:grpSpPr>
-        <p:pic>
-          <p:nvPicPr>
-            <p:cNvPr id="22" name="図 21" descr="22.png"/>
-            <p:cNvPicPr>
-              <a:picLocks noChangeAspect="1"/>
-            </p:cNvPicPr>
-            <p:nvPr/>
-          </p:nvPicPr>
-          <p:blipFill>
-            <a:blip r:embed="rId4" cstate="print"/>
-            <a:stretch>
-              <a:fillRect/>
-            </a:stretch>
-          </p:blipFill>
-          <p:spPr>
-            <a:xfrm>
-              <a:off x="1700808" y="2051721"/>
-              <a:ext cx="4104456" cy="1152127"/>
-            </a:xfrm>
-            <a:prstGeom prst="rect">
-              <a:avLst/>
-            </a:prstGeom>
-          </p:spPr>
-        </p:pic>
-        <p:sp>
-          <p:nvSpPr>
-            <p:cNvPr id="24" name="テキスト ボックス 23"/>
-            <p:cNvSpPr txBox="1"/>
-            <p:nvPr/>
-          </p:nvSpPr>
-          <p:spPr>
-            <a:xfrm>
-              <a:off x="2060848" y="2339752"/>
-              <a:ext cx="3528392" cy="769441"/>
-            </a:xfrm>
-            <a:prstGeom prst="rect">
-              <a:avLst/>
-            </a:prstGeom>
-            <a:noFill/>
-          </p:spPr>
-          <p:txBody>
-            <a:bodyPr wrap="square" rtlCol="0">
-              <a:spAutoFit/>
-            </a:bodyPr>
-            <a:lstStyle/>
-            <a:p>
-              <a:r>
-                <a:rPr kumimoji="1" lang="ja-JP" altLang="en-US" sz="4400" dirty="0" smtClean="0"/>
-                <a:t>　　</a:t>
-              </a:r>
-              <a:r>
-                <a:rPr kumimoji="1" lang="ja-JP" altLang="en-US" sz="4400" dirty="0" err="1" smtClean="0"/>
-                <a:t>ーー</a:t>
-              </a:r>
-              <a:r>
-                <a:rPr kumimoji="1" lang="en-US" altLang="ja-JP" sz="4400" dirty="0" smtClean="0"/>
-                <a:t>	</a:t>
-              </a:r>
-              <a:r>
-                <a:rPr kumimoji="1" lang="ja-JP" altLang="en-US" sz="4400" dirty="0" smtClean="0"/>
-                <a:t>　　</a:t>
-              </a:r>
-              <a:r>
-                <a:rPr kumimoji="1" lang="en-US" altLang="ja-JP" sz="4400" dirty="0" smtClean="0"/>
-                <a:t>×</a:t>
-              </a:r>
-              <a:endParaRPr kumimoji="1" lang="ja-JP" altLang="en-US" sz="4400" dirty="0"/>
-            </a:p>
-          </p:txBody>
-        </p:sp>
-      </p:grpSp>
-      <p:grpSp>
-        <p:nvGrpSpPr>
-          <p:cNvPr id="26" name="グループ化 25"/>
-          <p:cNvGrpSpPr/>
-          <p:nvPr/>
-        </p:nvGrpSpPr>
-        <p:grpSpPr>
-          <a:xfrm>
-            <a:off x="1700808" y="4788024"/>
-            <a:ext cx="4104456" cy="1152127"/>
-            <a:chOff x="1700808" y="2051721"/>
-            <a:chExt cx="4104456" cy="1152127"/>
-          </a:xfrm>
-        </p:grpSpPr>
-        <p:pic>
-          <p:nvPicPr>
-            <p:cNvPr id="27" name="図 26" descr="22.png"/>
-            <p:cNvPicPr>
-              <a:picLocks noChangeAspect="1"/>
-            </p:cNvPicPr>
-            <p:nvPr/>
-          </p:nvPicPr>
-          <p:blipFill>
-            <a:blip r:embed="rId4" cstate="print"/>
-            <a:stretch>
-              <a:fillRect/>
-            </a:stretch>
-          </p:blipFill>
-          <p:spPr>
-            <a:xfrm>
-              <a:off x="1700808" y="2051721"/>
-              <a:ext cx="4104456" cy="1152127"/>
-            </a:xfrm>
-            <a:prstGeom prst="rect">
-              <a:avLst/>
-            </a:prstGeom>
-          </p:spPr>
-        </p:pic>
-        <p:sp>
-          <p:nvSpPr>
-            <p:cNvPr id="28" name="テキスト ボックス 27"/>
-            <p:cNvSpPr txBox="1"/>
-            <p:nvPr/>
-          </p:nvSpPr>
-          <p:spPr>
-            <a:xfrm>
-              <a:off x="2060848" y="2339752"/>
-              <a:ext cx="3528392" cy="769441"/>
-            </a:xfrm>
-            <a:prstGeom prst="rect">
-              <a:avLst/>
-            </a:prstGeom>
-            <a:noFill/>
-          </p:spPr>
-          <p:txBody>
-            <a:bodyPr wrap="square" rtlCol="0">
-              <a:spAutoFit/>
-            </a:bodyPr>
-            <a:lstStyle/>
-            <a:p>
-              <a:r>
-                <a:rPr kumimoji="1" lang="ja-JP" altLang="en-US" sz="4400" dirty="0" smtClean="0"/>
-                <a:t>　　</a:t>
-              </a:r>
-              <a:r>
-                <a:rPr kumimoji="1" lang="ja-JP" altLang="en-US" sz="4400" dirty="0" err="1" smtClean="0"/>
-                <a:t>ーー</a:t>
-              </a:r>
-              <a:r>
-                <a:rPr kumimoji="1" lang="en-US" altLang="ja-JP" sz="4400" dirty="0" smtClean="0"/>
-                <a:t>	</a:t>
-              </a:r>
-              <a:r>
-                <a:rPr kumimoji="1" lang="ja-JP" altLang="en-US" sz="4400" dirty="0" smtClean="0"/>
-                <a:t>　　</a:t>
-              </a:r>
-              <a:r>
-                <a:rPr kumimoji="1" lang="en-US" altLang="ja-JP" sz="4400" dirty="0" smtClean="0"/>
-                <a:t>×</a:t>
-              </a:r>
-              <a:r>
-                <a:rPr kumimoji="1" lang="ja-JP" altLang="en-US" sz="4400" dirty="0" smtClean="0"/>
-                <a:t>　</a:t>
-              </a:r>
-              <a:endParaRPr kumimoji="1" lang="ja-JP" altLang="en-US" sz="4400" dirty="0"/>
-            </a:p>
-          </p:txBody>
-        </p:sp>
-      </p:grpSp>
-      <p:grpSp>
-        <p:nvGrpSpPr>
-          <p:cNvPr id="29" name="グループ化 28"/>
-          <p:cNvGrpSpPr/>
-          <p:nvPr/>
-        </p:nvGrpSpPr>
-        <p:grpSpPr>
-          <a:xfrm>
-            <a:off x="1700808" y="6228185"/>
-            <a:ext cx="4104456" cy="1152127"/>
-            <a:chOff x="1628800" y="2051722"/>
-            <a:chExt cx="4104456" cy="1152127"/>
-          </a:xfrm>
-        </p:grpSpPr>
-        <p:pic>
-          <p:nvPicPr>
-            <p:cNvPr id="30" name="図 29" descr="22.png"/>
-            <p:cNvPicPr>
-              <a:picLocks noChangeAspect="1"/>
-            </p:cNvPicPr>
-            <p:nvPr/>
-          </p:nvPicPr>
-          <p:blipFill>
-            <a:blip r:embed="rId4" cstate="print"/>
-            <a:stretch>
-              <a:fillRect/>
-            </a:stretch>
-          </p:blipFill>
-          <p:spPr>
-            <a:xfrm>
-              <a:off x="1628800" y="2051722"/>
-              <a:ext cx="4104456" cy="1152127"/>
-            </a:xfrm>
-            <a:prstGeom prst="rect">
-              <a:avLst/>
-            </a:prstGeom>
-          </p:spPr>
-        </p:pic>
-        <p:sp>
-          <p:nvSpPr>
-            <p:cNvPr id="31" name="テキスト ボックス 30"/>
-            <p:cNvSpPr txBox="1"/>
-            <p:nvPr/>
-          </p:nvSpPr>
-          <p:spPr>
-            <a:xfrm>
-              <a:off x="1916832" y="2339752"/>
-              <a:ext cx="3528392" cy="769441"/>
-            </a:xfrm>
-            <a:prstGeom prst="rect">
-              <a:avLst/>
-            </a:prstGeom>
-            <a:noFill/>
-          </p:spPr>
-          <p:txBody>
-            <a:bodyPr wrap="square" rtlCol="0">
-              <a:spAutoFit/>
-            </a:bodyPr>
-            <a:lstStyle/>
-            <a:p>
-              <a:r>
-                <a:rPr kumimoji="1" lang="ja-JP" altLang="en-US" sz="4400" dirty="0" smtClean="0"/>
-                <a:t>　　</a:t>
-              </a:r>
-              <a:r>
-                <a:rPr kumimoji="1" lang="ja-JP" altLang="en-US" sz="4400" dirty="0" err="1" smtClean="0"/>
-                <a:t>ーー</a:t>
-              </a:r>
-              <a:r>
-                <a:rPr kumimoji="1" lang="en-US" altLang="ja-JP" sz="4400" dirty="0" smtClean="0"/>
-                <a:t>	</a:t>
-              </a:r>
-              <a:r>
-                <a:rPr kumimoji="1" lang="ja-JP" altLang="en-US" sz="4400" dirty="0" smtClean="0"/>
-                <a:t>　　</a:t>
-              </a:r>
-              <a:r>
-                <a:rPr kumimoji="1" lang="en-US" altLang="ja-JP" sz="4400" dirty="0" smtClean="0"/>
-                <a:t>×</a:t>
-              </a:r>
-              <a:endParaRPr kumimoji="1" lang="ja-JP" altLang="en-US" sz="4400" dirty="0"/>
-            </a:p>
-          </p:txBody>
-        </p:sp>
-      </p:grpSp>
-      <p:sp>
-        <p:nvSpPr>
-          <p:cNvPr id="33" name="正方形/長方形 32"/>
-          <p:cNvSpPr/>
-          <p:nvPr/>
-        </p:nvSpPr>
-        <p:spPr>
-          <a:xfrm>
-            <a:off x="6813375" y="936104"/>
-            <a:ext cx="45719" cy="8207896"/>
-          </a:xfrm>
-          <a:prstGeom prst="rect">
-            <a:avLst/>
-          </a:prstGeom>
-          <a:solidFill>
-            <a:schemeClr val="bg1"/>
-          </a:solidFill>
-        </p:spPr>
-        <p:style>
-          <a:lnRef idx="2">
-            <a:schemeClr val="accent1">
-              <a:shade val="50000"/>
-            </a:schemeClr>
-          </a:lnRef>
-          <a:fillRef idx="1">
-            <a:schemeClr val="accent1"/>
-          </a:fillRef>
-          <a:effectRef idx="0">
-            <a:schemeClr val="accent1"/>
-          </a:effectRef>
-          <a:fontRef idx="minor">
-            <a:schemeClr val="lt1"/>
-          </a:fontRef>
-        </p:style>
-        <p:txBody>
-          <a:bodyPr rtlCol="0" anchor="ctr"/>
-          <a:lstStyle/>
-          <a:p>
-            <a:pPr algn="ctr"/>
-            <a:endParaRPr kumimoji="1" lang="ja-JP" altLang="en-US"/>
-          </a:p>
-        </p:txBody>
-      </p:sp>
-      <p:sp>
-        <p:nvSpPr>
-          <p:cNvPr id="34" name="円/楕円 33"/>
-          <p:cNvSpPr/>
-          <p:nvPr/>
-        </p:nvSpPr>
-        <p:spPr>
-          <a:xfrm>
-            <a:off x="6525344" y="4139952"/>
-            <a:ext cx="432048" cy="432048"/>
-          </a:xfrm>
-          <a:prstGeom prst="ellipse">
-            <a:avLst/>
-          </a:prstGeom>
-          <a:solidFill>
-            <a:schemeClr val="tx1">
-              <a:lumMod val="50000"/>
-              <a:lumOff val="50000"/>
-            </a:schemeClr>
-          </a:solidFill>
-          <a:ln>
-            <a:noFill/>
-          </a:ln>
-        </p:spPr>
-        <p:style>
-          <a:lnRef idx="2">
-            <a:schemeClr val="accent1">
-              <a:shade val="50000"/>
-            </a:schemeClr>
-          </a:lnRef>
-          <a:fillRef idx="1">
-            <a:schemeClr val="accent1"/>
-          </a:fillRef>
-          <a:effectRef idx="0">
-            <a:schemeClr val="accent1"/>
-          </a:effectRef>
-          <a:fontRef idx="minor">
-            <a:schemeClr val="lt1"/>
-          </a:fontRef>
-        </p:style>
-        <p:txBody>
-          <a:bodyPr rtlCol="0" anchor="ctr"/>
-          <a:lstStyle/>
-          <a:p>
-            <a:pPr algn="ctr"/>
-            <a:endParaRPr kumimoji="1" lang="ja-JP" altLang="en-US"/>
-          </a:p>
-        </p:txBody>
-      </p:sp>
-      <p:grpSp>
-        <p:nvGrpSpPr>
-          <p:cNvPr id="35" name="グループ化 34"/>
-          <p:cNvGrpSpPr/>
-          <p:nvPr/>
-        </p:nvGrpSpPr>
-        <p:grpSpPr>
-          <a:xfrm>
-            <a:off x="1700808" y="7668344"/>
-            <a:ext cx="4104456" cy="1152127"/>
-            <a:chOff x="1628800" y="2051722"/>
-            <a:chExt cx="4104456" cy="1152127"/>
-          </a:xfrm>
-        </p:grpSpPr>
-        <p:pic>
-          <p:nvPicPr>
-            <p:cNvPr id="36" name="図 35" descr="22.png"/>
-            <p:cNvPicPr>
-              <a:picLocks noChangeAspect="1"/>
-            </p:cNvPicPr>
-            <p:nvPr/>
-          </p:nvPicPr>
-          <p:blipFill>
-            <a:blip r:embed="rId4" cstate="print"/>
-            <a:stretch>
-              <a:fillRect/>
-            </a:stretch>
-          </p:blipFill>
-          <p:spPr>
-            <a:xfrm>
-              <a:off x="1628800" y="2051722"/>
-              <a:ext cx="4104456" cy="1152127"/>
-            </a:xfrm>
-            <a:prstGeom prst="rect">
-              <a:avLst/>
-            </a:prstGeom>
-          </p:spPr>
-        </p:pic>
-        <p:sp>
-          <p:nvSpPr>
-            <p:cNvPr id="37" name="テキスト ボックス 36"/>
-            <p:cNvSpPr txBox="1"/>
-            <p:nvPr/>
-          </p:nvSpPr>
-          <p:spPr>
-            <a:xfrm>
-              <a:off x="1916832" y="2339752"/>
-              <a:ext cx="3528392" cy="769441"/>
-            </a:xfrm>
-            <a:prstGeom prst="rect">
-              <a:avLst/>
-            </a:prstGeom>
-            <a:noFill/>
-          </p:spPr>
-          <p:txBody>
-            <a:bodyPr wrap="square" rtlCol="0">
-              <a:spAutoFit/>
-            </a:bodyPr>
-            <a:lstStyle/>
-            <a:p>
-              <a:r>
-                <a:rPr kumimoji="1" lang="ja-JP" altLang="en-US" sz="4400" dirty="0" smtClean="0"/>
-                <a:t>　　</a:t>
-              </a:r>
-              <a:r>
-                <a:rPr kumimoji="1" lang="ja-JP" altLang="en-US" sz="4400" dirty="0" err="1" smtClean="0"/>
-                <a:t>ーー</a:t>
-              </a:r>
-              <a:r>
-                <a:rPr kumimoji="1" lang="en-US" altLang="ja-JP" sz="4400" dirty="0" smtClean="0"/>
-                <a:t>	</a:t>
-              </a:r>
-              <a:r>
-                <a:rPr kumimoji="1" lang="ja-JP" altLang="en-US" sz="4400" dirty="0" smtClean="0"/>
-                <a:t>　　</a:t>
-              </a:r>
-              <a:r>
-                <a:rPr kumimoji="1" lang="en-US" altLang="ja-JP" sz="4400" dirty="0" smtClean="0"/>
-                <a:t>×</a:t>
-              </a:r>
-              <a:endParaRPr kumimoji="1" lang="ja-JP" altLang="en-US" sz="4400" dirty="0"/>
-            </a:p>
-          </p:txBody>
-        </p:sp>
-      </p:grpSp>
+            <a:endParaRPr kumimoji="1" lang="ja-JP" altLang="en-US" dirty="0" smtClean="0"/>
+          </a:p>
+        </p:txBody>
+      </p:sp>
       <p:pic>
         <p:nvPicPr>
-          <p:cNvPr id="21" name="図 20" descr="1.png"/>
+          <p:cNvPr id="13" name="図 12" descr="23.png"/>
           <p:cNvPicPr>
             <a:picLocks noChangeAspect="1"/>
           </p:cNvPicPr>
@@ -8565,7 +8903,7 @@
         </p:nvPicPr>
         <p:blipFill>
           <a:blip r:embed="rId5" cstate="print">
-            <a:lum bright="40000"/>
+            <a:lum bright="100000" contrast="2000"/>
           </a:blip>
           <a:stretch>
             <a:fillRect/>
@@ -8573,52 +8911,14 @@
         </p:blipFill>
         <p:spPr>
           <a:xfrm>
-            <a:off x="5949280" y="0"/>
-            <a:ext cx="755576" cy="827584"/>
+            <a:off x="188640" y="134888"/>
+            <a:ext cx="620688" cy="620688"/>
           </a:xfrm>
           <a:prstGeom prst="rect">
             <a:avLst/>
           </a:prstGeom>
         </p:spPr>
       </p:pic>
-      <p:sp>
-        <p:nvSpPr>
-          <p:cNvPr id="23" name="正方形/長方形 22"/>
-          <p:cNvSpPr/>
-          <p:nvPr/>
-        </p:nvSpPr>
-        <p:spPr>
-          <a:xfrm>
-            <a:off x="1988840" y="160348"/>
-            <a:ext cx="2952328" cy="523220"/>
-          </a:xfrm>
-          <a:prstGeom prst="rect">
-            <a:avLst/>
-          </a:prstGeom>
-        </p:spPr>
-        <p:txBody>
-          <a:bodyPr wrap="square">
-            <a:spAutoFit/>
-          </a:bodyPr>
-          <a:lstStyle/>
-          <a:p>
-            <a:pPr algn="ctr"/>
-            <a:r>
-              <a:rPr lang="ja-JP" altLang="en-US" sz="2800" dirty="0" smtClean="0">
-                <a:solidFill>
-                  <a:schemeClr val="bg1"/>
-                </a:solidFill>
-              </a:rPr>
-              <a:t>キーフレーズ管理</a:t>
-            </a:r>
-            <a:endParaRPr lang="ja-JP" altLang="en-US" sz="2800" dirty="0">
-              <a:solidFill>
-                <a:schemeClr val="bg1"/>
-              </a:solidFill>
-            </a:endParaRPr>
-          </a:p>
-        </p:txBody>
-      </p:sp>
     </p:spTree>
   </p:cSld>
   <p:clrMapOvr>
@@ -8653,6 +8953,746 @@
       </p:grpSpPr>
       <p:sp>
         <p:nvSpPr>
+          <p:cNvPr id="32" name="正方形/長方形 31"/>
+          <p:cNvSpPr/>
+          <p:nvPr/>
+        </p:nvSpPr>
+        <p:spPr>
+          <a:xfrm>
+            <a:off x="4725144" y="1115616"/>
+            <a:ext cx="1275570" cy="542430"/>
+          </a:xfrm>
+          <a:prstGeom prst="rect">
+            <a:avLst/>
+          </a:prstGeom>
+          <a:blipFill>
+            <a:blip r:embed="rId3" cstate="print"/>
+            <a:stretch>
+              <a:fillRect/>
+            </a:stretch>
+          </a:blipFill>
+          <a:ln>
+            <a:noFill/>
+          </a:ln>
+          <a:effectLst>
+            <a:outerShdw blurRad="63500" sx="102000" sy="102000" algn="ctr" rotWithShape="0">
+              <a:prstClr val="black">
+                <a:alpha val="40000"/>
+              </a:prstClr>
+            </a:outerShdw>
+          </a:effectLst>
+        </p:spPr>
+        <p:style>
+          <a:lnRef idx="2">
+            <a:schemeClr val="accent1">
+              <a:shade val="50000"/>
+            </a:schemeClr>
+          </a:lnRef>
+          <a:fillRef idx="1">
+            <a:schemeClr val="accent1"/>
+          </a:fillRef>
+          <a:effectRef idx="0">
+            <a:schemeClr val="accent1"/>
+          </a:effectRef>
+          <a:fontRef idx="minor">
+            <a:schemeClr val="lt1"/>
+          </a:fontRef>
+        </p:style>
+        <p:txBody>
+          <a:bodyPr rtlCol="0" anchor="ctr"/>
+          <a:lstStyle/>
+          <a:p>
+            <a:pPr algn="ctr"/>
+            <a:r>
+              <a:rPr lang="ja-JP" altLang="en-US" dirty="0" smtClean="0"/>
+              <a:t>検索</a:t>
+            </a:r>
+            <a:endParaRPr kumimoji="1" lang="ja-JP" altLang="en-US" dirty="0"/>
+          </a:p>
+        </p:txBody>
+      </p:sp>
+      <p:sp>
+        <p:nvSpPr>
+          <p:cNvPr id="13" name="テキスト ボックス 12"/>
+          <p:cNvSpPr txBox="1"/>
+          <p:nvPr/>
+        </p:nvSpPr>
+        <p:spPr>
+          <a:xfrm>
+            <a:off x="1340768" y="1115616"/>
+            <a:ext cx="3188926" cy="584775"/>
+          </a:xfrm>
+          <a:prstGeom prst="rect">
+            <a:avLst/>
+          </a:prstGeom>
+          <a:solidFill>
+            <a:schemeClr val="bg1"/>
+          </a:solidFill>
+        </p:spPr>
+        <p:txBody>
+          <a:bodyPr wrap="square" rtlCol="0">
+            <a:spAutoFit/>
+          </a:bodyPr>
+          <a:lstStyle/>
+          <a:p>
+            <a:endParaRPr kumimoji="1" lang="ja-JP" altLang="en-US" sz="3200" dirty="0"/>
+          </a:p>
+        </p:txBody>
+      </p:sp>
+      <p:grpSp>
+        <p:nvGrpSpPr>
+          <p:cNvPr id="38" name="グループ化 37"/>
+          <p:cNvGrpSpPr/>
+          <p:nvPr/>
+        </p:nvGrpSpPr>
+        <p:grpSpPr>
+          <a:xfrm>
+            <a:off x="1746519" y="2083224"/>
+            <a:ext cx="3797010" cy="1661192"/>
+            <a:chOff x="1895918" y="1763688"/>
+            <a:chExt cx="3858252" cy="1984720"/>
+          </a:xfrm>
+        </p:grpSpPr>
+        <p:pic>
+          <p:nvPicPr>
+            <p:cNvPr id="25" name="図 24" descr="9.png"/>
+            <p:cNvPicPr>
+              <a:picLocks noChangeAspect="1"/>
+            </p:cNvPicPr>
+            <p:nvPr/>
+          </p:nvPicPr>
+          <p:blipFill>
+            <a:blip r:embed="rId4" cstate="print"/>
+            <a:stretch>
+              <a:fillRect/>
+            </a:stretch>
+          </p:blipFill>
+          <p:spPr>
+            <a:xfrm>
+              <a:off x="1895918" y="1763688"/>
+              <a:ext cx="3858252" cy="1984720"/>
+            </a:xfrm>
+            <a:prstGeom prst="rect">
+              <a:avLst/>
+            </a:prstGeom>
+          </p:spPr>
+        </p:pic>
+        <p:sp>
+          <p:nvSpPr>
+            <p:cNvPr id="24" name="テキスト ボックス 23"/>
+            <p:cNvSpPr txBox="1"/>
+            <p:nvPr/>
+          </p:nvSpPr>
+          <p:spPr>
+            <a:xfrm>
+              <a:off x="1988840" y="2195736"/>
+              <a:ext cx="3528392" cy="769441"/>
+            </a:xfrm>
+            <a:prstGeom prst="rect">
+              <a:avLst/>
+            </a:prstGeom>
+            <a:noFill/>
+          </p:spPr>
+          <p:txBody>
+            <a:bodyPr wrap="square" rtlCol="0">
+              <a:spAutoFit/>
+            </a:bodyPr>
+            <a:lstStyle/>
+            <a:p>
+              <a:r>
+                <a:rPr kumimoji="1" lang="ja-JP" altLang="en-US" sz="4400" dirty="0" smtClean="0"/>
+                <a:t>　　</a:t>
+              </a:r>
+              <a:r>
+                <a:rPr kumimoji="1" lang="ja-JP" altLang="en-US" sz="4400" dirty="0" err="1" smtClean="0"/>
+                <a:t>ーー</a:t>
+              </a:r>
+              <a:r>
+                <a:rPr kumimoji="1" lang="en-US" altLang="ja-JP" sz="4400" dirty="0" smtClean="0"/>
+                <a:t>	</a:t>
+              </a:r>
+              <a:r>
+                <a:rPr kumimoji="1" lang="ja-JP" altLang="en-US" sz="4400" dirty="0" smtClean="0"/>
+                <a:t>　　</a:t>
+              </a:r>
+              <a:r>
+                <a:rPr kumimoji="1" lang="en-US" altLang="ja-JP" sz="4400" dirty="0" smtClean="0"/>
+                <a:t>×</a:t>
+              </a:r>
+              <a:endParaRPr kumimoji="1" lang="ja-JP" altLang="en-US" sz="4400" dirty="0"/>
+            </a:p>
+          </p:txBody>
+        </p:sp>
+      </p:grpSp>
+      <p:sp>
+        <p:nvSpPr>
+          <p:cNvPr id="33" name="正方形/長方形 32"/>
+          <p:cNvSpPr/>
+          <p:nvPr/>
+        </p:nvSpPr>
+        <p:spPr>
+          <a:xfrm>
+            <a:off x="6741367" y="1907704"/>
+            <a:ext cx="116633" cy="7056784"/>
+          </a:xfrm>
+          <a:prstGeom prst="rect">
+            <a:avLst/>
+          </a:prstGeom>
+          <a:solidFill>
+            <a:schemeClr val="bg1"/>
+          </a:solidFill>
+        </p:spPr>
+        <p:style>
+          <a:lnRef idx="2">
+            <a:schemeClr val="accent1">
+              <a:shade val="50000"/>
+            </a:schemeClr>
+          </a:lnRef>
+          <a:fillRef idx="1">
+            <a:schemeClr val="accent1"/>
+          </a:fillRef>
+          <a:effectRef idx="0">
+            <a:schemeClr val="accent1"/>
+          </a:effectRef>
+          <a:fontRef idx="minor">
+            <a:schemeClr val="lt1"/>
+          </a:fontRef>
+        </p:style>
+        <p:txBody>
+          <a:bodyPr rtlCol="0" anchor="ctr"/>
+          <a:lstStyle/>
+          <a:p>
+            <a:pPr algn="ctr"/>
+            <a:endParaRPr kumimoji="1" lang="ja-JP" altLang="en-US"/>
+          </a:p>
+        </p:txBody>
+      </p:sp>
+      <p:sp>
+        <p:nvSpPr>
+          <p:cNvPr id="34" name="円/楕円 33"/>
+          <p:cNvSpPr/>
+          <p:nvPr/>
+        </p:nvSpPr>
+        <p:spPr>
+          <a:xfrm>
+            <a:off x="6525344" y="4139952"/>
+            <a:ext cx="432048" cy="432048"/>
+          </a:xfrm>
+          <a:prstGeom prst="ellipse">
+            <a:avLst/>
+          </a:prstGeom>
+          <a:solidFill>
+            <a:schemeClr val="tx1">
+              <a:lumMod val="50000"/>
+              <a:lumOff val="50000"/>
+            </a:schemeClr>
+          </a:solidFill>
+          <a:ln>
+            <a:noFill/>
+          </a:ln>
+        </p:spPr>
+        <p:style>
+          <a:lnRef idx="2">
+            <a:schemeClr val="accent1">
+              <a:shade val="50000"/>
+            </a:schemeClr>
+          </a:lnRef>
+          <a:fillRef idx="1">
+            <a:schemeClr val="accent1"/>
+          </a:fillRef>
+          <a:effectRef idx="0">
+            <a:schemeClr val="accent1"/>
+          </a:effectRef>
+          <a:fontRef idx="minor">
+            <a:schemeClr val="lt1"/>
+          </a:fontRef>
+        </p:style>
+        <p:txBody>
+          <a:bodyPr rtlCol="0" anchor="ctr"/>
+          <a:lstStyle/>
+          <a:p>
+            <a:pPr algn="ctr"/>
+            <a:endParaRPr kumimoji="1" lang="ja-JP" altLang="en-US"/>
+          </a:p>
+        </p:txBody>
+      </p:sp>
+      <p:sp>
+        <p:nvSpPr>
+          <p:cNvPr id="23" name="正方形/長方形 22"/>
+          <p:cNvSpPr/>
+          <p:nvPr/>
+        </p:nvSpPr>
+        <p:spPr>
+          <a:xfrm>
+            <a:off x="1988840" y="160348"/>
+            <a:ext cx="2952328" cy="523220"/>
+          </a:xfrm>
+          <a:prstGeom prst="rect">
+            <a:avLst/>
+          </a:prstGeom>
+        </p:spPr>
+        <p:txBody>
+          <a:bodyPr wrap="square">
+            <a:spAutoFit/>
+          </a:bodyPr>
+          <a:lstStyle/>
+          <a:p>
+            <a:pPr algn="ctr"/>
+            <a:r>
+              <a:rPr lang="ja-JP" altLang="en-US" sz="2800" dirty="0" smtClean="0">
+                <a:solidFill>
+                  <a:schemeClr val="bg1"/>
+                </a:solidFill>
+              </a:rPr>
+              <a:t>キーフレーズ管理</a:t>
+            </a:r>
+            <a:endParaRPr lang="ja-JP" altLang="en-US" sz="2800" dirty="0">
+              <a:solidFill>
+                <a:schemeClr val="bg1"/>
+              </a:solidFill>
+            </a:endParaRPr>
+          </a:p>
+        </p:txBody>
+      </p:sp>
+      <p:grpSp>
+        <p:nvGrpSpPr>
+          <p:cNvPr id="48" name="グループ化 47"/>
+          <p:cNvGrpSpPr/>
+          <p:nvPr/>
+        </p:nvGrpSpPr>
+        <p:grpSpPr>
+          <a:xfrm>
+            <a:off x="1700808" y="3923928"/>
+            <a:ext cx="3797010" cy="1661192"/>
+            <a:chOff x="1895918" y="1763688"/>
+            <a:chExt cx="3858252" cy="1984720"/>
+          </a:xfrm>
+        </p:grpSpPr>
+        <p:pic>
+          <p:nvPicPr>
+            <p:cNvPr id="49" name="図 48" descr="9.png"/>
+            <p:cNvPicPr>
+              <a:picLocks noChangeAspect="1"/>
+            </p:cNvPicPr>
+            <p:nvPr/>
+          </p:nvPicPr>
+          <p:blipFill>
+            <a:blip r:embed="rId4" cstate="print"/>
+            <a:stretch>
+              <a:fillRect/>
+            </a:stretch>
+          </p:blipFill>
+          <p:spPr>
+            <a:xfrm>
+              <a:off x="1895918" y="1763688"/>
+              <a:ext cx="3858252" cy="1984720"/>
+            </a:xfrm>
+            <a:prstGeom prst="rect">
+              <a:avLst/>
+            </a:prstGeom>
+          </p:spPr>
+        </p:pic>
+        <p:sp>
+          <p:nvSpPr>
+            <p:cNvPr id="50" name="テキスト ボックス 49"/>
+            <p:cNvSpPr txBox="1"/>
+            <p:nvPr/>
+          </p:nvSpPr>
+          <p:spPr>
+            <a:xfrm>
+              <a:off x="1988840" y="2195736"/>
+              <a:ext cx="3528392" cy="769441"/>
+            </a:xfrm>
+            <a:prstGeom prst="rect">
+              <a:avLst/>
+            </a:prstGeom>
+            <a:noFill/>
+          </p:spPr>
+          <p:txBody>
+            <a:bodyPr wrap="square" rtlCol="0">
+              <a:spAutoFit/>
+            </a:bodyPr>
+            <a:lstStyle/>
+            <a:p>
+              <a:r>
+                <a:rPr kumimoji="1" lang="ja-JP" altLang="en-US" sz="4400" dirty="0" smtClean="0"/>
+                <a:t>　　</a:t>
+              </a:r>
+              <a:r>
+                <a:rPr kumimoji="1" lang="ja-JP" altLang="en-US" sz="4400" dirty="0" err="1" smtClean="0"/>
+                <a:t>ーー</a:t>
+              </a:r>
+              <a:r>
+                <a:rPr kumimoji="1" lang="en-US" altLang="ja-JP" sz="4400" dirty="0" smtClean="0"/>
+                <a:t>	</a:t>
+              </a:r>
+              <a:r>
+                <a:rPr kumimoji="1" lang="ja-JP" altLang="en-US" sz="4400" dirty="0" smtClean="0"/>
+                <a:t>　　</a:t>
+              </a:r>
+              <a:r>
+                <a:rPr kumimoji="1" lang="en-US" altLang="ja-JP" sz="4400" dirty="0" smtClean="0"/>
+                <a:t>×</a:t>
+              </a:r>
+              <a:endParaRPr kumimoji="1" lang="ja-JP" altLang="en-US" sz="4400" dirty="0"/>
+            </a:p>
+          </p:txBody>
+        </p:sp>
+      </p:grpSp>
+      <p:grpSp>
+        <p:nvGrpSpPr>
+          <p:cNvPr id="51" name="グループ化 50"/>
+          <p:cNvGrpSpPr/>
+          <p:nvPr/>
+        </p:nvGrpSpPr>
+        <p:grpSpPr>
+          <a:xfrm>
+            <a:off x="1720222" y="5796136"/>
+            <a:ext cx="3797010" cy="1661192"/>
+            <a:chOff x="1842476" y="1763688"/>
+            <a:chExt cx="3858252" cy="1984720"/>
+          </a:xfrm>
+        </p:grpSpPr>
+        <p:pic>
+          <p:nvPicPr>
+            <p:cNvPr id="52" name="図 51" descr="9.png"/>
+            <p:cNvPicPr>
+              <a:picLocks noChangeAspect="1"/>
+            </p:cNvPicPr>
+            <p:nvPr/>
+          </p:nvPicPr>
+          <p:blipFill>
+            <a:blip r:embed="rId4" cstate="print"/>
+            <a:stretch>
+              <a:fillRect/>
+            </a:stretch>
+          </p:blipFill>
+          <p:spPr>
+            <a:xfrm>
+              <a:off x="1842476" y="1763688"/>
+              <a:ext cx="3858252" cy="1984720"/>
+            </a:xfrm>
+            <a:prstGeom prst="rect">
+              <a:avLst/>
+            </a:prstGeom>
+          </p:spPr>
+        </p:pic>
+        <p:sp>
+          <p:nvSpPr>
+            <p:cNvPr id="53" name="テキスト ボックス 52"/>
+            <p:cNvSpPr txBox="1"/>
+            <p:nvPr/>
+          </p:nvSpPr>
+          <p:spPr>
+            <a:xfrm>
+              <a:off x="1988840" y="2195736"/>
+              <a:ext cx="3528392" cy="769441"/>
+            </a:xfrm>
+            <a:prstGeom prst="rect">
+              <a:avLst/>
+            </a:prstGeom>
+            <a:noFill/>
+          </p:spPr>
+          <p:txBody>
+            <a:bodyPr wrap="square" rtlCol="0">
+              <a:spAutoFit/>
+            </a:bodyPr>
+            <a:lstStyle/>
+            <a:p>
+              <a:r>
+                <a:rPr kumimoji="1" lang="ja-JP" altLang="en-US" sz="4400" dirty="0" smtClean="0"/>
+                <a:t>　　</a:t>
+              </a:r>
+              <a:r>
+                <a:rPr kumimoji="1" lang="ja-JP" altLang="en-US" sz="4400" dirty="0" err="1" smtClean="0"/>
+                <a:t>ーー</a:t>
+              </a:r>
+              <a:r>
+                <a:rPr kumimoji="1" lang="en-US" altLang="ja-JP" sz="4400" dirty="0" smtClean="0"/>
+                <a:t>	</a:t>
+              </a:r>
+              <a:r>
+                <a:rPr kumimoji="1" lang="ja-JP" altLang="en-US" sz="4400" dirty="0" smtClean="0"/>
+                <a:t>　　</a:t>
+              </a:r>
+              <a:r>
+                <a:rPr kumimoji="1" lang="en-US" altLang="ja-JP" sz="4400" dirty="0" smtClean="0"/>
+                <a:t>×</a:t>
+              </a:r>
+              <a:endParaRPr kumimoji="1" lang="ja-JP" altLang="en-US" sz="4400" dirty="0"/>
+            </a:p>
+          </p:txBody>
+        </p:sp>
+      </p:grpSp>
+      <p:sp>
+        <p:nvSpPr>
+          <p:cNvPr id="60" name="角丸四角形 59"/>
+          <p:cNvSpPr/>
+          <p:nvPr/>
+        </p:nvSpPr>
+        <p:spPr>
+          <a:xfrm>
+            <a:off x="5805264" y="0"/>
+            <a:ext cx="1052736" cy="827584"/>
+          </a:xfrm>
+          <a:prstGeom prst="roundRect">
+            <a:avLst/>
+          </a:prstGeom>
+          <a:blipFill>
+            <a:blip r:embed="rId5" cstate="print"/>
+            <a:stretch>
+              <a:fillRect/>
+            </a:stretch>
+          </a:blipFill>
+          <a:ln>
+            <a:noFill/>
+          </a:ln>
+        </p:spPr>
+        <p:style>
+          <a:lnRef idx="2">
+            <a:schemeClr val="accent1">
+              <a:shade val="50000"/>
+            </a:schemeClr>
+          </a:lnRef>
+          <a:fillRef idx="1">
+            <a:schemeClr val="accent1"/>
+          </a:fillRef>
+          <a:effectRef idx="0">
+            <a:schemeClr val="accent1"/>
+          </a:effectRef>
+          <a:fontRef idx="minor">
+            <a:schemeClr val="lt1"/>
+          </a:fontRef>
+        </p:style>
+        <p:txBody>
+          <a:bodyPr rtlCol="0" anchor="ctr"/>
+          <a:lstStyle/>
+          <a:p>
+            <a:pPr algn="ctr"/>
+            <a:endParaRPr kumimoji="1" lang="ja-JP" altLang="en-US" dirty="0" smtClean="0"/>
+          </a:p>
+        </p:txBody>
+      </p:sp>
+      <p:grpSp>
+        <p:nvGrpSpPr>
+          <p:cNvPr id="54" name="グループ化 53"/>
+          <p:cNvGrpSpPr/>
+          <p:nvPr/>
+        </p:nvGrpSpPr>
+        <p:grpSpPr>
+          <a:xfrm>
+            <a:off x="1772816" y="7482808"/>
+            <a:ext cx="3797010" cy="1661192"/>
+            <a:chOff x="1895918" y="1763688"/>
+            <a:chExt cx="3858252" cy="1984720"/>
+          </a:xfrm>
+        </p:grpSpPr>
+        <p:pic>
+          <p:nvPicPr>
+            <p:cNvPr id="55" name="図 54" descr="9.png"/>
+            <p:cNvPicPr>
+              <a:picLocks noChangeAspect="1"/>
+            </p:cNvPicPr>
+            <p:nvPr/>
+          </p:nvPicPr>
+          <p:blipFill>
+            <a:blip r:embed="rId4" cstate="print"/>
+            <a:stretch>
+              <a:fillRect/>
+            </a:stretch>
+          </p:blipFill>
+          <p:spPr>
+            <a:xfrm>
+              <a:off x="1895918" y="1763688"/>
+              <a:ext cx="3858252" cy="1984720"/>
+            </a:xfrm>
+            <a:prstGeom prst="rect">
+              <a:avLst/>
+            </a:prstGeom>
+          </p:spPr>
+        </p:pic>
+        <p:sp>
+          <p:nvSpPr>
+            <p:cNvPr id="56" name="テキスト ボックス 55"/>
+            <p:cNvSpPr txBox="1"/>
+            <p:nvPr/>
+          </p:nvSpPr>
+          <p:spPr>
+            <a:xfrm>
+              <a:off x="1988840" y="2195736"/>
+              <a:ext cx="3528392" cy="769441"/>
+            </a:xfrm>
+            <a:prstGeom prst="rect">
+              <a:avLst/>
+            </a:prstGeom>
+            <a:noFill/>
+          </p:spPr>
+          <p:txBody>
+            <a:bodyPr wrap="square" rtlCol="0">
+              <a:spAutoFit/>
+            </a:bodyPr>
+            <a:lstStyle/>
+            <a:p>
+              <a:r>
+                <a:rPr kumimoji="1" lang="ja-JP" altLang="en-US" sz="4400" dirty="0" smtClean="0"/>
+                <a:t>　　</a:t>
+              </a:r>
+              <a:r>
+                <a:rPr kumimoji="1" lang="ja-JP" altLang="en-US" sz="4400" dirty="0" err="1" smtClean="0"/>
+                <a:t>ーー</a:t>
+              </a:r>
+              <a:r>
+                <a:rPr kumimoji="1" lang="en-US" altLang="ja-JP" sz="4400" dirty="0" smtClean="0"/>
+                <a:t>	</a:t>
+              </a:r>
+              <a:r>
+                <a:rPr kumimoji="1" lang="ja-JP" altLang="en-US" sz="4400" dirty="0" smtClean="0"/>
+                <a:t>　　</a:t>
+              </a:r>
+              <a:r>
+                <a:rPr kumimoji="1" lang="en-US" altLang="ja-JP" sz="4400" dirty="0" smtClean="0"/>
+                <a:t>×</a:t>
+              </a:r>
+              <a:endParaRPr kumimoji="1" lang="ja-JP" altLang="en-US" sz="4400" dirty="0"/>
+            </a:p>
+          </p:txBody>
+        </p:sp>
+      </p:grpSp>
+      <p:sp>
+        <p:nvSpPr>
+          <p:cNvPr id="58" name="角丸四角形 57"/>
+          <p:cNvSpPr/>
+          <p:nvPr/>
+        </p:nvSpPr>
+        <p:spPr>
+          <a:xfrm>
+            <a:off x="0" y="0"/>
+            <a:ext cx="1052736" cy="827584"/>
+          </a:xfrm>
+          <a:prstGeom prst="roundRect">
+            <a:avLst/>
+          </a:prstGeom>
+          <a:blipFill>
+            <a:blip r:embed="rId5" cstate="print"/>
+            <a:stretch>
+              <a:fillRect/>
+            </a:stretch>
+          </a:blipFill>
+          <a:ln>
+            <a:noFill/>
+          </a:ln>
+        </p:spPr>
+        <p:style>
+          <a:lnRef idx="2">
+            <a:schemeClr val="accent1">
+              <a:shade val="50000"/>
+            </a:schemeClr>
+          </a:lnRef>
+          <a:fillRef idx="1">
+            <a:schemeClr val="accent1"/>
+          </a:fillRef>
+          <a:effectRef idx="0">
+            <a:schemeClr val="accent1"/>
+          </a:effectRef>
+          <a:fontRef idx="minor">
+            <a:schemeClr val="lt1"/>
+          </a:fontRef>
+        </p:style>
+        <p:txBody>
+          <a:bodyPr rtlCol="0" anchor="ctr"/>
+          <a:lstStyle/>
+          <a:p>
+            <a:pPr algn="ctr"/>
+            <a:endParaRPr kumimoji="1" lang="ja-JP" altLang="en-US" dirty="0" smtClean="0"/>
+          </a:p>
+        </p:txBody>
+      </p:sp>
+      <p:pic>
+        <p:nvPicPr>
+          <p:cNvPr id="59" name="図 58" descr="23.png"/>
+          <p:cNvPicPr>
+            <a:picLocks noChangeAspect="1"/>
+          </p:cNvPicPr>
+          <p:nvPr/>
+        </p:nvPicPr>
+        <p:blipFill>
+          <a:blip r:embed="rId6" cstate="print">
+            <a:lum bright="100000" contrast="2000"/>
+          </a:blip>
+          <a:stretch>
+            <a:fillRect/>
+          </a:stretch>
+        </p:blipFill>
+        <p:spPr>
+          <a:xfrm>
+            <a:off x="188640" y="134888"/>
+            <a:ext cx="620688" cy="620688"/>
+          </a:xfrm>
+          <a:prstGeom prst="rect">
+            <a:avLst/>
+          </a:prstGeom>
+        </p:spPr>
+      </p:pic>
+      <p:pic>
+        <p:nvPicPr>
+          <p:cNvPr id="21" name="図 20" descr="1.png"/>
+          <p:cNvPicPr>
+            <a:picLocks noChangeAspect="1"/>
+          </p:cNvPicPr>
+          <p:nvPr/>
+        </p:nvPicPr>
+        <p:blipFill>
+          <a:blip r:embed="rId7" cstate="print">
+            <a:lum bright="100000"/>
+          </a:blip>
+          <a:stretch>
+            <a:fillRect/>
+          </a:stretch>
+        </p:blipFill>
+        <p:spPr>
+          <a:xfrm>
+            <a:off x="5913784" y="0"/>
+            <a:ext cx="755576" cy="827584"/>
+          </a:xfrm>
+          <a:prstGeom prst="rect">
+            <a:avLst/>
+          </a:prstGeom>
+        </p:spPr>
+      </p:pic>
+    </p:spTree>
+  </p:cSld>
+  <p:clrMapOvr>
+    <a:masterClrMapping/>
+  </p:clrMapOvr>
+  <p:timing>
+    <p:tnLst>
+      <p:par>
+        <p:cTn id="1" dur="indefinite" restart="never" nodeType="tmRoot"/>
+      </p:par>
+    </p:tnLst>
+  </p:timing>
+</p:sld>
+</file>
+
+<file path=ppt/slides/slide7.xml><?xml version="1.0" encoding="utf-8"?>
+<p:sld xmlns:a="http://schemas.openxmlformats.org/drawingml/2006/main" xmlns:r="http://schemas.openxmlformats.org/officeDocument/2006/relationships" xmlns:p="http://schemas.openxmlformats.org/presentationml/2006/main">
+  <p:cSld>
+    <p:spTree>
+      <p:nvGrpSpPr>
+        <p:cNvPr id="1" name=""/>
+        <p:cNvGrpSpPr/>
+        <p:nvPr/>
+      </p:nvGrpSpPr>
+      <p:grpSpPr>
+        <a:xfrm>
+          <a:off x="0" y="0"/>
+          <a:ext cx="0" cy="0"/>
+          <a:chOff x="0" y="0"/>
+          <a:chExt cx="0" cy="0"/>
+        </a:xfrm>
+      </p:grpSpPr>
+      <p:sp>
+        <p:nvSpPr>
           <p:cNvPr id="36" name="正方形/長方形 35"/>
           <p:cNvSpPr/>
           <p:nvPr/>
@@ -8741,346 +9781,6 @@
           </a:p>
         </p:txBody>
       </p:sp>
-      <p:grpSp>
-        <p:nvGrpSpPr>
-          <p:cNvPr id="7" name="グループ化 6"/>
-          <p:cNvGrpSpPr/>
-          <p:nvPr/>
-        </p:nvGrpSpPr>
-        <p:grpSpPr>
-          <a:xfrm>
-            <a:off x="1700808" y="1907704"/>
-            <a:ext cx="4104456" cy="1152127"/>
-            <a:chOff x="1700808" y="2051721"/>
-            <a:chExt cx="4104456" cy="1152127"/>
-          </a:xfrm>
-        </p:grpSpPr>
-        <p:pic>
-          <p:nvPicPr>
-            <p:cNvPr id="8" name="図 7" descr="22.png"/>
-            <p:cNvPicPr>
-              <a:picLocks noChangeAspect="1"/>
-            </p:cNvPicPr>
-            <p:nvPr/>
-          </p:nvPicPr>
-          <p:blipFill>
-            <a:blip r:embed="rId4" cstate="print"/>
-            <a:stretch>
-              <a:fillRect/>
-            </a:stretch>
-          </p:blipFill>
-          <p:spPr>
-            <a:xfrm>
-              <a:off x="1700808" y="2051721"/>
-              <a:ext cx="4104456" cy="1152127"/>
-            </a:xfrm>
-            <a:prstGeom prst="rect">
-              <a:avLst/>
-            </a:prstGeom>
-          </p:spPr>
-        </p:pic>
-        <p:sp>
-          <p:nvSpPr>
-            <p:cNvPr id="9" name="テキスト ボックス 8"/>
-            <p:cNvSpPr txBox="1"/>
-            <p:nvPr/>
-          </p:nvSpPr>
-          <p:spPr>
-            <a:xfrm>
-              <a:off x="1916832" y="2339752"/>
-              <a:ext cx="3528392" cy="769441"/>
-            </a:xfrm>
-            <a:prstGeom prst="rect">
-              <a:avLst/>
-            </a:prstGeom>
-            <a:noFill/>
-          </p:spPr>
-          <p:txBody>
-            <a:bodyPr wrap="square" rtlCol="0">
-              <a:spAutoFit/>
-            </a:bodyPr>
-            <a:lstStyle/>
-            <a:p>
-              <a:r>
-                <a:rPr kumimoji="1" lang="ja-JP" altLang="en-US" sz="4400" dirty="0" smtClean="0"/>
-                <a:t>　　</a:t>
-              </a:r>
-              <a:r>
-                <a:rPr kumimoji="1" lang="ja-JP" altLang="en-US" sz="4400" dirty="0" err="1" smtClean="0"/>
-                <a:t>ーー</a:t>
-              </a:r>
-              <a:r>
-                <a:rPr kumimoji="1" lang="ja-JP" altLang="en-US" sz="4400" dirty="0" smtClean="0"/>
-                <a:t>　　</a:t>
-              </a:r>
-              <a:r>
-                <a:rPr kumimoji="1" lang="en-US" altLang="ja-JP" sz="4400" dirty="0" smtClean="0"/>
-                <a:t>	×</a:t>
-              </a:r>
-              <a:endParaRPr kumimoji="1" lang="ja-JP" altLang="en-US" sz="4400" dirty="0"/>
-            </a:p>
-          </p:txBody>
-        </p:sp>
-      </p:grpSp>
-      <p:grpSp>
-        <p:nvGrpSpPr>
-          <p:cNvPr id="10" name="グループ化 9"/>
-          <p:cNvGrpSpPr/>
-          <p:nvPr/>
-        </p:nvGrpSpPr>
-        <p:grpSpPr>
-          <a:xfrm>
-            <a:off x="1700808" y="3275855"/>
-            <a:ext cx="4104456" cy="1152127"/>
-            <a:chOff x="1700808" y="2051721"/>
-            <a:chExt cx="4104456" cy="1152127"/>
-          </a:xfrm>
-        </p:grpSpPr>
-        <p:pic>
-          <p:nvPicPr>
-            <p:cNvPr id="11" name="図 10" descr="22.png"/>
-            <p:cNvPicPr>
-              <a:picLocks noChangeAspect="1"/>
-            </p:cNvPicPr>
-            <p:nvPr/>
-          </p:nvPicPr>
-          <p:blipFill>
-            <a:blip r:embed="rId4" cstate="print"/>
-            <a:stretch>
-              <a:fillRect/>
-            </a:stretch>
-          </p:blipFill>
-          <p:spPr>
-            <a:xfrm>
-              <a:off x="1700808" y="2051721"/>
-              <a:ext cx="4104456" cy="1152127"/>
-            </a:xfrm>
-            <a:prstGeom prst="rect">
-              <a:avLst/>
-            </a:prstGeom>
-          </p:spPr>
-        </p:pic>
-        <p:sp>
-          <p:nvSpPr>
-            <p:cNvPr id="12" name="テキスト ボックス 11"/>
-            <p:cNvSpPr txBox="1"/>
-            <p:nvPr/>
-          </p:nvSpPr>
-          <p:spPr>
-            <a:xfrm>
-              <a:off x="2060848" y="2339752"/>
-              <a:ext cx="3528392" cy="769441"/>
-            </a:xfrm>
-            <a:prstGeom prst="rect">
-              <a:avLst/>
-            </a:prstGeom>
-            <a:noFill/>
-          </p:spPr>
-          <p:txBody>
-            <a:bodyPr wrap="square" rtlCol="0">
-              <a:spAutoFit/>
-            </a:bodyPr>
-            <a:lstStyle/>
-            <a:p>
-              <a:r>
-                <a:rPr kumimoji="1" lang="ja-JP" altLang="en-US" sz="4400" dirty="0" smtClean="0"/>
-                <a:t>　　</a:t>
-              </a:r>
-              <a:r>
-                <a:rPr kumimoji="1" lang="ja-JP" altLang="en-US" sz="4400" dirty="0" err="1" smtClean="0"/>
-                <a:t>ーー</a:t>
-              </a:r>
-              <a:r>
-                <a:rPr kumimoji="1" lang="en-US" altLang="ja-JP" sz="4400" dirty="0" smtClean="0"/>
-                <a:t>	</a:t>
-              </a:r>
-              <a:r>
-                <a:rPr kumimoji="1" lang="ja-JP" altLang="en-US" sz="4400" dirty="0" smtClean="0"/>
-                <a:t>　　</a:t>
-              </a:r>
-              <a:r>
-                <a:rPr kumimoji="1" lang="en-US" altLang="ja-JP" sz="4400" dirty="0" smtClean="0"/>
-                <a:t>×</a:t>
-              </a:r>
-              <a:endParaRPr kumimoji="1" lang="ja-JP" altLang="en-US" sz="4400" dirty="0"/>
-            </a:p>
-          </p:txBody>
-        </p:sp>
-      </p:grpSp>
-      <p:grpSp>
-        <p:nvGrpSpPr>
-          <p:cNvPr id="16" name="グループ化 15"/>
-          <p:cNvGrpSpPr/>
-          <p:nvPr/>
-        </p:nvGrpSpPr>
-        <p:grpSpPr>
-          <a:xfrm>
-            <a:off x="1700808" y="4644007"/>
-            <a:ext cx="4104456" cy="1152127"/>
-            <a:chOff x="1700808" y="2051721"/>
-            <a:chExt cx="4104456" cy="1152127"/>
-          </a:xfrm>
-        </p:grpSpPr>
-        <p:pic>
-          <p:nvPicPr>
-            <p:cNvPr id="17" name="図 16" descr="22.png"/>
-            <p:cNvPicPr>
-              <a:picLocks noChangeAspect="1"/>
-            </p:cNvPicPr>
-            <p:nvPr/>
-          </p:nvPicPr>
-          <p:blipFill>
-            <a:blip r:embed="rId4" cstate="print"/>
-            <a:stretch>
-              <a:fillRect/>
-            </a:stretch>
-          </p:blipFill>
-          <p:spPr>
-            <a:xfrm>
-              <a:off x="1700808" y="2051721"/>
-              <a:ext cx="4104456" cy="1152127"/>
-            </a:xfrm>
-            <a:prstGeom prst="rect">
-              <a:avLst/>
-            </a:prstGeom>
-          </p:spPr>
-        </p:pic>
-        <p:sp>
-          <p:nvSpPr>
-            <p:cNvPr id="18" name="テキスト ボックス 17"/>
-            <p:cNvSpPr txBox="1"/>
-            <p:nvPr/>
-          </p:nvSpPr>
-          <p:spPr>
-            <a:xfrm>
-              <a:off x="2060848" y="2339752"/>
-              <a:ext cx="3528392" cy="769441"/>
-            </a:xfrm>
-            <a:prstGeom prst="rect">
-              <a:avLst/>
-            </a:prstGeom>
-            <a:noFill/>
-          </p:spPr>
-          <p:txBody>
-            <a:bodyPr wrap="square" rtlCol="0">
-              <a:spAutoFit/>
-            </a:bodyPr>
-            <a:lstStyle/>
-            <a:p>
-              <a:r>
-                <a:rPr kumimoji="1" lang="ja-JP" altLang="en-US" sz="4400" dirty="0" smtClean="0"/>
-                <a:t>　　</a:t>
-              </a:r>
-              <a:r>
-                <a:rPr kumimoji="1" lang="ja-JP" altLang="en-US" sz="4400" dirty="0" err="1" smtClean="0"/>
-                <a:t>ーー</a:t>
-              </a:r>
-              <a:r>
-                <a:rPr kumimoji="1" lang="en-US" altLang="ja-JP" sz="4400" dirty="0" smtClean="0"/>
-                <a:t>	</a:t>
-              </a:r>
-              <a:r>
-                <a:rPr kumimoji="1" lang="ja-JP" altLang="en-US" sz="4400" dirty="0" smtClean="0"/>
-                <a:t>　　</a:t>
-              </a:r>
-              <a:r>
-                <a:rPr kumimoji="1" lang="en-US" altLang="ja-JP" sz="4400" dirty="0" smtClean="0"/>
-                <a:t>×</a:t>
-              </a:r>
-              <a:r>
-                <a:rPr kumimoji="1" lang="ja-JP" altLang="en-US" sz="4400" dirty="0" smtClean="0"/>
-                <a:t>　</a:t>
-              </a:r>
-              <a:endParaRPr kumimoji="1" lang="ja-JP" altLang="en-US" sz="4400" dirty="0"/>
-            </a:p>
-          </p:txBody>
-        </p:sp>
-      </p:grpSp>
-      <p:grpSp>
-        <p:nvGrpSpPr>
-          <p:cNvPr id="19" name="グループ化 18"/>
-          <p:cNvGrpSpPr/>
-          <p:nvPr/>
-        </p:nvGrpSpPr>
-        <p:grpSpPr>
-          <a:xfrm>
-            <a:off x="1700808" y="6084168"/>
-            <a:ext cx="4104456" cy="1152127"/>
-            <a:chOff x="1628800" y="2051722"/>
-            <a:chExt cx="4104456" cy="1152127"/>
-          </a:xfrm>
-        </p:grpSpPr>
-        <p:pic>
-          <p:nvPicPr>
-            <p:cNvPr id="20" name="図 19" descr="22.png"/>
-            <p:cNvPicPr>
-              <a:picLocks noChangeAspect="1"/>
-            </p:cNvPicPr>
-            <p:nvPr/>
-          </p:nvPicPr>
-          <p:blipFill>
-            <a:blip r:embed="rId4" cstate="print"/>
-            <a:stretch>
-              <a:fillRect/>
-            </a:stretch>
-          </p:blipFill>
-          <p:spPr>
-            <a:xfrm>
-              <a:off x="1628800" y="2051722"/>
-              <a:ext cx="4104456" cy="1152127"/>
-            </a:xfrm>
-            <a:prstGeom prst="rect">
-              <a:avLst/>
-            </a:prstGeom>
-          </p:spPr>
-        </p:pic>
-        <p:sp>
-          <p:nvSpPr>
-            <p:cNvPr id="21" name="テキスト ボックス 20"/>
-            <p:cNvSpPr txBox="1"/>
-            <p:nvPr/>
-          </p:nvSpPr>
-          <p:spPr>
-            <a:xfrm>
-              <a:off x="1916832" y="2339752"/>
-              <a:ext cx="3528392" cy="769441"/>
-            </a:xfrm>
-            <a:prstGeom prst="rect">
-              <a:avLst/>
-            </a:prstGeom>
-            <a:noFill/>
-          </p:spPr>
-          <p:txBody>
-            <a:bodyPr wrap="square" rtlCol="0">
-              <a:spAutoFit/>
-            </a:bodyPr>
-            <a:lstStyle/>
-            <a:p>
-              <a:r>
-                <a:rPr kumimoji="1" lang="ja-JP" altLang="en-US" sz="4400" dirty="0" smtClean="0"/>
-                <a:t>　　</a:t>
-              </a:r>
-              <a:r>
-                <a:rPr kumimoji="1" lang="ja-JP" altLang="en-US" sz="4400" dirty="0" err="1" smtClean="0"/>
-                <a:t>ーー</a:t>
-              </a:r>
-              <a:r>
-                <a:rPr kumimoji="1" lang="en-US" altLang="ja-JP" sz="4400" dirty="0" smtClean="0"/>
-                <a:t>	</a:t>
-              </a:r>
-              <a:r>
-                <a:rPr kumimoji="1" lang="ja-JP" altLang="en-US" sz="4400" dirty="0" smtClean="0"/>
-                <a:t>　　</a:t>
-              </a:r>
-              <a:r>
-                <a:rPr kumimoji="1" lang="en-US" altLang="ja-JP" sz="4400" dirty="0" smtClean="0"/>
-                <a:t>×</a:t>
-              </a:r>
-              <a:endParaRPr kumimoji="1" lang="ja-JP" altLang="en-US" sz="4400" dirty="0"/>
-            </a:p>
-          </p:txBody>
-        </p:sp>
-      </p:grpSp>
       <p:sp>
         <p:nvSpPr>
           <p:cNvPr id="23" name="正方形/長方形 22"/>
@@ -9088,9 +9788,9 @@
           <p:nvPr/>
         </p:nvSpPr>
         <p:spPr>
-          <a:xfrm>
-            <a:off x="6813375" y="936104"/>
-            <a:ext cx="45719" cy="6948264"/>
+          <a:xfrm flipH="1">
+            <a:off x="6741368" y="1763688"/>
+            <a:ext cx="116632" cy="6120680"/>
           </a:xfrm>
           <a:prstGeom prst="rect">
             <a:avLst/>
@@ -9124,16 +9824,101 @@
           </a:p>
         </p:txBody>
       </p:sp>
-      <p:sp>
-        <p:nvSpPr>
-          <p:cNvPr id="24" name="円/楕円 23"/>
+      <p:grpSp>
+        <p:nvGrpSpPr>
+          <p:cNvPr id="26" name="グループ化 25"/>
+          <p:cNvGrpSpPr/>
+          <p:nvPr/>
+        </p:nvGrpSpPr>
+        <p:grpSpPr>
+          <a:xfrm>
+            <a:off x="1746519" y="2123728"/>
+            <a:ext cx="3888433" cy="1763688"/>
+            <a:chOff x="1895918" y="1763688"/>
+            <a:chExt cx="3858252" cy="1984720"/>
+          </a:xfrm>
+        </p:grpSpPr>
+        <p:pic>
+          <p:nvPicPr>
+            <p:cNvPr id="27" name="図 26" descr="9.png"/>
+            <p:cNvPicPr>
+              <a:picLocks noChangeAspect="1"/>
+            </p:cNvPicPr>
+            <p:nvPr/>
+          </p:nvPicPr>
+          <p:blipFill>
+            <a:blip r:embed="rId4" cstate="print"/>
+            <a:stretch>
+              <a:fillRect/>
+            </a:stretch>
+          </p:blipFill>
+          <p:spPr>
+            <a:xfrm>
+              <a:off x="1895918" y="1763688"/>
+              <a:ext cx="3858252" cy="1984720"/>
+            </a:xfrm>
+            <a:prstGeom prst="rect">
+              <a:avLst/>
+            </a:prstGeom>
+          </p:spPr>
+        </p:pic>
+        <p:sp>
+          <p:nvSpPr>
+            <p:cNvPr id="28" name="テキスト ボックス 27"/>
+            <p:cNvSpPr txBox="1"/>
+            <p:nvPr/>
+          </p:nvSpPr>
+          <p:spPr>
+            <a:xfrm>
+              <a:off x="1988840" y="2195736"/>
+              <a:ext cx="3528392" cy="769441"/>
+            </a:xfrm>
+            <a:prstGeom prst="rect">
+              <a:avLst/>
+            </a:prstGeom>
+            <a:noFill/>
+          </p:spPr>
+          <p:txBody>
+            <a:bodyPr wrap="square" rtlCol="0">
+              <a:spAutoFit/>
+            </a:bodyPr>
+            <a:lstStyle/>
+            <a:p>
+              <a:r>
+                <a:rPr kumimoji="1" lang="ja-JP" altLang="en-US" sz="4400" dirty="0" smtClean="0"/>
+                <a:t>　　</a:t>
+              </a:r>
+              <a:r>
+                <a:rPr kumimoji="1" lang="ja-JP" altLang="en-US" sz="4400" dirty="0" err="1" smtClean="0"/>
+                <a:t>ーー</a:t>
+              </a:r>
+              <a:r>
+                <a:rPr kumimoji="1" lang="en-US" altLang="ja-JP" sz="4400" dirty="0" smtClean="0"/>
+                <a:t>	</a:t>
+              </a:r>
+              <a:r>
+                <a:rPr kumimoji="1" lang="ja-JP" altLang="en-US" sz="4400" dirty="0" smtClean="0"/>
+                <a:t>　　</a:t>
+              </a:r>
+              <a:r>
+                <a:rPr kumimoji="1" lang="en-US" altLang="ja-JP" sz="4400" dirty="0" smtClean="0"/>
+                <a:t>×</a:t>
+              </a:r>
+              <a:endParaRPr kumimoji="1" lang="ja-JP" altLang="en-US" sz="4400" dirty="0"/>
+            </a:p>
+          </p:txBody>
+        </p:sp>
+      </p:grpSp>
+      <p:sp>
+        <p:nvSpPr>
+          <p:cNvPr id="29" name="円/楕円 28"/>
           <p:cNvSpPr/>
           <p:nvPr/>
         </p:nvSpPr>
         <p:spPr>
           <a:xfrm>
-            <a:off x="6525344" y="4139952"/>
-            <a:ext cx="432048" cy="432048"/>
+            <a:off x="6636774" y="2843808"/>
+            <a:ext cx="442451" cy="458705"/>
           </a:xfrm>
           <a:prstGeom prst="ellipse">
             <a:avLst/>
@@ -9173,6 +9958,263 @@
           </a:p>
         </p:txBody>
       </p:sp>
+      <p:grpSp>
+        <p:nvGrpSpPr>
+          <p:cNvPr id="30" name="グループ化 29"/>
+          <p:cNvGrpSpPr/>
+          <p:nvPr/>
+        </p:nvGrpSpPr>
+        <p:grpSpPr>
+          <a:xfrm>
+            <a:off x="1700808" y="3964432"/>
+            <a:ext cx="3888433" cy="1763688"/>
+            <a:chOff x="1895918" y="1763688"/>
+            <a:chExt cx="3858252" cy="1984720"/>
+          </a:xfrm>
+        </p:grpSpPr>
+        <p:pic>
+          <p:nvPicPr>
+            <p:cNvPr id="31" name="図 30" descr="9.png"/>
+            <p:cNvPicPr>
+              <a:picLocks noChangeAspect="1"/>
+            </p:cNvPicPr>
+            <p:nvPr/>
+          </p:nvPicPr>
+          <p:blipFill>
+            <a:blip r:embed="rId4" cstate="print"/>
+            <a:stretch>
+              <a:fillRect/>
+            </a:stretch>
+          </p:blipFill>
+          <p:spPr>
+            <a:xfrm>
+              <a:off x="1895918" y="1763688"/>
+              <a:ext cx="3858252" cy="1984720"/>
+            </a:xfrm>
+            <a:prstGeom prst="rect">
+              <a:avLst/>
+            </a:prstGeom>
+          </p:spPr>
+        </p:pic>
+        <p:sp>
+          <p:nvSpPr>
+            <p:cNvPr id="32" name="テキスト ボックス 31"/>
+            <p:cNvSpPr txBox="1"/>
+            <p:nvPr/>
+          </p:nvSpPr>
+          <p:spPr>
+            <a:xfrm>
+              <a:off x="1988840" y="2195736"/>
+              <a:ext cx="3528392" cy="769441"/>
+            </a:xfrm>
+            <a:prstGeom prst="rect">
+              <a:avLst/>
+            </a:prstGeom>
+            <a:noFill/>
+          </p:spPr>
+          <p:txBody>
+            <a:bodyPr wrap="square" rtlCol="0">
+              <a:spAutoFit/>
+            </a:bodyPr>
+            <a:lstStyle/>
+            <a:p>
+              <a:r>
+                <a:rPr kumimoji="1" lang="ja-JP" altLang="en-US" sz="4400" dirty="0" smtClean="0"/>
+                <a:t>　　</a:t>
+              </a:r>
+              <a:r>
+                <a:rPr kumimoji="1" lang="ja-JP" altLang="en-US" sz="4400" dirty="0" err="1" smtClean="0"/>
+                <a:t>ーー</a:t>
+              </a:r>
+              <a:r>
+                <a:rPr kumimoji="1" lang="en-US" altLang="ja-JP" sz="4400" dirty="0" smtClean="0"/>
+                <a:t>	</a:t>
+              </a:r>
+              <a:r>
+                <a:rPr kumimoji="1" lang="ja-JP" altLang="en-US" sz="4400" dirty="0" smtClean="0"/>
+                <a:t>　　</a:t>
+              </a:r>
+              <a:r>
+                <a:rPr kumimoji="1" lang="en-US" altLang="ja-JP" sz="4400" dirty="0" smtClean="0"/>
+                <a:t>×</a:t>
+              </a:r>
+              <a:endParaRPr kumimoji="1" lang="ja-JP" altLang="en-US" sz="4400" dirty="0"/>
+            </a:p>
+          </p:txBody>
+        </p:sp>
+      </p:grpSp>
+      <p:grpSp>
+        <p:nvGrpSpPr>
+          <p:cNvPr id="33" name="グループ化 32"/>
+          <p:cNvGrpSpPr/>
+          <p:nvPr/>
+        </p:nvGrpSpPr>
+        <p:grpSpPr>
+          <a:xfrm>
+            <a:off x="1720222" y="5836640"/>
+            <a:ext cx="3888433" cy="1763688"/>
+            <a:chOff x="1842476" y="1763688"/>
+            <a:chExt cx="3858252" cy="1984720"/>
+          </a:xfrm>
+        </p:grpSpPr>
+        <p:pic>
+          <p:nvPicPr>
+            <p:cNvPr id="34" name="図 33" descr="9.png"/>
+            <p:cNvPicPr>
+              <a:picLocks noChangeAspect="1"/>
+            </p:cNvPicPr>
+            <p:nvPr/>
+          </p:nvPicPr>
+          <p:blipFill>
+            <a:blip r:embed="rId4" cstate="print"/>
+            <a:stretch>
+              <a:fillRect/>
+            </a:stretch>
+          </p:blipFill>
+          <p:spPr>
+            <a:xfrm>
+              <a:off x="1842476" y="1763688"/>
+              <a:ext cx="3858252" cy="1984720"/>
+            </a:xfrm>
+            <a:prstGeom prst="rect">
+              <a:avLst/>
+            </a:prstGeom>
+          </p:spPr>
+        </p:pic>
+        <p:sp>
+          <p:nvSpPr>
+            <p:cNvPr id="35" name="テキスト ボックス 34"/>
+            <p:cNvSpPr txBox="1"/>
+            <p:nvPr/>
+          </p:nvSpPr>
+          <p:spPr>
+            <a:xfrm>
+              <a:off x="1988840" y="2195736"/>
+              <a:ext cx="3528392" cy="769441"/>
+            </a:xfrm>
+            <a:prstGeom prst="rect">
+              <a:avLst/>
+            </a:prstGeom>
+            <a:noFill/>
+          </p:spPr>
+          <p:txBody>
+            <a:bodyPr wrap="square" rtlCol="0">
+              <a:spAutoFit/>
+            </a:bodyPr>
+            <a:lstStyle/>
+            <a:p>
+              <a:r>
+                <a:rPr kumimoji="1" lang="ja-JP" altLang="en-US" sz="4400" dirty="0" smtClean="0"/>
+                <a:t>　　</a:t>
+              </a:r>
+              <a:r>
+                <a:rPr kumimoji="1" lang="ja-JP" altLang="en-US" sz="4400" dirty="0" err="1" smtClean="0"/>
+                <a:t>ーー</a:t>
+              </a:r>
+              <a:r>
+                <a:rPr kumimoji="1" lang="en-US" altLang="ja-JP" sz="4400" dirty="0" smtClean="0"/>
+                <a:t>	</a:t>
+              </a:r>
+              <a:r>
+                <a:rPr kumimoji="1" lang="ja-JP" altLang="en-US" sz="4400" dirty="0" smtClean="0"/>
+                <a:t>　　</a:t>
+              </a:r>
+              <a:r>
+                <a:rPr kumimoji="1" lang="en-US" altLang="ja-JP" sz="4400" dirty="0" smtClean="0"/>
+                <a:t>×</a:t>
+              </a:r>
+              <a:endParaRPr kumimoji="1" lang="ja-JP" altLang="en-US" sz="4400" dirty="0"/>
+            </a:p>
+          </p:txBody>
+        </p:sp>
+      </p:grpSp>
+      <p:sp>
+        <p:nvSpPr>
+          <p:cNvPr id="41" name="正方形/長方形 40"/>
+          <p:cNvSpPr/>
+          <p:nvPr/>
+        </p:nvSpPr>
+        <p:spPr>
+          <a:xfrm>
+            <a:off x="1988840" y="160348"/>
+            <a:ext cx="2952328" cy="523220"/>
+          </a:xfrm>
+          <a:prstGeom prst="rect">
+            <a:avLst/>
+          </a:prstGeom>
+        </p:spPr>
+        <p:txBody>
+          <a:bodyPr wrap="square">
+            <a:spAutoFit/>
+          </a:bodyPr>
+          <a:lstStyle/>
+          <a:p>
+            <a:pPr algn="ctr"/>
+            <a:r>
+              <a:rPr lang="ja-JP" altLang="en-US" sz="2800" dirty="0" smtClean="0">
+                <a:solidFill>
+                  <a:schemeClr val="bg1"/>
+                </a:solidFill>
+              </a:rPr>
+              <a:t>キーフレーズ管理</a:t>
+            </a:r>
+            <a:endParaRPr lang="ja-JP" altLang="en-US" sz="2800" dirty="0">
+              <a:solidFill>
+                <a:schemeClr val="bg1"/>
+              </a:solidFill>
+            </a:endParaRPr>
+          </a:p>
+        </p:txBody>
+      </p:sp>
+      <p:sp>
+        <p:nvSpPr>
+          <p:cNvPr id="42" name="角丸四角形 41"/>
+          <p:cNvSpPr/>
+          <p:nvPr/>
+        </p:nvSpPr>
+        <p:spPr>
+          <a:xfrm>
+            <a:off x="5733256" y="-1016"/>
+            <a:ext cx="1052736" cy="827584"/>
+          </a:xfrm>
+          <a:prstGeom prst="roundRect">
+            <a:avLst/>
+          </a:prstGeom>
+          <a:blipFill>
+            <a:blip r:embed="rId5" cstate="print"/>
+            <a:stretch>
+              <a:fillRect/>
+            </a:stretch>
+          </a:blipFill>
+          <a:ln>
+            <a:noFill/>
+          </a:ln>
+        </p:spPr>
+        <p:style>
+          <a:lnRef idx="2">
+            <a:schemeClr val="accent1">
+              <a:shade val="50000"/>
+            </a:schemeClr>
+          </a:lnRef>
+          <a:fillRef idx="1">
+            <a:schemeClr val="accent1"/>
+          </a:fillRef>
+          <a:effectRef idx="0">
+            <a:schemeClr val="accent1"/>
+          </a:effectRef>
+          <a:fontRef idx="minor">
+            <a:schemeClr val="lt1"/>
+          </a:fontRef>
+        </p:style>
+        <p:txBody>
+          <a:bodyPr rtlCol="0" anchor="ctr"/>
+          <a:lstStyle/>
+          <a:p>
+            <a:pPr algn="ctr"/>
+            <a:endParaRPr kumimoji="1" lang="ja-JP" altLang="en-US" dirty="0" smtClean="0"/>
+          </a:p>
+        </p:txBody>
+      </p:sp>
       <p:pic>
         <p:nvPicPr>
           <p:cNvPr id="25" name="図 24" descr="18.png"/>
@@ -9182,8 +10224,8 @@
           <p:nvPr/>
         </p:nvPicPr>
         <p:blipFill>
-          <a:blip r:embed="rId5" cstate="print">
-            <a:lum bright="70000" contrast="-70000"/>
+          <a:blip r:embed="rId6" cstate="print">
+            <a:lum bright="100000" contrast="-70000"/>
           </a:blip>
           <a:stretch>
             <a:fillRect/>
@@ -9191,8 +10233,8 @@
         </p:blipFill>
         <p:spPr>
           <a:xfrm>
-            <a:off x="6021288" y="179512"/>
-            <a:ext cx="648072" cy="648072"/>
+            <a:off x="5841776" y="-36512"/>
+            <a:ext cx="827584" cy="827584"/>
           </a:xfrm>
           <a:prstGeom prst="rect">
             <a:avLst/>

--- a/client/UI/UI.pptx
+++ b/client/UI/UI.pptx
@@ -550,14 +550,17 @@
           <a:p>
             <a:r>
               <a:rPr lang="ja-JP" altLang="en-US" sz="1800" dirty="0" smtClean="0"/>
-              <a:t>全画面共通</a:t>
+              <a:t>全画面を通して共通して使うもの</a:t>
             </a:r>
             <a:endParaRPr lang="en-US" altLang="ja-JP" sz="1800" dirty="0" smtClean="0"/>
           </a:p>
           <a:p>
+            <a:endParaRPr lang="en-US" altLang="ja-JP" sz="1800" dirty="0" smtClean="0"/>
+          </a:p>
+          <a:p>
             <a:r>
               <a:rPr lang="ja-JP" altLang="en-US" sz="1800" dirty="0" smtClean="0"/>
-              <a:t>背景画像 </a:t>
+              <a:t>*背景画像 </a:t>
             </a:r>
             <a:r>
               <a:rPr lang="en-US" altLang="ja-JP" sz="1800" dirty="0" smtClean="0"/>
@@ -567,7 +570,7 @@
           <a:p>
             <a:r>
               <a:rPr lang="ja-JP" altLang="en-US" sz="1800" dirty="0" smtClean="0"/>
-              <a:t>タイトルバー　</a:t>
+              <a:t>*タイトルバー　</a:t>
             </a:r>
             <a:r>
               <a:rPr lang="en-US" altLang="ja-JP" sz="1800" dirty="0" smtClean="0"/>
@@ -575,7 +578,36 @@
             </a:r>
           </a:p>
           <a:p>
-            <a:endParaRPr lang="en-US" altLang="ja-JP" sz="1800" dirty="0" smtClean="0"/>
+            <a:r>
+              <a:rPr lang="ja-JP" altLang="en-US" sz="1800" dirty="0" smtClean="0"/>
+              <a:t>*木目ボタン</a:t>
+            </a:r>
+            <a:r>
+              <a:rPr lang="en-US" altLang="ja-JP" sz="1800" dirty="0" smtClean="0"/>
+              <a:t>	</a:t>
+            </a:r>
+            <a:r>
+              <a:rPr lang="ja-JP" altLang="en-US" sz="1800" dirty="0" smtClean="0"/>
+              <a:t>押されていない時 </a:t>
+            </a:r>
+            <a:r>
+              <a:rPr lang="en-US" altLang="ja-JP" sz="1800" dirty="0" smtClean="0"/>
+              <a:t>btn_background.png</a:t>
+            </a:r>
+          </a:p>
+          <a:p>
+            <a:r>
+              <a:rPr lang="en-US" altLang="ja-JP" sz="1800" dirty="0" smtClean="0"/>
+              <a:t>	</a:t>
+            </a:r>
+            <a:r>
+              <a:rPr lang="ja-JP" altLang="en-US" sz="1800" dirty="0" smtClean="0"/>
+              <a:t>押されている時    </a:t>
+            </a:r>
+            <a:r>
+              <a:rPr lang="en-US" altLang="ja-JP" sz="1800" dirty="0" smtClean="0"/>
+              <a:t>btn_background_tap.png</a:t>
+            </a:r>
           </a:p>
         </p:txBody>
       </p:sp>
@@ -721,38 +753,6 @@
           </a:p>
           <a:p>
             <a:r>
-              <a:rPr lang="ja-JP" altLang="en-US" sz="1800" dirty="0" smtClean="0"/>
-              <a:t>*木目ボタン</a:t>
-            </a:r>
-            <a:r>
-              <a:rPr lang="en-US" altLang="ja-JP" sz="1800" dirty="0" smtClean="0"/>
-              <a:t>	</a:t>
-            </a:r>
-            <a:r>
-              <a:rPr lang="ja-JP" altLang="en-US" sz="1800" dirty="0" smtClean="0"/>
-              <a:t>押されていない時 </a:t>
-            </a:r>
-            <a:r>
-              <a:rPr lang="en-US" altLang="ja-JP" sz="1800" dirty="0" smtClean="0"/>
-              <a:t>btn_background.png</a:t>
-            </a:r>
-          </a:p>
-          <a:p>
-            <a:r>
-              <a:rPr lang="en-US" altLang="ja-JP" sz="1800" dirty="0" smtClean="0"/>
-              <a:t>	</a:t>
-            </a:r>
-            <a:r>
-              <a:rPr lang="ja-JP" altLang="en-US" sz="1800" dirty="0" smtClean="0"/>
-              <a:t>押されている時    </a:t>
-            </a:r>
-            <a:r>
-              <a:rPr lang="en-US" altLang="ja-JP" sz="1800" dirty="0" smtClean="0"/>
-              <a:t>btn_background_tap.png</a:t>
-            </a:r>
-          </a:p>
-          <a:p>
-            <a:r>
               <a:rPr lang="en-US" altLang="ja-JP" sz="1800" dirty="0" smtClean="0"/>
               <a:t>*</a:t>
             </a:r>
@@ -927,7 +927,15 @@
           <a:p>
             <a:r>
               <a:rPr lang="en-US" altLang="ja-JP" sz="1800" dirty="0" smtClean="0"/>
-              <a:t>*</a:t>
+              <a:t>*twitter</a:t>
+            </a:r>
+            <a:r>
+              <a:rPr lang="ja-JP" altLang="en-US" sz="1800" dirty="0" smtClean="0"/>
+              <a:t>アイコン</a:t>
+            </a:r>
+            <a:r>
+              <a:rPr lang="en-US" altLang="ja-JP" sz="1800" dirty="0" smtClean="0"/>
+              <a:t>	twitter_icon_2.png</a:t>
             </a:r>
           </a:p>
           <a:p>
@@ -935,12 +943,75 @@
               <a:rPr lang="en-US" altLang="ja-JP" sz="1800" dirty="0" smtClean="0"/>
               <a:t>*</a:t>
             </a:r>
+            <a:r>
+              <a:rPr lang="en-US" altLang="ja-JP" sz="1800" dirty="0" err="1" smtClean="0"/>
+              <a:t>facebook</a:t>
+            </a:r>
+            <a:r>
+              <a:rPr lang="ja-JP" altLang="en-US" sz="1800" dirty="0" smtClean="0"/>
+              <a:t>アイコン </a:t>
+            </a:r>
+            <a:r>
+              <a:rPr lang="en-US" altLang="ja-JP" sz="1800" dirty="0" smtClean="0"/>
+              <a:t>	facebook_icon_2.png</a:t>
+            </a:r>
           </a:p>
           <a:p>
             <a:r>
               <a:rPr lang="en-US" altLang="ja-JP" sz="1800" dirty="0" smtClean="0"/>
               <a:t>*</a:t>
             </a:r>
+            <a:r>
+              <a:rPr lang="ja-JP" altLang="en-US" sz="1800" dirty="0" smtClean="0"/>
+              <a:t>アカウント後ろの画像</a:t>
+            </a:r>
+            <a:r>
+              <a:rPr lang="en-US" altLang="ja-JP" sz="1800" dirty="0" smtClean="0"/>
+              <a:t>	</a:t>
+            </a:r>
+            <a:r>
+              <a:rPr lang="ja-JP" altLang="en-US" sz="1800" dirty="0" smtClean="0"/>
+              <a:t>選択されていない　</a:t>
+            </a:r>
+            <a:r>
+              <a:rPr lang="en-US" altLang="ja-JP" sz="1800" dirty="0" smtClean="0"/>
+              <a:t>paper_white.png</a:t>
+            </a:r>
+          </a:p>
+          <a:p>
+            <a:r>
+              <a:rPr lang="en-US" altLang="ja-JP" sz="1800" dirty="0" smtClean="0"/>
+              <a:t>		</a:t>
+            </a:r>
+            <a:r>
+              <a:rPr lang="ja-JP" altLang="en-US" sz="1800" dirty="0" smtClean="0"/>
+              <a:t>選択されている　　</a:t>
+            </a:r>
+            <a:r>
+              <a:rPr lang="ja-JP" altLang="en-US" sz="1800" baseline="0" dirty="0" smtClean="0"/>
+              <a:t> </a:t>
+            </a:r>
+            <a:r>
+              <a:rPr lang="en-US" altLang="ja-JP" sz="1800" dirty="0" smtClean="0"/>
+              <a:t>paper_blue.png</a:t>
+            </a:r>
+          </a:p>
+          <a:p>
+            <a:r>
+              <a:rPr lang="ja-JP" altLang="en-US" sz="1800" dirty="0" smtClean="0"/>
+              <a:t>*詳細･</a:t>
+            </a:r>
+            <a:r>
+              <a:rPr lang="en-US" altLang="ja-JP" sz="1800" dirty="0" smtClean="0"/>
+              <a:t>OK</a:t>
+            </a:r>
+            <a:r>
+              <a:rPr lang="ja-JP" altLang="en-US" sz="1800" dirty="0" smtClean="0"/>
+              <a:t>ボタンは木目ボタン</a:t>
+            </a:r>
+            <a:endParaRPr lang="en-US" altLang="ja-JP" sz="1800" dirty="0" smtClean="0"/>
+          </a:p>
+          <a:p>
             <a:endParaRPr lang="en-US" altLang="ja-JP" sz="1800" dirty="0" smtClean="0"/>
           </a:p>
         </p:txBody>
@@ -1033,8 +1104,105 @@
             </a:r>
             <a:r>
               <a:rPr lang="ja-JP" altLang="en-US" sz="1800" dirty="0" smtClean="0"/>
-              <a:t>一覧画面</a:t>
-            </a:r>
+              <a:t>一覧</a:t>
+            </a:r>
+            <a:r>
+              <a:rPr lang="ja-JP" altLang="en-US" sz="1800" dirty="0" smtClean="0"/>
+              <a:t>画面</a:t>
+            </a:r>
+            <a:endParaRPr lang="en-US" altLang="ja-JP" sz="1800" dirty="0" smtClean="0"/>
+          </a:p>
+          <a:p>
+            <a:r>
+              <a:rPr lang="en-US" altLang="ja-JP" sz="1800" dirty="0" smtClean="0"/>
+              <a:t>*</a:t>
+            </a:r>
+            <a:r>
+              <a:rPr lang="ja-JP" altLang="en-US" sz="1800" dirty="0" smtClean="0"/>
+              <a:t>戻るボタン</a:t>
+            </a:r>
+            <a:r>
+              <a:rPr lang="en-US" altLang="ja-JP" sz="1800" dirty="0" smtClean="0"/>
+              <a:t>	</a:t>
+            </a:r>
+            <a:r>
+              <a:rPr lang="ja-JP" altLang="en-US" sz="1800" dirty="0" smtClean="0"/>
+              <a:t>押されていない時　</a:t>
+            </a:r>
+            <a:r>
+              <a:rPr lang="en-US" altLang="ja-JP" sz="1800" dirty="0" smtClean="0"/>
+              <a:t>return.png</a:t>
+            </a:r>
+          </a:p>
+          <a:p>
+            <a:r>
+              <a:rPr lang="en-US" altLang="ja-JP" sz="1800" dirty="0" smtClean="0"/>
+              <a:t>	</a:t>
+            </a:r>
+            <a:r>
+              <a:rPr lang="ja-JP" altLang="en-US" sz="1800" dirty="0" smtClean="0"/>
+              <a:t>押されている時</a:t>
+            </a:r>
+            <a:r>
+              <a:rPr lang="en-US" altLang="ja-JP" sz="1800" dirty="0" smtClean="0"/>
+              <a:t>	</a:t>
+            </a:r>
+            <a:r>
+              <a:rPr lang="ja-JP" altLang="en-US" sz="1800" dirty="0" smtClean="0"/>
+              <a:t>　　</a:t>
+            </a:r>
+            <a:r>
+              <a:rPr lang="en-US" altLang="ja-JP" sz="1800" dirty="0" smtClean="0"/>
+              <a:t>return_tap.png</a:t>
+            </a:r>
+          </a:p>
+          <a:p>
+            <a:r>
+              <a:rPr lang="en-US" altLang="ja-JP" sz="1800" dirty="0" smtClean="0"/>
+              <a:t>*</a:t>
+            </a:r>
+            <a:r>
+              <a:rPr lang="ja-JP" altLang="en-US" sz="1800" dirty="0" smtClean="0"/>
+              <a:t>ホームボタン　押されていない時　</a:t>
+            </a:r>
+            <a:r>
+              <a:rPr lang="en-US" altLang="ja-JP" sz="1800" dirty="0" smtClean="0"/>
+              <a:t>home.png</a:t>
+            </a:r>
+          </a:p>
+          <a:p>
+            <a:r>
+              <a:rPr lang="en-US" altLang="ja-JP" sz="1800" dirty="0" smtClean="0"/>
+              <a:t>	</a:t>
+            </a:r>
+            <a:r>
+              <a:rPr lang="ja-JP" altLang="en-US" sz="1800" dirty="0" smtClean="0"/>
+              <a:t>押されている時　　</a:t>
+            </a:r>
+            <a:r>
+              <a:rPr lang="en-US" altLang="ja-JP" sz="1800" dirty="0" smtClean="0"/>
+              <a:t>home_tap.png</a:t>
+            </a:r>
+          </a:p>
+          <a:p>
+            <a:r>
+              <a:rPr lang="ja-JP" altLang="en-US" sz="1800" dirty="0" smtClean="0"/>
+              <a:t>*トピック後ろの紙画像　</a:t>
+            </a:r>
+            <a:r>
+              <a:rPr lang="en-US" altLang="ja-JP" sz="1800" dirty="0" smtClean="0"/>
+              <a:t>paper_white.png (9patch</a:t>
+            </a:r>
+            <a:r>
+              <a:rPr lang="ja-JP" altLang="en-US" sz="1800" baseline="0" dirty="0" smtClean="0"/>
+              <a:t>加工</a:t>
+            </a:r>
+            <a:r>
+              <a:rPr lang="en-US" altLang="ja-JP" sz="1800" dirty="0" smtClean="0"/>
+              <a:t>)</a:t>
+            </a:r>
+          </a:p>
+          <a:p>
             <a:endParaRPr lang="en-US" altLang="ja-JP" sz="1800" dirty="0" smtClean="0"/>
           </a:p>
         </p:txBody>
@@ -1119,9 +1287,57 @@
           <a:p>
             <a:r>
               <a:rPr kumimoji="1" lang="ja-JP" altLang="en-US" sz="1800" dirty="0" smtClean="0"/>
-              <a:t>④設定画面</a:t>
+              <a:t>④</a:t>
+            </a:r>
+            <a:r>
+              <a:rPr kumimoji="1" lang="ja-JP" altLang="en-US" sz="1800" dirty="0" smtClean="0"/>
+              <a:t>設定</a:t>
             </a:r>
             <a:endParaRPr kumimoji="1" lang="en-US" altLang="ja-JP" sz="1800" dirty="0" smtClean="0"/>
+          </a:p>
+          <a:p>
+            <a:r>
+              <a:rPr lang="en-US" altLang="ja-JP" sz="1800" dirty="0" smtClean="0"/>
+              <a:t>*</a:t>
+            </a:r>
+            <a:r>
+              <a:rPr lang="ja-JP" altLang="en-US" sz="1800" dirty="0" smtClean="0"/>
+              <a:t>戻るボタン</a:t>
+            </a:r>
+            <a:r>
+              <a:rPr lang="en-US" altLang="ja-JP" sz="1800" dirty="0" smtClean="0"/>
+              <a:t>	</a:t>
+            </a:r>
+            <a:r>
+              <a:rPr lang="ja-JP" altLang="en-US" sz="1800" dirty="0" smtClean="0"/>
+              <a:t>押されていない時　</a:t>
+            </a:r>
+            <a:r>
+              <a:rPr lang="en-US" altLang="ja-JP" sz="1800" dirty="0" smtClean="0"/>
+              <a:t>return.png</a:t>
+            </a:r>
+          </a:p>
+          <a:p>
+            <a:r>
+              <a:rPr lang="en-US" altLang="ja-JP" sz="1800" dirty="0" smtClean="0"/>
+              <a:t>	</a:t>
+            </a:r>
+            <a:r>
+              <a:rPr lang="ja-JP" altLang="en-US" sz="1800" dirty="0" smtClean="0"/>
+              <a:t>押されている時</a:t>
+            </a:r>
+            <a:r>
+              <a:rPr lang="en-US" altLang="ja-JP" sz="1800" dirty="0" smtClean="0"/>
+              <a:t>	</a:t>
+            </a:r>
+            <a:r>
+              <a:rPr lang="ja-JP" altLang="en-US" sz="1800" dirty="0" smtClean="0"/>
+              <a:t>　　</a:t>
+            </a:r>
+            <a:r>
+              <a:rPr lang="en-US" altLang="ja-JP" sz="1800" dirty="0" smtClean="0"/>
+              <a:t>return_tap.png</a:t>
+            </a:r>
           </a:p>
         </p:txBody>
       </p:sp>
@@ -1205,8 +1421,121 @@
           <a:p>
             <a:r>
               <a:rPr lang="ja-JP" altLang="en-US" sz="1800" dirty="0" smtClean="0"/>
-              <a:t>⑤キーフレーズ管理画面</a:t>
-            </a:r>
+              <a:t>⑤</a:t>
+            </a:r>
+            <a:r>
+              <a:rPr lang="ja-JP" altLang="en-US" sz="1800" dirty="0" smtClean="0"/>
+              <a:t>キーフレーズ</a:t>
+            </a:r>
+            <a:r>
+              <a:rPr lang="ja-JP" altLang="en-US" sz="1800" dirty="0" smtClean="0"/>
+              <a:t>管理</a:t>
+            </a:r>
+            <a:r>
+              <a:rPr lang="ja-JP" altLang="en-US" sz="1800" dirty="0" smtClean="0"/>
+              <a:t>画面</a:t>
+            </a:r>
+            <a:endParaRPr lang="en-US" altLang="ja-JP" sz="1800" dirty="0" smtClean="0"/>
+          </a:p>
+          <a:p>
+            <a:r>
+              <a:rPr lang="en-US" altLang="ja-JP" sz="1800" dirty="0" smtClean="0"/>
+              <a:t>*</a:t>
+            </a:r>
+            <a:r>
+              <a:rPr lang="ja-JP" altLang="en-US" sz="1800" dirty="0" smtClean="0"/>
+              <a:t>戻るボタン</a:t>
+            </a:r>
+            <a:r>
+              <a:rPr lang="en-US" altLang="ja-JP" sz="1800" dirty="0" smtClean="0"/>
+              <a:t>	</a:t>
+            </a:r>
+            <a:r>
+              <a:rPr lang="ja-JP" altLang="en-US" sz="1800" dirty="0" smtClean="0"/>
+              <a:t>押されていない時　</a:t>
+            </a:r>
+            <a:r>
+              <a:rPr lang="en-US" altLang="ja-JP" sz="1800" dirty="0" smtClean="0"/>
+              <a:t>return.png</a:t>
+            </a:r>
+          </a:p>
+          <a:p>
+            <a:r>
+              <a:rPr lang="en-US" altLang="ja-JP" sz="1800" dirty="0" smtClean="0"/>
+              <a:t>	</a:t>
+            </a:r>
+            <a:r>
+              <a:rPr lang="ja-JP" altLang="en-US" sz="1800" dirty="0" smtClean="0"/>
+              <a:t>押されている時</a:t>
+            </a:r>
+            <a:r>
+              <a:rPr lang="en-US" altLang="ja-JP" sz="1800" dirty="0" smtClean="0"/>
+              <a:t>	</a:t>
+            </a:r>
+            <a:r>
+              <a:rPr lang="ja-JP" altLang="en-US" sz="1800" dirty="0" smtClean="0"/>
+              <a:t>　　</a:t>
+            </a:r>
+            <a:r>
+              <a:rPr lang="en-US" altLang="ja-JP" sz="1800" dirty="0" smtClean="0"/>
+              <a:t>return_tap.png</a:t>
+            </a:r>
+          </a:p>
+          <a:p>
+            <a:r>
+              <a:rPr lang="en-US" altLang="ja-JP" sz="1800" dirty="0" smtClean="0"/>
+              <a:t>*</a:t>
+            </a:r>
+            <a:r>
+              <a:rPr lang="ja-JP" altLang="en-US" sz="1800" dirty="0" smtClean="0"/>
+              <a:t>キーフレーズ後ろの画像</a:t>
+            </a:r>
+            <a:r>
+              <a:rPr lang="en-US" altLang="ja-JP" sz="1800" dirty="0" smtClean="0"/>
+              <a:t>	paper_brown.png</a:t>
+            </a:r>
+          </a:p>
+          <a:p>
+            <a:r>
+              <a:rPr lang="ja-JP" altLang="en-US" sz="1800" dirty="0" smtClean="0"/>
+              <a:t>*メニューボタン</a:t>
+            </a:r>
+            <a:r>
+              <a:rPr lang="en-US" altLang="ja-JP" sz="1800" dirty="0" smtClean="0"/>
+              <a:t>	</a:t>
+            </a:r>
+            <a:r>
+              <a:rPr lang="en-US" altLang="ja-JP" sz="1800" baseline="0" dirty="0" smtClean="0"/>
+              <a:t> </a:t>
+            </a:r>
+            <a:r>
+              <a:rPr lang="ja-JP" altLang="en-US" sz="1800" baseline="0" dirty="0" smtClean="0"/>
+              <a:t>押されていない時 </a:t>
+            </a:r>
+            <a:r>
+              <a:rPr lang="en-US" altLang="ja-JP" sz="1800" baseline="0" dirty="0" smtClean="0"/>
+              <a:t>menu.png</a:t>
+            </a:r>
+          </a:p>
+          <a:p>
+            <a:r>
+              <a:rPr lang="en-US" altLang="ja-JP" sz="1800" baseline="0" dirty="0" smtClean="0"/>
+              <a:t>	 </a:t>
+            </a:r>
+            <a:r>
+              <a:rPr lang="ja-JP" altLang="en-US" sz="1800" baseline="0" dirty="0" smtClean="0"/>
+              <a:t>押されている時　　</a:t>
+            </a:r>
+            <a:r>
+              <a:rPr lang="en-US" altLang="ja-JP" sz="1800" baseline="0" dirty="0" smtClean="0"/>
+              <a:t>menu_tap.png</a:t>
+            </a:r>
+          </a:p>
+          <a:p>
+            <a:endParaRPr lang="en-US" altLang="ja-JP" sz="1800" baseline="0" dirty="0" smtClean="0"/>
+          </a:p>
+          <a:p>
+            <a:endParaRPr lang="en-US" altLang="ja-JP" sz="1800" dirty="0" smtClean="0"/>
           </a:p>
         </p:txBody>
       </p:sp>
@@ -1290,8 +1619,43 @@
           <a:p>
             <a:r>
               <a:rPr lang="ja-JP" altLang="en-US" sz="1800" dirty="0" smtClean="0"/>
-              <a:t>⑥抽出されたキーフレーズ一覧画面</a:t>
-            </a:r>
+              <a:t>⑥抽出されたキーフレーズ</a:t>
+            </a:r>
+            <a:r>
+              <a:rPr lang="ja-JP" altLang="en-US" sz="1800" dirty="0" smtClean="0"/>
+              <a:t>一覧画面</a:t>
+            </a:r>
+            <a:endParaRPr lang="en-US" altLang="ja-JP" sz="1800" dirty="0" smtClean="0"/>
+          </a:p>
+          <a:p>
+            <a:r>
+              <a:rPr lang="en-US" altLang="ja-JP" sz="1800" dirty="0" smtClean="0"/>
+              <a:t>*</a:t>
+            </a:r>
+            <a:r>
+              <a:rPr lang="ja-JP" altLang="en-US" sz="1800" dirty="0" smtClean="0"/>
+              <a:t>ホームボタン　押されていない時　</a:t>
+            </a:r>
+            <a:r>
+              <a:rPr lang="en-US" altLang="ja-JP" sz="1800" dirty="0" smtClean="0"/>
+              <a:t>home.png</a:t>
+            </a:r>
+          </a:p>
+          <a:p>
+            <a:r>
+              <a:rPr lang="en-US" altLang="ja-JP" sz="1800" dirty="0" smtClean="0"/>
+              <a:t>	</a:t>
+            </a:r>
+            <a:r>
+              <a:rPr lang="ja-JP" altLang="en-US" sz="1800" dirty="0" smtClean="0"/>
+              <a:t>押されている時　　</a:t>
+            </a:r>
+            <a:r>
+              <a:rPr lang="en-US" altLang="ja-JP" sz="1800" dirty="0" smtClean="0"/>
+              <a:t>home_tap.png</a:t>
+            </a:r>
+          </a:p>
+          <a:p>
             <a:endParaRPr lang="en-US" altLang="ja-JP" sz="1800" dirty="0" smtClean="0"/>
           </a:p>
         </p:txBody>
@@ -5269,7 +5633,7 @@
                   </a:schemeClr>
                 </a:solidFill>
               </a:rPr>
-              <a:t>Last_name</a:t>
+              <a:t>First_name</a:t>
             </a:r>
             <a:endParaRPr kumimoji="1" lang="ja-JP" altLang="en-US" sz="2800" dirty="0">
               <a:solidFill>
@@ -5316,7 +5680,7 @@
                   </a:schemeClr>
                 </a:solidFill>
               </a:rPr>
-              <a:t>First_name</a:t>
+              <a:t>Last_name</a:t>
             </a:r>
             <a:endParaRPr lang="en-US" altLang="ja-JP" sz="2800" dirty="0" smtClean="0">
               <a:solidFill>
@@ -5805,15 +6169,23 @@
           <p:nvPr/>
         </p:nvPicPr>
         <p:blipFill>
-          <a:blip r:embed="rId4" cstate="print"/>
+          <a:blip r:embed="rId4" cstate="print">
+            <a:duotone>
+              <a:prstClr val="black"/>
+              <a:schemeClr val="accent5">
+                <a:tint val="45000"/>
+                <a:satMod val="400000"/>
+              </a:schemeClr>
+            </a:duotone>
+          </a:blip>
           <a:stretch>
             <a:fillRect/>
           </a:stretch>
         </p:blipFill>
         <p:spPr>
           <a:xfrm>
-            <a:off x="1412776" y="3398659"/>
-            <a:ext cx="4320480" cy="1677397"/>
+            <a:off x="1340768" y="3398659"/>
+            <a:ext cx="4392488" cy="1677397"/>
           </a:xfrm>
           <a:prstGeom prst="rect">
             <a:avLst/>
@@ -5931,8 +6303,8 @@
               <a:rPr lang="ja-JP" altLang="en-US" sz="2400" dirty="0" smtClean="0">
                 <a:solidFill>
                   <a:schemeClr val="tx1">
-                    <a:lumMod val="75000"/>
-                    <a:lumOff val="25000"/>
+                    <a:lumMod val="85000"/>
+                    <a:lumOff val="15000"/>
                   </a:schemeClr>
                 </a:solidFill>
               </a:rPr>
@@ -5942,8 +6314,8 @@
               <a:rPr lang="en-US" altLang="ja-JP" sz="2400" dirty="0" smtClean="0">
                 <a:solidFill>
                   <a:schemeClr val="tx1">
-                    <a:lumMod val="75000"/>
-                    <a:lumOff val="25000"/>
+                    <a:lumMod val="85000"/>
+                    <a:lumOff val="15000"/>
                   </a:schemeClr>
                 </a:solidFill>
               </a:rPr>
@@ -5956,8 +6328,8 @@
               <a:rPr lang="en-US" altLang="ja-JP" sz="2400" dirty="0" smtClean="0">
                 <a:solidFill>
                   <a:schemeClr val="tx1">
-                    <a:lumMod val="75000"/>
-                    <a:lumOff val="25000"/>
+                    <a:lumMod val="85000"/>
+                    <a:lumOff val="15000"/>
                   </a:schemeClr>
                 </a:solidFill>
               </a:rPr>
@@ -5967,8 +6339,8 @@
               <a:rPr lang="ja-JP" altLang="en-US" sz="2400" dirty="0" smtClean="0">
                 <a:solidFill>
                   <a:schemeClr val="tx1">
-                    <a:lumMod val="75000"/>
-                    <a:lumOff val="25000"/>
+                    <a:lumMod val="85000"/>
+                    <a:lumOff val="15000"/>
                   </a:schemeClr>
                 </a:solidFill>
               </a:rPr>
@@ -5978,8 +6350,8 @@
               <a:rPr lang="en-US" altLang="ja-JP" sz="2400" dirty="0" smtClean="0">
                 <a:solidFill>
                   <a:schemeClr val="tx1">
-                    <a:lumMod val="75000"/>
-                    <a:lumOff val="25000"/>
+                    <a:lumMod val="85000"/>
+                    <a:lumOff val="15000"/>
                   </a:schemeClr>
                 </a:solidFill>
               </a:rPr>
@@ -5988,14 +6360,21 @@
             <a:endParaRPr lang="ja-JP" altLang="en-US" sz="2400" dirty="0" smtClean="0">
               <a:solidFill>
                 <a:schemeClr val="tx1">
-                  <a:lumMod val="75000"/>
-                  <a:lumOff val="25000"/>
+                  <a:lumMod val="85000"/>
+                  <a:lumOff val="15000"/>
                 </a:schemeClr>
               </a:solidFill>
             </a:endParaRPr>
           </a:p>
           <a:p>
-            <a:endParaRPr kumimoji="1" lang="ja-JP" altLang="en-US" sz="2400" b="1" dirty="0"/>
+            <a:endParaRPr kumimoji="1" lang="ja-JP" altLang="en-US" sz="2400" b="1" dirty="0">
+              <a:solidFill>
+                <a:schemeClr val="tx1">
+                  <a:lumMod val="85000"/>
+                  <a:lumOff val="15000"/>
+                </a:schemeClr>
+              </a:solidFill>
+            </a:endParaRPr>
           </a:p>
         </p:txBody>
       </p:sp>
@@ -7365,7 +7744,7 @@
           </p:nvPicPr>
           <p:blipFill>
             <a:blip r:embed="rId8" cstate="print">
-              <a:lum bright="-40000"/>
+              <a:lum bright="40000" contrast="40000"/>
             </a:blip>
             <a:stretch>
               <a:fillRect/>
@@ -7461,17 +7840,15 @@
             <p:nvPr/>
           </p:nvPicPr>
           <p:blipFill>
-            <a:blip r:embed="rId10" cstate="print">
-              <a:lum bright="-40000"/>
-            </a:blip>
+            <a:blip r:embed="rId10" cstate="print"/>
             <a:stretch>
               <a:fillRect/>
             </a:stretch>
           </p:blipFill>
           <p:spPr>
             <a:xfrm>
-              <a:off x="720502" y="3491880"/>
-              <a:ext cx="548258" cy="620266"/>
+              <a:off x="720502" y="3527884"/>
+              <a:ext cx="548258" cy="548258"/>
             </a:xfrm>
             <a:prstGeom prst="roundRect">
               <a:avLst/>
@@ -7699,8 +8076,8 @@
               <a:rPr lang="ja-JP" altLang="en-US" sz="2400" dirty="0" smtClean="0">
                 <a:solidFill>
                   <a:schemeClr val="tx1">
-                    <a:lumMod val="65000"/>
-                    <a:lumOff val="35000"/>
+                    <a:lumMod val="85000"/>
+                    <a:lumOff val="15000"/>
                   </a:schemeClr>
                 </a:solidFill>
               </a:rPr>
@@ -7709,8 +8086,8 @@
             <a:endParaRPr lang="ja-JP" altLang="en-US" sz="2400" dirty="0">
               <a:solidFill>
                 <a:schemeClr val="tx1">
-                  <a:lumMod val="65000"/>
-                  <a:lumOff val="35000"/>
+                  <a:lumMod val="85000"/>
+                  <a:lumOff val="15000"/>
                 </a:schemeClr>
               </a:solidFill>
             </a:endParaRPr>
@@ -9659,6 +10036,144 @@
           </a:prstGeom>
         </p:spPr>
       </p:pic>
+      <p:sp>
+        <p:nvSpPr>
+          <p:cNvPr id="62" name="角丸四角形 61"/>
+          <p:cNvSpPr/>
+          <p:nvPr/>
+        </p:nvSpPr>
+        <p:spPr>
+          <a:xfrm>
+            <a:off x="8901608" y="152400"/>
+            <a:ext cx="1052736" cy="827584"/>
+          </a:xfrm>
+          <a:prstGeom prst="roundRect">
+            <a:avLst/>
+          </a:prstGeom>
+          <a:blipFill>
+            <a:blip r:embed="rId5" cstate="print"/>
+            <a:stretch>
+              <a:fillRect/>
+            </a:stretch>
+          </a:blipFill>
+          <a:ln>
+            <a:noFill/>
+          </a:ln>
+        </p:spPr>
+        <p:style>
+          <a:lnRef idx="2">
+            <a:schemeClr val="accent1">
+              <a:shade val="50000"/>
+            </a:schemeClr>
+          </a:lnRef>
+          <a:fillRef idx="1">
+            <a:schemeClr val="accent1"/>
+          </a:fillRef>
+          <a:effectRef idx="0">
+            <a:schemeClr val="accent1"/>
+          </a:effectRef>
+          <a:fontRef idx="minor">
+            <a:schemeClr val="lt1"/>
+          </a:fontRef>
+        </p:style>
+        <p:txBody>
+          <a:bodyPr rtlCol="0" anchor="ctr"/>
+          <a:lstStyle/>
+          <a:p>
+            <a:pPr algn="ctr"/>
+            <a:endParaRPr kumimoji="1" lang="ja-JP" altLang="en-US" dirty="0" smtClean="0"/>
+          </a:p>
+        </p:txBody>
+      </p:sp>
+      <p:sp>
+        <p:nvSpPr>
+          <p:cNvPr id="63" name="テキスト ボックス 62"/>
+          <p:cNvSpPr txBox="1"/>
+          <p:nvPr/>
+        </p:nvSpPr>
+        <p:spPr>
+          <a:xfrm>
+            <a:off x="7173416" y="979984"/>
+            <a:ext cx="2780928" cy="830997"/>
+          </a:xfrm>
+          <a:prstGeom prst="rect">
+            <a:avLst/>
+          </a:prstGeom>
+          <a:solidFill>
+            <a:srgbClr val="4C3832"/>
+          </a:solidFill>
+        </p:spPr>
+        <p:txBody>
+          <a:bodyPr wrap="square" rtlCol="0">
+            <a:spAutoFit/>
+          </a:bodyPr>
+          <a:lstStyle/>
+          <a:p>
+            <a:r>
+              <a:rPr kumimoji="1" lang="ja-JP" altLang="en-US" sz="2400" dirty="0" smtClean="0">
+                <a:solidFill>
+                  <a:schemeClr val="bg1">
+                    <a:lumMod val="95000"/>
+                  </a:schemeClr>
+                </a:solidFill>
+              </a:rPr>
+              <a:t>キーフレーズを追加</a:t>
+            </a:r>
+            <a:endParaRPr kumimoji="1" lang="en-US" altLang="ja-JP" sz="2400" dirty="0" smtClean="0">
+              <a:solidFill>
+                <a:schemeClr val="bg1">
+                  <a:lumMod val="95000"/>
+                </a:schemeClr>
+              </a:solidFill>
+            </a:endParaRPr>
+          </a:p>
+          <a:p>
+            <a:r>
+              <a:rPr kumimoji="1" lang="ja-JP" altLang="en-US" sz="2400" dirty="0" smtClean="0">
+                <a:solidFill>
+                  <a:schemeClr val="bg1">
+                    <a:lumMod val="95000"/>
+                  </a:schemeClr>
+                </a:solidFill>
+              </a:rPr>
+              <a:t>キーフレーズを抽出</a:t>
+            </a:r>
+            <a:endParaRPr kumimoji="1" lang="ja-JP" altLang="en-US" sz="2400" dirty="0">
+              <a:solidFill>
+                <a:schemeClr val="bg1">
+                  <a:lumMod val="95000"/>
+                </a:schemeClr>
+              </a:solidFill>
+            </a:endParaRPr>
+          </a:p>
+        </p:txBody>
+      </p:sp>
+      <p:pic>
+        <p:nvPicPr>
+          <p:cNvPr id="64" name="図 63" descr="1.png"/>
+          <p:cNvPicPr>
+            <a:picLocks noChangeAspect="1"/>
+          </p:cNvPicPr>
+          <p:nvPr/>
+        </p:nvPicPr>
+        <p:blipFill>
+          <a:blip r:embed="rId7" cstate="print">
+            <a:lum bright="100000"/>
+          </a:blip>
+          <a:stretch>
+            <a:fillRect/>
+          </a:stretch>
+        </p:blipFill>
+        <p:spPr>
+          <a:xfrm>
+            <a:off x="9054752" y="152400"/>
+            <a:ext cx="755576" cy="827584"/>
+          </a:xfrm>
+          <a:prstGeom prst="rect">
+            <a:avLst/>
+          </a:prstGeom>
+        </p:spPr>
+      </p:pic>
     </p:spTree>
   </p:cSld>
   <p:clrMapOvr>
@@ -9768,13 +10283,21 @@
           <a:p>
             <a:pPr algn="ctr"/>
             <a:r>
-              <a:rPr kumimoji="1" lang="ja-JP" altLang="en-US" sz="2400" b="1" dirty="0" smtClean="0"/>
-              <a:t>以下のフレーズが見つかりました。</a:t>
-            </a:r>
-            <a:endParaRPr kumimoji="1" lang="ja-JP" altLang="en-US" sz="2400" b="1" dirty="0">
+              <a:rPr lang="ja-JP" altLang="en-US" sz="2400" dirty="0" smtClean="0">
+                <a:solidFill>
+                  <a:schemeClr val="tx1">
+                    <a:lumMod val="85000"/>
+                    <a:lumOff val="15000"/>
+                  </a:schemeClr>
+                </a:solidFill>
+              </a:rPr>
+              <a:t>以下のキーフレーズがみつかりました。</a:t>
+            </a:r>
+            <a:endParaRPr lang="ja-JP" altLang="en-US" sz="2400" dirty="0" smtClean="0">
               <a:solidFill>
-                <a:schemeClr val="accent5">
-                  <a:lumMod val="75000"/>
+                <a:schemeClr val="tx1">
+                  <a:lumMod val="85000"/>
+                  <a:lumOff val="15000"/>
                 </a:schemeClr>
               </a:solidFill>
             </a:endParaRPr>

--- a/client/UI/UI.pptx
+++ b/client/UI/UI.pptx
@@ -199,7 +199,7 @@
             <a:fld id="{6CB782D2-A261-4730-B1CD-5DE0860CDF7E}" type="datetimeFigureOut">
               <a:rPr kumimoji="1" lang="ja-JP" altLang="en-US" smtClean="0"/>
               <a:pPr/>
-              <a:t>2013/3/15</a:t>
+              <a:t>2013/3/16</a:t>
             </a:fld>
             <a:endParaRPr kumimoji="1" lang="ja-JP" altLang="en-US"/>
           </a:p>
@@ -609,6 +609,26 @@
               <a:t>btn_background_tap.png</a:t>
             </a:r>
           </a:p>
+          <a:p>
+            <a:endParaRPr lang="en-US" altLang="ja-JP" sz="1800" dirty="0" smtClean="0"/>
+          </a:p>
+          <a:p>
+            <a:r>
+              <a:rPr lang="ja-JP" altLang="en-US" sz="1800" dirty="0" smtClean="0"/>
+              <a:t>・カラーコード</a:t>
+            </a:r>
+            <a:endParaRPr lang="en-US" altLang="ja-JP" sz="1800" dirty="0" smtClean="0"/>
+          </a:p>
+          <a:p>
+            <a:r>
+              <a:rPr lang="ja-JP" altLang="en-US" sz="1800" dirty="0" smtClean="0"/>
+              <a:t>文字　</a:t>
+            </a:r>
+            <a:r>
+              <a:rPr lang="en-US" altLang="ja-JP" sz="1800" dirty="0" smtClean="0"/>
+              <a:t>#3B2F2D</a:t>
+            </a:r>
+          </a:p>
         </p:txBody>
       </p:sp>
       <p:sp>
@@ -691,11 +711,7 @@
           <a:p>
             <a:r>
               <a:rPr lang="ja-JP" altLang="en-US" sz="1800" dirty="0" smtClean="0"/>
-              <a:t>①話題検索</a:t>
-            </a:r>
-            <a:r>
-              <a:rPr lang="ja-JP" altLang="en-US" sz="1800" dirty="0" smtClean="0"/>
-              <a:t>画面</a:t>
+              <a:t>①話題検索画面</a:t>
             </a:r>
             <a:endParaRPr lang="en-US" altLang="ja-JP" sz="1800" dirty="0" smtClean="0"/>
           </a:p>
@@ -872,11 +888,7 @@
           <a:p>
             <a:r>
               <a:rPr lang="ja-JP" altLang="en-US" sz="1800" dirty="0" smtClean="0"/>
-              <a:t>②アカウント</a:t>
-            </a:r>
-            <a:r>
-              <a:rPr lang="ja-JP" altLang="en-US" sz="1800" dirty="0" smtClean="0"/>
-              <a:t>選択画面</a:t>
+              <a:t>②アカウント選択画面</a:t>
             </a:r>
             <a:endParaRPr lang="en-US" altLang="ja-JP" sz="1800" dirty="0" smtClean="0"/>
           </a:p>
@@ -1104,11 +1116,7 @@
             </a:r>
             <a:r>
               <a:rPr lang="ja-JP" altLang="en-US" sz="1800" dirty="0" smtClean="0"/>
-              <a:t>一覧</a:t>
-            </a:r>
-            <a:r>
-              <a:rPr lang="ja-JP" altLang="en-US" sz="1800" dirty="0" smtClean="0"/>
-              <a:t>画面</a:t>
+              <a:t>一覧画面</a:t>
             </a:r>
             <a:endParaRPr lang="en-US" altLang="ja-JP" sz="1800" dirty="0" smtClean="0"/>
           </a:p>
@@ -1287,11 +1295,7 @@
           <a:p>
             <a:r>
               <a:rPr kumimoji="1" lang="ja-JP" altLang="en-US" sz="1800" dirty="0" smtClean="0"/>
-              <a:t>④</a:t>
-            </a:r>
-            <a:r>
-              <a:rPr kumimoji="1" lang="ja-JP" altLang="en-US" sz="1800" dirty="0" smtClean="0"/>
-              <a:t>設定</a:t>
+              <a:t>④設定</a:t>
             </a:r>
             <a:endParaRPr kumimoji="1" lang="en-US" altLang="ja-JP" sz="1800" dirty="0" smtClean="0"/>
           </a:p>
@@ -1421,19 +1425,7 @@
           <a:p>
             <a:r>
               <a:rPr lang="ja-JP" altLang="en-US" sz="1800" dirty="0" smtClean="0"/>
-              <a:t>⑤</a:t>
-            </a:r>
-            <a:r>
-              <a:rPr lang="ja-JP" altLang="en-US" sz="1800" dirty="0" smtClean="0"/>
-              <a:t>キーフレーズ</a:t>
-            </a:r>
-            <a:r>
-              <a:rPr lang="ja-JP" altLang="en-US" sz="1800" dirty="0" smtClean="0"/>
-              <a:t>管理</a:t>
-            </a:r>
-            <a:r>
-              <a:rPr lang="ja-JP" altLang="en-US" sz="1800" dirty="0" smtClean="0"/>
-              <a:t>画面</a:t>
+              <a:t>⑤キーフレーズ管理画面</a:t>
             </a:r>
             <a:endParaRPr lang="en-US" altLang="ja-JP" sz="1800" dirty="0" smtClean="0"/>
           </a:p>
@@ -1529,6 +1521,34 @@
             <a:r>
               <a:rPr lang="en-US" altLang="ja-JP" sz="1800" baseline="0" dirty="0" smtClean="0"/>
               <a:t>menu_tap.png</a:t>
+            </a:r>
+          </a:p>
+          <a:p>
+            <a:r>
+              <a:rPr lang="en-US" altLang="ja-JP" sz="1800" baseline="0" dirty="0" smtClean="0"/>
+              <a:t>*×	</a:t>
+            </a:r>
+            <a:r>
+              <a:rPr lang="ja-JP" altLang="en-US" sz="1800" baseline="0" dirty="0" smtClean="0"/>
+              <a:t>押されていない時  </a:t>
+            </a:r>
+            <a:r>
+              <a:rPr lang="en-US" altLang="ja-JP" sz="1800" baseline="0" dirty="0" smtClean="0"/>
+              <a:t>delete.png</a:t>
+            </a:r>
+          </a:p>
+          <a:p>
+            <a:r>
+              <a:rPr lang="en-US" altLang="ja-JP" sz="1800" baseline="0" dirty="0" smtClean="0"/>
+              <a:t>	</a:t>
+            </a:r>
+            <a:r>
+              <a:rPr lang="ja-JP" altLang="en-US" sz="1800" baseline="0" dirty="0" smtClean="0"/>
+              <a:t>押されている時     </a:t>
+            </a:r>
+            <a:r>
+              <a:rPr lang="en-US" altLang="ja-JP" sz="1800" baseline="0" dirty="0" smtClean="0"/>
+              <a:t>delete_tap.png</a:t>
             </a:r>
           </a:p>
           <a:p>
@@ -1619,11 +1639,7 @@
           <a:p>
             <a:r>
               <a:rPr lang="ja-JP" altLang="en-US" sz="1800" dirty="0" smtClean="0"/>
-              <a:t>⑥抽出されたキーフレーズ</a:t>
-            </a:r>
-            <a:r>
-              <a:rPr lang="ja-JP" altLang="en-US" sz="1800" dirty="0" smtClean="0"/>
-              <a:t>一覧画面</a:t>
+              <a:t>⑥抽出されたキーフレーズ一覧画面</a:t>
             </a:r>
             <a:endParaRPr lang="en-US" altLang="ja-JP" sz="1800" dirty="0" smtClean="0"/>
           </a:p>
@@ -1653,6 +1669,34 @@
             <a:r>
               <a:rPr lang="en-US" altLang="ja-JP" sz="1800" dirty="0" smtClean="0"/>
               <a:t>home_tap.png</a:t>
+            </a:r>
+          </a:p>
+          <a:p>
+            <a:r>
+              <a:rPr lang="en-US" altLang="ja-JP" sz="1800" baseline="0" dirty="0" smtClean="0"/>
+              <a:t>*×	</a:t>
+            </a:r>
+            <a:r>
+              <a:rPr lang="ja-JP" altLang="en-US" sz="1800" baseline="0" dirty="0" smtClean="0"/>
+              <a:t>押されていない時  </a:t>
+            </a:r>
+            <a:r>
+              <a:rPr lang="en-US" altLang="ja-JP" sz="1800" baseline="0" dirty="0" smtClean="0"/>
+              <a:t>delete.png</a:t>
+            </a:r>
+          </a:p>
+          <a:p>
+            <a:r>
+              <a:rPr lang="en-US" altLang="ja-JP" sz="1800" baseline="0" dirty="0" smtClean="0"/>
+              <a:t>	</a:t>
+            </a:r>
+            <a:r>
+              <a:rPr lang="ja-JP" altLang="en-US" sz="1800" baseline="0" dirty="0" smtClean="0"/>
+              <a:t>押されている時     </a:t>
+            </a:r>
+            <a:r>
+              <a:rPr lang="en-US" altLang="ja-JP" sz="1800" baseline="0" dirty="0" smtClean="0"/>
+              <a:t>delete_tap.png</a:t>
             </a:r>
           </a:p>
           <a:p>
@@ -1874,7 +1918,7 @@
             <a:fld id="{8CC0D75B-0053-42EA-80F5-0CA201F86BEB}" type="datetimeFigureOut">
               <a:rPr kumimoji="1" lang="ja-JP" altLang="en-US" smtClean="0"/>
               <a:pPr/>
-              <a:t>2013/3/15</a:t>
+              <a:t>2013/3/16</a:t>
             </a:fld>
             <a:endParaRPr kumimoji="1" lang="ja-JP" altLang="en-US"/>
           </a:p>
@@ -2073,7 +2117,7 @@
             <a:fld id="{8CC0D75B-0053-42EA-80F5-0CA201F86BEB}" type="datetimeFigureOut">
               <a:rPr kumimoji="1" lang="ja-JP" altLang="en-US" smtClean="0"/>
               <a:pPr/>
-              <a:t>2013/3/15</a:t>
+              <a:t>2013/3/16</a:t>
             </a:fld>
             <a:endParaRPr kumimoji="1" lang="ja-JP" altLang="en-US"/>
           </a:p>
@@ -2282,7 +2326,7 @@
             <a:fld id="{8CC0D75B-0053-42EA-80F5-0CA201F86BEB}" type="datetimeFigureOut">
               <a:rPr kumimoji="1" lang="ja-JP" altLang="en-US" smtClean="0"/>
               <a:pPr/>
-              <a:t>2013/3/15</a:t>
+              <a:t>2013/3/16</a:t>
             </a:fld>
             <a:endParaRPr kumimoji="1" lang="ja-JP" altLang="en-US"/>
           </a:p>
@@ -2481,7 +2525,7 @@
             <a:fld id="{8CC0D75B-0053-42EA-80F5-0CA201F86BEB}" type="datetimeFigureOut">
               <a:rPr kumimoji="1" lang="ja-JP" altLang="en-US" smtClean="0"/>
               <a:pPr/>
-              <a:t>2013/3/15</a:t>
+              <a:t>2013/3/16</a:t>
             </a:fld>
             <a:endParaRPr kumimoji="1" lang="ja-JP" altLang="en-US"/>
           </a:p>
@@ -2724,7 +2768,7 @@
             <a:fld id="{8CC0D75B-0053-42EA-80F5-0CA201F86BEB}" type="datetimeFigureOut">
               <a:rPr kumimoji="1" lang="ja-JP" altLang="en-US" smtClean="0"/>
               <a:pPr/>
-              <a:t>2013/3/15</a:t>
+              <a:t>2013/3/16</a:t>
             </a:fld>
             <a:endParaRPr kumimoji="1" lang="ja-JP" altLang="en-US"/>
           </a:p>
@@ -3073,7 +3117,7 @@
             <a:fld id="{8CC0D75B-0053-42EA-80F5-0CA201F86BEB}" type="datetimeFigureOut">
               <a:rPr kumimoji="1" lang="ja-JP" altLang="en-US" smtClean="0"/>
               <a:pPr/>
-              <a:t>2013/3/15</a:t>
+              <a:t>2013/3/16</a:t>
             </a:fld>
             <a:endParaRPr kumimoji="1" lang="ja-JP" altLang="en-US"/>
           </a:p>
@@ -3556,7 +3600,7 @@
             <a:fld id="{8CC0D75B-0053-42EA-80F5-0CA201F86BEB}" type="datetimeFigureOut">
               <a:rPr kumimoji="1" lang="ja-JP" altLang="en-US" smtClean="0"/>
               <a:pPr/>
-              <a:t>2013/3/15</a:t>
+              <a:t>2013/3/16</a:t>
             </a:fld>
             <a:endParaRPr kumimoji="1" lang="ja-JP" altLang="en-US"/>
           </a:p>
@@ -3671,7 +3715,7 @@
             <a:fld id="{8CC0D75B-0053-42EA-80F5-0CA201F86BEB}" type="datetimeFigureOut">
               <a:rPr kumimoji="1" lang="ja-JP" altLang="en-US" smtClean="0"/>
               <a:pPr/>
-              <a:t>2013/3/15</a:t>
+              <a:t>2013/3/16</a:t>
             </a:fld>
             <a:endParaRPr kumimoji="1" lang="ja-JP" altLang="en-US"/>
           </a:p>
@@ -3772,7 +3816,7 @@
             <a:fld id="{8CC0D75B-0053-42EA-80F5-0CA201F86BEB}" type="datetimeFigureOut">
               <a:rPr kumimoji="1" lang="ja-JP" altLang="en-US" smtClean="0"/>
               <a:pPr/>
-              <a:t>2013/3/15</a:t>
+              <a:t>2013/3/16</a:t>
             </a:fld>
             <a:endParaRPr kumimoji="1" lang="ja-JP" altLang="en-US"/>
           </a:p>
@@ -3839,60 +3883,44 @@
           </a:p>
         </p:txBody>
       </p:sp>
-      <p:sp>
-        <p:nvSpPr>
-          <p:cNvPr id="5" name="正方形/長方形 4"/>
-          <p:cNvSpPr/>
+      <p:pic>
+        <p:nvPicPr>
+          <p:cNvPr id="6" name="図 5" descr="title_bar.png"/>
+          <p:cNvPicPr>
+            <a:picLocks noChangeAspect="1"/>
+          </p:cNvPicPr>
           <p:nvPr userDrawn="1"/>
-        </p:nvSpPr>
+        </p:nvPicPr>
+        <p:blipFill>
+          <a:blip r:embed="rId3" cstate="print">
+            <a:lum bright="-20000" contrast="-30000"/>
+          </a:blip>
+          <a:stretch>
+            <a:fillRect/>
+          </a:stretch>
+        </p:blipFill>
         <p:spPr>
           <a:xfrm>
-            <a:off x="-891480" y="-36512"/>
-            <a:ext cx="8424936" cy="936104"/>
+            <a:off x="-1107504" y="-396552"/>
+            <a:ext cx="9073008" cy="1656184"/>
           </a:xfrm>
           <a:prstGeom prst="rect">
             <a:avLst/>
           </a:prstGeom>
-          <a:blipFill>
-            <a:blip r:embed="rId3" cstate="print"/>
-            <a:stretch>
-              <a:fillRect/>
-            </a:stretch>
-          </a:blipFill>
-          <a:ln>
-            <a:noFill/>
-          </a:ln>
         </p:spPr>
-        <p:style>
-          <a:lnRef idx="2">
-            <a:schemeClr val="accent1">
-              <a:shade val="50000"/>
-            </a:schemeClr>
-          </a:lnRef>
-          <a:fillRef idx="1">
-            <a:schemeClr val="accent1"/>
-          </a:fillRef>
-          <a:effectRef idx="0">
-            <a:schemeClr val="accent1"/>
-          </a:effectRef>
-          <a:fontRef idx="minor">
-            <a:schemeClr val="lt1"/>
-          </a:fontRef>
-        </p:style>
-        <p:txBody>
-          <a:bodyPr rtlCol="0" anchor="ctr"/>
-          <a:lstStyle/>
-          <a:p>
-            <a:pPr algn="ctr"/>
-            <a:endParaRPr lang="en-US" altLang="ja-JP" dirty="0" smtClean="0"/>
-          </a:p>
-        </p:txBody>
-      </p:sp>
+      </p:pic>
     </p:spTree>
   </p:cSld>
   <p:clrMapOvr>
     <a:masterClrMapping/>
   </p:clrMapOvr>
+  <p:timing>
+    <p:tnLst>
+      <p:par>
+        <p:cTn id="1" dur="indefinite" restart="never" nodeType="tmRoot"/>
+      </p:par>
+    </p:tnLst>
+  </p:timing>
 </p:sldLayout>
 </file>
 
@@ -4145,7 +4173,7 @@
             <a:fld id="{8CC0D75B-0053-42EA-80F5-0CA201F86BEB}" type="datetimeFigureOut">
               <a:rPr kumimoji="1" lang="ja-JP" altLang="en-US" smtClean="0"/>
               <a:pPr/>
-              <a:t>2013/3/15</a:t>
+              <a:t>2013/3/16</a:t>
             </a:fld>
             <a:endParaRPr kumimoji="1" lang="ja-JP" altLang="en-US"/>
           </a:p>
@@ -4395,7 +4423,7 @@
             <a:fld id="{8CC0D75B-0053-42EA-80F5-0CA201F86BEB}" type="datetimeFigureOut">
               <a:rPr kumimoji="1" lang="ja-JP" altLang="en-US" smtClean="0"/>
               <a:pPr/>
-              <a:t>2013/3/15</a:t>
+              <a:t>2013/3/16</a:t>
             </a:fld>
             <a:endParaRPr kumimoji="1" lang="ja-JP" altLang="en-US"/>
           </a:p>
@@ -4462,9 +4490,7 @@
             <a:lum/>
           </a:blip>
           <a:srcRect/>
-          <a:stretch>
-            <a:fillRect t="-59000" b="-59000"/>
-          </a:stretch>
+          <a:tile tx="0" ty="0" sx="100000" sy="100000" flip="none" algn="tl"/>
         </a:blipFill>
         <a:effectLst/>
       </p:bgPr>
@@ -4646,7 +4672,7 @@
             <a:fld id="{8CC0D75B-0053-42EA-80F5-0CA201F86BEB}" type="datetimeFigureOut">
               <a:rPr kumimoji="1" lang="ja-JP" altLang="en-US" smtClean="0"/>
               <a:pPr/>
-              <a:t>2013/3/15</a:t>
+              <a:t>2013/3/16</a:t>
             </a:fld>
             <a:endParaRPr kumimoji="1" lang="ja-JP" altLang="en-US"/>
           </a:p>
@@ -5017,55 +5043,6 @@
           <a:chExt cx="0" cy="0"/>
         </a:xfrm>
       </p:grpSpPr>
-      <p:sp>
-        <p:nvSpPr>
-          <p:cNvPr id="32" name="正方形/長方形 31"/>
-          <p:cNvSpPr/>
-          <p:nvPr/>
-        </p:nvSpPr>
-        <p:spPr>
-          <a:xfrm>
-            <a:off x="-891480" y="-36512"/>
-            <a:ext cx="8424936" cy="936104"/>
-          </a:xfrm>
-          <a:prstGeom prst="rect">
-            <a:avLst/>
-          </a:prstGeom>
-          <a:blipFill>
-            <a:blip r:embed="rId3" cstate="print"/>
-            <a:stretch>
-              <a:fillRect/>
-            </a:stretch>
-          </a:blipFill>
-          <a:ln>
-            <a:noFill/>
-          </a:ln>
-        </p:spPr>
-        <p:style>
-          <a:lnRef idx="2">
-            <a:schemeClr val="accent1">
-              <a:shade val="50000"/>
-            </a:schemeClr>
-          </a:lnRef>
-          <a:fillRef idx="1">
-            <a:schemeClr val="accent1"/>
-          </a:fillRef>
-          <a:effectRef idx="0">
-            <a:schemeClr val="accent1"/>
-          </a:effectRef>
-          <a:fontRef idx="minor">
-            <a:schemeClr val="lt1"/>
-          </a:fontRef>
-        </p:style>
-        <p:txBody>
-          <a:bodyPr rtlCol="0" anchor="ctr"/>
-          <a:lstStyle/>
-          <a:p>
-            <a:pPr algn="ctr"/>
-            <a:endParaRPr lang="en-US" altLang="ja-JP" dirty="0" smtClean="0"/>
-          </a:p>
-        </p:txBody>
-      </p:sp>
     </p:spTree>
   </p:cSld>
   <p:clrMapOvr>
@@ -5151,15 +5128,7 @@
           <a:p>
             <a:r>
               <a:rPr lang="ja-JP" altLang="en-US" dirty="0" smtClean="0"/>
-              <a:t>　　　　</a:t>
-            </a:r>
-            <a:r>
-              <a:rPr lang="ja-JP" altLang="en-US" dirty="0" smtClean="0"/>
-              <a:t>　　　　　　　カメラ</a:t>
-            </a:r>
-            <a:r>
-              <a:rPr lang="ja-JP" altLang="en-US" dirty="0" smtClean="0"/>
-              <a:t>で名刺を読み込む</a:t>
+              <a:t>　　　　　　　　　　　カメラで名刺を読み込む</a:t>
             </a:r>
             <a:endParaRPr lang="en-US" altLang="ja-JP" dirty="0" smtClean="0"/>
           </a:p>
@@ -5259,62 +5228,13 @@
       </p:pic>
       <p:sp>
         <p:nvSpPr>
-          <p:cNvPr id="32" name="正方形/長方形 31"/>
-          <p:cNvSpPr/>
-          <p:nvPr/>
-        </p:nvSpPr>
-        <p:spPr>
-          <a:xfrm>
-            <a:off x="-891480" y="-36512"/>
-            <a:ext cx="8424936" cy="936104"/>
-          </a:xfrm>
-          <a:prstGeom prst="rect">
-            <a:avLst/>
-          </a:prstGeom>
-          <a:blipFill>
-            <a:blip r:embed="rId3" cstate="print"/>
-            <a:stretch>
-              <a:fillRect/>
-            </a:stretch>
-          </a:blipFill>
-          <a:ln>
-            <a:noFill/>
-          </a:ln>
-        </p:spPr>
-        <p:style>
-          <a:lnRef idx="2">
-            <a:schemeClr val="accent1">
-              <a:shade val="50000"/>
-            </a:schemeClr>
-          </a:lnRef>
-          <a:fillRef idx="1">
-            <a:schemeClr val="accent1"/>
-          </a:fillRef>
-          <a:effectRef idx="0">
-            <a:schemeClr val="accent1"/>
-          </a:effectRef>
-          <a:fontRef idx="minor">
-            <a:schemeClr val="lt1"/>
-          </a:fontRef>
-        </p:style>
-        <p:txBody>
-          <a:bodyPr rtlCol="0" anchor="ctr"/>
-          <a:lstStyle/>
-          <a:p>
-            <a:pPr algn="ctr"/>
-            <a:endParaRPr lang="en-US" altLang="ja-JP" dirty="0" smtClean="0"/>
-          </a:p>
-        </p:txBody>
-      </p:sp>
-      <p:sp>
-        <p:nvSpPr>
           <p:cNvPr id="21" name="テキスト ボックス 20"/>
           <p:cNvSpPr txBox="1"/>
           <p:nvPr/>
         </p:nvSpPr>
         <p:spPr>
           <a:xfrm>
-            <a:off x="-27384" y="2454151"/>
+            <a:off x="-27384" y="2382143"/>
             <a:ext cx="3960440" cy="461665"/>
           </a:xfrm>
           <a:prstGeom prst="rect">
@@ -5633,8 +5553,17 @@
                   </a:schemeClr>
                 </a:solidFill>
               </a:rPr>
-              <a:t>First_name</a:t>
-            </a:r>
+              <a:t>Last_name</a:t>
+            </a:r>
+            <a:endParaRPr lang="ja-JP" altLang="en-US" sz="2800" dirty="0" smtClean="0">
+              <a:solidFill>
+                <a:schemeClr val="bg1">
+                  <a:lumMod val="65000"/>
+                </a:schemeClr>
+              </a:solidFill>
+            </a:endParaRPr>
+          </a:p>
+          <a:p>
             <a:endParaRPr kumimoji="1" lang="ja-JP" altLang="en-US" sz="2800" dirty="0">
               <a:solidFill>
                 <a:schemeClr val="bg1">
@@ -5680,9 +5609,9 @@
                   </a:schemeClr>
                 </a:solidFill>
               </a:rPr>
-              <a:t>Last_name</a:t>
-            </a:r>
-            <a:endParaRPr lang="en-US" altLang="ja-JP" sz="2800" dirty="0" smtClean="0">
+              <a:t>First_name</a:t>
+            </a:r>
+            <a:endParaRPr lang="ja-JP" altLang="en-US" sz="2800" dirty="0">
               <a:solidFill>
                 <a:schemeClr val="bg1">
                   <a:lumMod val="65000"/>
@@ -5890,196 +5819,120 @@
           </a:p>
         </p:txBody>
       </p:sp>
+      <p:sp>
+        <p:nvSpPr>
+          <p:cNvPr id="25" name="テキスト ボックス 24"/>
+          <p:cNvSpPr txBox="1"/>
+          <p:nvPr/>
+        </p:nvSpPr>
+        <p:spPr>
+          <a:xfrm>
+            <a:off x="2636912" y="107504"/>
+            <a:ext cx="2448272" cy="646331"/>
+          </a:xfrm>
+          <a:prstGeom prst="rect">
+            <a:avLst/>
+          </a:prstGeom>
+          <a:noFill/>
+        </p:spPr>
+        <p:txBody>
+          <a:bodyPr wrap="square" rtlCol="0">
+            <a:spAutoFit/>
+          </a:bodyPr>
+          <a:lstStyle/>
+          <a:p>
+            <a:r>
+              <a:rPr lang="ja-JP" altLang="en-US" sz="3600" dirty="0" smtClean="0">
+                <a:solidFill>
+                  <a:schemeClr val="bg1"/>
+                </a:solidFill>
+              </a:rPr>
+              <a:t>話題検索</a:t>
+            </a:r>
+            <a:endParaRPr kumimoji="1" lang="ja-JP" altLang="en-US" sz="3600" dirty="0">
+              <a:solidFill>
+                <a:schemeClr val="bg1"/>
+              </a:solidFill>
+            </a:endParaRPr>
+          </a:p>
+        </p:txBody>
+      </p:sp>
       <p:pic>
         <p:nvPicPr>
-          <p:cNvPr id="46" name="図 45" descr="5.png"/>
+          <p:cNvPr id="29" name="Picture 2" descr="C:\Users\i101318n\Desktop\Topick\UI\icon\sozai\sns22\sns22\1.png"/>
+          <p:cNvPicPr>
+            <a:picLocks noChangeAspect="1" noChangeArrowheads="1"/>
+          </p:cNvPicPr>
+          <p:nvPr/>
+        </p:nvPicPr>
+        <p:blipFill>
+          <a:blip r:embed="rId5" cstate="print"/>
+          <a:srcRect/>
+          <a:stretch>
+            <a:fillRect/>
+          </a:stretch>
+        </p:blipFill>
+        <p:spPr bwMode="auto">
+          <a:xfrm>
+            <a:off x="2420888" y="4491762"/>
+            <a:ext cx="2457563" cy="1088349"/>
+          </a:xfrm>
+          <a:prstGeom prst="rect">
+            <a:avLst/>
+          </a:prstGeom>
+          <a:noFill/>
+        </p:spPr>
+      </p:pic>
+      <p:pic>
+        <p:nvPicPr>
+          <p:cNvPr id="30" name="Picture 3" descr="C:\Users\i101318n\Desktop\Topick\UI\icon\sozai\sns22\sns22\4.png"/>
+          <p:cNvPicPr>
+            <a:picLocks noChangeAspect="1" noChangeArrowheads="1"/>
+          </p:cNvPicPr>
+          <p:nvPr/>
+        </p:nvPicPr>
+        <p:blipFill>
+          <a:blip r:embed="rId6" cstate="print"/>
+          <a:srcRect/>
+          <a:stretch>
+            <a:fillRect/>
+          </a:stretch>
+        </p:blipFill>
+        <p:spPr bwMode="auto">
+          <a:xfrm>
+            <a:off x="2204864" y="1115616"/>
+            <a:ext cx="2621407" cy="1016893"/>
+          </a:xfrm>
+          <a:prstGeom prst="rect">
+            <a:avLst/>
+          </a:prstGeom>
+          <a:noFill/>
+        </p:spPr>
+      </p:pic>
+      <p:pic>
+        <p:nvPicPr>
+          <p:cNvPr id="43" name="図 42" descr="set.png"/>
           <p:cNvPicPr>
             <a:picLocks noChangeAspect="1"/>
           </p:cNvPicPr>
           <p:nvPr/>
         </p:nvPicPr>
         <p:blipFill>
-          <a:blip r:embed="rId5" cstate="print"/>
+          <a:blip r:embed="rId7" cstate="print"/>
           <a:stretch>
             <a:fillRect/>
           </a:stretch>
         </p:blipFill>
         <p:spPr>
           <a:xfrm>
-            <a:off x="2060848" y="1130738"/>
-            <a:ext cx="2664296" cy="905860"/>
+            <a:off x="5949280" y="107504"/>
+            <a:ext cx="720080" cy="720080"/>
           </a:xfrm>
           <a:prstGeom prst="rect">
             <a:avLst/>
           </a:prstGeom>
-          <a:effectLst>
-            <a:outerShdw blurRad="63500" sx="102000" sy="102000" algn="ctr" rotWithShape="0">
-              <a:prstClr val="black">
-                <a:alpha val="40000"/>
-              </a:prstClr>
-            </a:outerShdw>
-          </a:effectLst>
         </p:spPr>
       </p:pic>
-      <p:pic>
-        <p:nvPicPr>
-          <p:cNvPr id="47" name="図 46" descr="1.png"/>
-          <p:cNvPicPr>
-            <a:picLocks noChangeAspect="1"/>
-          </p:cNvPicPr>
-          <p:nvPr/>
-        </p:nvPicPr>
-        <p:blipFill>
-          <a:blip r:embed="rId6" cstate="print"/>
-          <a:stretch>
-            <a:fillRect/>
-          </a:stretch>
-        </p:blipFill>
-        <p:spPr>
-          <a:xfrm>
-            <a:off x="2060848" y="4535116"/>
-            <a:ext cx="2664296" cy="905860"/>
-          </a:xfrm>
-          <a:prstGeom prst="rect">
-            <a:avLst/>
-          </a:prstGeom>
-          <a:effectLst>
-            <a:outerShdw blurRad="63500" sx="102000" sy="102000" algn="ctr" rotWithShape="0">
-              <a:prstClr val="black">
-                <a:alpha val="40000"/>
-              </a:prstClr>
-            </a:outerShdw>
-          </a:effectLst>
-        </p:spPr>
-      </p:pic>
-      <p:sp>
-        <p:nvSpPr>
-          <p:cNvPr id="25" name="テキスト ボックス 24"/>
-          <p:cNvSpPr txBox="1"/>
-          <p:nvPr/>
-        </p:nvSpPr>
-        <p:spPr>
-          <a:xfrm>
-            <a:off x="2636912" y="107504"/>
-            <a:ext cx="2448272" cy="646331"/>
-          </a:xfrm>
-          <a:prstGeom prst="rect">
-            <a:avLst/>
-          </a:prstGeom>
-          <a:noFill/>
-        </p:spPr>
-        <p:txBody>
-          <a:bodyPr wrap="square" rtlCol="0">
-            <a:spAutoFit/>
-          </a:bodyPr>
-          <a:lstStyle/>
-          <a:p>
-            <a:r>
-              <a:rPr lang="ja-JP" altLang="en-US" sz="3600" dirty="0" smtClean="0">
-                <a:solidFill>
-                  <a:schemeClr val="bg1"/>
-                </a:solidFill>
-              </a:rPr>
-              <a:t>話題検索</a:t>
-            </a:r>
-            <a:endParaRPr kumimoji="1" lang="ja-JP" altLang="en-US" sz="3600" dirty="0">
-              <a:solidFill>
-                <a:schemeClr val="bg1"/>
-              </a:solidFill>
-            </a:endParaRPr>
-          </a:p>
-        </p:txBody>
-      </p:sp>
-      <p:grpSp>
-        <p:nvGrpSpPr>
-          <p:cNvPr id="27" name="グループ化 26"/>
-          <p:cNvGrpSpPr/>
-          <p:nvPr/>
-        </p:nvGrpSpPr>
-        <p:grpSpPr>
-          <a:xfrm>
-            <a:off x="5760640" y="35496"/>
-            <a:ext cx="1052736" cy="827584"/>
-            <a:chOff x="5805264" y="971600"/>
-            <a:chExt cx="1052736" cy="827584"/>
-          </a:xfrm>
-        </p:grpSpPr>
-        <p:sp>
-          <p:nvSpPr>
-            <p:cNvPr id="26" name="角丸四角形 25"/>
-            <p:cNvSpPr/>
-            <p:nvPr/>
-          </p:nvSpPr>
-          <p:spPr>
-            <a:xfrm>
-              <a:off x="5805264" y="971600"/>
-              <a:ext cx="1052736" cy="827584"/>
-            </a:xfrm>
-            <a:prstGeom prst="roundRect">
-              <a:avLst/>
-            </a:prstGeom>
-            <a:blipFill>
-              <a:blip r:embed="rId7" cstate="print"/>
-              <a:stretch>
-                <a:fillRect/>
-              </a:stretch>
-            </a:blipFill>
-            <a:ln>
-              <a:noFill/>
-            </a:ln>
-          </p:spPr>
-          <p:style>
-            <a:lnRef idx="2">
-              <a:schemeClr val="accent1">
-                <a:shade val="50000"/>
-              </a:schemeClr>
-            </a:lnRef>
-            <a:fillRef idx="1">
-              <a:schemeClr val="accent1"/>
-            </a:fillRef>
-            <a:effectRef idx="0">
-              <a:schemeClr val="accent1"/>
-            </a:effectRef>
-            <a:fontRef idx="minor">
-              <a:schemeClr val="lt1"/>
-            </a:fontRef>
-          </p:style>
-          <p:txBody>
-            <a:bodyPr rtlCol="0" anchor="ctr"/>
-            <a:lstStyle/>
-            <a:p>
-              <a:pPr algn="ctr"/>
-              <a:endParaRPr kumimoji="1" lang="ja-JP" altLang="en-US" dirty="0" smtClean="0"/>
-            </a:p>
-          </p:txBody>
-        </p:sp>
-        <p:pic>
-          <p:nvPicPr>
-            <p:cNvPr id="44" name="図 43" descr="14.png"/>
-            <p:cNvPicPr>
-              <a:picLocks noChangeAspect="1"/>
-            </p:cNvPicPr>
-            <p:nvPr/>
-          </p:nvPicPr>
-          <p:blipFill>
-            <a:blip r:embed="rId8" cstate="print">
-              <a:lum bright="100000" contrast="-70000"/>
-            </a:blip>
-            <a:stretch>
-              <a:fillRect/>
-            </a:stretch>
-          </p:blipFill>
-          <p:spPr>
-            <a:xfrm>
-              <a:off x="5993904" y="1115616"/>
-              <a:ext cx="648072" cy="648072"/>
-            </a:xfrm>
-            <a:prstGeom prst="rect">
-              <a:avLst/>
-            </a:prstGeom>
-          </p:spPr>
-        </p:pic>
-      </p:grpSp>
     </p:spTree>
   </p:cSld>
   <p:clrMapOvr>
@@ -6121,15 +5974,17 @@
           <p:nvPr/>
         </p:nvPicPr>
         <p:blipFill>
-          <a:blip r:embed="rId3" cstate="print"/>
+          <a:blip r:embed="rId3" cstate="print">
+            <a:lum bright="10000"/>
+          </a:blip>
           <a:stretch>
             <a:fillRect/>
           </a:stretch>
         </p:blipFill>
         <p:spPr>
           <a:xfrm>
-            <a:off x="1340768" y="6605888"/>
-            <a:ext cx="4305436" cy="1782536"/>
+            <a:off x="1268760" y="6588224"/>
+            <a:ext cx="4464496" cy="1953217"/>
           </a:xfrm>
           <a:prstGeom prst="rect">
             <a:avLst/>
@@ -6145,15 +6000,17 @@
           <p:nvPr/>
         </p:nvPicPr>
         <p:blipFill>
-          <a:blip r:embed="rId3" cstate="print"/>
+          <a:blip r:embed="rId3" cstate="print">
+            <a:lum bright="10000"/>
+          </a:blip>
           <a:stretch>
             <a:fillRect/>
           </a:stretch>
         </p:blipFill>
         <p:spPr>
           <a:xfrm>
-            <a:off x="1340768" y="4949704"/>
-            <a:ext cx="4305435" cy="1782536"/>
+            <a:off x="1268759" y="4932040"/>
+            <a:ext cx="4475553" cy="1944216"/>
           </a:xfrm>
           <a:prstGeom prst="rect">
             <a:avLst/>
@@ -6201,15 +6058,17 @@
           <p:nvPr/>
         </p:nvPicPr>
         <p:blipFill>
-          <a:blip r:embed="rId3" cstate="print"/>
+          <a:blip r:embed="rId3" cstate="print">
+            <a:lum bright="10000"/>
+          </a:blip>
           <a:stretch>
             <a:fillRect/>
           </a:stretch>
         </p:blipFill>
         <p:spPr>
           <a:xfrm>
-            <a:off x="1427821" y="1754687"/>
-            <a:ext cx="4305435" cy="1782536"/>
+            <a:off x="1340768" y="1771310"/>
+            <a:ext cx="4464496" cy="1864586"/>
           </a:xfrm>
           <a:prstGeom prst="rect">
             <a:avLst/>
@@ -6300,22 +6159,22 @@
           <a:p>
             <a:pPr algn="ctr"/>
             <a:r>
-              <a:rPr lang="ja-JP" altLang="en-US" sz="2400" dirty="0" smtClean="0">
+              <a:rPr lang="ja-JP" altLang="en-US" sz="2400" b="1" dirty="0" smtClean="0">
                 <a:solidFill>
                   <a:schemeClr val="tx1">
-                    <a:lumMod val="85000"/>
-                    <a:lumOff val="15000"/>
+                    <a:lumMod val="75000"/>
+                    <a:lumOff val="25000"/>
                   </a:schemeClr>
                 </a:solidFill>
               </a:rPr>
               <a:t>どのアカウントから話題をさがしますか</a:t>
             </a:r>
             <a:r>
-              <a:rPr lang="en-US" altLang="ja-JP" sz="2400" dirty="0" smtClean="0">
+              <a:rPr lang="en-US" altLang="ja-JP" sz="2400" b="1" dirty="0" smtClean="0">
                 <a:solidFill>
                   <a:schemeClr val="tx1">
-                    <a:lumMod val="85000"/>
-                    <a:lumOff val="15000"/>
+                    <a:lumMod val="75000"/>
+                    <a:lumOff val="25000"/>
                   </a:schemeClr>
                 </a:solidFill>
               </a:rPr>
@@ -6325,43 +6184,43 @@
           <a:p>
             <a:pPr algn="ctr"/>
             <a:r>
-              <a:rPr lang="en-US" altLang="ja-JP" sz="2400" dirty="0" smtClean="0">
+              <a:rPr lang="en-US" altLang="ja-JP" sz="2400" b="1" dirty="0" smtClean="0">
                 <a:solidFill>
                   <a:schemeClr val="tx1">
-                    <a:lumMod val="85000"/>
-                    <a:lumOff val="15000"/>
+                    <a:lumMod val="75000"/>
+                    <a:lumOff val="25000"/>
                   </a:schemeClr>
                 </a:solidFill>
               </a:rPr>
               <a:t>(</a:t>
             </a:r>
             <a:r>
-              <a:rPr lang="ja-JP" altLang="en-US" sz="2400" dirty="0" smtClean="0">
+              <a:rPr lang="ja-JP" altLang="en-US" sz="2400" b="1" dirty="0" smtClean="0">
                 <a:solidFill>
                   <a:schemeClr val="tx1">
-                    <a:lumMod val="85000"/>
-                    <a:lumOff val="15000"/>
+                    <a:lumMod val="75000"/>
+                    <a:lumOff val="25000"/>
                   </a:schemeClr>
                 </a:solidFill>
               </a:rPr>
               <a:t>長押しで選択</a:t>
             </a:r>
             <a:r>
-              <a:rPr lang="en-US" altLang="ja-JP" sz="2400" dirty="0" smtClean="0">
+              <a:rPr lang="en-US" altLang="ja-JP" sz="2400" b="1" dirty="0" smtClean="0">
                 <a:solidFill>
                   <a:schemeClr val="tx1">
-                    <a:lumMod val="85000"/>
-                    <a:lumOff val="15000"/>
+                    <a:lumMod val="75000"/>
+                    <a:lumOff val="25000"/>
                   </a:schemeClr>
                 </a:solidFill>
               </a:rPr>
               <a:t>)</a:t>
             </a:r>
-            <a:endParaRPr lang="ja-JP" altLang="en-US" sz="2400" dirty="0" smtClean="0">
+            <a:endParaRPr lang="ja-JP" altLang="en-US" sz="2400" b="1" dirty="0" smtClean="0">
               <a:solidFill>
                 <a:schemeClr val="tx1">
-                  <a:lumMod val="85000"/>
-                  <a:lumOff val="15000"/>
+                  <a:lumMod val="75000"/>
+                  <a:lumOff val="25000"/>
                 </a:schemeClr>
               </a:solidFill>
             </a:endParaRPr>
@@ -7671,198 +7530,6 @@
           </a:p>
         </p:txBody>
       </p:sp>
-      <p:grpSp>
-        <p:nvGrpSpPr>
-          <p:cNvPr id="51" name="グループ化 50"/>
-          <p:cNvGrpSpPr/>
-          <p:nvPr/>
-        </p:nvGrpSpPr>
-        <p:grpSpPr>
-          <a:xfrm>
-            <a:off x="648072" y="1835696"/>
-            <a:ext cx="620688" cy="648072"/>
-            <a:chOff x="792088" y="1979712"/>
-            <a:chExt cx="620688" cy="648072"/>
-          </a:xfrm>
-        </p:grpSpPr>
-        <p:sp>
-          <p:nvSpPr>
-            <p:cNvPr id="33" name="角丸四角形 32"/>
-            <p:cNvSpPr/>
-            <p:nvPr/>
-          </p:nvSpPr>
-          <p:spPr>
-            <a:xfrm>
-              <a:off x="792088" y="1979712"/>
-              <a:ext cx="620688" cy="648072"/>
-            </a:xfrm>
-            <a:prstGeom prst="roundRect">
-              <a:avLst/>
-            </a:prstGeom>
-            <a:blipFill>
-              <a:blip r:embed="rId7" cstate="print"/>
-              <a:stretch>
-                <a:fillRect/>
-              </a:stretch>
-            </a:blipFill>
-            <a:ln>
-              <a:noFill/>
-            </a:ln>
-          </p:spPr>
-          <p:style>
-            <a:lnRef idx="2">
-              <a:schemeClr val="accent1">
-                <a:shade val="50000"/>
-              </a:schemeClr>
-            </a:lnRef>
-            <a:fillRef idx="1">
-              <a:schemeClr val="accent1"/>
-            </a:fillRef>
-            <a:effectRef idx="0">
-              <a:schemeClr val="accent1"/>
-            </a:effectRef>
-            <a:fontRef idx="minor">
-              <a:schemeClr val="lt1"/>
-            </a:fontRef>
-          </p:style>
-          <p:txBody>
-            <a:bodyPr rtlCol="0" anchor="ctr"/>
-            <a:lstStyle/>
-            <a:p>
-              <a:pPr algn="ctr"/>
-              <a:endParaRPr kumimoji="1" lang="ja-JP" altLang="en-US" dirty="0"/>
-            </a:p>
-          </p:txBody>
-        </p:sp>
-        <p:pic>
-          <p:nvPicPr>
-            <p:cNvPr id="43" name="図 42" descr="9.png"/>
-            <p:cNvPicPr>
-              <a:picLocks noChangeAspect="1"/>
-            </p:cNvPicPr>
-            <p:nvPr/>
-          </p:nvPicPr>
-          <p:blipFill>
-            <a:blip r:embed="rId8" cstate="print">
-              <a:lum bright="40000" contrast="40000"/>
-            </a:blip>
-            <a:stretch>
-              <a:fillRect/>
-            </a:stretch>
-          </p:blipFill>
-          <p:spPr>
-            <a:xfrm>
-              <a:off x="836712" y="2051720"/>
-              <a:ext cx="504056" cy="504056"/>
-            </a:xfrm>
-            <a:prstGeom prst="roundRect">
-              <a:avLst/>
-            </a:prstGeom>
-            <a:effectLst>
-              <a:outerShdw blurRad="63500" sx="102000" sy="102000" algn="ctr" rotWithShape="0">
-                <a:prstClr val="black">
-                  <a:alpha val="40000"/>
-                </a:prstClr>
-              </a:outerShdw>
-            </a:effectLst>
-          </p:spPr>
-        </p:pic>
-      </p:grpSp>
-      <p:grpSp>
-        <p:nvGrpSpPr>
-          <p:cNvPr id="54" name="グループ化 53"/>
-          <p:cNvGrpSpPr/>
-          <p:nvPr/>
-        </p:nvGrpSpPr>
-        <p:grpSpPr>
-          <a:xfrm>
-            <a:off x="648494" y="3491880"/>
-            <a:ext cx="620266" cy="635365"/>
-            <a:chOff x="720502" y="3491880"/>
-            <a:chExt cx="620266" cy="635365"/>
-          </a:xfrm>
-        </p:grpSpPr>
-        <p:sp>
-          <p:nvSpPr>
-            <p:cNvPr id="32" name="角丸四角形 31"/>
-            <p:cNvSpPr/>
-            <p:nvPr/>
-          </p:nvSpPr>
-          <p:spPr>
-            <a:xfrm>
-              <a:off x="761830" y="3491880"/>
-              <a:ext cx="578938" cy="635365"/>
-            </a:xfrm>
-            <a:prstGeom prst="roundRect">
-              <a:avLst/>
-            </a:prstGeom>
-            <a:blipFill>
-              <a:blip r:embed="rId9" cstate="print"/>
-              <a:stretch>
-                <a:fillRect/>
-              </a:stretch>
-            </a:blipFill>
-            <a:ln>
-              <a:noFill/>
-            </a:ln>
-          </p:spPr>
-          <p:style>
-            <a:lnRef idx="2">
-              <a:schemeClr val="accent1">
-                <a:shade val="50000"/>
-              </a:schemeClr>
-            </a:lnRef>
-            <a:fillRef idx="1">
-              <a:schemeClr val="accent1"/>
-            </a:fillRef>
-            <a:effectRef idx="0">
-              <a:schemeClr val="accent1"/>
-            </a:effectRef>
-            <a:fontRef idx="minor">
-              <a:schemeClr val="lt1"/>
-            </a:fontRef>
-          </p:style>
-          <p:txBody>
-            <a:bodyPr rtlCol="0" anchor="ctr"/>
-            <a:lstStyle/>
-            <a:p>
-              <a:pPr algn="ctr"/>
-              <a:endParaRPr lang="en-US" altLang="ja-JP" dirty="0" smtClean="0"/>
-            </a:p>
-          </p:txBody>
-        </p:sp>
-        <p:pic>
-          <p:nvPicPr>
-            <p:cNvPr id="46" name="図 45" descr="5.png"/>
-            <p:cNvPicPr>
-              <a:picLocks noChangeAspect="1"/>
-            </p:cNvPicPr>
-            <p:nvPr/>
-          </p:nvPicPr>
-          <p:blipFill>
-            <a:blip r:embed="rId10" cstate="print"/>
-            <a:stretch>
-              <a:fillRect/>
-            </a:stretch>
-          </p:blipFill>
-          <p:spPr>
-            <a:xfrm>
-              <a:off x="720502" y="3527884"/>
-              <a:ext cx="548258" cy="548258"/>
-            </a:xfrm>
-            <a:prstGeom prst="roundRect">
-              <a:avLst/>
-            </a:prstGeom>
-            <a:effectLst>
-              <a:outerShdw blurRad="63500" sx="102000" sy="102000" algn="ctr" rotWithShape="0">
-                <a:prstClr val="black">
-                  <a:alpha val="40000"/>
-                </a:prstClr>
-              </a:outerShdw>
-            </a:effectLst>
-          </p:spPr>
-        </p:pic>
-      </p:grpSp>
       <p:sp>
         <p:nvSpPr>
           <p:cNvPr id="47" name="テキスト ボックス 46"/>
@@ -7901,75 +7568,94 @@
           </a:p>
         </p:txBody>
       </p:sp>
-      <p:sp>
-        <p:nvSpPr>
-          <p:cNvPr id="57" name="角丸四角形 56"/>
-          <p:cNvSpPr/>
+      <p:pic>
+        <p:nvPicPr>
+          <p:cNvPr id="1026" name="Picture 2" descr="C:\Users\i101318n\Desktop\Topick\UI\icon\UI_picture\2\twitter_icon_2.png"/>
+          <p:cNvPicPr>
+            <a:picLocks noChangeAspect="1" noChangeArrowheads="1"/>
+          </p:cNvPicPr>
           <p:nvPr/>
-        </p:nvSpPr>
-        <p:spPr>
-          <a:xfrm>
-            <a:off x="0" y="0"/>
-            <a:ext cx="1052736" cy="827584"/>
-          </a:xfrm>
-          <a:prstGeom prst="roundRect">
+        </p:nvPicPr>
+        <p:blipFill>
+          <a:blip r:embed="rId7" cstate="print"/>
+          <a:stretch>
+            <a:fillRect/>
+          </a:stretch>
+        </p:blipFill>
+        <p:spPr bwMode="auto">
+          <a:xfrm>
+            <a:off x="620688" y="2123728"/>
+            <a:ext cx="648072" cy="648072"/>
+          </a:xfrm>
+          <a:prstGeom prst="rect">
             <a:avLst/>
           </a:prstGeom>
-          <a:blipFill>
-            <a:blip r:embed="rId11" cstate="print"/>
-            <a:stretch>
-              <a:fillRect/>
-            </a:stretch>
-          </a:blipFill>
+          <a:noFill/>
           <a:ln>
             <a:noFill/>
           </a:ln>
+          <a:effectLst>
+            <a:outerShdw blurRad="63500" sx="102000" sy="102000" algn="ctr" rotWithShape="0">
+              <a:prstClr val="black">
+                <a:alpha val="40000"/>
+              </a:prstClr>
+            </a:outerShdw>
+          </a:effectLst>
         </p:spPr>
-        <p:style>
-          <a:lnRef idx="2">
-            <a:schemeClr val="accent1">
-              <a:shade val="50000"/>
-            </a:schemeClr>
-          </a:lnRef>
-          <a:fillRef idx="1">
-            <a:schemeClr val="accent1"/>
-          </a:fillRef>
-          <a:effectRef idx="0">
-            <a:schemeClr val="accent1"/>
-          </a:effectRef>
-          <a:fontRef idx="minor">
-            <a:schemeClr val="lt1"/>
-          </a:fontRef>
-        </p:style>
-        <p:txBody>
-          <a:bodyPr rtlCol="0" anchor="ctr"/>
-          <a:lstStyle/>
-          <a:p>
-            <a:pPr algn="ctr"/>
-            <a:endParaRPr kumimoji="1" lang="ja-JP" altLang="en-US" dirty="0" smtClean="0"/>
-          </a:p>
-        </p:txBody>
-      </p:sp>
+      </p:pic>
       <p:pic>
         <p:nvPicPr>
-          <p:cNvPr id="55" name="図 54" descr="23.png"/>
+          <p:cNvPr id="1027" name="Picture 3" descr="C:\Users\i101318n\Desktop\Topick\UI\icon\UI_picture\2\facebook_icon_2.png"/>
+          <p:cNvPicPr>
+            <a:picLocks noChangeAspect="1" noChangeArrowheads="1"/>
+          </p:cNvPicPr>
+          <p:nvPr/>
+        </p:nvPicPr>
+        <p:blipFill>
+          <a:blip r:embed="rId8" cstate="print"/>
+          <a:stretch>
+            <a:fillRect/>
+          </a:stretch>
+        </p:blipFill>
+        <p:spPr bwMode="auto">
+          <a:xfrm>
+            <a:off x="620688" y="3779912"/>
+            <a:ext cx="648072" cy="648072"/>
+          </a:xfrm>
+          <a:prstGeom prst="rect">
+            <a:avLst/>
+          </a:prstGeom>
+          <a:noFill/>
+          <a:ln>
+            <a:noFill/>
+          </a:ln>
+          <a:effectLst>
+            <a:outerShdw blurRad="63500" sx="102000" sy="102000" algn="ctr" rotWithShape="0">
+              <a:prstClr val="black">
+                <a:alpha val="40000"/>
+              </a:prstClr>
+            </a:outerShdw>
+          </a:effectLst>
+        </p:spPr>
+      </p:pic>
+      <p:pic>
+        <p:nvPicPr>
+          <p:cNvPr id="34" name="図 33" descr="return.png"/>
           <p:cNvPicPr>
             <a:picLocks noChangeAspect="1"/>
           </p:cNvPicPr>
           <p:nvPr/>
         </p:nvPicPr>
         <p:blipFill>
-          <a:blip r:embed="rId12" cstate="print">
-            <a:lum bright="100000" contrast="2000"/>
-          </a:blip>
+          <a:blip r:embed="rId9" cstate="print"/>
           <a:stretch>
             <a:fillRect/>
           </a:stretch>
         </p:blipFill>
         <p:spPr>
           <a:xfrm>
-            <a:off x="188640" y="134888"/>
-            <a:ext cx="620688" cy="620688"/>
+            <a:off x="108942" y="35496"/>
+            <a:ext cx="727770" cy="727770"/>
           </a:xfrm>
           <a:prstGeom prst="rect">
             <a:avLst/>
@@ -8073,21 +7759,21 @@
           <a:lstStyle/>
           <a:p>
             <a:r>
-              <a:rPr lang="ja-JP" altLang="en-US" sz="2400" dirty="0" smtClean="0">
+              <a:rPr lang="ja-JP" altLang="en-US" sz="2400" b="1" dirty="0" smtClean="0">
                 <a:solidFill>
                   <a:schemeClr val="tx1">
-                    <a:lumMod val="85000"/>
-                    <a:lumOff val="15000"/>
+                    <a:lumMod val="75000"/>
+                    <a:lumOff val="25000"/>
                   </a:schemeClr>
                 </a:solidFill>
               </a:rPr>
               <a:t>以下のトピックが見つかりました。</a:t>
             </a:r>
-            <a:endParaRPr lang="ja-JP" altLang="en-US" sz="2400" dirty="0">
+            <a:endParaRPr lang="ja-JP" altLang="en-US" sz="2400" b="1" dirty="0">
               <a:solidFill>
                 <a:schemeClr val="tx1">
-                  <a:lumMod val="85000"/>
-                  <a:lumOff val="15000"/>
+                  <a:lumMod val="75000"/>
+                  <a:lumOff val="25000"/>
                 </a:schemeClr>
               </a:solidFill>
             </a:endParaRPr>
@@ -8375,10 +8061,10 @@
         </p:nvGrpSpPr>
         <p:grpSpPr>
           <a:xfrm>
-            <a:off x="692696" y="1403648"/>
-            <a:ext cx="5616624" cy="3971349"/>
-            <a:chOff x="720080" y="3613234"/>
-            <a:chExt cx="5445224" cy="4321991"/>
+            <a:off x="692696" y="1331640"/>
+            <a:ext cx="5688632" cy="4032448"/>
+            <a:chOff x="720080" y="3456503"/>
+            <a:chExt cx="5515034" cy="4388484"/>
           </a:xfrm>
         </p:grpSpPr>
         <p:pic>
@@ -8399,8 +8085,8 @@
           </p:blipFill>
           <p:spPr>
             <a:xfrm>
-              <a:off x="720080" y="3613234"/>
-              <a:ext cx="5373216" cy="4321991"/>
+              <a:off x="720080" y="3456503"/>
+              <a:ext cx="5515034" cy="4388484"/>
             </a:xfrm>
             <a:prstGeom prst="rect">
               <a:avLst/>
@@ -8575,10 +8261,10 @@
         </p:nvGrpSpPr>
         <p:grpSpPr>
           <a:xfrm>
-            <a:off x="764704" y="4958706"/>
-            <a:ext cx="5445224" cy="4024570"/>
-            <a:chOff x="764704" y="3563889"/>
-            <a:chExt cx="5445224" cy="4379911"/>
+            <a:off x="709352" y="4427984"/>
+            <a:ext cx="5671976" cy="3888432"/>
+            <a:chOff x="709352" y="3613234"/>
+            <a:chExt cx="5671976" cy="4231752"/>
           </a:xfrm>
         </p:grpSpPr>
         <p:pic>
@@ -8599,8 +8285,8 @@
           </p:blipFill>
           <p:spPr>
             <a:xfrm>
-              <a:off x="764704" y="3563889"/>
-              <a:ext cx="5445224" cy="4379911"/>
+              <a:off x="709352" y="3613234"/>
+              <a:ext cx="5671976" cy="4231752"/>
             </a:xfrm>
             <a:prstGeom prst="rect">
               <a:avLst/>
@@ -8661,8 +8347,8 @@
           </p:nvSpPr>
           <p:spPr>
             <a:xfrm>
-              <a:off x="836712" y="4249703"/>
-              <a:ext cx="5112568" cy="2554545"/>
+              <a:off x="836712" y="4193321"/>
+              <a:ext cx="5112568" cy="2554544"/>
             </a:xfrm>
             <a:prstGeom prst="rect">
               <a:avLst/>
@@ -8813,150 +8499,48 @@
           </a:p>
         </p:txBody>
       </p:sp>
-      <p:sp>
-        <p:nvSpPr>
-          <p:cNvPr id="36" name="角丸四角形 35"/>
-          <p:cNvSpPr/>
-          <p:nvPr/>
-        </p:nvSpPr>
-        <p:spPr>
-          <a:xfrm>
-            <a:off x="0" y="0"/>
-            <a:ext cx="1052736" cy="827584"/>
-          </a:xfrm>
-          <a:prstGeom prst="roundRect">
-            <a:avLst/>
-          </a:prstGeom>
-          <a:blipFill>
-            <a:blip r:embed="rId4" cstate="print"/>
-            <a:stretch>
-              <a:fillRect/>
-            </a:stretch>
-          </a:blipFill>
-          <a:ln>
-            <a:noFill/>
-          </a:ln>
-        </p:spPr>
-        <p:style>
-          <a:lnRef idx="2">
-            <a:schemeClr val="accent1">
-              <a:shade val="50000"/>
-            </a:schemeClr>
-          </a:lnRef>
-          <a:fillRef idx="1">
-            <a:schemeClr val="accent1"/>
-          </a:fillRef>
-          <a:effectRef idx="0">
-            <a:schemeClr val="accent1"/>
-          </a:effectRef>
-          <a:fontRef idx="minor">
-            <a:schemeClr val="lt1"/>
-          </a:fontRef>
-        </p:style>
-        <p:txBody>
-          <a:bodyPr rtlCol="0" anchor="ctr"/>
-          <a:lstStyle/>
-          <a:p>
-            <a:pPr algn="ctr"/>
-            <a:endParaRPr kumimoji="1" lang="ja-JP" altLang="en-US" dirty="0" smtClean="0"/>
-          </a:p>
-        </p:txBody>
-      </p:sp>
       <p:pic>
         <p:nvPicPr>
-          <p:cNvPr id="37" name="図 36" descr="23.png"/>
+          <p:cNvPr id="23" name="図 22" descr="return.png"/>
           <p:cNvPicPr>
             <a:picLocks noChangeAspect="1"/>
           </p:cNvPicPr>
           <p:nvPr/>
         </p:nvPicPr>
         <p:blipFill>
-          <a:blip r:embed="rId5" cstate="print">
-            <a:lum bright="100000" contrast="2000"/>
-          </a:blip>
+          <a:blip r:embed="rId4" cstate="print"/>
           <a:stretch>
             <a:fillRect/>
           </a:stretch>
         </p:blipFill>
         <p:spPr>
           <a:xfrm>
-            <a:off x="188640" y="134888"/>
-            <a:ext cx="620688" cy="620688"/>
+            <a:off x="108942" y="35496"/>
+            <a:ext cx="727770" cy="727770"/>
           </a:xfrm>
           <a:prstGeom prst="rect">
             <a:avLst/>
           </a:prstGeom>
         </p:spPr>
       </p:pic>
-      <p:sp>
-        <p:nvSpPr>
-          <p:cNvPr id="38" name="角丸四角形 37"/>
-          <p:cNvSpPr/>
-          <p:nvPr/>
-        </p:nvSpPr>
-        <p:spPr>
-          <a:xfrm>
-            <a:off x="5733256" y="-1016"/>
-            <a:ext cx="1052736" cy="827584"/>
-          </a:xfrm>
-          <a:prstGeom prst="roundRect">
-            <a:avLst/>
-          </a:prstGeom>
-          <a:blipFill>
-            <a:blip r:embed="rId4" cstate="print"/>
-            <a:stretch>
-              <a:fillRect/>
-            </a:stretch>
-          </a:blipFill>
-          <a:ln>
-            <a:noFill/>
-          </a:ln>
-        </p:spPr>
-        <p:style>
-          <a:lnRef idx="2">
-            <a:schemeClr val="accent1">
-              <a:shade val="50000"/>
-            </a:schemeClr>
-          </a:lnRef>
-          <a:fillRef idx="1">
-            <a:schemeClr val="accent1"/>
-          </a:fillRef>
-          <a:effectRef idx="0">
-            <a:schemeClr val="accent1"/>
-          </a:effectRef>
-          <a:fontRef idx="minor">
-            <a:schemeClr val="lt1"/>
-          </a:fontRef>
-        </p:style>
-        <p:txBody>
-          <a:bodyPr rtlCol="0" anchor="ctr"/>
-          <a:lstStyle/>
-          <a:p>
-            <a:pPr algn="ctr"/>
-            <a:endParaRPr kumimoji="1" lang="ja-JP" altLang="en-US" dirty="0" smtClean="0"/>
-          </a:p>
-        </p:txBody>
-      </p:sp>
       <p:pic>
         <p:nvPicPr>
-          <p:cNvPr id="39" name="図 38" descr="18.png"/>
+          <p:cNvPr id="24" name="図 23" descr="home.png"/>
           <p:cNvPicPr>
             <a:picLocks noChangeAspect="1"/>
           </p:cNvPicPr>
           <p:nvPr/>
         </p:nvPicPr>
         <p:blipFill>
-          <a:blip r:embed="rId6" cstate="print">
-            <a:lum bright="100000" contrast="-70000"/>
-          </a:blip>
+          <a:blip r:embed="rId5" cstate="print"/>
           <a:stretch>
             <a:fillRect/>
           </a:stretch>
         </p:blipFill>
         <p:spPr>
           <a:xfrm>
-            <a:off x="5841776" y="-36512"/>
-            <a:ext cx="827584" cy="827584"/>
+            <a:off x="6021288" y="35496"/>
+            <a:ext cx="792088" cy="720080"/>
           </a:xfrm>
           <a:prstGeom prst="rect">
             <a:avLst/>
@@ -9221,75 +8805,24 @@
           </a:p>
         </p:txBody>
       </p:sp>
-      <p:sp>
-        <p:nvSpPr>
-          <p:cNvPr id="12" name="角丸四角形 11"/>
-          <p:cNvSpPr/>
-          <p:nvPr/>
-        </p:nvSpPr>
-        <p:spPr>
-          <a:xfrm>
-            <a:off x="0" y="0"/>
-            <a:ext cx="1052736" cy="827584"/>
-          </a:xfrm>
-          <a:prstGeom prst="roundRect">
-            <a:avLst/>
-          </a:prstGeom>
-          <a:blipFill>
-            <a:blip r:embed="rId4" cstate="print"/>
-            <a:stretch>
-              <a:fillRect/>
-            </a:stretch>
-          </a:blipFill>
-          <a:ln>
-            <a:noFill/>
-          </a:ln>
-        </p:spPr>
-        <p:style>
-          <a:lnRef idx="2">
-            <a:schemeClr val="accent1">
-              <a:shade val="50000"/>
-            </a:schemeClr>
-          </a:lnRef>
-          <a:fillRef idx="1">
-            <a:schemeClr val="accent1"/>
-          </a:fillRef>
-          <a:effectRef idx="0">
-            <a:schemeClr val="accent1"/>
-          </a:effectRef>
-          <a:fontRef idx="minor">
-            <a:schemeClr val="lt1"/>
-          </a:fontRef>
-        </p:style>
-        <p:txBody>
-          <a:bodyPr rtlCol="0" anchor="ctr"/>
-          <a:lstStyle/>
-          <a:p>
-            <a:pPr algn="ctr"/>
-            <a:endParaRPr kumimoji="1" lang="ja-JP" altLang="en-US" dirty="0" smtClean="0"/>
-          </a:p>
-        </p:txBody>
-      </p:sp>
       <p:pic>
         <p:nvPicPr>
-          <p:cNvPr id="13" name="図 12" descr="23.png"/>
+          <p:cNvPr id="8" name="図 7" descr="return.png"/>
           <p:cNvPicPr>
             <a:picLocks noChangeAspect="1"/>
           </p:cNvPicPr>
           <p:nvPr/>
         </p:nvPicPr>
         <p:blipFill>
-          <a:blip r:embed="rId5" cstate="print">
-            <a:lum bright="100000" contrast="2000"/>
-          </a:blip>
+          <a:blip r:embed="rId4" cstate="print"/>
           <a:stretch>
             <a:fillRect/>
           </a:stretch>
         </p:blipFill>
         <p:spPr>
           <a:xfrm>
-            <a:off x="188640" y="134888"/>
-            <a:ext cx="620688" cy="620688"/>
+            <a:off x="108942" y="35496"/>
+            <a:ext cx="727770" cy="727770"/>
           </a:xfrm>
           <a:prstGeom prst="rect">
             <a:avLst/>
@@ -9416,91 +8949,6 @@
           </a:p>
         </p:txBody>
       </p:sp>
-      <p:grpSp>
-        <p:nvGrpSpPr>
-          <p:cNvPr id="38" name="グループ化 37"/>
-          <p:cNvGrpSpPr/>
-          <p:nvPr/>
-        </p:nvGrpSpPr>
-        <p:grpSpPr>
-          <a:xfrm>
-            <a:off x="1746519" y="2083224"/>
-            <a:ext cx="3797010" cy="1661192"/>
-            <a:chOff x="1895918" y="1763688"/>
-            <a:chExt cx="3858252" cy="1984720"/>
-          </a:xfrm>
-        </p:grpSpPr>
-        <p:pic>
-          <p:nvPicPr>
-            <p:cNvPr id="25" name="図 24" descr="9.png"/>
-            <p:cNvPicPr>
-              <a:picLocks noChangeAspect="1"/>
-            </p:cNvPicPr>
-            <p:nvPr/>
-          </p:nvPicPr>
-          <p:blipFill>
-            <a:blip r:embed="rId4" cstate="print"/>
-            <a:stretch>
-              <a:fillRect/>
-            </a:stretch>
-          </p:blipFill>
-          <p:spPr>
-            <a:xfrm>
-              <a:off x="1895918" y="1763688"/>
-              <a:ext cx="3858252" cy="1984720"/>
-            </a:xfrm>
-            <a:prstGeom prst="rect">
-              <a:avLst/>
-            </a:prstGeom>
-          </p:spPr>
-        </p:pic>
-        <p:sp>
-          <p:nvSpPr>
-            <p:cNvPr id="24" name="テキスト ボックス 23"/>
-            <p:cNvSpPr txBox="1"/>
-            <p:nvPr/>
-          </p:nvSpPr>
-          <p:spPr>
-            <a:xfrm>
-              <a:off x="1988840" y="2195736"/>
-              <a:ext cx="3528392" cy="769441"/>
-            </a:xfrm>
-            <a:prstGeom prst="rect">
-              <a:avLst/>
-            </a:prstGeom>
-            <a:noFill/>
-          </p:spPr>
-          <p:txBody>
-            <a:bodyPr wrap="square" rtlCol="0">
-              <a:spAutoFit/>
-            </a:bodyPr>
-            <a:lstStyle/>
-            <a:p>
-              <a:r>
-                <a:rPr kumimoji="1" lang="ja-JP" altLang="en-US" sz="4400" dirty="0" smtClean="0"/>
-                <a:t>　　</a:t>
-              </a:r>
-              <a:r>
-                <a:rPr kumimoji="1" lang="ja-JP" altLang="en-US" sz="4400" dirty="0" err="1" smtClean="0"/>
-                <a:t>ーー</a:t>
-              </a:r>
-              <a:r>
-                <a:rPr kumimoji="1" lang="en-US" altLang="ja-JP" sz="4400" dirty="0" smtClean="0"/>
-                <a:t>	</a:t>
-              </a:r>
-              <a:r>
-                <a:rPr kumimoji="1" lang="ja-JP" altLang="en-US" sz="4400" dirty="0" smtClean="0"/>
-                <a:t>　　</a:t>
-              </a:r>
-              <a:r>
-                <a:rPr kumimoji="1" lang="en-US" altLang="ja-JP" sz="4400" dirty="0" smtClean="0"/>
-                <a:t>×</a:t>
-              </a:r>
-              <a:endParaRPr kumimoji="1" lang="ja-JP" altLang="en-US" sz="4400" dirty="0"/>
-            </a:p>
-          </p:txBody>
-        </p:sp>
-      </p:grpSp>
       <p:sp>
         <p:nvSpPr>
           <p:cNvPr id="33" name="正方形/長方形 32"/>
@@ -9508,9 +8956,9 @@
           <p:nvPr/>
         </p:nvSpPr>
         <p:spPr>
-          <a:xfrm>
-            <a:off x="6741367" y="1907704"/>
-            <a:ext cx="116633" cy="7056784"/>
+          <a:xfrm flipH="1">
+            <a:off x="6723035" y="1907704"/>
+            <a:ext cx="162349" cy="7236296"/>
           </a:xfrm>
           <a:prstGeom prst="rect">
             <a:avLst/>
@@ -9552,7 +9000,7 @@
         </p:nvSpPr>
         <p:spPr>
           <a:xfrm>
-            <a:off x="6525344" y="4139952"/>
+            <a:off x="6597352" y="4139952"/>
             <a:ext cx="432048" cy="432048"/>
           </a:xfrm>
           <a:prstGeom prst="ellipse">
@@ -9633,377 +9081,502 @@
       </p:sp>
       <p:grpSp>
         <p:nvGrpSpPr>
-          <p:cNvPr id="48" name="グループ化 47"/>
+          <p:cNvPr id="30" name="グループ化 29"/>
           <p:cNvGrpSpPr/>
           <p:nvPr/>
         </p:nvGrpSpPr>
         <p:grpSpPr>
           <a:xfrm>
-            <a:off x="1700808" y="3923928"/>
-            <a:ext cx="3797010" cy="1661192"/>
-            <a:chOff x="1895918" y="1763688"/>
-            <a:chExt cx="3858252" cy="1984720"/>
+            <a:off x="1196752" y="2083224"/>
+            <a:ext cx="3797010" cy="1661191"/>
+            <a:chOff x="1746519" y="2083224"/>
+            <a:chExt cx="3797010" cy="1661191"/>
           </a:xfrm>
         </p:grpSpPr>
+        <p:grpSp>
+          <p:nvGrpSpPr>
+            <p:cNvPr id="38" name="グループ化 37"/>
+            <p:cNvGrpSpPr/>
+            <p:nvPr/>
+          </p:nvGrpSpPr>
+          <p:grpSpPr>
+            <a:xfrm>
+              <a:off x="1746519" y="2083224"/>
+              <a:ext cx="3797010" cy="1661191"/>
+              <a:chOff x="1895918" y="1763688"/>
+              <a:chExt cx="3858252" cy="1984719"/>
+            </a:xfrm>
+          </p:grpSpPr>
+          <p:pic>
+            <p:nvPicPr>
+              <p:cNvPr id="25" name="図 24" descr="9.png"/>
+              <p:cNvPicPr>
+                <a:picLocks noChangeAspect="1"/>
+              </p:cNvPicPr>
+              <p:nvPr/>
+            </p:nvPicPr>
+            <p:blipFill>
+              <a:blip r:embed="rId4" cstate="print"/>
+              <a:stretch>
+                <a:fillRect/>
+              </a:stretch>
+            </p:blipFill>
+            <p:spPr>
+              <a:xfrm>
+                <a:off x="1895918" y="1763688"/>
+                <a:ext cx="3858252" cy="1984719"/>
+              </a:xfrm>
+              <a:prstGeom prst="rect">
+                <a:avLst/>
+              </a:prstGeom>
+            </p:spPr>
+          </p:pic>
+          <p:sp>
+            <p:nvSpPr>
+              <p:cNvPr id="24" name="テキスト ボックス 23"/>
+              <p:cNvSpPr txBox="1"/>
+              <p:nvPr/>
+            </p:nvSpPr>
+            <p:spPr>
+              <a:xfrm>
+                <a:off x="1988840" y="2195736"/>
+                <a:ext cx="3528392" cy="919295"/>
+              </a:xfrm>
+              <a:prstGeom prst="rect">
+                <a:avLst/>
+              </a:prstGeom>
+              <a:noFill/>
+            </p:spPr>
+            <p:txBody>
+              <a:bodyPr wrap="square" rtlCol="0">
+                <a:spAutoFit/>
+              </a:bodyPr>
+              <a:lstStyle/>
+              <a:p>
+                <a:r>
+                  <a:rPr kumimoji="1" lang="ja-JP" altLang="en-US" sz="4400" dirty="0" smtClean="0"/>
+                  <a:t>　　</a:t>
+                </a:r>
+                <a:r>
+                  <a:rPr kumimoji="1" lang="ja-JP" altLang="en-US" sz="4400" dirty="0" smtClean="0"/>
+                  <a:t>高専</a:t>
+                </a:r>
+                <a:r>
+                  <a:rPr kumimoji="1" lang="en-US" altLang="ja-JP" sz="4400" dirty="0" smtClean="0"/>
+                  <a:t>	</a:t>
+                </a:r>
+                <a:r>
+                  <a:rPr kumimoji="1" lang="ja-JP" altLang="en-US" sz="4400" dirty="0" smtClean="0"/>
+                  <a:t>　　</a:t>
+                </a:r>
+                <a:endParaRPr kumimoji="1" lang="ja-JP" altLang="en-US" sz="4400" dirty="0"/>
+              </a:p>
+            </p:txBody>
+          </p:sp>
+        </p:grpSp>
         <p:pic>
           <p:nvPicPr>
-            <p:cNvPr id="49" name="図 48" descr="9.png"/>
+            <p:cNvPr id="29" name="図 28" descr="delete.png"/>
             <p:cNvPicPr>
               <a:picLocks noChangeAspect="1"/>
             </p:cNvPicPr>
             <p:nvPr/>
           </p:nvPicPr>
           <p:blipFill>
-            <a:blip r:embed="rId4" cstate="print"/>
+            <a:blip r:embed="rId5" cstate="print"/>
             <a:stretch>
               <a:fillRect/>
             </a:stretch>
           </p:blipFill>
           <p:spPr>
             <a:xfrm>
-              <a:off x="1895918" y="1763688"/>
-              <a:ext cx="3858252" cy="1984720"/>
+              <a:off x="4581128" y="2483768"/>
+              <a:ext cx="576064" cy="576064"/>
             </a:xfrm>
             <a:prstGeom prst="rect">
               <a:avLst/>
             </a:prstGeom>
           </p:spPr>
         </p:pic>
-        <p:sp>
-          <p:nvSpPr>
-            <p:cNvPr id="50" name="テキスト ボックス 49"/>
-            <p:cNvSpPr txBox="1"/>
-            <p:nvPr/>
-          </p:nvSpPr>
-          <p:spPr>
-            <a:xfrm>
-              <a:off x="1988840" y="2195736"/>
-              <a:ext cx="3528392" cy="769441"/>
-            </a:xfrm>
-            <a:prstGeom prst="rect">
-              <a:avLst/>
-            </a:prstGeom>
-            <a:noFill/>
-          </p:spPr>
-          <p:txBody>
-            <a:bodyPr wrap="square" rtlCol="0">
-              <a:spAutoFit/>
-            </a:bodyPr>
-            <a:lstStyle/>
-            <a:p>
-              <a:r>
-                <a:rPr kumimoji="1" lang="ja-JP" altLang="en-US" sz="4400" dirty="0" smtClean="0"/>
-                <a:t>　　</a:t>
-              </a:r>
-              <a:r>
-                <a:rPr kumimoji="1" lang="ja-JP" altLang="en-US" sz="4400" dirty="0" err="1" smtClean="0"/>
-                <a:t>ーー</a:t>
-              </a:r>
-              <a:r>
-                <a:rPr kumimoji="1" lang="en-US" altLang="ja-JP" sz="4400" dirty="0" smtClean="0"/>
-                <a:t>	</a:t>
-              </a:r>
-              <a:r>
-                <a:rPr kumimoji="1" lang="ja-JP" altLang="en-US" sz="4400" dirty="0" smtClean="0"/>
-                <a:t>　　</a:t>
-              </a:r>
-              <a:r>
-                <a:rPr kumimoji="1" lang="en-US" altLang="ja-JP" sz="4400" dirty="0" smtClean="0"/>
-                <a:t>×</a:t>
-              </a:r>
-              <a:endParaRPr kumimoji="1" lang="ja-JP" altLang="en-US" sz="4400" dirty="0"/>
-            </a:p>
-          </p:txBody>
-        </p:sp>
       </p:grpSp>
       <p:grpSp>
         <p:nvGrpSpPr>
-          <p:cNvPr id="51" name="グループ化 50"/>
+          <p:cNvPr id="31" name="グループ化 30"/>
           <p:cNvGrpSpPr/>
           <p:nvPr/>
         </p:nvGrpSpPr>
         <p:grpSpPr>
           <a:xfrm>
-            <a:off x="1720222" y="5796136"/>
-            <a:ext cx="3797010" cy="1661192"/>
-            <a:chOff x="1842476" y="1763688"/>
-            <a:chExt cx="3858252" cy="1984720"/>
+            <a:off x="1223049" y="3558881"/>
+            <a:ext cx="4680520" cy="1661191"/>
+            <a:chOff x="1746519" y="2083224"/>
+            <a:chExt cx="3797010" cy="1661191"/>
           </a:xfrm>
         </p:grpSpPr>
+        <p:grpSp>
+          <p:nvGrpSpPr>
+            <p:cNvPr id="35" name="グループ化 37"/>
+            <p:cNvGrpSpPr/>
+            <p:nvPr/>
+          </p:nvGrpSpPr>
+          <p:grpSpPr>
+            <a:xfrm>
+              <a:off x="1746519" y="2083224"/>
+              <a:ext cx="3797010" cy="1661191"/>
+              <a:chOff x="1895918" y="1763688"/>
+              <a:chExt cx="3858252" cy="1984719"/>
+            </a:xfrm>
+          </p:grpSpPr>
+          <p:pic>
+            <p:nvPicPr>
+              <p:cNvPr id="37" name="図 36" descr="9.png"/>
+              <p:cNvPicPr>
+                <a:picLocks noChangeAspect="1"/>
+              </p:cNvPicPr>
+              <p:nvPr/>
+            </p:nvPicPr>
+            <p:blipFill>
+              <a:blip r:embed="rId4" cstate="print"/>
+              <a:stretch>
+                <a:fillRect/>
+              </a:stretch>
+            </p:blipFill>
+            <p:spPr>
+              <a:xfrm>
+                <a:off x="1895918" y="1763688"/>
+                <a:ext cx="3858252" cy="1984719"/>
+              </a:xfrm>
+              <a:prstGeom prst="rect">
+                <a:avLst/>
+              </a:prstGeom>
+            </p:spPr>
+          </p:pic>
+          <p:sp>
+            <p:nvSpPr>
+              <p:cNvPr id="39" name="テキスト ボックス 38"/>
+              <p:cNvSpPr txBox="1"/>
+              <p:nvPr/>
+            </p:nvSpPr>
+            <p:spPr>
+              <a:xfrm>
+                <a:off x="1988840" y="2195736"/>
+                <a:ext cx="3528392" cy="919295"/>
+              </a:xfrm>
+              <a:prstGeom prst="rect">
+                <a:avLst/>
+              </a:prstGeom>
+              <a:noFill/>
+            </p:spPr>
+            <p:txBody>
+              <a:bodyPr wrap="square" rtlCol="0">
+                <a:spAutoFit/>
+              </a:bodyPr>
+              <a:lstStyle/>
+              <a:p>
+                <a:r>
+                  <a:rPr kumimoji="1" lang="ja-JP" altLang="en-US" sz="4400" dirty="0" smtClean="0"/>
+                  <a:t>　　</a:t>
+                </a:r>
+                <a:r>
+                  <a:rPr kumimoji="1" lang="ja-JP" altLang="en-US" sz="4400" dirty="0" smtClean="0"/>
+                  <a:t>ベンチャー</a:t>
+                </a:r>
+                <a:r>
+                  <a:rPr kumimoji="1" lang="en-US" altLang="ja-JP" sz="4400" dirty="0" smtClean="0"/>
+                  <a:t>	</a:t>
+                </a:r>
+                <a:r>
+                  <a:rPr kumimoji="1" lang="ja-JP" altLang="en-US" sz="4400" dirty="0" smtClean="0"/>
+                  <a:t>　　</a:t>
+                </a:r>
+                <a:endParaRPr kumimoji="1" lang="ja-JP" altLang="en-US" sz="4400" dirty="0"/>
+              </a:p>
+            </p:txBody>
+          </p:sp>
+        </p:grpSp>
         <p:pic>
           <p:nvPicPr>
-            <p:cNvPr id="52" name="図 51" descr="9.png"/>
+            <p:cNvPr id="36" name="図 35" descr="delete.png"/>
             <p:cNvPicPr>
               <a:picLocks noChangeAspect="1"/>
             </p:cNvPicPr>
             <p:nvPr/>
           </p:nvPicPr>
           <p:blipFill>
-            <a:blip r:embed="rId4" cstate="print"/>
+            <a:blip r:embed="rId5" cstate="print"/>
             <a:stretch>
               <a:fillRect/>
             </a:stretch>
           </p:blipFill>
           <p:spPr>
             <a:xfrm>
-              <a:off x="1842476" y="1763688"/>
-              <a:ext cx="3858252" cy="1984720"/>
+              <a:off x="4756375" y="2483768"/>
+              <a:ext cx="495077" cy="576064"/>
             </a:xfrm>
             <a:prstGeom prst="rect">
               <a:avLst/>
             </a:prstGeom>
           </p:spPr>
         </p:pic>
-        <p:sp>
-          <p:nvSpPr>
-            <p:cNvPr id="53" name="テキスト ボックス 52"/>
-            <p:cNvSpPr txBox="1"/>
-            <p:nvPr/>
-          </p:nvSpPr>
-          <p:spPr>
-            <a:xfrm>
-              <a:off x="1988840" y="2195736"/>
-              <a:ext cx="3528392" cy="769441"/>
-            </a:xfrm>
-            <a:prstGeom prst="rect">
-              <a:avLst/>
-            </a:prstGeom>
-            <a:noFill/>
-          </p:spPr>
-          <p:txBody>
-            <a:bodyPr wrap="square" rtlCol="0">
-              <a:spAutoFit/>
-            </a:bodyPr>
-            <a:lstStyle/>
-            <a:p>
-              <a:r>
-                <a:rPr kumimoji="1" lang="ja-JP" altLang="en-US" sz="4400" dirty="0" smtClean="0"/>
-                <a:t>　　</a:t>
-              </a:r>
-              <a:r>
-                <a:rPr kumimoji="1" lang="ja-JP" altLang="en-US" sz="4400" dirty="0" err="1" smtClean="0"/>
-                <a:t>ーー</a:t>
-              </a:r>
-              <a:r>
-                <a:rPr kumimoji="1" lang="en-US" altLang="ja-JP" sz="4400" dirty="0" smtClean="0"/>
-                <a:t>	</a:t>
-              </a:r>
-              <a:r>
-                <a:rPr kumimoji="1" lang="ja-JP" altLang="en-US" sz="4400" dirty="0" smtClean="0"/>
-                <a:t>　　</a:t>
-              </a:r>
-              <a:r>
-                <a:rPr kumimoji="1" lang="en-US" altLang="ja-JP" sz="4400" dirty="0" smtClean="0"/>
-                <a:t>×</a:t>
-              </a:r>
-              <a:endParaRPr kumimoji="1" lang="ja-JP" altLang="en-US" sz="4400" dirty="0"/>
-            </a:p>
-          </p:txBody>
-        </p:sp>
       </p:grpSp>
-      <p:sp>
-        <p:nvSpPr>
-          <p:cNvPr id="60" name="角丸四角形 59"/>
-          <p:cNvSpPr/>
-          <p:nvPr/>
-        </p:nvSpPr>
-        <p:spPr>
-          <a:xfrm>
-            <a:off x="5805264" y="0"/>
-            <a:ext cx="1052736" cy="827584"/>
-          </a:xfrm>
-          <a:prstGeom prst="roundRect">
-            <a:avLst/>
-          </a:prstGeom>
-          <a:blipFill>
-            <a:blip r:embed="rId5" cstate="print"/>
-            <a:stretch>
-              <a:fillRect/>
-            </a:stretch>
-          </a:blipFill>
-          <a:ln>
-            <a:noFill/>
-          </a:ln>
-        </p:spPr>
-        <p:style>
-          <a:lnRef idx="2">
-            <a:schemeClr val="accent1">
-              <a:shade val="50000"/>
-            </a:schemeClr>
-          </a:lnRef>
-          <a:fillRef idx="1">
-            <a:schemeClr val="accent1"/>
-          </a:fillRef>
-          <a:effectRef idx="0">
-            <a:schemeClr val="accent1"/>
-          </a:effectRef>
-          <a:fontRef idx="minor">
-            <a:schemeClr val="lt1"/>
-          </a:fontRef>
-        </p:style>
-        <p:txBody>
-          <a:bodyPr rtlCol="0" anchor="ctr"/>
-          <a:lstStyle/>
-          <a:p>
-            <a:pPr algn="ctr"/>
-            <a:endParaRPr kumimoji="1" lang="ja-JP" altLang="en-US" dirty="0" smtClean="0"/>
-          </a:p>
-        </p:txBody>
-      </p:sp>
       <p:grpSp>
         <p:nvGrpSpPr>
-          <p:cNvPr id="54" name="グループ化 53"/>
+          <p:cNvPr id="40" name="グループ化 39"/>
           <p:cNvGrpSpPr/>
           <p:nvPr/>
         </p:nvGrpSpPr>
         <p:grpSpPr>
           <a:xfrm>
-            <a:off x="1772816" y="7482808"/>
-            <a:ext cx="3797010" cy="1661192"/>
-            <a:chOff x="1895918" y="1763688"/>
-            <a:chExt cx="3858252" cy="1984720"/>
+            <a:off x="1223049" y="5071049"/>
+            <a:ext cx="3797010" cy="1661191"/>
+            <a:chOff x="1746519" y="2083224"/>
+            <a:chExt cx="3797010" cy="1661191"/>
           </a:xfrm>
         </p:grpSpPr>
+        <p:grpSp>
+          <p:nvGrpSpPr>
+            <p:cNvPr id="41" name="グループ化 37"/>
+            <p:cNvGrpSpPr/>
+            <p:nvPr/>
+          </p:nvGrpSpPr>
+          <p:grpSpPr>
+            <a:xfrm>
+              <a:off x="1746519" y="2083224"/>
+              <a:ext cx="3797010" cy="1661191"/>
+              <a:chOff x="1895918" y="1763688"/>
+              <a:chExt cx="3858252" cy="1984719"/>
+            </a:xfrm>
+          </p:grpSpPr>
+          <p:pic>
+            <p:nvPicPr>
+              <p:cNvPr id="43" name="図 42" descr="9.png"/>
+              <p:cNvPicPr>
+                <a:picLocks noChangeAspect="1"/>
+              </p:cNvPicPr>
+              <p:nvPr/>
+            </p:nvPicPr>
+            <p:blipFill>
+              <a:blip r:embed="rId4" cstate="print"/>
+              <a:stretch>
+                <a:fillRect/>
+              </a:stretch>
+            </p:blipFill>
+            <p:spPr>
+              <a:xfrm>
+                <a:off x="1895918" y="1763688"/>
+                <a:ext cx="3858252" cy="1984719"/>
+              </a:xfrm>
+              <a:prstGeom prst="rect">
+                <a:avLst/>
+              </a:prstGeom>
+            </p:spPr>
+          </p:pic>
+          <p:sp>
+            <p:nvSpPr>
+              <p:cNvPr id="44" name="テキスト ボックス 43"/>
+              <p:cNvSpPr txBox="1"/>
+              <p:nvPr/>
+            </p:nvSpPr>
+            <p:spPr>
+              <a:xfrm>
+                <a:off x="1988840" y="2195736"/>
+                <a:ext cx="3528392" cy="919295"/>
+              </a:xfrm>
+              <a:prstGeom prst="rect">
+                <a:avLst/>
+              </a:prstGeom>
+              <a:noFill/>
+            </p:spPr>
+            <p:txBody>
+              <a:bodyPr wrap="square" rtlCol="0">
+                <a:spAutoFit/>
+              </a:bodyPr>
+              <a:lstStyle/>
+              <a:p>
+                <a:r>
+                  <a:rPr kumimoji="1" lang="ja-JP" altLang="en-US" sz="4400" dirty="0" smtClean="0"/>
+                  <a:t>　　</a:t>
+                </a:r>
+                <a:r>
+                  <a:rPr kumimoji="1" lang="ja-JP" altLang="en-US" sz="4400" dirty="0" smtClean="0"/>
+                  <a:t>スマホ</a:t>
+                </a:r>
+                <a:r>
+                  <a:rPr kumimoji="1" lang="en-US" altLang="ja-JP" sz="4400" dirty="0" smtClean="0"/>
+                  <a:t>	</a:t>
+                </a:r>
+                <a:r>
+                  <a:rPr kumimoji="1" lang="ja-JP" altLang="en-US" sz="4400" dirty="0" smtClean="0"/>
+                  <a:t>　　</a:t>
+                </a:r>
+                <a:endParaRPr kumimoji="1" lang="ja-JP" altLang="en-US" sz="4400" dirty="0"/>
+              </a:p>
+            </p:txBody>
+          </p:sp>
+        </p:grpSp>
         <p:pic>
           <p:nvPicPr>
-            <p:cNvPr id="55" name="図 54" descr="9.png"/>
+            <p:cNvPr id="42" name="図 41" descr="delete.png"/>
             <p:cNvPicPr>
               <a:picLocks noChangeAspect="1"/>
             </p:cNvPicPr>
             <p:nvPr/>
           </p:nvPicPr>
           <p:blipFill>
-            <a:blip r:embed="rId4" cstate="print"/>
+            <a:blip r:embed="rId5" cstate="print"/>
             <a:stretch>
               <a:fillRect/>
             </a:stretch>
           </p:blipFill>
           <p:spPr>
             <a:xfrm>
-              <a:off x="1895918" y="1763688"/>
-              <a:ext cx="3858252" cy="1984720"/>
+              <a:off x="4581128" y="2483768"/>
+              <a:ext cx="576064" cy="576064"/>
             </a:xfrm>
             <a:prstGeom prst="rect">
               <a:avLst/>
             </a:prstGeom>
           </p:spPr>
         </p:pic>
-        <p:sp>
-          <p:nvSpPr>
-            <p:cNvPr id="56" name="テキスト ボックス 55"/>
-            <p:cNvSpPr txBox="1"/>
+      </p:grpSp>
+      <p:grpSp>
+        <p:nvGrpSpPr>
+          <p:cNvPr id="45" name="グループ化 44"/>
+          <p:cNvGrpSpPr/>
+          <p:nvPr/>
+        </p:nvGrpSpPr>
+        <p:grpSpPr>
+          <a:xfrm>
+            <a:off x="1242463" y="6583217"/>
+            <a:ext cx="3698705" cy="1661191"/>
+            <a:chOff x="1746519" y="2083224"/>
+            <a:chExt cx="3797010" cy="1661191"/>
+          </a:xfrm>
+        </p:grpSpPr>
+        <p:grpSp>
+          <p:nvGrpSpPr>
+            <p:cNvPr id="46" name="グループ化 37"/>
+            <p:cNvGrpSpPr/>
             <p:nvPr/>
-          </p:nvSpPr>
+          </p:nvGrpSpPr>
+          <p:grpSpPr>
+            <a:xfrm>
+              <a:off x="1746519" y="2083224"/>
+              <a:ext cx="3797010" cy="1661191"/>
+              <a:chOff x="1895918" y="1763688"/>
+              <a:chExt cx="3858252" cy="1984719"/>
+            </a:xfrm>
+          </p:grpSpPr>
+          <p:pic>
+            <p:nvPicPr>
+              <p:cNvPr id="57" name="図 56" descr="9.png"/>
+              <p:cNvPicPr>
+                <a:picLocks noChangeAspect="1"/>
+              </p:cNvPicPr>
+              <p:nvPr/>
+            </p:nvPicPr>
+            <p:blipFill>
+              <a:blip r:embed="rId4" cstate="print"/>
+              <a:stretch>
+                <a:fillRect/>
+              </a:stretch>
+            </p:blipFill>
+            <p:spPr>
+              <a:xfrm>
+                <a:off x="1895918" y="1763688"/>
+                <a:ext cx="3858252" cy="1984719"/>
+              </a:xfrm>
+              <a:prstGeom prst="rect">
+                <a:avLst/>
+              </a:prstGeom>
+            </p:spPr>
+          </p:pic>
+          <p:sp>
+            <p:nvSpPr>
+              <p:cNvPr id="61" name="テキスト ボックス 60"/>
+              <p:cNvSpPr txBox="1"/>
+              <p:nvPr/>
+            </p:nvSpPr>
+            <p:spPr>
+              <a:xfrm>
+                <a:off x="1988840" y="2195736"/>
+                <a:ext cx="3528392" cy="919295"/>
+              </a:xfrm>
+              <a:prstGeom prst="rect">
+                <a:avLst/>
+              </a:prstGeom>
+              <a:noFill/>
+            </p:spPr>
+            <p:txBody>
+              <a:bodyPr wrap="square" rtlCol="0">
+                <a:spAutoFit/>
+              </a:bodyPr>
+              <a:lstStyle/>
+              <a:p>
+                <a:r>
+                  <a:rPr kumimoji="1" lang="ja-JP" altLang="en-US" sz="4400" dirty="0" smtClean="0"/>
+                  <a:t>　</a:t>
+                </a:r>
+                <a:r>
+                  <a:rPr kumimoji="1" lang="en-US" altLang="ja-JP" sz="4400" dirty="0" err="1" smtClean="0"/>
+                  <a:t>Sansan</a:t>
+                </a:r>
+                <a:r>
+                  <a:rPr kumimoji="1" lang="en-US" altLang="ja-JP" sz="4400" dirty="0" smtClean="0"/>
+                  <a:t>	</a:t>
+                </a:r>
+                <a:r>
+                  <a:rPr kumimoji="1" lang="ja-JP" altLang="en-US" sz="4400" dirty="0" smtClean="0"/>
+                  <a:t>　　</a:t>
+                </a:r>
+                <a:endParaRPr kumimoji="1" lang="ja-JP" altLang="en-US" sz="4400" dirty="0"/>
+              </a:p>
+            </p:txBody>
+          </p:sp>
+        </p:grpSp>
+        <p:pic>
+          <p:nvPicPr>
+            <p:cNvPr id="47" name="図 46" descr="delete.png"/>
+            <p:cNvPicPr>
+              <a:picLocks noChangeAspect="1"/>
+            </p:cNvPicPr>
+            <p:nvPr/>
+          </p:nvPicPr>
+          <p:blipFill>
+            <a:blip r:embed="rId5" cstate="print"/>
+            <a:stretch>
+              <a:fillRect/>
+            </a:stretch>
+          </p:blipFill>
           <p:spPr>
             <a:xfrm>
-              <a:off x="1988840" y="2195736"/>
-              <a:ext cx="3528392" cy="769441"/>
+              <a:off x="4582545" y="2483768"/>
+              <a:ext cx="693262" cy="576064"/>
             </a:xfrm>
             <a:prstGeom prst="rect">
               <a:avLst/>
             </a:prstGeom>
-            <a:noFill/>
           </p:spPr>
-          <p:txBody>
-            <a:bodyPr wrap="square" rtlCol="0">
-              <a:spAutoFit/>
-            </a:bodyPr>
-            <a:lstStyle/>
-            <a:p>
-              <a:r>
-                <a:rPr kumimoji="1" lang="ja-JP" altLang="en-US" sz="4400" dirty="0" smtClean="0"/>
-                <a:t>　　</a:t>
-              </a:r>
-              <a:r>
-                <a:rPr kumimoji="1" lang="ja-JP" altLang="en-US" sz="4400" dirty="0" err="1" smtClean="0"/>
-                <a:t>ーー</a:t>
-              </a:r>
-              <a:r>
-                <a:rPr kumimoji="1" lang="en-US" altLang="ja-JP" sz="4400" dirty="0" smtClean="0"/>
-                <a:t>	</a:t>
-              </a:r>
-              <a:r>
-                <a:rPr kumimoji="1" lang="ja-JP" altLang="en-US" sz="4400" dirty="0" smtClean="0"/>
-                <a:t>　　</a:t>
-              </a:r>
-              <a:r>
-                <a:rPr kumimoji="1" lang="en-US" altLang="ja-JP" sz="4400" dirty="0" smtClean="0"/>
-                <a:t>×</a:t>
-              </a:r>
-              <a:endParaRPr kumimoji="1" lang="ja-JP" altLang="en-US" sz="4400" dirty="0"/>
-            </a:p>
-          </p:txBody>
-        </p:sp>
+        </p:pic>
       </p:grpSp>
-      <p:sp>
-        <p:nvSpPr>
-          <p:cNvPr id="58" name="角丸四角形 57"/>
-          <p:cNvSpPr/>
-          <p:nvPr/>
-        </p:nvSpPr>
-        <p:spPr>
-          <a:xfrm>
-            <a:off x="0" y="0"/>
-            <a:ext cx="1052736" cy="827584"/>
-          </a:xfrm>
-          <a:prstGeom prst="roundRect">
-            <a:avLst/>
-          </a:prstGeom>
-          <a:blipFill>
-            <a:blip r:embed="rId5" cstate="print"/>
-            <a:stretch>
-              <a:fillRect/>
-            </a:stretch>
-          </a:blipFill>
-          <a:ln>
-            <a:noFill/>
-          </a:ln>
-        </p:spPr>
-        <p:style>
-          <a:lnRef idx="2">
-            <a:schemeClr val="accent1">
-              <a:shade val="50000"/>
-            </a:schemeClr>
-          </a:lnRef>
-          <a:fillRef idx="1">
-            <a:schemeClr val="accent1"/>
-          </a:fillRef>
-          <a:effectRef idx="0">
-            <a:schemeClr val="accent1"/>
-          </a:effectRef>
-          <a:fontRef idx="minor">
-            <a:schemeClr val="lt1"/>
-          </a:fontRef>
-        </p:style>
-        <p:txBody>
-          <a:bodyPr rtlCol="0" anchor="ctr"/>
-          <a:lstStyle/>
-          <a:p>
-            <a:pPr algn="ctr"/>
-            <a:endParaRPr kumimoji="1" lang="ja-JP" altLang="en-US" dirty="0" smtClean="0"/>
-          </a:p>
-        </p:txBody>
-      </p:sp>
       <p:pic>
         <p:nvPicPr>
-          <p:cNvPr id="59" name="図 58" descr="23.png"/>
+          <p:cNvPr id="48" name="図 47" descr="return.png"/>
           <p:cNvPicPr>
             <a:picLocks noChangeAspect="1"/>
           </p:cNvPicPr>
           <p:nvPr/>
         </p:nvPicPr>
         <p:blipFill>
-          <a:blip r:embed="rId6" cstate="print">
-            <a:lum bright="100000" contrast="2000"/>
-          </a:blip>
+          <a:blip r:embed="rId6" cstate="print"/>
           <a:stretch>
             <a:fillRect/>
           </a:stretch>
         </p:blipFill>
         <p:spPr>
           <a:xfrm>
-            <a:off x="188640" y="134888"/>
-            <a:ext cx="620688" cy="620688"/>
+            <a:off x="108942" y="35496"/>
+            <a:ext cx="727770" cy="727770"/>
           </a:xfrm>
           <a:prstGeom prst="rect">
             <a:avLst/>
@@ -10012,162 +9585,22 @@
       </p:pic>
       <p:pic>
         <p:nvPicPr>
-          <p:cNvPr id="21" name="図 20" descr="1.png"/>
+          <p:cNvPr id="49" name="図 48" descr="menue.png"/>
           <p:cNvPicPr>
             <a:picLocks noChangeAspect="1"/>
           </p:cNvPicPr>
           <p:nvPr/>
         </p:nvPicPr>
         <p:blipFill>
-          <a:blip r:embed="rId7" cstate="print">
-            <a:lum bright="100000"/>
-          </a:blip>
+          <a:blip r:embed="rId7" cstate="print"/>
           <a:stretch>
             <a:fillRect/>
           </a:stretch>
         </p:blipFill>
         <p:spPr>
           <a:xfrm>
-            <a:off x="5913784" y="0"/>
-            <a:ext cx="755576" cy="827584"/>
-          </a:xfrm>
-          <a:prstGeom prst="rect">
-            <a:avLst/>
-          </a:prstGeom>
-        </p:spPr>
-      </p:pic>
-      <p:sp>
-        <p:nvSpPr>
-          <p:cNvPr id="62" name="角丸四角形 61"/>
-          <p:cNvSpPr/>
-          <p:nvPr/>
-        </p:nvSpPr>
-        <p:spPr>
-          <a:xfrm>
-            <a:off x="8901608" y="152400"/>
-            <a:ext cx="1052736" cy="827584"/>
-          </a:xfrm>
-          <a:prstGeom prst="roundRect">
-            <a:avLst/>
-          </a:prstGeom>
-          <a:blipFill>
-            <a:blip r:embed="rId5" cstate="print"/>
-            <a:stretch>
-              <a:fillRect/>
-            </a:stretch>
-          </a:blipFill>
-          <a:ln>
-            <a:noFill/>
-          </a:ln>
-        </p:spPr>
-        <p:style>
-          <a:lnRef idx="2">
-            <a:schemeClr val="accent1">
-              <a:shade val="50000"/>
-            </a:schemeClr>
-          </a:lnRef>
-          <a:fillRef idx="1">
-            <a:schemeClr val="accent1"/>
-          </a:fillRef>
-          <a:effectRef idx="0">
-            <a:schemeClr val="accent1"/>
-          </a:effectRef>
-          <a:fontRef idx="minor">
-            <a:schemeClr val="lt1"/>
-          </a:fontRef>
-        </p:style>
-        <p:txBody>
-          <a:bodyPr rtlCol="0" anchor="ctr"/>
-          <a:lstStyle/>
-          <a:p>
-            <a:pPr algn="ctr"/>
-            <a:endParaRPr kumimoji="1" lang="ja-JP" altLang="en-US" dirty="0" smtClean="0"/>
-          </a:p>
-        </p:txBody>
-      </p:sp>
-      <p:sp>
-        <p:nvSpPr>
-          <p:cNvPr id="63" name="テキスト ボックス 62"/>
-          <p:cNvSpPr txBox="1"/>
-          <p:nvPr/>
-        </p:nvSpPr>
-        <p:spPr>
-          <a:xfrm>
-            <a:off x="7173416" y="979984"/>
-            <a:ext cx="2780928" cy="830997"/>
-          </a:xfrm>
-          <a:prstGeom prst="rect">
-            <a:avLst/>
-          </a:prstGeom>
-          <a:solidFill>
-            <a:srgbClr val="4C3832"/>
-          </a:solidFill>
-        </p:spPr>
-        <p:txBody>
-          <a:bodyPr wrap="square" rtlCol="0">
-            <a:spAutoFit/>
-          </a:bodyPr>
-          <a:lstStyle/>
-          <a:p>
-            <a:r>
-              <a:rPr kumimoji="1" lang="ja-JP" altLang="en-US" sz="2400" dirty="0" smtClean="0">
-                <a:solidFill>
-                  <a:schemeClr val="bg1">
-                    <a:lumMod val="95000"/>
-                  </a:schemeClr>
-                </a:solidFill>
-              </a:rPr>
-              <a:t>キーフレーズを追加</a:t>
-            </a:r>
-            <a:endParaRPr kumimoji="1" lang="en-US" altLang="ja-JP" sz="2400" dirty="0" smtClean="0">
-              <a:solidFill>
-                <a:schemeClr val="bg1">
-                  <a:lumMod val="95000"/>
-                </a:schemeClr>
-              </a:solidFill>
-            </a:endParaRPr>
-          </a:p>
-          <a:p>
-            <a:r>
-              <a:rPr kumimoji="1" lang="ja-JP" altLang="en-US" sz="2400" dirty="0" smtClean="0">
-                <a:solidFill>
-                  <a:schemeClr val="bg1">
-                    <a:lumMod val="95000"/>
-                  </a:schemeClr>
-                </a:solidFill>
-              </a:rPr>
-              <a:t>キーフレーズを抽出</a:t>
-            </a:r>
-            <a:endParaRPr kumimoji="1" lang="ja-JP" altLang="en-US" sz="2400" dirty="0">
-              <a:solidFill>
-                <a:schemeClr val="bg1">
-                  <a:lumMod val="95000"/>
-                </a:schemeClr>
-              </a:solidFill>
-            </a:endParaRPr>
-          </a:p>
-        </p:txBody>
-      </p:sp>
-      <p:pic>
-        <p:nvPicPr>
-          <p:cNvPr id="64" name="図 63" descr="1.png"/>
-          <p:cNvPicPr>
-            <a:picLocks noChangeAspect="1"/>
-          </p:cNvPicPr>
-          <p:nvPr/>
-        </p:nvPicPr>
-        <p:blipFill>
-          <a:blip r:embed="rId7" cstate="print">
-            <a:lum bright="100000"/>
-          </a:blip>
-          <a:stretch>
-            <a:fillRect/>
-          </a:stretch>
-        </p:blipFill>
-        <p:spPr>
-          <a:xfrm>
-            <a:off x="9054752" y="152400"/>
-            <a:ext cx="755576" cy="827584"/>
+            <a:off x="6021288" y="62880"/>
+            <a:ext cx="692696" cy="692696"/>
           </a:xfrm>
           <a:prstGeom prst="rect">
             <a:avLst/>
@@ -10214,7 +9647,7 @@
         </p:nvSpPr>
         <p:spPr>
           <a:xfrm>
-            <a:off x="2348880" y="8028384"/>
+            <a:off x="2132856" y="8172400"/>
             <a:ext cx="2592288" cy="792088"/>
           </a:xfrm>
           <a:prstGeom prst="rect">
@@ -10283,24 +9716,16 @@
           <a:p>
             <a:pPr algn="ctr"/>
             <a:r>
-              <a:rPr lang="ja-JP" altLang="en-US" sz="2400" dirty="0" smtClean="0">
+              <a:rPr lang="ja-JP" altLang="en-US" sz="2400" b="1" dirty="0" smtClean="0">
                 <a:solidFill>
                   <a:schemeClr val="tx1">
-                    <a:lumMod val="85000"/>
-                    <a:lumOff val="15000"/>
+                    <a:lumMod val="75000"/>
+                    <a:lumOff val="25000"/>
                   </a:schemeClr>
                 </a:solidFill>
               </a:rPr>
               <a:t>以下のキーフレーズがみつかりました。</a:t>
             </a:r>
-            <a:endParaRPr lang="ja-JP" altLang="en-US" sz="2400" dirty="0" smtClean="0">
-              <a:solidFill>
-                <a:schemeClr val="tx1">
-                  <a:lumMod val="85000"/>
-                  <a:lumOff val="15000"/>
-                </a:schemeClr>
-              </a:solidFill>
-            </a:endParaRPr>
           </a:p>
         </p:txBody>
       </p:sp>
@@ -10312,8 +9737,8 @@
         </p:nvSpPr>
         <p:spPr>
           <a:xfrm flipH="1">
-            <a:off x="6741368" y="1763688"/>
-            <a:ext cx="116632" cy="6120680"/>
+            <a:off x="6669360" y="1763688"/>
+            <a:ext cx="188640" cy="6264696"/>
           </a:xfrm>
           <a:prstGeom prst="rect">
             <a:avLst/>
@@ -10355,10 +9780,10 @@
         </p:nvGrpSpPr>
         <p:grpSpPr>
           <a:xfrm>
-            <a:off x="1746519" y="2123728"/>
-            <a:ext cx="3888433" cy="1763688"/>
-            <a:chOff x="1895918" y="1763688"/>
-            <a:chExt cx="3858252" cy="1984720"/>
+            <a:off x="1530495" y="1650921"/>
+            <a:ext cx="3888433" cy="1701189"/>
+            <a:chOff x="1895918" y="1798853"/>
+            <a:chExt cx="3858252" cy="1914388"/>
           </a:xfrm>
         </p:grpSpPr>
         <p:pic>
@@ -10377,8 +9802,8 @@
           </p:blipFill>
           <p:spPr>
             <a:xfrm>
-              <a:off x="1895918" y="1763688"/>
-              <a:ext cx="3858252" cy="1984720"/>
+              <a:off x="1895918" y="1798853"/>
+              <a:ext cx="3858252" cy="1914388"/>
             </a:xfrm>
             <a:prstGeom prst="rect">
               <a:avLst/>
@@ -10394,7 +9819,7 @@
           <p:spPr>
             <a:xfrm>
               <a:off x="1988840" y="2195736"/>
-              <a:ext cx="3528392" cy="769441"/>
+              <a:ext cx="3528392" cy="865870"/>
             </a:xfrm>
             <a:prstGeom prst="rect">
               <a:avLst/>
@@ -10412,8 +9837,8 @@
                 <a:t>　　</a:t>
               </a:r>
               <a:r>
-                <a:rPr kumimoji="1" lang="ja-JP" altLang="en-US" sz="4400" dirty="0" err="1" smtClean="0"/>
-                <a:t>ーー</a:t>
+                <a:rPr lang="ja-JP" altLang="en-US" sz="4400" dirty="0" smtClean="0"/>
+                <a:t>高専</a:t>
               </a:r>
               <a:r>
                 <a:rPr kumimoji="1" lang="en-US" altLang="ja-JP" sz="4400" dirty="0" smtClean="0"/>
@@ -10422,10 +9847,6 @@
               <a:r>
                 <a:rPr kumimoji="1" lang="ja-JP" altLang="en-US" sz="4400" dirty="0" smtClean="0"/>
                 <a:t>　　</a:t>
-              </a:r>
-              <a:r>
-                <a:rPr kumimoji="1" lang="en-US" altLang="ja-JP" sz="4400" dirty="0" smtClean="0"/>
-                <a:t>×</a:t>
               </a:r>
               <a:endParaRPr kumimoji="1" lang="ja-JP" altLang="en-US" sz="4400" dirty="0"/>
             </a:p>
@@ -10489,10 +9910,10 @@
         </p:nvGrpSpPr>
         <p:grpSpPr>
           <a:xfrm>
-            <a:off x="1700808" y="3964432"/>
-            <a:ext cx="3888433" cy="1763688"/>
-            <a:chOff x="1895918" y="1763688"/>
-            <a:chExt cx="3858252" cy="1984720"/>
+            <a:off x="1484784" y="3219346"/>
+            <a:ext cx="3960440" cy="1732692"/>
+            <a:chOff x="1895918" y="1781128"/>
+            <a:chExt cx="3858252" cy="1949839"/>
           </a:xfrm>
         </p:grpSpPr>
         <p:pic>
@@ -10511,8 +9932,8 @@
           </p:blipFill>
           <p:spPr>
             <a:xfrm>
-              <a:off x="1895918" y="1763688"/>
-              <a:ext cx="3858252" cy="1984720"/>
+              <a:off x="1895918" y="1781128"/>
+              <a:ext cx="3858252" cy="1949839"/>
             </a:xfrm>
             <a:prstGeom prst="rect">
               <a:avLst/>
@@ -10528,7 +9949,7 @@
           <p:spPr>
             <a:xfrm>
               <a:off x="1988840" y="2195736"/>
-              <a:ext cx="3528392" cy="769441"/>
+              <a:ext cx="3528392" cy="865870"/>
             </a:xfrm>
             <a:prstGeom prst="rect">
               <a:avLst/>
@@ -10546,8 +9967,8 @@
                 <a:t>　　</a:t>
               </a:r>
               <a:r>
-                <a:rPr kumimoji="1" lang="ja-JP" altLang="en-US" sz="4400" dirty="0" err="1" smtClean="0"/>
-                <a:t>ーー</a:t>
+                <a:rPr lang="ja-JP" altLang="en-US" sz="4400" dirty="0" smtClean="0"/>
+                <a:t>石川</a:t>
               </a:r>
               <a:r>
                 <a:rPr kumimoji="1" lang="en-US" altLang="ja-JP" sz="4400" dirty="0" smtClean="0"/>
@@ -10557,32 +9978,114 @@
                 <a:rPr kumimoji="1" lang="ja-JP" altLang="en-US" sz="4400" dirty="0" smtClean="0"/>
                 <a:t>　　</a:t>
               </a:r>
-              <a:r>
-                <a:rPr kumimoji="1" lang="en-US" altLang="ja-JP" sz="4400" dirty="0" smtClean="0"/>
-                <a:t>×</a:t>
-              </a:r>
               <a:endParaRPr kumimoji="1" lang="ja-JP" altLang="en-US" sz="4400" dirty="0"/>
             </a:p>
           </p:txBody>
         </p:sp>
       </p:grpSp>
+      <p:sp>
+        <p:nvSpPr>
+          <p:cNvPr id="41" name="正方形/長方形 40"/>
+          <p:cNvSpPr/>
+          <p:nvPr/>
+        </p:nvSpPr>
+        <p:spPr>
+          <a:xfrm>
+            <a:off x="1988840" y="160348"/>
+            <a:ext cx="2952328" cy="523220"/>
+          </a:xfrm>
+          <a:prstGeom prst="rect">
+            <a:avLst/>
+          </a:prstGeom>
+        </p:spPr>
+        <p:txBody>
+          <a:bodyPr wrap="square">
+            <a:spAutoFit/>
+          </a:bodyPr>
+          <a:lstStyle/>
+          <a:p>
+            <a:pPr algn="ctr"/>
+            <a:r>
+              <a:rPr lang="ja-JP" altLang="en-US" sz="2800" dirty="0" smtClean="0">
+                <a:solidFill>
+                  <a:schemeClr val="bg1"/>
+                </a:solidFill>
+              </a:rPr>
+              <a:t>キーフレーズ管理</a:t>
+            </a:r>
+            <a:endParaRPr lang="ja-JP" altLang="en-US" sz="2800" dirty="0">
+              <a:solidFill>
+                <a:schemeClr val="bg1"/>
+              </a:solidFill>
+            </a:endParaRPr>
+          </a:p>
+        </p:txBody>
+      </p:sp>
+      <p:pic>
+        <p:nvPicPr>
+          <p:cNvPr id="18" name="図 17" descr="delete.png"/>
+          <p:cNvPicPr>
+            <a:picLocks noChangeAspect="1"/>
+          </p:cNvPicPr>
+          <p:nvPr/>
+        </p:nvPicPr>
+        <p:blipFill>
+          <a:blip r:embed="rId5" cstate="print"/>
+          <a:stretch>
+            <a:fillRect/>
+          </a:stretch>
+        </p:blipFill>
+        <p:spPr>
+          <a:xfrm>
+            <a:off x="4581128" y="2123728"/>
+            <a:ext cx="576064" cy="576064"/>
+          </a:xfrm>
+          <a:prstGeom prst="rect">
+            <a:avLst/>
+          </a:prstGeom>
+        </p:spPr>
+      </p:pic>
+      <p:pic>
+        <p:nvPicPr>
+          <p:cNvPr id="19" name="図 18" descr="delete.png"/>
+          <p:cNvPicPr>
+            <a:picLocks noChangeAspect="1"/>
+          </p:cNvPicPr>
+          <p:nvPr/>
+        </p:nvPicPr>
+        <p:blipFill>
+          <a:blip r:embed="rId5" cstate="print"/>
+          <a:stretch>
+            <a:fillRect/>
+          </a:stretch>
+        </p:blipFill>
+        <p:spPr>
+          <a:xfrm>
+            <a:off x="4581128" y="3635896"/>
+            <a:ext cx="576064" cy="576064"/>
+          </a:xfrm>
+          <a:prstGeom prst="rect">
+            <a:avLst/>
+          </a:prstGeom>
+        </p:spPr>
+      </p:pic>
       <p:grpSp>
         <p:nvGrpSpPr>
-          <p:cNvPr id="33" name="グループ化 32"/>
+          <p:cNvPr id="20" name="グループ化 19"/>
           <p:cNvGrpSpPr/>
           <p:nvPr/>
         </p:nvGrpSpPr>
         <p:grpSpPr>
           <a:xfrm>
-            <a:off x="1720222" y="5836640"/>
-            <a:ext cx="3888433" cy="1763688"/>
-            <a:chOff x="1842476" y="1763688"/>
-            <a:chExt cx="3858252" cy="1984720"/>
+            <a:off x="1484784" y="4788024"/>
+            <a:ext cx="4536504" cy="1830483"/>
+            <a:chOff x="1895919" y="1763687"/>
+            <a:chExt cx="3797967" cy="2059886"/>
           </a:xfrm>
         </p:grpSpPr>
         <p:pic>
           <p:nvPicPr>
-            <p:cNvPr id="34" name="図 33" descr="9.png"/>
+            <p:cNvPr id="21" name="図 20" descr="9.png"/>
             <p:cNvPicPr>
               <a:picLocks noChangeAspect="1"/>
             </p:cNvPicPr>
@@ -10596,8 +10099,8 @@
           </p:blipFill>
           <p:spPr>
             <a:xfrm>
-              <a:off x="1842476" y="1763688"/>
-              <a:ext cx="3858252" cy="1984720"/>
+              <a:off x="1895919" y="1763687"/>
+              <a:ext cx="3797967" cy="1984720"/>
             </a:xfrm>
             <a:prstGeom prst="rect">
               <a:avLst/>
@@ -10606,14 +10109,115 @@
         </p:pic>
         <p:sp>
           <p:nvSpPr>
-            <p:cNvPr id="35" name="テキスト ボックス 34"/>
+            <p:cNvPr id="24" name="テキスト ボックス 23"/>
             <p:cNvSpPr txBox="1"/>
             <p:nvPr/>
           </p:nvSpPr>
           <p:spPr>
             <a:xfrm>
               <a:off x="1988840" y="2195736"/>
-              <a:ext cx="3528392" cy="769441"/>
+              <a:ext cx="3528392" cy="1627837"/>
+            </a:xfrm>
+            <a:prstGeom prst="rect">
+              <a:avLst/>
+            </a:prstGeom>
+            <a:noFill/>
+          </p:spPr>
+          <p:txBody>
+            <a:bodyPr wrap="square" rtlCol="0">
+              <a:spAutoFit/>
+            </a:bodyPr>
+            <a:lstStyle/>
+            <a:p>
+              <a:r>
+                <a:rPr kumimoji="1" lang="ja-JP" altLang="en-US" sz="4400" dirty="0" smtClean="0"/>
+                <a:t>　　ベンチャー</a:t>
+              </a:r>
+              <a:r>
+                <a:rPr kumimoji="1" lang="en-US" altLang="ja-JP" sz="4400" dirty="0" smtClean="0"/>
+                <a:t>	</a:t>
+              </a:r>
+              <a:r>
+                <a:rPr kumimoji="1" lang="ja-JP" altLang="en-US" sz="4400" dirty="0" smtClean="0"/>
+                <a:t>　　</a:t>
+              </a:r>
+              <a:endParaRPr kumimoji="1" lang="ja-JP" altLang="en-US" sz="4400" dirty="0"/>
+            </a:p>
+          </p:txBody>
+        </p:sp>
+      </p:grpSp>
+      <p:pic>
+        <p:nvPicPr>
+          <p:cNvPr id="37" name="図 36" descr="delete.png"/>
+          <p:cNvPicPr>
+            <a:picLocks noChangeAspect="1"/>
+          </p:cNvPicPr>
+          <p:nvPr/>
+        </p:nvPicPr>
+        <p:blipFill>
+          <a:blip r:embed="rId5" cstate="print"/>
+          <a:stretch>
+            <a:fillRect/>
+          </a:stretch>
+        </p:blipFill>
+        <p:spPr>
+          <a:xfrm>
+            <a:off x="5157192" y="5292080"/>
+            <a:ext cx="576064" cy="576064"/>
+          </a:xfrm>
+          <a:prstGeom prst="rect">
+            <a:avLst/>
+          </a:prstGeom>
+        </p:spPr>
+      </p:pic>
+      <p:grpSp>
+        <p:nvGrpSpPr>
+          <p:cNvPr id="39" name="グループ化 38"/>
+          <p:cNvGrpSpPr/>
+          <p:nvPr/>
+        </p:nvGrpSpPr>
+        <p:grpSpPr>
+          <a:xfrm>
+            <a:off x="1484784" y="6424210"/>
+            <a:ext cx="3960440" cy="1732692"/>
+            <a:chOff x="1895918" y="1781128"/>
+            <a:chExt cx="3858252" cy="1949839"/>
+          </a:xfrm>
+        </p:grpSpPr>
+        <p:pic>
+          <p:nvPicPr>
+            <p:cNvPr id="40" name="図 39" descr="9.png"/>
+            <p:cNvPicPr>
+              <a:picLocks noChangeAspect="1"/>
+            </p:cNvPicPr>
+            <p:nvPr/>
+          </p:nvPicPr>
+          <p:blipFill>
+            <a:blip r:embed="rId4" cstate="print"/>
+            <a:stretch>
+              <a:fillRect/>
+            </a:stretch>
+          </p:blipFill>
+          <p:spPr>
+            <a:xfrm>
+              <a:off x="1895918" y="1781128"/>
+              <a:ext cx="3858252" cy="1949839"/>
+            </a:xfrm>
+            <a:prstGeom prst="rect">
+              <a:avLst/>
+            </a:prstGeom>
+          </p:spPr>
+        </p:pic>
+        <p:sp>
+          <p:nvSpPr>
+            <p:cNvPr id="43" name="テキスト ボックス 42"/>
+            <p:cNvSpPr txBox="1"/>
+            <p:nvPr/>
+          </p:nvSpPr>
+          <p:spPr>
+            <a:xfrm>
+              <a:off x="1988840" y="2195736"/>
+              <a:ext cx="3528392" cy="865870"/>
             </a:xfrm>
             <a:prstGeom prst="rect">
               <a:avLst/>
@@ -10631,133 +10235,60 @@
                 <a:t>　　</a:t>
               </a:r>
               <a:r>
-                <a:rPr kumimoji="1" lang="ja-JP" altLang="en-US" sz="4400" dirty="0" err="1" smtClean="0"/>
-                <a:t>ーー</a:t>
-              </a:r>
-              <a:r>
                 <a:rPr kumimoji="1" lang="en-US" altLang="ja-JP" sz="4400" dirty="0" smtClean="0"/>
-                <a:t>	</a:t>
+                <a:t>Android	</a:t>
               </a:r>
               <a:r>
                 <a:rPr kumimoji="1" lang="ja-JP" altLang="en-US" sz="4400" dirty="0" smtClean="0"/>
                 <a:t>　　</a:t>
-              </a:r>
-              <a:r>
-                <a:rPr kumimoji="1" lang="en-US" altLang="ja-JP" sz="4400" dirty="0" smtClean="0"/>
-                <a:t>×</a:t>
               </a:r>
               <a:endParaRPr kumimoji="1" lang="ja-JP" altLang="en-US" sz="4400" dirty="0"/>
             </a:p>
           </p:txBody>
         </p:sp>
       </p:grpSp>
-      <p:sp>
-        <p:nvSpPr>
-          <p:cNvPr id="41" name="正方形/長方形 40"/>
-          <p:cNvSpPr/>
-          <p:nvPr/>
-        </p:nvSpPr>
-        <p:spPr>
-          <a:xfrm>
-            <a:off x="1988840" y="160348"/>
-            <a:ext cx="2952328" cy="523220"/>
-          </a:xfrm>
-          <a:prstGeom prst="rect">
-            <a:avLst/>
-          </a:prstGeom>
-        </p:spPr>
-        <p:txBody>
-          <a:bodyPr wrap="square">
-            <a:spAutoFit/>
-          </a:bodyPr>
-          <a:lstStyle/>
-          <a:p>
-            <a:pPr algn="ctr"/>
-            <a:r>
-              <a:rPr lang="ja-JP" altLang="en-US" sz="2800" dirty="0" smtClean="0">
-                <a:solidFill>
-                  <a:schemeClr val="bg1"/>
-                </a:solidFill>
-              </a:rPr>
-              <a:t>キーフレーズ管理</a:t>
-            </a:r>
-            <a:endParaRPr lang="ja-JP" altLang="en-US" sz="2800" dirty="0">
-              <a:solidFill>
-                <a:schemeClr val="bg1"/>
-              </a:solidFill>
-            </a:endParaRPr>
-          </a:p>
-        </p:txBody>
-      </p:sp>
-      <p:sp>
-        <p:nvSpPr>
-          <p:cNvPr id="42" name="角丸四角形 41"/>
-          <p:cNvSpPr/>
-          <p:nvPr/>
-        </p:nvSpPr>
-        <p:spPr>
-          <a:xfrm>
-            <a:off x="5733256" y="-1016"/>
-            <a:ext cx="1052736" cy="827584"/>
-          </a:xfrm>
-          <a:prstGeom prst="roundRect">
-            <a:avLst/>
-          </a:prstGeom>
-          <a:blipFill>
-            <a:blip r:embed="rId5" cstate="print"/>
-            <a:stretch>
-              <a:fillRect/>
-            </a:stretch>
-          </a:blipFill>
-          <a:ln>
-            <a:noFill/>
-          </a:ln>
-        </p:spPr>
-        <p:style>
-          <a:lnRef idx="2">
-            <a:schemeClr val="accent1">
-              <a:shade val="50000"/>
-            </a:schemeClr>
-          </a:lnRef>
-          <a:fillRef idx="1">
-            <a:schemeClr val="accent1"/>
-          </a:fillRef>
-          <a:effectRef idx="0">
-            <a:schemeClr val="accent1"/>
-          </a:effectRef>
-          <a:fontRef idx="minor">
-            <a:schemeClr val="lt1"/>
-          </a:fontRef>
-        </p:style>
-        <p:txBody>
-          <a:bodyPr rtlCol="0" anchor="ctr"/>
-          <a:lstStyle/>
-          <a:p>
-            <a:pPr algn="ctr"/>
-            <a:endParaRPr kumimoji="1" lang="ja-JP" altLang="en-US" dirty="0" smtClean="0"/>
-          </a:p>
-        </p:txBody>
-      </p:sp>
       <p:pic>
         <p:nvPicPr>
-          <p:cNvPr id="25" name="図 24" descr="18.png"/>
+          <p:cNvPr id="44" name="図 43" descr="delete.png"/>
           <p:cNvPicPr>
             <a:picLocks noChangeAspect="1"/>
           </p:cNvPicPr>
           <p:nvPr/>
         </p:nvPicPr>
         <p:blipFill>
-          <a:blip r:embed="rId6" cstate="print">
-            <a:lum bright="100000" contrast="-70000"/>
-          </a:blip>
+          <a:blip r:embed="rId5" cstate="print"/>
           <a:stretch>
             <a:fillRect/>
           </a:stretch>
         </p:blipFill>
         <p:spPr>
           <a:xfrm>
-            <a:off x="5841776" y="-36512"/>
-            <a:ext cx="827584" cy="827584"/>
+            <a:off x="4581128" y="6876256"/>
+            <a:ext cx="576064" cy="576064"/>
+          </a:xfrm>
+          <a:prstGeom prst="rect">
+            <a:avLst/>
+          </a:prstGeom>
+        </p:spPr>
+      </p:pic>
+      <p:pic>
+        <p:nvPicPr>
+          <p:cNvPr id="33" name="図 32" descr="home.png"/>
+          <p:cNvPicPr>
+            <a:picLocks noChangeAspect="1"/>
+          </p:cNvPicPr>
+          <p:nvPr/>
+        </p:nvPicPr>
+        <p:blipFill>
+          <a:blip r:embed="rId6" cstate="print"/>
+          <a:stretch>
+            <a:fillRect/>
+          </a:stretch>
+        </p:blipFill>
+        <p:spPr>
+          <a:xfrm>
+            <a:off x="6021288" y="35496"/>
+            <a:ext cx="792088" cy="720080"/>
           </a:xfrm>
           <a:prstGeom prst="rect">
             <a:avLst/>
